--- a/spring_data_redis_presentation_with_code.pptx
+++ b/spring_data_redis_presentation_with_code.pptx
@@ -13,14 +13,6 @@
     <p:sldId id="261" r:id="rId8"/>
     <p:sldId id="262" r:id="rId9"/>
     <p:sldId id="263" r:id="rId10"/>
-    <p:sldId id="264" r:id="rId11"/>
-    <p:sldId id="265" r:id="rId12"/>
-    <p:sldId id="266" r:id="rId13"/>
-    <p:sldId id="267" r:id="rId14"/>
-    <p:sldId id="268" r:id="rId15"/>
-    <p:sldId id="269" r:id="rId16"/>
-    <p:sldId id="270" r:id="rId17"/>
-    <p:sldId id="271" r:id="rId18"/>
   </p:sldIdLst>
   <p:sldSz cx="9144000" cy="6858000"/>
   <p:notesSz cx="7559675" cy="10691813"/>
@@ -28,8 +20,8 @@
 </file>
 
 <file path=ppt/slideLayouts/slideLayout1.xml><?xml version="1.0" encoding="utf-8"?>
-<p:sldLayout xmlns:a="http://schemas.openxmlformats.org/drawingml/2006/main" xmlns:p="http://schemas.openxmlformats.org/presentationml/2006/main" xmlns:r="http://schemas.openxmlformats.org/officeDocument/2006/relationships" xmlns:p14="http://schemas.microsoft.com/office/powerpoint/2010/main" xmlns:p15="http://schemas.microsoft.com/office/powerpoint/2012/main" xmlns:mc="http://schemas.openxmlformats.org/markup-compatibility/2006" type="blank" preserve="1">
-  <p:cSld name="Picture with Caption">
+<p:sldLayout xmlns:a="http://schemas.openxmlformats.org/drawingml/2006/main" xmlns:p="http://schemas.openxmlformats.org/presentationml/2006/main" xmlns:r="http://schemas.openxmlformats.org/officeDocument/2006/relationships" xmlns:p14="http://schemas.microsoft.com/office/powerpoint/2010/main" xmlns:p15="http://schemas.microsoft.com/office/powerpoint/2012/main" xmlns:mc="http://schemas.openxmlformats.org/markup-compatibility/2006" type="titleOnly" preserve="1">
+  <p:cSld name="Title Only">
     <p:bg>
       <p:bgPr>
         <a:solidFill>
@@ -63,8 +55,8 @@
         </p:nvSpPr>
         <p:spPr>
           <a:xfrm>
-            <a:off x="1792440" y="4800600"/>
-            <a:ext cx="5484600" cy="564840"/>
+            <a:off x="457200" y="274680"/>
+            <a:ext cx="8227440" cy="1140840"/>
           </a:xfrm>
           <a:prstGeom prst="rect">
             <a:avLst/>
@@ -75,11 +67,11 @@
           </a:ln>
         </p:spPr>
         <p:txBody>
-          <a:bodyPr lIns="91440" rIns="91440" tIns="45720" bIns="45720" anchor="b">
+          <a:bodyPr lIns="91440" rIns="91440" tIns="45720" bIns="45720" anchor="ctr">
             <a:noAutofit/>
           </a:bodyPr>
           <a:p>
-            <a:pPr indent="0" defTabSz="457200">
+            <a:pPr indent="0" algn="ctr" defTabSz="457200">
               <a:lnSpc>
                 <a:spcPct val="100000"/>
               </a:lnSpc>
@@ -89,7 +81,7 @@
               </a:tabLst>
             </a:pPr>
             <a:r>
-              <a:rPr b="1" lang="en-US" sz="2000" strike="noStrike" u="none">
+              <a:rPr b="0" lang="en-US" sz="4400" strike="noStrike" u="none">
                 <a:solidFill>
                   <a:schemeClr val="dk1"/>
                 </a:solidFill>
@@ -99,7 +91,7 @@
               </a:rPr>
               <a:t>Click to edit Master title style</a:t>
             </a:r>
-            <a:endParaRPr b="0" lang="pt-BR" sz="2000" strike="noStrike" u="none">
+            <a:endParaRPr b="0" lang="pt-BR" sz="4400" strike="noStrike" u="none">
               <a:solidFill>
                 <a:srgbClr val="000000"/>
               </a:solidFill>
@@ -113,342 +105,6 @@
       <p:sp>
         <p:nvSpPr>
           <p:cNvPr id="1" name="PlaceHolder 2"/>
-          <p:cNvSpPr>
-            <a:spLocks noGrp="1"/>
-          </p:cNvSpPr>
-          <p:nvPr>
-            <p:ph type="body"/>
-          </p:nvPr>
-        </p:nvSpPr>
-        <p:spPr>
-          <a:xfrm>
-            <a:off x="1792440" y="612720"/>
-            <a:ext cx="5484600" cy="4113000"/>
-          </a:xfrm>
-          <a:prstGeom prst="rect">
-            <a:avLst/>
-          </a:prstGeom>
-          <a:noFill/>
-          <a:ln w="0">
-            <a:noFill/>
-          </a:ln>
-        </p:spPr>
-        <p:txBody>
-          <a:bodyPr lIns="90000" rIns="90000" tIns="45000" bIns="45000" anchor="t">
-            <a:noAutofit/>
-          </a:bodyPr>
-          <a:p>
-            <a:pPr marL="432000" indent="-324000">
-              <a:lnSpc>
-                <a:spcPct val="100000"/>
-              </a:lnSpc>
-              <a:spcBef>
-                <a:spcPts val="1417"/>
-              </a:spcBef>
-              <a:buClr>
-                <a:srgbClr val="000000"/>
-              </a:buClr>
-              <a:buSzPct val="45000"/>
-              <a:buFont typeface="Wingdings" charset="2"/>
-              <a:buChar char=""/>
-            </a:pPr>
-            <a:r>
-              <a:rPr b="0" lang="en-US" sz="3200" strike="noStrike" u="none">
-                <a:solidFill>
-                  <a:schemeClr val="dk1"/>
-                </a:solidFill>
-                <a:effectLst/>
-                <a:uFillTx/>
-                <a:latin typeface="Calibri"/>
-              </a:rPr>
-              <a:t>Clique para editar o formato de texto dos tópicos</a:t>
-            </a:r>
-            <a:endParaRPr b="0" lang="pt-BR" sz="3200" strike="noStrike" u="none">
-              <a:solidFill>
-                <a:srgbClr val="000000"/>
-              </a:solidFill>
-              <a:effectLst/>
-              <a:uFillTx/>
-              <a:latin typeface="Arial"/>
-            </a:endParaRPr>
-          </a:p>
-          <a:p>
-            <a:pPr lvl="1" marL="864000" indent="-324000">
-              <a:lnSpc>
-                <a:spcPct val="100000"/>
-              </a:lnSpc>
-              <a:spcBef>
-                <a:spcPts val="1134"/>
-              </a:spcBef>
-              <a:buClr>
-                <a:srgbClr val="000000"/>
-              </a:buClr>
-              <a:buSzPct val="75000"/>
-              <a:buFont typeface="Symbol" charset="2"/>
-              <a:buChar char=""/>
-            </a:pPr>
-            <a:r>
-              <a:rPr b="0" lang="en-US" sz="3200" strike="noStrike" u="none">
-                <a:solidFill>
-                  <a:schemeClr val="dk1"/>
-                </a:solidFill>
-                <a:effectLst/>
-                <a:uFillTx/>
-                <a:latin typeface="Calibri"/>
-              </a:rPr>
-              <a:t>2.º nível de tópicos</a:t>
-            </a:r>
-            <a:endParaRPr b="0" lang="pt-BR" sz="3200" strike="noStrike" u="none">
-              <a:solidFill>
-                <a:srgbClr val="000000"/>
-              </a:solidFill>
-              <a:effectLst/>
-              <a:uFillTx/>
-              <a:latin typeface="Arial"/>
-            </a:endParaRPr>
-          </a:p>
-          <a:p>
-            <a:pPr lvl="2" marL="1296000" indent="-288000">
-              <a:lnSpc>
-                <a:spcPct val="100000"/>
-              </a:lnSpc>
-              <a:spcBef>
-                <a:spcPts val="850"/>
-              </a:spcBef>
-              <a:buClr>
-                <a:srgbClr val="000000"/>
-              </a:buClr>
-              <a:buSzPct val="45000"/>
-              <a:buFont typeface="Wingdings" charset="2"/>
-              <a:buChar char=""/>
-            </a:pPr>
-            <a:r>
-              <a:rPr b="0" lang="en-US" sz="3200" strike="noStrike" u="none">
-                <a:solidFill>
-                  <a:schemeClr val="dk1"/>
-                </a:solidFill>
-                <a:effectLst/>
-                <a:uFillTx/>
-                <a:latin typeface="Calibri"/>
-              </a:rPr>
-              <a:t>3.º nível de tópicos</a:t>
-            </a:r>
-            <a:endParaRPr b="0" lang="pt-BR" sz="3200" strike="noStrike" u="none">
-              <a:solidFill>
-                <a:srgbClr val="000000"/>
-              </a:solidFill>
-              <a:effectLst/>
-              <a:uFillTx/>
-              <a:latin typeface="Arial"/>
-            </a:endParaRPr>
-          </a:p>
-          <a:p>
-            <a:pPr lvl="3" marL="1728000" indent="-216000">
-              <a:lnSpc>
-                <a:spcPct val="100000"/>
-              </a:lnSpc>
-              <a:spcBef>
-                <a:spcPts val="567"/>
-              </a:spcBef>
-              <a:buClr>
-                <a:srgbClr val="000000"/>
-              </a:buClr>
-              <a:buSzPct val="75000"/>
-              <a:buFont typeface="Symbol" charset="2"/>
-              <a:buChar char=""/>
-            </a:pPr>
-            <a:r>
-              <a:rPr b="0" lang="en-US" sz="3200" strike="noStrike" u="none">
-                <a:solidFill>
-                  <a:schemeClr val="dk1"/>
-                </a:solidFill>
-                <a:effectLst/>
-                <a:uFillTx/>
-                <a:latin typeface="Calibri"/>
-              </a:rPr>
-              <a:t>4.º nível de tópicos</a:t>
-            </a:r>
-            <a:endParaRPr b="0" lang="pt-BR" sz="3200" strike="noStrike" u="none">
-              <a:solidFill>
-                <a:srgbClr val="000000"/>
-              </a:solidFill>
-              <a:effectLst/>
-              <a:uFillTx/>
-              <a:latin typeface="Arial"/>
-            </a:endParaRPr>
-          </a:p>
-          <a:p>
-            <a:pPr lvl="4" marL="2160000" indent="-216000">
-              <a:lnSpc>
-                <a:spcPct val="100000"/>
-              </a:lnSpc>
-              <a:spcBef>
-                <a:spcPts val="283"/>
-              </a:spcBef>
-              <a:buClr>
-                <a:srgbClr val="000000"/>
-              </a:buClr>
-              <a:buSzPct val="45000"/>
-              <a:buFont typeface="Wingdings" charset="2"/>
-              <a:buChar char=""/>
-            </a:pPr>
-            <a:r>
-              <a:rPr b="0" lang="en-US" sz="3200" strike="noStrike" u="none">
-                <a:solidFill>
-                  <a:schemeClr val="dk1"/>
-                </a:solidFill>
-                <a:effectLst/>
-                <a:uFillTx/>
-                <a:latin typeface="Calibri"/>
-              </a:rPr>
-              <a:t>5.º nível de tópicos</a:t>
-            </a:r>
-            <a:endParaRPr b="0" lang="pt-BR" sz="3200" strike="noStrike" u="none">
-              <a:solidFill>
-                <a:srgbClr val="000000"/>
-              </a:solidFill>
-              <a:effectLst/>
-              <a:uFillTx/>
-              <a:latin typeface="Arial"/>
-            </a:endParaRPr>
-          </a:p>
-          <a:p>
-            <a:pPr lvl="5" marL="2592000" indent="-216000">
-              <a:lnSpc>
-                <a:spcPct val="100000"/>
-              </a:lnSpc>
-              <a:spcBef>
-                <a:spcPts val="283"/>
-              </a:spcBef>
-              <a:buClr>
-                <a:srgbClr val="000000"/>
-              </a:buClr>
-              <a:buSzPct val="45000"/>
-              <a:buFont typeface="Wingdings" charset="2"/>
-              <a:buChar char=""/>
-            </a:pPr>
-            <a:r>
-              <a:rPr b="0" lang="en-US" sz="3200" strike="noStrike" u="none">
-                <a:solidFill>
-                  <a:schemeClr val="dk1"/>
-                </a:solidFill>
-                <a:effectLst/>
-                <a:uFillTx/>
-                <a:latin typeface="Calibri"/>
-              </a:rPr>
-              <a:t>6.º nível de tópicos</a:t>
-            </a:r>
-            <a:endParaRPr b="0" lang="pt-BR" sz="3200" strike="noStrike" u="none">
-              <a:solidFill>
-                <a:srgbClr val="000000"/>
-              </a:solidFill>
-              <a:effectLst/>
-              <a:uFillTx/>
-              <a:latin typeface="Arial"/>
-            </a:endParaRPr>
-          </a:p>
-          <a:p>
-            <a:pPr lvl="6" marL="3024000" indent="-216000">
-              <a:lnSpc>
-                <a:spcPct val="100000"/>
-              </a:lnSpc>
-              <a:spcBef>
-                <a:spcPts val="283"/>
-              </a:spcBef>
-              <a:buClr>
-                <a:srgbClr val="000000"/>
-              </a:buClr>
-              <a:buSzPct val="45000"/>
-              <a:buFont typeface="Wingdings" charset="2"/>
-              <a:buChar char=""/>
-            </a:pPr>
-            <a:r>
-              <a:rPr b="0" lang="en-US" sz="3200" strike="noStrike" u="none">
-                <a:solidFill>
-                  <a:schemeClr val="dk1"/>
-                </a:solidFill>
-                <a:effectLst/>
-                <a:uFillTx/>
-                <a:latin typeface="Calibri"/>
-              </a:rPr>
-              <a:t>7.º nível de tópicos</a:t>
-            </a:r>
-            <a:endParaRPr b="0" lang="pt-BR" sz="3200" strike="noStrike" u="none">
-              <a:solidFill>
-                <a:srgbClr val="000000"/>
-              </a:solidFill>
-              <a:effectLst/>
-              <a:uFillTx/>
-              <a:latin typeface="Arial"/>
-            </a:endParaRPr>
-          </a:p>
-        </p:txBody>
-      </p:sp>
-      <p:sp>
-        <p:nvSpPr>
-          <p:cNvPr id="2" name="PlaceHolder 3"/>
-          <p:cNvSpPr>
-            <a:spLocks noGrp="1"/>
-          </p:cNvSpPr>
-          <p:nvPr>
-            <p:ph type="body"/>
-          </p:nvPr>
-        </p:nvSpPr>
-        <p:spPr>
-          <a:xfrm>
-            <a:off x="1792440" y="5367240"/>
-            <a:ext cx="5484600" cy="803160"/>
-          </a:xfrm>
-          <a:prstGeom prst="rect">
-            <a:avLst/>
-          </a:prstGeom>
-          <a:noFill/>
-          <a:ln w="0">
-            <a:noFill/>
-          </a:ln>
-        </p:spPr>
-        <p:txBody>
-          <a:bodyPr lIns="91440" rIns="91440" tIns="45720" bIns="45720" anchor="t">
-            <a:noAutofit/>
-          </a:bodyPr>
-          <a:p>
-            <a:pPr indent="0" defTabSz="457200">
-              <a:lnSpc>
-                <a:spcPct val="100000"/>
-              </a:lnSpc>
-              <a:spcBef>
-                <a:spcPts val="281"/>
-              </a:spcBef>
-              <a:buNone/>
-              <a:tabLst>
-                <a:tab algn="l" pos="0"/>
-              </a:tabLst>
-            </a:pPr>
-            <a:r>
-              <a:rPr b="0" lang="en-US" sz="1400" strike="noStrike" u="none">
-                <a:solidFill>
-                  <a:schemeClr val="dk1"/>
-                </a:solidFill>
-                <a:effectLst/>
-                <a:uFillTx/>
-                <a:latin typeface="Calibri"/>
-              </a:rPr>
-              <a:t>Click to edit Master text styles</a:t>
-            </a:r>
-            <a:endParaRPr b="0" lang="pt-BR" sz="1400" strike="noStrike" u="none">
-              <a:solidFill>
-                <a:srgbClr val="000000"/>
-              </a:solidFill>
-              <a:effectLst/>
-              <a:uFillTx/>
-              <a:latin typeface="Arial"/>
-            </a:endParaRPr>
-          </a:p>
-        </p:txBody>
-      </p:sp>
-      <p:sp>
-        <p:nvSpPr>
-          <p:cNvPr id="3" name="PlaceHolder 4"/>
           <p:cNvSpPr>
             <a:spLocks noGrp="1"/>
           </p:cNvSpPr>
@@ -459,7 +115,7 @@
         <p:spPr>
           <a:xfrm>
             <a:off x="457200" y="6356520"/>
-            <a:ext cx="2131920" cy="363240"/>
+            <a:ext cx="2131560" cy="362880"/>
           </a:xfrm>
           <a:prstGeom prst="rect">
             <a:avLst/>
@@ -530,7 +186,7 @@
       </p:sp>
       <p:sp>
         <p:nvSpPr>
-          <p:cNvPr id="4" name="PlaceHolder 5"/>
+          <p:cNvPr id="2" name="PlaceHolder 3"/>
           <p:cNvSpPr>
             <a:spLocks noGrp="1"/>
           </p:cNvSpPr>
@@ -541,7 +197,7 @@
         <p:spPr>
           <a:xfrm>
             <a:off x="3124080" y="6356520"/>
-            <a:ext cx="2893680" cy="363240"/>
+            <a:ext cx="2893320" cy="362880"/>
           </a:xfrm>
           <a:prstGeom prst="rect">
             <a:avLst/>
@@ -608,7 +264,7 @@
       </p:sp>
       <p:sp>
         <p:nvSpPr>
-          <p:cNvPr id="5" name="PlaceHolder 6"/>
+          <p:cNvPr id="3" name="PlaceHolder 4"/>
           <p:cNvSpPr>
             <a:spLocks noGrp="1"/>
           </p:cNvSpPr>
@@ -619,7 +275,7 @@
         <p:spPr>
           <a:xfrm>
             <a:off x="6553080" y="6356520"/>
-            <a:ext cx="2131920" cy="363240"/>
+            <a:ext cx="2131560" cy="362880"/>
           </a:xfrm>
           <a:prstGeom prst="rect">
             <a:avLst/>
@@ -664,7 +320,7 @@
                 <a:tab algn="l" pos="0"/>
               </a:tabLst>
             </a:pPr>
-            <a:fld id="{4B3B8215-95B0-4A34-8214-E150AF493922}" type="slidenum">
+            <a:fld id="{12B342F4-ED8E-449D-A191-1477BE22DD7C}" type="slidenum">
               <a:rPr b="0" lang="en-US" sz="1200" strike="noStrike" u="none">
                 <a:solidFill>
                   <a:schemeClr val="dk1">
@@ -684,6 +340,280 @@
               <a:effectLst/>
               <a:uFillTx/>
               <a:latin typeface="Times New Roman"/>
+            </a:endParaRPr>
+          </a:p>
+        </p:txBody>
+      </p:sp>
+      <p:sp>
+        <p:nvSpPr>
+          <p:cNvPr id="4" name="PlaceHolder 5"/>
+          <p:cNvSpPr>
+            <a:spLocks noGrp="1"/>
+          </p:cNvSpPr>
+          <p:nvPr>
+            <p:ph type="body"/>
+          </p:nvPr>
+        </p:nvSpPr>
+        <p:spPr>
+          <a:xfrm>
+            <a:off x="457200" y="1604520"/>
+            <a:ext cx="8228160" cy="3976200"/>
+          </a:xfrm>
+          <a:prstGeom prst="rect">
+            <a:avLst/>
+          </a:prstGeom>
+          <a:noFill/>
+          <a:ln w="0">
+            <a:noFill/>
+          </a:ln>
+        </p:spPr>
+        <p:txBody>
+          <a:bodyPr lIns="0" rIns="0" tIns="0" bIns="0" anchor="t">
+            <a:normAutofit/>
+          </a:bodyPr>
+          <a:p>
+            <a:pPr marL="432000" indent="-324000">
+              <a:lnSpc>
+                <a:spcPct val="100000"/>
+              </a:lnSpc>
+              <a:spcBef>
+                <a:spcPts val="1417"/>
+              </a:spcBef>
+              <a:buClr>
+                <a:srgbClr val="000000"/>
+              </a:buClr>
+              <a:buSzPct val="45000"/>
+              <a:buFont typeface="Wingdings" charset="2"/>
+              <a:buChar char=""/>
+            </a:pPr>
+            <a:r>
+              <a:rPr b="0" lang="pt-BR" sz="3200" strike="noStrike" u="none">
+                <a:solidFill>
+                  <a:srgbClr val="000000"/>
+                </a:solidFill>
+                <a:effectLst/>
+                <a:uFillTx/>
+                <a:latin typeface="Arial"/>
+              </a:rPr>
+              <a:t>Clique para editar o formato de texto dos tópicos</a:t>
+            </a:r>
+            <a:endParaRPr b="0" lang="pt-BR" sz="3200" strike="noStrike" u="none">
+              <a:solidFill>
+                <a:srgbClr val="000000"/>
+              </a:solidFill>
+              <a:effectLst/>
+              <a:uFillTx/>
+              <a:latin typeface="Arial"/>
+            </a:endParaRPr>
+          </a:p>
+          <a:p>
+            <a:pPr lvl="1" marL="864000" indent="-324000">
+              <a:lnSpc>
+                <a:spcPct val="100000"/>
+              </a:lnSpc>
+              <a:spcBef>
+                <a:spcPts val="1134"/>
+              </a:spcBef>
+              <a:buClr>
+                <a:srgbClr val="000000"/>
+              </a:buClr>
+              <a:buSzPct val="75000"/>
+              <a:buFont typeface="Symbol" charset="2"/>
+              <a:buChar char=""/>
+            </a:pPr>
+            <a:r>
+              <a:rPr b="0" lang="pt-BR" sz="2800" strike="noStrike" u="none">
+                <a:solidFill>
+                  <a:srgbClr val="000000"/>
+                </a:solidFill>
+                <a:effectLst/>
+                <a:uFillTx/>
+                <a:latin typeface="Arial"/>
+              </a:rPr>
+              <a:t>2.º nível de tópicos</a:t>
+            </a:r>
+            <a:endParaRPr b="0" lang="pt-BR" sz="2800" strike="noStrike" u="none">
+              <a:solidFill>
+                <a:srgbClr val="000000"/>
+              </a:solidFill>
+              <a:effectLst/>
+              <a:uFillTx/>
+              <a:latin typeface="Arial"/>
+            </a:endParaRPr>
+          </a:p>
+          <a:p>
+            <a:pPr lvl="2" marL="1296000" indent="-288000">
+              <a:lnSpc>
+                <a:spcPct val="100000"/>
+              </a:lnSpc>
+              <a:spcBef>
+                <a:spcPts val="850"/>
+              </a:spcBef>
+              <a:buClr>
+                <a:srgbClr val="000000"/>
+              </a:buClr>
+              <a:buSzPct val="45000"/>
+              <a:buFont typeface="Wingdings" charset="2"/>
+              <a:buChar char=""/>
+            </a:pPr>
+            <a:r>
+              <a:rPr b="0" lang="pt-BR" sz="2400" strike="noStrike" u="none">
+                <a:solidFill>
+                  <a:srgbClr val="000000"/>
+                </a:solidFill>
+                <a:effectLst/>
+                <a:uFillTx/>
+                <a:latin typeface="Arial"/>
+              </a:rPr>
+              <a:t>3.º nível de tópicos</a:t>
+            </a:r>
+            <a:endParaRPr b="0" lang="pt-BR" sz="2400" strike="noStrike" u="none">
+              <a:solidFill>
+                <a:srgbClr val="000000"/>
+              </a:solidFill>
+              <a:effectLst/>
+              <a:uFillTx/>
+              <a:latin typeface="Arial"/>
+            </a:endParaRPr>
+          </a:p>
+          <a:p>
+            <a:pPr lvl="3" marL="1728000" indent="-216000">
+              <a:lnSpc>
+                <a:spcPct val="100000"/>
+              </a:lnSpc>
+              <a:spcBef>
+                <a:spcPts val="567"/>
+              </a:spcBef>
+              <a:buClr>
+                <a:srgbClr val="000000"/>
+              </a:buClr>
+              <a:buSzPct val="75000"/>
+              <a:buFont typeface="Symbol" charset="2"/>
+              <a:buChar char=""/>
+            </a:pPr>
+            <a:r>
+              <a:rPr b="0" lang="pt-BR" sz="2000" strike="noStrike" u="none">
+                <a:solidFill>
+                  <a:srgbClr val="000000"/>
+                </a:solidFill>
+                <a:effectLst/>
+                <a:uFillTx/>
+                <a:latin typeface="Arial"/>
+              </a:rPr>
+              <a:t>4.º nível de tópicos</a:t>
+            </a:r>
+            <a:endParaRPr b="0" lang="pt-BR" sz="2000" strike="noStrike" u="none">
+              <a:solidFill>
+                <a:srgbClr val="000000"/>
+              </a:solidFill>
+              <a:effectLst/>
+              <a:uFillTx/>
+              <a:latin typeface="Arial"/>
+            </a:endParaRPr>
+          </a:p>
+          <a:p>
+            <a:pPr lvl="4" marL="2160000" indent="-216000">
+              <a:lnSpc>
+                <a:spcPct val="100000"/>
+              </a:lnSpc>
+              <a:spcBef>
+                <a:spcPts val="283"/>
+              </a:spcBef>
+              <a:buClr>
+                <a:srgbClr val="000000"/>
+              </a:buClr>
+              <a:buSzPct val="45000"/>
+              <a:buFont typeface="Wingdings" charset="2"/>
+              <a:buChar char=""/>
+            </a:pPr>
+            <a:r>
+              <a:rPr b="0" lang="pt-BR" sz="2000" strike="noStrike" u="none">
+                <a:solidFill>
+                  <a:srgbClr val="000000"/>
+                </a:solidFill>
+                <a:effectLst/>
+                <a:uFillTx/>
+                <a:latin typeface="Arial"/>
+              </a:rPr>
+              <a:t>5.º nível de tópicos</a:t>
+            </a:r>
+            <a:endParaRPr b="0" lang="pt-BR" sz="2000" strike="noStrike" u="none">
+              <a:solidFill>
+                <a:srgbClr val="000000"/>
+              </a:solidFill>
+              <a:effectLst/>
+              <a:uFillTx/>
+              <a:latin typeface="Arial"/>
+            </a:endParaRPr>
+          </a:p>
+          <a:p>
+            <a:pPr lvl="5" marL="2592000" indent="-216000">
+              <a:lnSpc>
+                <a:spcPct val="100000"/>
+              </a:lnSpc>
+              <a:spcBef>
+                <a:spcPts val="283"/>
+              </a:spcBef>
+              <a:buClr>
+                <a:srgbClr val="000000"/>
+              </a:buClr>
+              <a:buSzPct val="45000"/>
+              <a:buFont typeface="Wingdings" charset="2"/>
+              <a:buChar char=""/>
+            </a:pPr>
+            <a:r>
+              <a:rPr b="0" lang="pt-BR" sz="2000" strike="noStrike" u="none">
+                <a:solidFill>
+                  <a:srgbClr val="000000"/>
+                </a:solidFill>
+                <a:effectLst/>
+                <a:uFillTx/>
+                <a:latin typeface="Arial"/>
+              </a:rPr>
+              <a:t>6.º nível de tópicos</a:t>
+            </a:r>
+            <a:endParaRPr b="0" lang="pt-BR" sz="2000" strike="noStrike" u="none">
+              <a:solidFill>
+                <a:srgbClr val="000000"/>
+              </a:solidFill>
+              <a:effectLst/>
+              <a:uFillTx/>
+              <a:latin typeface="Arial"/>
+            </a:endParaRPr>
+          </a:p>
+          <a:p>
+            <a:pPr lvl="6" marL="3024000" indent="-216000">
+              <a:lnSpc>
+                <a:spcPct val="100000"/>
+              </a:lnSpc>
+              <a:spcBef>
+                <a:spcPts val="283"/>
+              </a:spcBef>
+              <a:buClr>
+                <a:srgbClr val="000000"/>
+              </a:buClr>
+              <a:buSzPct val="45000"/>
+              <a:buFont typeface="Wingdings" charset="2"/>
+              <a:buChar char=""/>
+            </a:pPr>
+            <a:r>
+              <a:rPr b="0" lang="pt-BR" sz="2000" strike="noStrike" u="none">
+                <a:solidFill>
+                  <a:srgbClr val="000000"/>
+                </a:solidFill>
+                <a:effectLst/>
+                <a:uFillTx/>
+                <a:latin typeface="Arial"/>
+              </a:rPr>
+              <a:t>7.º nível de tópicos</a:t>
+            </a:r>
+            <a:endParaRPr b="0" lang="pt-BR" sz="2000" strike="noStrike" u="none">
+              <a:solidFill>
+                <a:srgbClr val="000000"/>
+              </a:solidFill>
+              <a:effectLst/>
+              <a:uFillTx/>
+              <a:latin typeface="Arial"/>
             </a:endParaRPr>
           </a:p>
         </p:txBody>
@@ -694,6 +624,1586 @@
 </file>
 
 <file path=ppt/slideLayouts/slideLayout10.xml><?xml version="1.0" encoding="utf-8"?>
+<p:sldLayout xmlns:a="http://schemas.openxmlformats.org/drawingml/2006/main" xmlns:p="http://schemas.openxmlformats.org/presentationml/2006/main" xmlns:r="http://schemas.openxmlformats.org/officeDocument/2006/relationships" xmlns:p14="http://schemas.microsoft.com/office/powerpoint/2010/main" xmlns:p15="http://schemas.microsoft.com/office/powerpoint/2012/main" xmlns:mc="http://schemas.openxmlformats.org/markup-compatibility/2006" type="twoObj" preserve="1">
+  <p:cSld name="Two Content">
+    <p:bg>
+      <p:bgPr>
+        <a:solidFill>
+          <a:srgbClr val="ffffff"/>
+        </a:solidFill>
+      </p:bgPr>
+    </p:bg>
+    <p:spTree>
+      <p:nvGrpSpPr>
+        <p:cNvPr id="1" name=""/>
+        <p:cNvGrpSpPr/>
+        <p:nvPr/>
+      </p:nvGrpSpPr>
+      <p:grpSpPr>
+        <a:xfrm>
+          <a:off x="0" y="0"/>
+          <a:ext cx="0" cy="0"/>
+          <a:chOff x="0" y="0"/>
+          <a:chExt cx="0" cy="0"/>
+        </a:xfrm>
+      </p:grpSpPr>
+      <p:sp>
+        <p:nvSpPr>
+          <p:cNvPr id="47" name="PlaceHolder 1"/>
+          <p:cNvSpPr>
+            <a:spLocks noGrp="1"/>
+          </p:cNvSpPr>
+          <p:nvPr>
+            <p:ph type="title"/>
+          </p:nvPr>
+        </p:nvSpPr>
+        <p:spPr>
+          <a:xfrm>
+            <a:off x="457200" y="274680"/>
+            <a:ext cx="8227440" cy="1140840"/>
+          </a:xfrm>
+          <a:prstGeom prst="rect">
+            <a:avLst/>
+          </a:prstGeom>
+          <a:noFill/>
+          <a:ln w="0">
+            <a:noFill/>
+          </a:ln>
+        </p:spPr>
+        <p:txBody>
+          <a:bodyPr lIns="91440" rIns="91440" tIns="45720" bIns="45720" anchor="ctr">
+            <a:noAutofit/>
+          </a:bodyPr>
+          <a:p>
+            <a:pPr indent="0" algn="ctr" defTabSz="457200">
+              <a:lnSpc>
+                <a:spcPct val="100000"/>
+              </a:lnSpc>
+              <a:buNone/>
+              <a:tabLst>
+                <a:tab algn="l" pos="0"/>
+              </a:tabLst>
+            </a:pPr>
+            <a:r>
+              <a:rPr b="0" lang="en-US" sz="4400" strike="noStrike" u="none">
+                <a:solidFill>
+                  <a:schemeClr val="dk1"/>
+                </a:solidFill>
+                <a:effectLst/>
+                <a:uFillTx/>
+                <a:latin typeface="Calibri"/>
+              </a:rPr>
+              <a:t>Click to edit Master title style</a:t>
+            </a:r>
+            <a:endParaRPr b="0" lang="pt-BR" sz="4400" strike="noStrike" u="none">
+              <a:solidFill>
+                <a:srgbClr val="000000"/>
+              </a:solidFill>
+              <a:effectLst/>
+              <a:uFillTx/>
+              <a:latin typeface="Arial"/>
+            </a:endParaRPr>
+          </a:p>
+        </p:txBody>
+      </p:sp>
+      <p:sp>
+        <p:nvSpPr>
+          <p:cNvPr id="48" name="PlaceHolder 2"/>
+          <p:cNvSpPr>
+            <a:spLocks noGrp="1"/>
+          </p:cNvSpPr>
+          <p:nvPr>
+            <p:ph type="body"/>
+          </p:nvPr>
+        </p:nvSpPr>
+        <p:spPr>
+          <a:xfrm>
+            <a:off x="457200" y="1600200"/>
+            <a:ext cx="4036320" cy="4523760"/>
+          </a:xfrm>
+          <a:prstGeom prst="rect">
+            <a:avLst/>
+          </a:prstGeom>
+          <a:noFill/>
+          <a:ln w="0">
+            <a:noFill/>
+          </a:ln>
+        </p:spPr>
+        <p:txBody>
+          <a:bodyPr lIns="91440" rIns="91440" tIns="45720" bIns="45720" anchor="t">
+            <a:noAutofit/>
+          </a:bodyPr>
+          <a:p>
+            <a:pPr marL="343080" indent="-343080" defTabSz="457200">
+              <a:lnSpc>
+                <a:spcPct val="100000"/>
+              </a:lnSpc>
+              <a:spcBef>
+                <a:spcPts val="561"/>
+              </a:spcBef>
+              <a:buClr>
+                <a:srgbClr val="000000"/>
+              </a:buClr>
+              <a:buFont typeface="Arial"/>
+              <a:buChar char="•"/>
+            </a:pPr>
+            <a:r>
+              <a:rPr b="0" lang="en-US" sz="2800" strike="noStrike" u="none">
+                <a:solidFill>
+                  <a:schemeClr val="dk1"/>
+                </a:solidFill>
+                <a:effectLst/>
+                <a:uFillTx/>
+                <a:latin typeface="Calibri"/>
+              </a:rPr>
+              <a:t>Click to edit Master text styles</a:t>
+            </a:r>
+            <a:endParaRPr b="0" lang="pt-BR" sz="2800" strike="noStrike" u="none">
+              <a:solidFill>
+                <a:srgbClr val="000000"/>
+              </a:solidFill>
+              <a:effectLst/>
+              <a:uFillTx/>
+              <a:latin typeface="Arial"/>
+            </a:endParaRPr>
+          </a:p>
+          <a:p>
+            <a:pPr lvl="1" marL="743040" indent="-285840" defTabSz="457200">
+              <a:lnSpc>
+                <a:spcPct val="100000"/>
+              </a:lnSpc>
+              <a:spcBef>
+                <a:spcPts val="479"/>
+              </a:spcBef>
+              <a:buClr>
+                <a:srgbClr val="000000"/>
+              </a:buClr>
+              <a:buFont typeface="Arial"/>
+              <a:buChar char="–"/>
+            </a:pPr>
+            <a:r>
+              <a:rPr b="0" lang="en-US" sz="2400" strike="noStrike" u="none">
+                <a:solidFill>
+                  <a:schemeClr val="dk1"/>
+                </a:solidFill>
+                <a:effectLst/>
+                <a:uFillTx/>
+                <a:latin typeface="Calibri"/>
+              </a:rPr>
+              <a:t>Second level</a:t>
+            </a:r>
+            <a:endParaRPr b="0" lang="pt-BR" sz="2400" strike="noStrike" u="none">
+              <a:solidFill>
+                <a:srgbClr val="000000"/>
+              </a:solidFill>
+              <a:effectLst/>
+              <a:uFillTx/>
+              <a:latin typeface="Arial"/>
+            </a:endParaRPr>
+          </a:p>
+          <a:p>
+            <a:pPr lvl="2" marL="1143000" indent="-228600" defTabSz="457200">
+              <a:lnSpc>
+                <a:spcPct val="100000"/>
+              </a:lnSpc>
+              <a:spcBef>
+                <a:spcPts val="400"/>
+              </a:spcBef>
+              <a:buClr>
+                <a:srgbClr val="000000"/>
+              </a:buClr>
+              <a:buFont typeface="Arial"/>
+              <a:buChar char="•"/>
+            </a:pPr>
+            <a:r>
+              <a:rPr b="0" lang="en-US" sz="2000" strike="noStrike" u="none">
+                <a:solidFill>
+                  <a:schemeClr val="dk1"/>
+                </a:solidFill>
+                <a:effectLst/>
+                <a:uFillTx/>
+                <a:latin typeface="Calibri"/>
+              </a:rPr>
+              <a:t>Third level</a:t>
+            </a:r>
+            <a:endParaRPr b="0" lang="pt-BR" sz="2000" strike="noStrike" u="none">
+              <a:solidFill>
+                <a:srgbClr val="000000"/>
+              </a:solidFill>
+              <a:effectLst/>
+              <a:uFillTx/>
+              <a:latin typeface="Arial"/>
+            </a:endParaRPr>
+          </a:p>
+          <a:p>
+            <a:pPr lvl="3" marL="1600200" indent="-228600" defTabSz="457200">
+              <a:lnSpc>
+                <a:spcPct val="100000"/>
+              </a:lnSpc>
+              <a:spcBef>
+                <a:spcPts val="360"/>
+              </a:spcBef>
+              <a:buClr>
+                <a:srgbClr val="000000"/>
+              </a:buClr>
+              <a:buFont typeface="Arial"/>
+              <a:buChar char="–"/>
+            </a:pPr>
+            <a:r>
+              <a:rPr b="0" lang="en-US" sz="1800" strike="noStrike" u="none">
+                <a:solidFill>
+                  <a:schemeClr val="dk1"/>
+                </a:solidFill>
+                <a:effectLst/>
+                <a:uFillTx/>
+                <a:latin typeface="Calibri"/>
+              </a:rPr>
+              <a:t>Fourth level</a:t>
+            </a:r>
+            <a:endParaRPr b="0" lang="pt-BR" sz="1800" strike="noStrike" u="none">
+              <a:solidFill>
+                <a:srgbClr val="000000"/>
+              </a:solidFill>
+              <a:effectLst/>
+              <a:uFillTx/>
+              <a:latin typeface="Arial"/>
+            </a:endParaRPr>
+          </a:p>
+          <a:p>
+            <a:pPr lvl="4" marL="2057400" indent="-228600" defTabSz="457200">
+              <a:lnSpc>
+                <a:spcPct val="100000"/>
+              </a:lnSpc>
+              <a:spcBef>
+                <a:spcPts val="360"/>
+              </a:spcBef>
+              <a:buClr>
+                <a:srgbClr val="000000"/>
+              </a:buClr>
+              <a:buFont typeface="Arial"/>
+              <a:buChar char="»"/>
+            </a:pPr>
+            <a:r>
+              <a:rPr b="0" lang="en-US" sz="1800" strike="noStrike" u="none">
+                <a:solidFill>
+                  <a:schemeClr val="dk1"/>
+                </a:solidFill>
+                <a:effectLst/>
+                <a:uFillTx/>
+                <a:latin typeface="Calibri"/>
+              </a:rPr>
+              <a:t>Fifth level</a:t>
+            </a:r>
+            <a:endParaRPr b="0" lang="pt-BR" sz="1800" strike="noStrike" u="none">
+              <a:solidFill>
+                <a:srgbClr val="000000"/>
+              </a:solidFill>
+              <a:effectLst/>
+              <a:uFillTx/>
+              <a:latin typeface="Arial"/>
+            </a:endParaRPr>
+          </a:p>
+        </p:txBody>
+      </p:sp>
+      <p:sp>
+        <p:nvSpPr>
+          <p:cNvPr id="49" name="PlaceHolder 3"/>
+          <p:cNvSpPr>
+            <a:spLocks noGrp="1"/>
+          </p:cNvSpPr>
+          <p:nvPr>
+            <p:ph type="body"/>
+          </p:nvPr>
+        </p:nvSpPr>
+        <p:spPr>
+          <a:xfrm>
+            <a:off x="4648320" y="1600200"/>
+            <a:ext cx="4036320" cy="4523760"/>
+          </a:xfrm>
+          <a:prstGeom prst="rect">
+            <a:avLst/>
+          </a:prstGeom>
+          <a:noFill/>
+          <a:ln w="0">
+            <a:noFill/>
+          </a:ln>
+        </p:spPr>
+        <p:txBody>
+          <a:bodyPr lIns="91440" rIns="91440" tIns="45720" bIns="45720" anchor="t">
+            <a:noAutofit/>
+          </a:bodyPr>
+          <a:p>
+            <a:pPr marL="343080" indent="-343080" defTabSz="457200">
+              <a:lnSpc>
+                <a:spcPct val="100000"/>
+              </a:lnSpc>
+              <a:spcBef>
+                <a:spcPts val="561"/>
+              </a:spcBef>
+              <a:buClr>
+                <a:srgbClr val="000000"/>
+              </a:buClr>
+              <a:buFont typeface="Arial"/>
+              <a:buChar char="•"/>
+            </a:pPr>
+            <a:r>
+              <a:rPr b="0" lang="en-US" sz="2800" strike="noStrike" u="none">
+                <a:solidFill>
+                  <a:schemeClr val="dk1"/>
+                </a:solidFill>
+                <a:effectLst/>
+                <a:uFillTx/>
+                <a:latin typeface="Calibri"/>
+              </a:rPr>
+              <a:t>Click to edit Master text styles</a:t>
+            </a:r>
+            <a:endParaRPr b="0" lang="pt-BR" sz="2800" strike="noStrike" u="none">
+              <a:solidFill>
+                <a:srgbClr val="000000"/>
+              </a:solidFill>
+              <a:effectLst/>
+              <a:uFillTx/>
+              <a:latin typeface="Arial"/>
+            </a:endParaRPr>
+          </a:p>
+          <a:p>
+            <a:pPr lvl="1" marL="743040" indent="-285840" defTabSz="457200">
+              <a:lnSpc>
+                <a:spcPct val="100000"/>
+              </a:lnSpc>
+              <a:spcBef>
+                <a:spcPts val="479"/>
+              </a:spcBef>
+              <a:buClr>
+                <a:srgbClr val="000000"/>
+              </a:buClr>
+              <a:buFont typeface="Arial"/>
+              <a:buChar char="–"/>
+            </a:pPr>
+            <a:r>
+              <a:rPr b="0" lang="en-US" sz="2400" strike="noStrike" u="none">
+                <a:solidFill>
+                  <a:schemeClr val="dk1"/>
+                </a:solidFill>
+                <a:effectLst/>
+                <a:uFillTx/>
+                <a:latin typeface="Calibri"/>
+              </a:rPr>
+              <a:t>Second level</a:t>
+            </a:r>
+            <a:endParaRPr b="0" lang="pt-BR" sz="2400" strike="noStrike" u="none">
+              <a:solidFill>
+                <a:srgbClr val="000000"/>
+              </a:solidFill>
+              <a:effectLst/>
+              <a:uFillTx/>
+              <a:latin typeface="Arial"/>
+            </a:endParaRPr>
+          </a:p>
+          <a:p>
+            <a:pPr lvl="2" marL="1143000" indent="-228600" defTabSz="457200">
+              <a:lnSpc>
+                <a:spcPct val="100000"/>
+              </a:lnSpc>
+              <a:spcBef>
+                <a:spcPts val="400"/>
+              </a:spcBef>
+              <a:buClr>
+                <a:srgbClr val="000000"/>
+              </a:buClr>
+              <a:buFont typeface="Arial"/>
+              <a:buChar char="•"/>
+            </a:pPr>
+            <a:r>
+              <a:rPr b="0" lang="en-US" sz="2000" strike="noStrike" u="none">
+                <a:solidFill>
+                  <a:schemeClr val="dk1"/>
+                </a:solidFill>
+                <a:effectLst/>
+                <a:uFillTx/>
+                <a:latin typeface="Calibri"/>
+              </a:rPr>
+              <a:t>Third level</a:t>
+            </a:r>
+            <a:endParaRPr b="0" lang="pt-BR" sz="2000" strike="noStrike" u="none">
+              <a:solidFill>
+                <a:srgbClr val="000000"/>
+              </a:solidFill>
+              <a:effectLst/>
+              <a:uFillTx/>
+              <a:latin typeface="Arial"/>
+            </a:endParaRPr>
+          </a:p>
+          <a:p>
+            <a:pPr lvl="3" marL="1600200" indent="-228600" defTabSz="457200">
+              <a:lnSpc>
+                <a:spcPct val="100000"/>
+              </a:lnSpc>
+              <a:spcBef>
+                <a:spcPts val="360"/>
+              </a:spcBef>
+              <a:buClr>
+                <a:srgbClr val="000000"/>
+              </a:buClr>
+              <a:buFont typeface="Arial"/>
+              <a:buChar char="–"/>
+            </a:pPr>
+            <a:r>
+              <a:rPr b="0" lang="en-US" sz="1800" strike="noStrike" u="none">
+                <a:solidFill>
+                  <a:schemeClr val="dk1"/>
+                </a:solidFill>
+                <a:effectLst/>
+                <a:uFillTx/>
+                <a:latin typeface="Calibri"/>
+              </a:rPr>
+              <a:t>Fourth level</a:t>
+            </a:r>
+            <a:endParaRPr b="0" lang="pt-BR" sz="1800" strike="noStrike" u="none">
+              <a:solidFill>
+                <a:srgbClr val="000000"/>
+              </a:solidFill>
+              <a:effectLst/>
+              <a:uFillTx/>
+              <a:latin typeface="Arial"/>
+            </a:endParaRPr>
+          </a:p>
+          <a:p>
+            <a:pPr lvl="4" marL="2057400" indent="-228600" defTabSz="457200">
+              <a:lnSpc>
+                <a:spcPct val="100000"/>
+              </a:lnSpc>
+              <a:spcBef>
+                <a:spcPts val="360"/>
+              </a:spcBef>
+              <a:buClr>
+                <a:srgbClr val="000000"/>
+              </a:buClr>
+              <a:buFont typeface="Arial"/>
+              <a:buChar char="»"/>
+            </a:pPr>
+            <a:r>
+              <a:rPr b="0" lang="en-US" sz="1800" strike="noStrike" u="none">
+                <a:solidFill>
+                  <a:schemeClr val="dk1"/>
+                </a:solidFill>
+                <a:effectLst/>
+                <a:uFillTx/>
+                <a:latin typeface="Calibri"/>
+              </a:rPr>
+              <a:t>Fifth level</a:t>
+            </a:r>
+            <a:endParaRPr b="0" lang="pt-BR" sz="1800" strike="noStrike" u="none">
+              <a:solidFill>
+                <a:srgbClr val="000000"/>
+              </a:solidFill>
+              <a:effectLst/>
+              <a:uFillTx/>
+              <a:latin typeface="Arial"/>
+            </a:endParaRPr>
+          </a:p>
+        </p:txBody>
+      </p:sp>
+      <p:sp>
+        <p:nvSpPr>
+          <p:cNvPr id="50" name="PlaceHolder 4"/>
+          <p:cNvSpPr>
+            <a:spLocks noGrp="1"/>
+          </p:cNvSpPr>
+          <p:nvPr>
+            <p:ph type="dt" idx="28"/>
+          </p:nvPr>
+        </p:nvSpPr>
+        <p:spPr>
+          <a:xfrm>
+            <a:off x="457200" y="6356520"/>
+            <a:ext cx="2131560" cy="362880"/>
+          </a:xfrm>
+          <a:prstGeom prst="rect">
+            <a:avLst/>
+          </a:prstGeom>
+          <a:noFill/>
+          <a:ln w="0">
+            <a:noFill/>
+          </a:ln>
+        </p:spPr>
+        <p:txBody>
+          <a:bodyPr lIns="91440" rIns="91440" tIns="45720" bIns="45720" anchor="ctr">
+            <a:noAutofit/>
+          </a:bodyPr>
+          <a:lstStyle>
+            <a:lvl1pPr indent="0" defTabSz="457200">
+              <a:lnSpc>
+                <a:spcPct val="100000"/>
+              </a:lnSpc>
+              <a:buNone/>
+              <a:tabLst>
+                <a:tab algn="l" pos="0"/>
+              </a:tabLst>
+              <a:defRPr b="0" lang="en-US" sz="1200" strike="noStrike" u="none">
+                <a:solidFill>
+                  <a:schemeClr val="dk1">
+                    <a:tint val="75000"/>
+                  </a:schemeClr>
+                </a:solidFill>
+                <a:effectLst/>
+                <a:uFillTx/>
+                <a:latin typeface="Calibri"/>
+              </a:defRPr>
+            </a:lvl1pPr>
+          </a:lstStyle>
+          <a:p>
+            <a:pPr indent="0" defTabSz="457200">
+              <a:lnSpc>
+                <a:spcPct val="100000"/>
+              </a:lnSpc>
+              <a:buNone/>
+              <a:tabLst>
+                <a:tab algn="l" pos="0"/>
+              </a:tabLst>
+            </a:pPr>
+            <a:r>
+              <a:rPr b="0" lang="en-US" sz="1200" strike="noStrike" u="none">
+                <a:solidFill>
+                  <a:schemeClr val="dk1">
+                    <a:tint val="75000"/>
+                  </a:schemeClr>
+                </a:solidFill>
+                <a:effectLst/>
+                <a:uFillTx/>
+                <a:latin typeface="Calibri"/>
+              </a:rPr>
+              <a:t>&lt;data/hora&gt;</a:t>
+            </a:r>
+            <a:endParaRPr b="0" lang="pt-BR" sz="1200" strike="noStrike" u="none">
+              <a:solidFill>
+                <a:srgbClr val="000000"/>
+              </a:solidFill>
+              <a:effectLst/>
+              <a:uFillTx/>
+              <a:latin typeface="Times New Roman"/>
+            </a:endParaRPr>
+          </a:p>
+        </p:txBody>
+      </p:sp>
+      <p:sp>
+        <p:nvSpPr>
+          <p:cNvPr id="51" name="PlaceHolder 5"/>
+          <p:cNvSpPr>
+            <a:spLocks noGrp="1"/>
+          </p:cNvSpPr>
+          <p:nvPr>
+            <p:ph type="ftr" idx="29"/>
+          </p:nvPr>
+        </p:nvSpPr>
+        <p:spPr>
+          <a:xfrm>
+            <a:off x="3124080" y="6356520"/>
+            <a:ext cx="2893320" cy="362880"/>
+          </a:xfrm>
+          <a:prstGeom prst="rect">
+            <a:avLst/>
+          </a:prstGeom>
+          <a:noFill/>
+          <a:ln w="0">
+            <a:noFill/>
+          </a:ln>
+        </p:spPr>
+        <p:txBody>
+          <a:bodyPr lIns="91440" rIns="91440" tIns="45720" bIns="45720" anchor="ctr">
+            <a:noAutofit/>
+          </a:bodyPr>
+          <a:lstStyle>
+            <a:lvl1pPr indent="0" algn="ctr">
+              <a:lnSpc>
+                <a:spcPct val="100000"/>
+              </a:lnSpc>
+              <a:buNone/>
+              <a:tabLst>
+                <a:tab algn="l" pos="0"/>
+              </a:tabLst>
+              <a:defRPr b="0" lang="pt-BR" sz="1400" strike="noStrike" u="none">
+                <a:solidFill>
+                  <a:srgbClr val="000000"/>
+                </a:solidFill>
+                <a:effectLst/>
+                <a:uFillTx/>
+                <a:latin typeface="Times New Roman"/>
+              </a:defRPr>
+            </a:lvl1pPr>
+          </a:lstStyle>
+          <a:p>
+            <a:pPr indent="0" algn="ctr">
+              <a:lnSpc>
+                <a:spcPct val="100000"/>
+              </a:lnSpc>
+              <a:buNone/>
+              <a:tabLst>
+                <a:tab algn="l" pos="0"/>
+              </a:tabLst>
+            </a:pPr>
+            <a:r>
+              <a:rPr b="0" lang="pt-BR" sz="1400" strike="noStrike" u="none">
+                <a:solidFill>
+                  <a:srgbClr val="000000"/>
+                </a:solidFill>
+                <a:effectLst/>
+                <a:uFillTx/>
+                <a:latin typeface="Times New Roman"/>
+              </a:rPr>
+              <a:t>&lt;rodapé&gt;</a:t>
+            </a:r>
+            <a:endParaRPr b="0" lang="pt-BR" sz="1400" strike="noStrike" u="none">
+              <a:solidFill>
+                <a:srgbClr val="000000"/>
+              </a:solidFill>
+              <a:effectLst/>
+              <a:uFillTx/>
+              <a:latin typeface="Times New Roman"/>
+            </a:endParaRPr>
+          </a:p>
+        </p:txBody>
+      </p:sp>
+      <p:sp>
+        <p:nvSpPr>
+          <p:cNvPr id="52" name="PlaceHolder 6"/>
+          <p:cNvSpPr>
+            <a:spLocks noGrp="1"/>
+          </p:cNvSpPr>
+          <p:nvPr>
+            <p:ph type="sldNum" idx="30"/>
+          </p:nvPr>
+        </p:nvSpPr>
+        <p:spPr>
+          <a:xfrm>
+            <a:off x="6553080" y="6356520"/>
+            <a:ext cx="2131560" cy="362880"/>
+          </a:xfrm>
+          <a:prstGeom prst="rect">
+            <a:avLst/>
+          </a:prstGeom>
+          <a:noFill/>
+          <a:ln w="0">
+            <a:noFill/>
+          </a:ln>
+        </p:spPr>
+        <p:txBody>
+          <a:bodyPr lIns="91440" rIns="91440" tIns="45720" bIns="45720" anchor="ctr">
+            <a:noAutofit/>
+          </a:bodyPr>
+          <a:lstStyle>
+            <a:lvl1pPr indent="0" algn="r" defTabSz="457200">
+              <a:lnSpc>
+                <a:spcPct val="100000"/>
+              </a:lnSpc>
+              <a:buNone/>
+              <a:tabLst>
+                <a:tab algn="l" pos="0"/>
+              </a:tabLst>
+              <a:defRPr b="0" lang="en-US" sz="1200" strike="noStrike" u="none">
+                <a:solidFill>
+                  <a:schemeClr val="dk1">
+                    <a:tint val="75000"/>
+                  </a:schemeClr>
+                </a:solidFill>
+                <a:effectLst/>
+                <a:uFillTx/>
+                <a:latin typeface="Calibri"/>
+              </a:defRPr>
+            </a:lvl1pPr>
+          </a:lstStyle>
+          <a:p>
+            <a:pPr indent="0" algn="r" defTabSz="457200">
+              <a:lnSpc>
+                <a:spcPct val="100000"/>
+              </a:lnSpc>
+              <a:buNone/>
+              <a:tabLst>
+                <a:tab algn="l" pos="0"/>
+              </a:tabLst>
+            </a:pPr>
+            <a:fld id="{014A9A3B-15C7-4E9C-B8AA-C4066BA10C01}" type="slidenum">
+              <a:rPr b="0" lang="en-US" sz="1200" strike="noStrike" u="none">
+                <a:solidFill>
+                  <a:schemeClr val="dk1">
+                    <a:tint val="75000"/>
+                  </a:schemeClr>
+                </a:solidFill>
+                <a:effectLst/>
+                <a:uFillTx/>
+                <a:latin typeface="Calibri"/>
+              </a:rPr>
+              <a:t>&lt;número&gt;</a:t>
+            </a:fld>
+            <a:endParaRPr b="0" lang="pt-BR" sz="1200" strike="noStrike" u="none">
+              <a:solidFill>
+                <a:srgbClr val="000000"/>
+              </a:solidFill>
+              <a:effectLst/>
+              <a:uFillTx/>
+              <a:latin typeface="Times New Roman"/>
+            </a:endParaRPr>
+          </a:p>
+        </p:txBody>
+      </p:sp>
+    </p:spTree>
+  </p:cSld>
+</p:sldLayout>
+</file>
+
+<file path=ppt/slideLayouts/slideLayout11.xml><?xml version="1.0" encoding="utf-8"?>
+<p:sldLayout xmlns:a="http://schemas.openxmlformats.org/drawingml/2006/main" xmlns:p="http://schemas.openxmlformats.org/presentationml/2006/main" xmlns:r="http://schemas.openxmlformats.org/officeDocument/2006/relationships" xmlns:p14="http://schemas.microsoft.com/office/powerpoint/2010/main" xmlns:p15="http://schemas.microsoft.com/office/powerpoint/2012/main" xmlns:mc="http://schemas.openxmlformats.org/markup-compatibility/2006" type="blank" preserve="1">
+  <p:cSld name="Comparison">
+    <p:bg>
+      <p:bgPr>
+        <a:solidFill>
+          <a:srgbClr val="ffffff"/>
+        </a:solidFill>
+      </p:bgPr>
+    </p:bg>
+    <p:spTree>
+      <p:nvGrpSpPr>
+        <p:cNvPr id="1" name=""/>
+        <p:cNvGrpSpPr/>
+        <p:nvPr/>
+      </p:nvGrpSpPr>
+      <p:grpSpPr>
+        <a:xfrm>
+          <a:off x="0" y="0"/>
+          <a:ext cx="0" cy="0"/>
+          <a:chOff x="0" y="0"/>
+          <a:chExt cx="0" cy="0"/>
+        </a:xfrm>
+      </p:grpSpPr>
+      <p:sp>
+        <p:nvSpPr>
+          <p:cNvPr id="53" name="PlaceHolder 1"/>
+          <p:cNvSpPr>
+            <a:spLocks noGrp="1"/>
+          </p:cNvSpPr>
+          <p:nvPr>
+            <p:ph type="title"/>
+          </p:nvPr>
+        </p:nvSpPr>
+        <p:spPr>
+          <a:xfrm>
+            <a:off x="457200" y="274680"/>
+            <a:ext cx="8227440" cy="1140840"/>
+          </a:xfrm>
+          <a:prstGeom prst="rect">
+            <a:avLst/>
+          </a:prstGeom>
+          <a:noFill/>
+          <a:ln w="0">
+            <a:noFill/>
+          </a:ln>
+        </p:spPr>
+        <p:txBody>
+          <a:bodyPr lIns="91440" rIns="91440" tIns="45720" bIns="45720" anchor="ctr">
+            <a:noAutofit/>
+          </a:bodyPr>
+          <a:p>
+            <a:pPr indent="0" algn="ctr" defTabSz="457200">
+              <a:lnSpc>
+                <a:spcPct val="100000"/>
+              </a:lnSpc>
+              <a:buNone/>
+              <a:tabLst>
+                <a:tab algn="l" pos="0"/>
+              </a:tabLst>
+            </a:pPr>
+            <a:r>
+              <a:rPr b="0" lang="en-US" sz="4400" strike="noStrike" u="none">
+                <a:solidFill>
+                  <a:schemeClr val="dk1"/>
+                </a:solidFill>
+                <a:effectLst/>
+                <a:uFillTx/>
+                <a:latin typeface="Calibri"/>
+              </a:rPr>
+              <a:t>Click to edit Master title style</a:t>
+            </a:r>
+            <a:endParaRPr b="0" lang="pt-BR" sz="4400" strike="noStrike" u="none">
+              <a:solidFill>
+                <a:srgbClr val="000000"/>
+              </a:solidFill>
+              <a:effectLst/>
+              <a:uFillTx/>
+              <a:latin typeface="Arial"/>
+            </a:endParaRPr>
+          </a:p>
+        </p:txBody>
+      </p:sp>
+      <p:sp>
+        <p:nvSpPr>
+          <p:cNvPr id="54" name="PlaceHolder 2"/>
+          <p:cNvSpPr>
+            <a:spLocks noGrp="1"/>
+          </p:cNvSpPr>
+          <p:nvPr>
+            <p:ph type="body"/>
+          </p:nvPr>
+        </p:nvSpPr>
+        <p:spPr>
+          <a:xfrm>
+            <a:off x="457200" y="1535040"/>
+            <a:ext cx="4038120" cy="637560"/>
+          </a:xfrm>
+          <a:prstGeom prst="rect">
+            <a:avLst/>
+          </a:prstGeom>
+          <a:noFill/>
+          <a:ln w="0">
+            <a:noFill/>
+          </a:ln>
+        </p:spPr>
+        <p:txBody>
+          <a:bodyPr lIns="91440" rIns="91440" tIns="45720" bIns="45720" anchor="b">
+            <a:noAutofit/>
+          </a:bodyPr>
+          <a:p>
+            <a:pPr indent="0" defTabSz="457200">
+              <a:lnSpc>
+                <a:spcPct val="100000"/>
+              </a:lnSpc>
+              <a:spcBef>
+                <a:spcPts val="479"/>
+              </a:spcBef>
+              <a:buNone/>
+              <a:tabLst>
+                <a:tab algn="l" pos="0"/>
+              </a:tabLst>
+            </a:pPr>
+            <a:r>
+              <a:rPr b="1" lang="en-US" sz="2400" strike="noStrike" u="none">
+                <a:solidFill>
+                  <a:schemeClr val="dk1"/>
+                </a:solidFill>
+                <a:effectLst/>
+                <a:uFillTx/>
+                <a:latin typeface="Calibri"/>
+              </a:rPr>
+              <a:t>Click to edit Master text styles</a:t>
+            </a:r>
+            <a:endParaRPr b="0" lang="pt-BR" sz="2400" strike="noStrike" u="none">
+              <a:solidFill>
+                <a:srgbClr val="000000"/>
+              </a:solidFill>
+              <a:effectLst/>
+              <a:uFillTx/>
+              <a:latin typeface="Arial"/>
+            </a:endParaRPr>
+          </a:p>
+        </p:txBody>
+      </p:sp>
+      <p:sp>
+        <p:nvSpPr>
+          <p:cNvPr id="55" name="PlaceHolder 3"/>
+          <p:cNvSpPr>
+            <a:spLocks noGrp="1"/>
+          </p:cNvSpPr>
+          <p:nvPr>
+            <p:ph type="body"/>
+          </p:nvPr>
+        </p:nvSpPr>
+        <p:spPr>
+          <a:xfrm>
+            <a:off x="457200" y="2174760"/>
+            <a:ext cx="4038120" cy="3949200"/>
+          </a:xfrm>
+          <a:prstGeom prst="rect">
+            <a:avLst/>
+          </a:prstGeom>
+          <a:noFill/>
+          <a:ln w="0">
+            <a:noFill/>
+          </a:ln>
+        </p:spPr>
+        <p:txBody>
+          <a:bodyPr lIns="91440" rIns="91440" tIns="45720" bIns="45720" anchor="t">
+            <a:noAutofit/>
+          </a:bodyPr>
+          <a:p>
+            <a:pPr marL="343080" indent="-343080" defTabSz="457200">
+              <a:lnSpc>
+                <a:spcPct val="100000"/>
+              </a:lnSpc>
+              <a:spcBef>
+                <a:spcPts val="479"/>
+              </a:spcBef>
+              <a:buClr>
+                <a:srgbClr val="000000"/>
+              </a:buClr>
+              <a:buFont typeface="Arial"/>
+              <a:buChar char="•"/>
+            </a:pPr>
+            <a:r>
+              <a:rPr b="0" lang="en-US" sz="2400" strike="noStrike" u="none">
+                <a:solidFill>
+                  <a:schemeClr val="dk1"/>
+                </a:solidFill>
+                <a:effectLst/>
+                <a:uFillTx/>
+                <a:latin typeface="Calibri"/>
+              </a:rPr>
+              <a:t>Click to edit Master text styles</a:t>
+            </a:r>
+            <a:endParaRPr b="0" lang="pt-BR" sz="2400" strike="noStrike" u="none">
+              <a:solidFill>
+                <a:srgbClr val="000000"/>
+              </a:solidFill>
+              <a:effectLst/>
+              <a:uFillTx/>
+              <a:latin typeface="Arial"/>
+            </a:endParaRPr>
+          </a:p>
+          <a:p>
+            <a:pPr lvl="1" marL="743040" indent="-285840" defTabSz="457200">
+              <a:lnSpc>
+                <a:spcPct val="100000"/>
+              </a:lnSpc>
+              <a:spcBef>
+                <a:spcPts val="400"/>
+              </a:spcBef>
+              <a:buClr>
+                <a:srgbClr val="000000"/>
+              </a:buClr>
+              <a:buFont typeface="Arial"/>
+              <a:buChar char="–"/>
+            </a:pPr>
+            <a:r>
+              <a:rPr b="0" lang="en-US" sz="2000" strike="noStrike" u="none">
+                <a:solidFill>
+                  <a:schemeClr val="dk1"/>
+                </a:solidFill>
+                <a:effectLst/>
+                <a:uFillTx/>
+                <a:latin typeface="Calibri"/>
+              </a:rPr>
+              <a:t>Second level</a:t>
+            </a:r>
+            <a:endParaRPr b="0" lang="pt-BR" sz="2000" strike="noStrike" u="none">
+              <a:solidFill>
+                <a:srgbClr val="000000"/>
+              </a:solidFill>
+              <a:effectLst/>
+              <a:uFillTx/>
+              <a:latin typeface="Arial"/>
+            </a:endParaRPr>
+          </a:p>
+          <a:p>
+            <a:pPr lvl="2" marL="1143000" indent="-228600" defTabSz="457200">
+              <a:lnSpc>
+                <a:spcPct val="100000"/>
+              </a:lnSpc>
+              <a:spcBef>
+                <a:spcPts val="360"/>
+              </a:spcBef>
+              <a:buClr>
+                <a:srgbClr val="000000"/>
+              </a:buClr>
+              <a:buFont typeface="Arial"/>
+              <a:buChar char="•"/>
+            </a:pPr>
+            <a:r>
+              <a:rPr b="0" lang="en-US" sz="1800" strike="noStrike" u="none">
+                <a:solidFill>
+                  <a:schemeClr val="dk1"/>
+                </a:solidFill>
+                <a:effectLst/>
+                <a:uFillTx/>
+                <a:latin typeface="Calibri"/>
+              </a:rPr>
+              <a:t>Third level</a:t>
+            </a:r>
+            <a:endParaRPr b="0" lang="pt-BR" sz="1800" strike="noStrike" u="none">
+              <a:solidFill>
+                <a:srgbClr val="000000"/>
+              </a:solidFill>
+              <a:effectLst/>
+              <a:uFillTx/>
+              <a:latin typeface="Arial"/>
+            </a:endParaRPr>
+          </a:p>
+          <a:p>
+            <a:pPr lvl="3" marL="1600200" indent="-228600" defTabSz="457200">
+              <a:lnSpc>
+                <a:spcPct val="100000"/>
+              </a:lnSpc>
+              <a:spcBef>
+                <a:spcPts val="320"/>
+              </a:spcBef>
+              <a:buClr>
+                <a:srgbClr val="000000"/>
+              </a:buClr>
+              <a:buFont typeface="Arial"/>
+              <a:buChar char="–"/>
+            </a:pPr>
+            <a:r>
+              <a:rPr b="0" lang="en-US" sz="1600" strike="noStrike" u="none">
+                <a:solidFill>
+                  <a:schemeClr val="dk1"/>
+                </a:solidFill>
+                <a:effectLst/>
+                <a:uFillTx/>
+                <a:latin typeface="Calibri"/>
+              </a:rPr>
+              <a:t>Fourth level</a:t>
+            </a:r>
+            <a:endParaRPr b="0" lang="pt-BR" sz="1600" strike="noStrike" u="none">
+              <a:solidFill>
+                <a:srgbClr val="000000"/>
+              </a:solidFill>
+              <a:effectLst/>
+              <a:uFillTx/>
+              <a:latin typeface="Arial"/>
+            </a:endParaRPr>
+          </a:p>
+          <a:p>
+            <a:pPr lvl="4" marL="2057400" indent="-228600" defTabSz="457200">
+              <a:lnSpc>
+                <a:spcPct val="100000"/>
+              </a:lnSpc>
+              <a:spcBef>
+                <a:spcPts val="320"/>
+              </a:spcBef>
+              <a:buClr>
+                <a:srgbClr val="000000"/>
+              </a:buClr>
+              <a:buFont typeface="Arial"/>
+              <a:buChar char="»"/>
+            </a:pPr>
+            <a:r>
+              <a:rPr b="0" lang="en-US" sz="1600" strike="noStrike" u="none">
+                <a:solidFill>
+                  <a:schemeClr val="dk1"/>
+                </a:solidFill>
+                <a:effectLst/>
+                <a:uFillTx/>
+                <a:latin typeface="Calibri"/>
+              </a:rPr>
+              <a:t>Fifth level</a:t>
+            </a:r>
+            <a:endParaRPr b="0" lang="pt-BR" sz="1600" strike="noStrike" u="none">
+              <a:solidFill>
+                <a:srgbClr val="000000"/>
+              </a:solidFill>
+              <a:effectLst/>
+              <a:uFillTx/>
+              <a:latin typeface="Arial"/>
+            </a:endParaRPr>
+          </a:p>
+        </p:txBody>
+      </p:sp>
+      <p:sp>
+        <p:nvSpPr>
+          <p:cNvPr id="56" name="PlaceHolder 4"/>
+          <p:cNvSpPr>
+            <a:spLocks noGrp="1"/>
+          </p:cNvSpPr>
+          <p:nvPr>
+            <p:ph type="body"/>
+          </p:nvPr>
+        </p:nvSpPr>
+        <p:spPr>
+          <a:xfrm>
+            <a:off x="4645080" y="1535040"/>
+            <a:ext cx="4039560" cy="637560"/>
+          </a:xfrm>
+          <a:prstGeom prst="rect">
+            <a:avLst/>
+          </a:prstGeom>
+          <a:noFill/>
+          <a:ln w="0">
+            <a:noFill/>
+          </a:ln>
+        </p:spPr>
+        <p:txBody>
+          <a:bodyPr lIns="91440" rIns="91440" tIns="45720" bIns="45720" anchor="b">
+            <a:noAutofit/>
+          </a:bodyPr>
+          <a:p>
+            <a:pPr indent="0" defTabSz="457200">
+              <a:lnSpc>
+                <a:spcPct val="100000"/>
+              </a:lnSpc>
+              <a:spcBef>
+                <a:spcPts val="479"/>
+              </a:spcBef>
+              <a:buNone/>
+              <a:tabLst>
+                <a:tab algn="l" pos="0"/>
+              </a:tabLst>
+            </a:pPr>
+            <a:r>
+              <a:rPr b="1" lang="en-US" sz="2400" strike="noStrike" u="none">
+                <a:solidFill>
+                  <a:schemeClr val="dk1"/>
+                </a:solidFill>
+                <a:effectLst/>
+                <a:uFillTx/>
+                <a:latin typeface="Calibri"/>
+              </a:rPr>
+              <a:t>Click to edit Master text styles</a:t>
+            </a:r>
+            <a:endParaRPr b="0" lang="pt-BR" sz="2400" strike="noStrike" u="none">
+              <a:solidFill>
+                <a:srgbClr val="000000"/>
+              </a:solidFill>
+              <a:effectLst/>
+              <a:uFillTx/>
+              <a:latin typeface="Arial"/>
+            </a:endParaRPr>
+          </a:p>
+        </p:txBody>
+      </p:sp>
+      <p:sp>
+        <p:nvSpPr>
+          <p:cNvPr id="57" name="PlaceHolder 5"/>
+          <p:cNvSpPr>
+            <a:spLocks noGrp="1"/>
+          </p:cNvSpPr>
+          <p:nvPr>
+            <p:ph type="body"/>
+          </p:nvPr>
+        </p:nvSpPr>
+        <p:spPr>
+          <a:xfrm>
+            <a:off x="4645080" y="2174760"/>
+            <a:ext cx="4039560" cy="3949200"/>
+          </a:xfrm>
+          <a:prstGeom prst="rect">
+            <a:avLst/>
+          </a:prstGeom>
+          <a:noFill/>
+          <a:ln w="0">
+            <a:noFill/>
+          </a:ln>
+        </p:spPr>
+        <p:txBody>
+          <a:bodyPr lIns="91440" rIns="91440" tIns="45720" bIns="45720" anchor="t">
+            <a:noAutofit/>
+          </a:bodyPr>
+          <a:p>
+            <a:pPr marL="343080" indent="-343080" defTabSz="457200">
+              <a:lnSpc>
+                <a:spcPct val="100000"/>
+              </a:lnSpc>
+              <a:spcBef>
+                <a:spcPts val="479"/>
+              </a:spcBef>
+              <a:buClr>
+                <a:srgbClr val="000000"/>
+              </a:buClr>
+              <a:buFont typeface="Arial"/>
+              <a:buChar char="•"/>
+            </a:pPr>
+            <a:r>
+              <a:rPr b="0" lang="en-US" sz="2400" strike="noStrike" u="none">
+                <a:solidFill>
+                  <a:schemeClr val="dk1"/>
+                </a:solidFill>
+                <a:effectLst/>
+                <a:uFillTx/>
+                <a:latin typeface="Calibri"/>
+              </a:rPr>
+              <a:t>Click to edit Master text styles</a:t>
+            </a:r>
+            <a:endParaRPr b="0" lang="pt-BR" sz="2400" strike="noStrike" u="none">
+              <a:solidFill>
+                <a:srgbClr val="000000"/>
+              </a:solidFill>
+              <a:effectLst/>
+              <a:uFillTx/>
+              <a:latin typeface="Arial"/>
+            </a:endParaRPr>
+          </a:p>
+          <a:p>
+            <a:pPr lvl="1" marL="743040" indent="-285840" defTabSz="457200">
+              <a:lnSpc>
+                <a:spcPct val="100000"/>
+              </a:lnSpc>
+              <a:spcBef>
+                <a:spcPts val="400"/>
+              </a:spcBef>
+              <a:buClr>
+                <a:srgbClr val="000000"/>
+              </a:buClr>
+              <a:buFont typeface="Arial"/>
+              <a:buChar char="–"/>
+            </a:pPr>
+            <a:r>
+              <a:rPr b="0" lang="en-US" sz="2000" strike="noStrike" u="none">
+                <a:solidFill>
+                  <a:schemeClr val="dk1"/>
+                </a:solidFill>
+                <a:effectLst/>
+                <a:uFillTx/>
+                <a:latin typeface="Calibri"/>
+              </a:rPr>
+              <a:t>Second level</a:t>
+            </a:r>
+            <a:endParaRPr b="0" lang="pt-BR" sz="2000" strike="noStrike" u="none">
+              <a:solidFill>
+                <a:srgbClr val="000000"/>
+              </a:solidFill>
+              <a:effectLst/>
+              <a:uFillTx/>
+              <a:latin typeface="Arial"/>
+            </a:endParaRPr>
+          </a:p>
+          <a:p>
+            <a:pPr lvl="2" marL="1143000" indent="-228600" defTabSz="457200">
+              <a:lnSpc>
+                <a:spcPct val="100000"/>
+              </a:lnSpc>
+              <a:spcBef>
+                <a:spcPts val="360"/>
+              </a:spcBef>
+              <a:buClr>
+                <a:srgbClr val="000000"/>
+              </a:buClr>
+              <a:buFont typeface="Arial"/>
+              <a:buChar char="•"/>
+            </a:pPr>
+            <a:r>
+              <a:rPr b="0" lang="en-US" sz="1800" strike="noStrike" u="none">
+                <a:solidFill>
+                  <a:schemeClr val="dk1"/>
+                </a:solidFill>
+                <a:effectLst/>
+                <a:uFillTx/>
+                <a:latin typeface="Calibri"/>
+              </a:rPr>
+              <a:t>Third level</a:t>
+            </a:r>
+            <a:endParaRPr b="0" lang="pt-BR" sz="1800" strike="noStrike" u="none">
+              <a:solidFill>
+                <a:srgbClr val="000000"/>
+              </a:solidFill>
+              <a:effectLst/>
+              <a:uFillTx/>
+              <a:latin typeface="Arial"/>
+            </a:endParaRPr>
+          </a:p>
+          <a:p>
+            <a:pPr lvl="3" marL="1600200" indent="-228600" defTabSz="457200">
+              <a:lnSpc>
+                <a:spcPct val="100000"/>
+              </a:lnSpc>
+              <a:spcBef>
+                <a:spcPts val="320"/>
+              </a:spcBef>
+              <a:buClr>
+                <a:srgbClr val="000000"/>
+              </a:buClr>
+              <a:buFont typeface="Arial"/>
+              <a:buChar char="–"/>
+            </a:pPr>
+            <a:r>
+              <a:rPr b="0" lang="en-US" sz="1600" strike="noStrike" u="none">
+                <a:solidFill>
+                  <a:schemeClr val="dk1"/>
+                </a:solidFill>
+                <a:effectLst/>
+                <a:uFillTx/>
+                <a:latin typeface="Calibri"/>
+              </a:rPr>
+              <a:t>Fourth level</a:t>
+            </a:r>
+            <a:endParaRPr b="0" lang="pt-BR" sz="1600" strike="noStrike" u="none">
+              <a:solidFill>
+                <a:srgbClr val="000000"/>
+              </a:solidFill>
+              <a:effectLst/>
+              <a:uFillTx/>
+              <a:latin typeface="Arial"/>
+            </a:endParaRPr>
+          </a:p>
+          <a:p>
+            <a:pPr lvl="4" marL="2057400" indent="-228600" defTabSz="457200">
+              <a:lnSpc>
+                <a:spcPct val="100000"/>
+              </a:lnSpc>
+              <a:spcBef>
+                <a:spcPts val="320"/>
+              </a:spcBef>
+              <a:buClr>
+                <a:srgbClr val="000000"/>
+              </a:buClr>
+              <a:buFont typeface="Arial"/>
+              <a:buChar char="»"/>
+            </a:pPr>
+            <a:r>
+              <a:rPr b="0" lang="en-US" sz="1600" strike="noStrike" u="none">
+                <a:solidFill>
+                  <a:schemeClr val="dk1"/>
+                </a:solidFill>
+                <a:effectLst/>
+                <a:uFillTx/>
+                <a:latin typeface="Calibri"/>
+              </a:rPr>
+              <a:t>Fifth level</a:t>
+            </a:r>
+            <a:endParaRPr b="0" lang="pt-BR" sz="1600" strike="noStrike" u="none">
+              <a:solidFill>
+                <a:srgbClr val="000000"/>
+              </a:solidFill>
+              <a:effectLst/>
+              <a:uFillTx/>
+              <a:latin typeface="Arial"/>
+            </a:endParaRPr>
+          </a:p>
+        </p:txBody>
+      </p:sp>
+      <p:sp>
+        <p:nvSpPr>
+          <p:cNvPr id="58" name="PlaceHolder 6"/>
+          <p:cNvSpPr>
+            <a:spLocks noGrp="1"/>
+          </p:cNvSpPr>
+          <p:nvPr>
+            <p:ph type="dt" idx="31"/>
+          </p:nvPr>
+        </p:nvSpPr>
+        <p:spPr>
+          <a:xfrm>
+            <a:off x="457200" y="6356520"/>
+            <a:ext cx="2131560" cy="362880"/>
+          </a:xfrm>
+          <a:prstGeom prst="rect">
+            <a:avLst/>
+          </a:prstGeom>
+          <a:noFill/>
+          <a:ln w="0">
+            <a:noFill/>
+          </a:ln>
+        </p:spPr>
+        <p:txBody>
+          <a:bodyPr lIns="91440" rIns="91440" tIns="45720" bIns="45720" anchor="ctr">
+            <a:noAutofit/>
+          </a:bodyPr>
+          <a:lstStyle>
+            <a:lvl1pPr indent="0" defTabSz="457200">
+              <a:lnSpc>
+                <a:spcPct val="100000"/>
+              </a:lnSpc>
+              <a:buNone/>
+              <a:tabLst>
+                <a:tab algn="l" pos="0"/>
+              </a:tabLst>
+              <a:defRPr b="0" lang="en-US" sz="1200" strike="noStrike" u="none">
+                <a:solidFill>
+                  <a:schemeClr val="dk1">
+                    <a:tint val="75000"/>
+                  </a:schemeClr>
+                </a:solidFill>
+                <a:effectLst/>
+                <a:uFillTx/>
+                <a:latin typeface="Calibri"/>
+              </a:defRPr>
+            </a:lvl1pPr>
+          </a:lstStyle>
+          <a:p>
+            <a:pPr indent="0" defTabSz="457200">
+              <a:lnSpc>
+                <a:spcPct val="100000"/>
+              </a:lnSpc>
+              <a:buNone/>
+              <a:tabLst>
+                <a:tab algn="l" pos="0"/>
+              </a:tabLst>
+            </a:pPr>
+            <a:r>
+              <a:rPr b="0" lang="en-US" sz="1200" strike="noStrike" u="none">
+                <a:solidFill>
+                  <a:schemeClr val="dk1">
+                    <a:tint val="75000"/>
+                  </a:schemeClr>
+                </a:solidFill>
+                <a:effectLst/>
+                <a:uFillTx/>
+                <a:latin typeface="Calibri"/>
+              </a:rPr>
+              <a:t>&lt;data/hora&gt;</a:t>
+            </a:r>
+            <a:endParaRPr b="0" lang="pt-BR" sz="1200" strike="noStrike" u="none">
+              <a:solidFill>
+                <a:srgbClr val="000000"/>
+              </a:solidFill>
+              <a:effectLst/>
+              <a:uFillTx/>
+              <a:latin typeface="Times New Roman"/>
+            </a:endParaRPr>
+          </a:p>
+        </p:txBody>
+      </p:sp>
+      <p:sp>
+        <p:nvSpPr>
+          <p:cNvPr id="59" name="PlaceHolder 7"/>
+          <p:cNvSpPr>
+            <a:spLocks noGrp="1"/>
+          </p:cNvSpPr>
+          <p:nvPr>
+            <p:ph type="ftr" idx="32"/>
+          </p:nvPr>
+        </p:nvSpPr>
+        <p:spPr>
+          <a:xfrm>
+            <a:off x="3124080" y="6356520"/>
+            <a:ext cx="2893320" cy="362880"/>
+          </a:xfrm>
+          <a:prstGeom prst="rect">
+            <a:avLst/>
+          </a:prstGeom>
+          <a:noFill/>
+          <a:ln w="0">
+            <a:noFill/>
+          </a:ln>
+        </p:spPr>
+        <p:txBody>
+          <a:bodyPr lIns="91440" rIns="91440" tIns="45720" bIns="45720" anchor="ctr">
+            <a:noAutofit/>
+          </a:bodyPr>
+          <a:lstStyle>
+            <a:lvl1pPr indent="0" algn="ctr">
+              <a:lnSpc>
+                <a:spcPct val="100000"/>
+              </a:lnSpc>
+              <a:buNone/>
+              <a:tabLst>
+                <a:tab algn="l" pos="0"/>
+              </a:tabLst>
+              <a:defRPr b="0" lang="pt-BR" sz="1400" strike="noStrike" u="none">
+                <a:solidFill>
+                  <a:srgbClr val="000000"/>
+                </a:solidFill>
+                <a:effectLst/>
+                <a:uFillTx/>
+                <a:latin typeface="Times New Roman"/>
+              </a:defRPr>
+            </a:lvl1pPr>
+          </a:lstStyle>
+          <a:p>
+            <a:pPr indent="0" algn="ctr">
+              <a:lnSpc>
+                <a:spcPct val="100000"/>
+              </a:lnSpc>
+              <a:buNone/>
+              <a:tabLst>
+                <a:tab algn="l" pos="0"/>
+              </a:tabLst>
+            </a:pPr>
+            <a:r>
+              <a:rPr b="0" lang="pt-BR" sz="1400" strike="noStrike" u="none">
+                <a:solidFill>
+                  <a:srgbClr val="000000"/>
+                </a:solidFill>
+                <a:effectLst/>
+                <a:uFillTx/>
+                <a:latin typeface="Times New Roman"/>
+              </a:rPr>
+              <a:t>&lt;rodapé&gt;</a:t>
+            </a:r>
+            <a:endParaRPr b="0" lang="pt-BR" sz="1400" strike="noStrike" u="none">
+              <a:solidFill>
+                <a:srgbClr val="000000"/>
+              </a:solidFill>
+              <a:effectLst/>
+              <a:uFillTx/>
+              <a:latin typeface="Times New Roman"/>
+            </a:endParaRPr>
+          </a:p>
+        </p:txBody>
+      </p:sp>
+      <p:sp>
+        <p:nvSpPr>
+          <p:cNvPr id="60" name="PlaceHolder 8"/>
+          <p:cNvSpPr>
+            <a:spLocks noGrp="1"/>
+          </p:cNvSpPr>
+          <p:nvPr>
+            <p:ph type="sldNum" idx="33"/>
+          </p:nvPr>
+        </p:nvSpPr>
+        <p:spPr>
+          <a:xfrm>
+            <a:off x="6553080" y="6356520"/>
+            <a:ext cx="2131560" cy="362880"/>
+          </a:xfrm>
+          <a:prstGeom prst="rect">
+            <a:avLst/>
+          </a:prstGeom>
+          <a:noFill/>
+          <a:ln w="0">
+            <a:noFill/>
+          </a:ln>
+        </p:spPr>
+        <p:txBody>
+          <a:bodyPr lIns="91440" rIns="91440" tIns="45720" bIns="45720" anchor="ctr">
+            <a:noAutofit/>
+          </a:bodyPr>
+          <a:lstStyle>
+            <a:lvl1pPr indent="0" algn="r" defTabSz="457200">
+              <a:lnSpc>
+                <a:spcPct val="100000"/>
+              </a:lnSpc>
+              <a:buNone/>
+              <a:tabLst>
+                <a:tab algn="l" pos="0"/>
+              </a:tabLst>
+              <a:defRPr b="0" lang="en-US" sz="1200" strike="noStrike" u="none">
+                <a:solidFill>
+                  <a:schemeClr val="dk1">
+                    <a:tint val="75000"/>
+                  </a:schemeClr>
+                </a:solidFill>
+                <a:effectLst/>
+                <a:uFillTx/>
+                <a:latin typeface="Calibri"/>
+              </a:defRPr>
+            </a:lvl1pPr>
+          </a:lstStyle>
+          <a:p>
+            <a:pPr indent="0" algn="r" defTabSz="457200">
+              <a:lnSpc>
+                <a:spcPct val="100000"/>
+              </a:lnSpc>
+              <a:buNone/>
+              <a:tabLst>
+                <a:tab algn="l" pos="0"/>
+              </a:tabLst>
+            </a:pPr>
+            <a:fld id="{3FBCC65E-0C8D-42B1-AFD1-01843474258F}" type="slidenum">
+              <a:rPr b="0" lang="en-US" sz="1200" strike="noStrike" u="none">
+                <a:solidFill>
+                  <a:schemeClr val="dk1">
+                    <a:tint val="75000"/>
+                  </a:schemeClr>
+                </a:solidFill>
+                <a:effectLst/>
+                <a:uFillTx/>
+                <a:latin typeface="Calibri"/>
+              </a:rPr>
+              <a:t>&lt;número&gt;</a:t>
+            </a:fld>
+            <a:endParaRPr b="0" lang="pt-BR" sz="1200" strike="noStrike" u="none">
+              <a:solidFill>
+                <a:srgbClr val="000000"/>
+              </a:solidFill>
+              <a:effectLst/>
+              <a:uFillTx/>
+              <a:latin typeface="Times New Roman"/>
+            </a:endParaRPr>
+          </a:p>
+        </p:txBody>
+      </p:sp>
+    </p:spTree>
+  </p:cSld>
+</p:sldLayout>
+</file>
+
+<file path=ppt/slideLayouts/slideLayout2.xml><?xml version="1.0" encoding="utf-8"?>
 <p:sldLayout xmlns:a="http://schemas.openxmlformats.org/drawingml/2006/main" xmlns:p="http://schemas.openxmlformats.org/presentationml/2006/main" xmlns:r="http://schemas.openxmlformats.org/officeDocument/2006/relationships" xmlns:p14="http://schemas.microsoft.com/office/powerpoint/2010/main" xmlns:p15="http://schemas.microsoft.com/office/powerpoint/2012/main" xmlns:mc="http://schemas.openxmlformats.org/markup-compatibility/2006" type="blank" preserve="1">
   <p:cSld name="Blank">
     <p:bg>
@@ -719,18 +2229,18 @@
       </p:grpSpPr>
       <p:sp>
         <p:nvSpPr>
-          <p:cNvPr id="50" name="PlaceHolder 1"/>
+          <p:cNvPr id="5" name="PlaceHolder 1"/>
           <p:cNvSpPr>
             <a:spLocks noGrp="1"/>
           </p:cNvSpPr>
           <p:nvPr>
-            <p:ph type="dt" idx="28"/>
+            <p:ph type="dt" idx="4"/>
           </p:nvPr>
         </p:nvSpPr>
         <p:spPr>
           <a:xfrm>
             <a:off x="457200" y="6356520"/>
-            <a:ext cx="2131920" cy="363240"/>
+            <a:ext cx="2131560" cy="362880"/>
           </a:xfrm>
           <a:prstGeom prst="rect">
             <a:avLst/>
@@ -801,18 +2311,18 @@
       </p:sp>
       <p:sp>
         <p:nvSpPr>
-          <p:cNvPr id="51" name="PlaceHolder 2"/>
+          <p:cNvPr id="6" name="PlaceHolder 2"/>
           <p:cNvSpPr>
             <a:spLocks noGrp="1"/>
           </p:cNvSpPr>
           <p:nvPr>
-            <p:ph type="ftr" idx="29"/>
+            <p:ph type="ftr" idx="5"/>
           </p:nvPr>
         </p:nvSpPr>
         <p:spPr>
           <a:xfrm>
             <a:off x="3124080" y="6356520"/>
-            <a:ext cx="2893680" cy="363240"/>
+            <a:ext cx="2893320" cy="362880"/>
           </a:xfrm>
           <a:prstGeom prst="rect">
             <a:avLst/>
@@ -879,18 +2389,18 @@
       </p:sp>
       <p:sp>
         <p:nvSpPr>
-          <p:cNvPr id="52" name="PlaceHolder 3"/>
+          <p:cNvPr id="7" name="PlaceHolder 3"/>
           <p:cNvSpPr>
             <a:spLocks noGrp="1"/>
           </p:cNvSpPr>
           <p:nvPr>
-            <p:ph type="sldNum" idx="30"/>
+            <p:ph type="sldNum" idx="6"/>
           </p:nvPr>
         </p:nvSpPr>
         <p:spPr>
           <a:xfrm>
             <a:off x="6553080" y="6356520"/>
-            <a:ext cx="2131920" cy="363240"/>
+            <a:ext cx="2131560" cy="362880"/>
           </a:xfrm>
           <a:prstGeom prst="rect">
             <a:avLst/>
@@ -935,7 +2445,7 @@
                 <a:tab algn="l" pos="0"/>
               </a:tabLst>
             </a:pPr>
-            <a:fld id="{C6DA6219-4FE2-4A99-A5EC-28C14622DB03}" type="slidenum">
+            <a:fld id="{69051FBE-A32E-408E-8BEB-9DBF7CC0ADD0}" type="slidenum">
               <a:rPr b="0" lang="en-US" sz="1200" strike="noStrike" u="none">
                 <a:solidFill>
                   <a:schemeClr val="dk1">
@@ -961,7 +2471,7 @@
       </p:sp>
       <p:sp>
         <p:nvSpPr>
-          <p:cNvPr id="53" name="PlaceHolder 4"/>
+          <p:cNvPr id="8" name="PlaceHolder 4"/>
           <p:cNvSpPr>
             <a:spLocks noGrp="1"/>
           </p:cNvSpPr>
@@ -972,7 +2482,7 @@
         <p:spPr>
           <a:xfrm>
             <a:off x="457200" y="273600"/>
-            <a:ext cx="8228520" cy="1144080"/>
+            <a:ext cx="8228160" cy="1143720"/>
           </a:xfrm>
           <a:prstGeom prst="rect">
             <a:avLst/>
@@ -1020,7 +2530,7 @@
       </p:sp>
       <p:sp>
         <p:nvSpPr>
-          <p:cNvPr id="54" name="PlaceHolder 5"/>
+          <p:cNvPr id="9" name="PlaceHolder 5"/>
           <p:cNvSpPr>
             <a:spLocks noGrp="1"/>
           </p:cNvSpPr>
@@ -1031,7 +2541,7 @@
         <p:spPr>
           <a:xfrm>
             <a:off x="457200" y="1604520"/>
-            <a:ext cx="8228520" cy="3976560"/>
+            <a:ext cx="8228160" cy="3976200"/>
           </a:xfrm>
           <a:prstGeom prst="rect">
             <a:avLst/>
@@ -1297,7 +2807,7 @@
 </p:sldLayout>
 </file>
 
-<file path=ppt/slideLayouts/slideLayout11.xml><?xml version="1.0" encoding="utf-8"?>
+<file path=ppt/slideLayouts/slideLayout3.xml><?xml version="1.0" encoding="utf-8"?>
 <p:sldLayout xmlns:a="http://schemas.openxmlformats.org/drawingml/2006/main" xmlns:p="http://schemas.openxmlformats.org/presentationml/2006/main" xmlns:r="http://schemas.openxmlformats.org/officeDocument/2006/relationships" xmlns:p14="http://schemas.microsoft.com/office/powerpoint/2010/main" xmlns:p15="http://schemas.microsoft.com/office/powerpoint/2012/main" xmlns:mc="http://schemas.openxmlformats.org/markup-compatibility/2006" type="blank" preserve="1">
   <p:cSld name="Content with Caption">
     <p:bg>
@@ -1323,7 +2833,7 @@
       </p:grpSpPr>
       <p:sp>
         <p:nvSpPr>
-          <p:cNvPr id="55" name="PlaceHolder 1"/>
+          <p:cNvPr id="10" name="PlaceHolder 1"/>
           <p:cNvSpPr>
             <a:spLocks noGrp="1"/>
           </p:cNvSpPr>
@@ -1334,7 +2844,7 @@
         <p:spPr>
           <a:xfrm>
             <a:off x="457200" y="272880"/>
-            <a:ext cx="3006360" cy="1160280"/>
+            <a:ext cx="3006000" cy="1159920"/>
           </a:xfrm>
           <a:prstGeom prst="rect">
             <a:avLst/>
@@ -1382,7 +2892,7 @@
       </p:sp>
       <p:sp>
         <p:nvSpPr>
-          <p:cNvPr id="56" name="PlaceHolder 2"/>
+          <p:cNvPr id="11" name="PlaceHolder 2"/>
           <p:cNvSpPr>
             <a:spLocks noGrp="1"/>
           </p:cNvSpPr>
@@ -1393,7 +2903,7 @@
         <p:spPr>
           <a:xfrm>
             <a:off x="3575160" y="272880"/>
-            <a:ext cx="5109840" cy="5851440"/>
+            <a:ext cx="5109480" cy="5851080"/>
           </a:xfrm>
           <a:prstGeom prst="rect">
             <a:avLst/>
@@ -1581,7 +3091,7 @@
       </p:sp>
       <p:sp>
         <p:nvSpPr>
-          <p:cNvPr id="57" name="PlaceHolder 3"/>
+          <p:cNvPr id="12" name="PlaceHolder 3"/>
           <p:cNvSpPr>
             <a:spLocks noGrp="1"/>
           </p:cNvSpPr>
@@ -1592,7 +3102,7 @@
         <p:spPr>
           <a:xfrm>
             <a:off x="457200" y="1434960"/>
-            <a:ext cx="3006360" cy="4689360"/>
+            <a:ext cx="3006000" cy="4689000"/>
           </a:xfrm>
           <a:prstGeom prst="rect">
             <a:avLst/>
@@ -1643,18 +3153,18 @@
       </p:sp>
       <p:sp>
         <p:nvSpPr>
-          <p:cNvPr id="58" name="PlaceHolder 4"/>
+          <p:cNvPr id="13" name="PlaceHolder 4"/>
           <p:cNvSpPr>
             <a:spLocks noGrp="1"/>
           </p:cNvSpPr>
           <p:nvPr>
-            <p:ph type="dt" idx="31"/>
+            <p:ph type="dt" idx="7"/>
           </p:nvPr>
         </p:nvSpPr>
         <p:spPr>
           <a:xfrm>
             <a:off x="457200" y="6356520"/>
-            <a:ext cx="2131920" cy="363240"/>
+            <a:ext cx="2131560" cy="362880"/>
           </a:xfrm>
           <a:prstGeom prst="rect">
             <a:avLst/>
@@ -1725,18 +3235,18 @@
       </p:sp>
       <p:sp>
         <p:nvSpPr>
-          <p:cNvPr id="59" name="PlaceHolder 5"/>
+          <p:cNvPr id="14" name="PlaceHolder 5"/>
           <p:cNvSpPr>
             <a:spLocks noGrp="1"/>
           </p:cNvSpPr>
           <p:nvPr>
-            <p:ph type="ftr" idx="32"/>
+            <p:ph type="ftr" idx="8"/>
           </p:nvPr>
         </p:nvSpPr>
         <p:spPr>
           <a:xfrm>
             <a:off x="3124080" y="6356520"/>
-            <a:ext cx="2893680" cy="363240"/>
+            <a:ext cx="2893320" cy="362880"/>
           </a:xfrm>
           <a:prstGeom prst="rect">
             <a:avLst/>
@@ -1803,18 +3313,18 @@
       </p:sp>
       <p:sp>
         <p:nvSpPr>
-          <p:cNvPr id="60" name="PlaceHolder 6"/>
+          <p:cNvPr id="15" name="PlaceHolder 6"/>
           <p:cNvSpPr>
             <a:spLocks noGrp="1"/>
           </p:cNvSpPr>
           <p:nvPr>
-            <p:ph type="sldNum" idx="33"/>
+            <p:ph type="sldNum" idx="9"/>
           </p:nvPr>
         </p:nvSpPr>
         <p:spPr>
           <a:xfrm>
             <a:off x="6553080" y="6356520"/>
-            <a:ext cx="2131920" cy="363240"/>
+            <a:ext cx="2131560" cy="362880"/>
           </a:xfrm>
           <a:prstGeom prst="rect">
             <a:avLst/>
@@ -1859,1140 +3369,7 @@
                 <a:tab algn="l" pos="0"/>
               </a:tabLst>
             </a:pPr>
-            <a:fld id="{97C9DC98-76DE-41E9-9831-2C6169B75031}" type="slidenum">
-              <a:rPr b="0" lang="en-US" sz="1200" strike="noStrike" u="none">
-                <a:solidFill>
-                  <a:schemeClr val="dk1">
-                    <a:tint val="75000"/>
-                  </a:schemeClr>
-                </a:solidFill>
-                <a:effectLst/>
-                <a:uFillTx/>
-                <a:latin typeface="Calibri"/>
-              </a:rPr>
-              <a:t>&lt;número&gt;</a:t>
-            </a:fld>
-            <a:endParaRPr b="0" lang="pt-BR" sz="1200" strike="noStrike" u="none">
-              <a:solidFill>
-                <a:srgbClr val="000000"/>
-              </a:solidFill>
-              <a:effectLst/>
-              <a:uFillTx/>
-              <a:latin typeface="Times New Roman"/>
-            </a:endParaRPr>
-          </a:p>
-        </p:txBody>
-      </p:sp>
-    </p:spTree>
-  </p:cSld>
-</p:sldLayout>
-</file>
-
-<file path=ppt/slideLayouts/slideLayout2.xml><?xml version="1.0" encoding="utf-8"?>
-<p:sldLayout xmlns:a="http://schemas.openxmlformats.org/drawingml/2006/main" xmlns:p="http://schemas.openxmlformats.org/presentationml/2006/main" xmlns:r="http://schemas.openxmlformats.org/officeDocument/2006/relationships" xmlns:p14="http://schemas.microsoft.com/office/powerpoint/2010/main" xmlns:p15="http://schemas.microsoft.com/office/powerpoint/2012/main" xmlns:mc="http://schemas.openxmlformats.org/markup-compatibility/2006" type="title" preserve="1">
-  <p:cSld name="Title Slide">
-    <p:bg>
-      <p:bgPr>
-        <a:solidFill>
-          <a:srgbClr val="ffffff"/>
-        </a:solidFill>
-      </p:bgPr>
-    </p:bg>
-    <p:spTree>
-      <p:nvGrpSpPr>
-        <p:cNvPr id="1" name=""/>
-        <p:cNvGrpSpPr/>
-        <p:nvPr/>
-      </p:nvGrpSpPr>
-      <p:grpSpPr>
-        <a:xfrm>
-          <a:off x="0" y="0"/>
-          <a:ext cx="0" cy="0"/>
-          <a:chOff x="0" y="0"/>
-          <a:chExt cx="0" cy="0"/>
-        </a:xfrm>
-      </p:grpSpPr>
-      <p:sp>
-        <p:nvSpPr>
-          <p:cNvPr id="6" name="PlaceHolder 1"/>
-          <p:cNvSpPr>
-            <a:spLocks noGrp="1"/>
-          </p:cNvSpPr>
-          <p:nvPr>
-            <p:ph type="title"/>
-          </p:nvPr>
-        </p:nvSpPr>
-        <p:spPr>
-          <a:xfrm>
-            <a:off x="685800" y="2130480"/>
-            <a:ext cx="7770600" cy="1468080"/>
-          </a:xfrm>
-          <a:prstGeom prst="rect">
-            <a:avLst/>
-          </a:prstGeom>
-          <a:noFill/>
-          <a:ln w="0">
-            <a:noFill/>
-          </a:ln>
-        </p:spPr>
-        <p:txBody>
-          <a:bodyPr lIns="91440" rIns="91440" tIns="45720" bIns="45720" anchor="ctr">
-            <a:noAutofit/>
-          </a:bodyPr>
-          <a:p>
-            <a:pPr indent="0" algn="ctr" defTabSz="457200">
-              <a:lnSpc>
-                <a:spcPct val="100000"/>
-              </a:lnSpc>
-              <a:buNone/>
-              <a:tabLst>
-                <a:tab algn="l" pos="0"/>
-              </a:tabLst>
-            </a:pPr>
-            <a:r>
-              <a:rPr b="0" lang="en-US" sz="4400" strike="noStrike" u="none">
-                <a:solidFill>
-                  <a:schemeClr val="dk1"/>
-                </a:solidFill>
-                <a:effectLst/>
-                <a:uFillTx/>
-                <a:latin typeface="Calibri"/>
-              </a:rPr>
-              <a:t>Click to edit Master title style</a:t>
-            </a:r>
-            <a:endParaRPr b="0" lang="pt-BR" sz="4400" strike="noStrike" u="none">
-              <a:solidFill>
-                <a:srgbClr val="000000"/>
-              </a:solidFill>
-              <a:effectLst/>
-              <a:uFillTx/>
-              <a:latin typeface="Arial"/>
-            </a:endParaRPr>
-          </a:p>
-        </p:txBody>
-      </p:sp>
-      <p:sp>
-        <p:nvSpPr>
-          <p:cNvPr id="7" name="PlaceHolder 2"/>
-          <p:cNvSpPr>
-            <a:spLocks noGrp="1"/>
-          </p:cNvSpPr>
-          <p:nvPr>
-            <p:ph type="dt" idx="4"/>
-          </p:nvPr>
-        </p:nvSpPr>
-        <p:spPr>
-          <a:xfrm>
-            <a:off x="457200" y="6356520"/>
-            <a:ext cx="2131920" cy="363240"/>
-          </a:xfrm>
-          <a:prstGeom prst="rect">
-            <a:avLst/>
-          </a:prstGeom>
-          <a:noFill/>
-          <a:ln w="0">
-            <a:noFill/>
-          </a:ln>
-        </p:spPr>
-        <p:txBody>
-          <a:bodyPr lIns="91440" rIns="91440" tIns="45720" bIns="45720" anchor="ctr">
-            <a:noAutofit/>
-          </a:bodyPr>
-          <a:lstStyle>
-            <a:lvl1pPr indent="0" defTabSz="457200">
-              <a:lnSpc>
-                <a:spcPct val="100000"/>
-              </a:lnSpc>
-              <a:buNone/>
-              <a:tabLst>
-                <a:tab algn="l" pos="0"/>
-              </a:tabLst>
-              <a:defRPr b="0" lang="en-US" sz="1200" strike="noStrike" u="none">
-                <a:solidFill>
-                  <a:schemeClr val="dk1">
-                    <a:tint val="75000"/>
-                  </a:schemeClr>
-                </a:solidFill>
-                <a:effectLst/>
-                <a:uFillTx/>
-                <a:latin typeface="Calibri"/>
-              </a:defRPr>
-            </a:lvl1pPr>
-          </a:lstStyle>
-          <a:p>
-            <a:pPr indent="0" defTabSz="457200">
-              <a:lnSpc>
-                <a:spcPct val="100000"/>
-              </a:lnSpc>
-              <a:buNone/>
-              <a:tabLst>
-                <a:tab algn="l" pos="0"/>
-              </a:tabLst>
-            </a:pPr>
-            <a:r>
-              <a:rPr b="0" lang="en-US" sz="1200" strike="noStrike" u="none">
-                <a:solidFill>
-                  <a:schemeClr val="dk1">
-                    <a:tint val="75000"/>
-                  </a:schemeClr>
-                </a:solidFill>
-                <a:effectLst/>
-                <a:uFillTx/>
-                <a:latin typeface="Calibri"/>
-              </a:rPr>
-              <a:t>&lt;data/hora&gt;</a:t>
-            </a:r>
-            <a:endParaRPr b="0" lang="pt-BR" sz="1200" strike="noStrike" u="none">
-              <a:solidFill>
-                <a:srgbClr val="000000"/>
-              </a:solidFill>
-              <a:effectLst/>
-              <a:uFillTx/>
-              <a:latin typeface="Times New Roman"/>
-            </a:endParaRPr>
-          </a:p>
-        </p:txBody>
-      </p:sp>
-      <p:sp>
-        <p:nvSpPr>
-          <p:cNvPr id="8" name="PlaceHolder 3"/>
-          <p:cNvSpPr>
-            <a:spLocks noGrp="1"/>
-          </p:cNvSpPr>
-          <p:nvPr>
-            <p:ph type="ftr" idx="5"/>
-          </p:nvPr>
-        </p:nvSpPr>
-        <p:spPr>
-          <a:xfrm>
-            <a:off x="3124080" y="6356520"/>
-            <a:ext cx="2893680" cy="363240"/>
-          </a:xfrm>
-          <a:prstGeom prst="rect">
-            <a:avLst/>
-          </a:prstGeom>
-          <a:noFill/>
-          <a:ln w="0">
-            <a:noFill/>
-          </a:ln>
-        </p:spPr>
-        <p:txBody>
-          <a:bodyPr lIns="91440" rIns="91440" tIns="45720" bIns="45720" anchor="ctr">
-            <a:noAutofit/>
-          </a:bodyPr>
-          <a:lstStyle>
-            <a:lvl1pPr indent="0" algn="ctr">
-              <a:lnSpc>
-                <a:spcPct val="100000"/>
-              </a:lnSpc>
-              <a:buNone/>
-              <a:tabLst>
-                <a:tab algn="l" pos="0"/>
-              </a:tabLst>
-              <a:defRPr b="0" lang="pt-BR" sz="1400" strike="noStrike" u="none">
-                <a:solidFill>
-                  <a:srgbClr val="000000"/>
-                </a:solidFill>
-                <a:effectLst/>
-                <a:uFillTx/>
-                <a:latin typeface="Times New Roman"/>
-              </a:defRPr>
-            </a:lvl1pPr>
-          </a:lstStyle>
-          <a:p>
-            <a:pPr indent="0" algn="ctr">
-              <a:lnSpc>
-                <a:spcPct val="100000"/>
-              </a:lnSpc>
-              <a:buNone/>
-              <a:tabLst>
-                <a:tab algn="l" pos="0"/>
-              </a:tabLst>
-            </a:pPr>
-            <a:r>
-              <a:rPr b="0" lang="pt-BR" sz="1400" strike="noStrike" u="none">
-                <a:solidFill>
-                  <a:srgbClr val="000000"/>
-                </a:solidFill>
-                <a:effectLst/>
-                <a:uFillTx/>
-                <a:latin typeface="Times New Roman"/>
-              </a:rPr>
-              <a:t>&lt;rodapé&gt;</a:t>
-            </a:r>
-            <a:endParaRPr b="0" lang="pt-BR" sz="1400" strike="noStrike" u="none">
-              <a:solidFill>
-                <a:srgbClr val="000000"/>
-              </a:solidFill>
-              <a:effectLst/>
-              <a:uFillTx/>
-              <a:latin typeface="Times New Roman"/>
-            </a:endParaRPr>
-          </a:p>
-        </p:txBody>
-      </p:sp>
-      <p:sp>
-        <p:nvSpPr>
-          <p:cNvPr id="9" name="PlaceHolder 4"/>
-          <p:cNvSpPr>
-            <a:spLocks noGrp="1"/>
-          </p:cNvSpPr>
-          <p:nvPr>
-            <p:ph type="sldNum" idx="6"/>
-          </p:nvPr>
-        </p:nvSpPr>
-        <p:spPr>
-          <a:xfrm>
-            <a:off x="6553080" y="6356520"/>
-            <a:ext cx="2131920" cy="363240"/>
-          </a:xfrm>
-          <a:prstGeom prst="rect">
-            <a:avLst/>
-          </a:prstGeom>
-          <a:noFill/>
-          <a:ln w="0">
-            <a:noFill/>
-          </a:ln>
-        </p:spPr>
-        <p:txBody>
-          <a:bodyPr lIns="91440" rIns="91440" tIns="45720" bIns="45720" anchor="ctr">
-            <a:noAutofit/>
-          </a:bodyPr>
-          <a:lstStyle>
-            <a:lvl1pPr indent="0" algn="r" defTabSz="457200">
-              <a:lnSpc>
-                <a:spcPct val="100000"/>
-              </a:lnSpc>
-              <a:buNone/>
-              <a:tabLst>
-                <a:tab algn="l" pos="0"/>
-              </a:tabLst>
-              <a:defRPr b="0" lang="en-US" sz="1200" strike="noStrike" u="none">
-                <a:solidFill>
-                  <a:schemeClr val="dk1">
-                    <a:tint val="75000"/>
-                  </a:schemeClr>
-                </a:solidFill>
-                <a:effectLst/>
-                <a:uFillTx/>
-                <a:latin typeface="Calibri"/>
-              </a:defRPr>
-            </a:lvl1pPr>
-          </a:lstStyle>
-          <a:p>
-            <a:pPr indent="0" algn="r" defTabSz="457200">
-              <a:lnSpc>
-                <a:spcPct val="100000"/>
-              </a:lnSpc>
-              <a:buNone/>
-              <a:tabLst>
-                <a:tab algn="l" pos="0"/>
-              </a:tabLst>
-            </a:pPr>
-            <a:fld id="{98987122-1DFA-44C0-A6AA-AAE395268D1D}" type="slidenum">
-              <a:rPr b="0" lang="en-US" sz="1200" strike="noStrike" u="none">
-                <a:solidFill>
-                  <a:schemeClr val="dk1">
-                    <a:tint val="75000"/>
-                  </a:schemeClr>
-                </a:solidFill>
-                <a:effectLst/>
-                <a:uFillTx/>
-                <a:latin typeface="Calibri"/>
-              </a:rPr>
-              <a:t>&lt;número&gt;</a:t>
-            </a:fld>
-            <a:endParaRPr b="0" lang="pt-BR" sz="1200" strike="noStrike" u="none">
-              <a:solidFill>
-                <a:srgbClr val="000000"/>
-              </a:solidFill>
-              <a:effectLst/>
-              <a:uFillTx/>
-              <a:latin typeface="Times New Roman"/>
-            </a:endParaRPr>
-          </a:p>
-        </p:txBody>
-      </p:sp>
-      <p:sp>
-        <p:nvSpPr>
-          <p:cNvPr id="10" name="PlaceHolder 5"/>
-          <p:cNvSpPr>
-            <a:spLocks noGrp="1"/>
-          </p:cNvSpPr>
-          <p:nvPr>
-            <p:ph type="body"/>
-          </p:nvPr>
-        </p:nvSpPr>
-        <p:spPr>
-          <a:xfrm>
-            <a:off x="457200" y="1604520"/>
-            <a:ext cx="8227800" cy="3975840"/>
-          </a:xfrm>
-          <a:prstGeom prst="rect">
-            <a:avLst/>
-          </a:prstGeom>
-          <a:noFill/>
-          <a:ln w="0">
-            <a:noFill/>
-          </a:ln>
-        </p:spPr>
-        <p:txBody>
-          <a:bodyPr lIns="0" rIns="0" tIns="0" bIns="0" anchor="t">
-            <a:normAutofit/>
-          </a:bodyPr>
-          <a:p>
-            <a:pPr marL="432000" indent="-324000">
-              <a:lnSpc>
-                <a:spcPct val="100000"/>
-              </a:lnSpc>
-              <a:spcBef>
-                <a:spcPts val="1417"/>
-              </a:spcBef>
-              <a:buClr>
-                <a:srgbClr val="000000"/>
-              </a:buClr>
-              <a:buSzPct val="45000"/>
-              <a:buFont typeface="Wingdings" charset="2"/>
-              <a:buChar char=""/>
-            </a:pPr>
-            <a:r>
-              <a:rPr b="0" lang="en-US" sz="3200" strike="noStrike" u="none">
-                <a:solidFill>
-                  <a:schemeClr val="dk1"/>
-                </a:solidFill>
-                <a:effectLst/>
-                <a:uFillTx/>
-                <a:latin typeface="Calibri"/>
-              </a:rPr>
-              <a:t>Clique para editar o formato de texto dos tópicos</a:t>
-            </a:r>
-            <a:endParaRPr b="0" lang="pt-BR" sz="3200" strike="noStrike" u="none">
-              <a:solidFill>
-                <a:srgbClr val="000000"/>
-              </a:solidFill>
-              <a:effectLst/>
-              <a:uFillTx/>
-              <a:latin typeface="Arial"/>
-            </a:endParaRPr>
-          </a:p>
-          <a:p>
-            <a:pPr lvl="1" marL="864000" indent="-324000">
-              <a:lnSpc>
-                <a:spcPct val="100000"/>
-              </a:lnSpc>
-              <a:spcBef>
-                <a:spcPts val="1134"/>
-              </a:spcBef>
-              <a:buClr>
-                <a:srgbClr val="000000"/>
-              </a:buClr>
-              <a:buSzPct val="75000"/>
-              <a:buFont typeface="Symbol" charset="2"/>
-              <a:buChar char=""/>
-            </a:pPr>
-            <a:r>
-              <a:rPr b="0" lang="en-US" sz="2400" strike="noStrike" u="none">
-                <a:solidFill>
-                  <a:schemeClr val="dk1"/>
-                </a:solidFill>
-                <a:effectLst/>
-                <a:uFillTx/>
-                <a:latin typeface="Calibri"/>
-              </a:rPr>
-              <a:t>2.º nível de tópicos</a:t>
-            </a:r>
-            <a:endParaRPr b="0" lang="pt-BR" sz="2400" strike="noStrike" u="none">
-              <a:solidFill>
-                <a:srgbClr val="000000"/>
-              </a:solidFill>
-              <a:effectLst/>
-              <a:uFillTx/>
-              <a:latin typeface="Arial"/>
-            </a:endParaRPr>
-          </a:p>
-          <a:p>
-            <a:pPr lvl="2" marL="1296000" indent="-288000">
-              <a:lnSpc>
-                <a:spcPct val="100000"/>
-              </a:lnSpc>
-              <a:spcBef>
-                <a:spcPts val="850"/>
-              </a:spcBef>
-              <a:buClr>
-                <a:srgbClr val="000000"/>
-              </a:buClr>
-              <a:buSzPct val="45000"/>
-              <a:buFont typeface="Wingdings" charset="2"/>
-              <a:buChar char=""/>
-            </a:pPr>
-            <a:r>
-              <a:rPr b="0" lang="en-US" sz="2000" strike="noStrike" u="none">
-                <a:solidFill>
-                  <a:schemeClr val="dk1"/>
-                </a:solidFill>
-                <a:effectLst/>
-                <a:uFillTx/>
-                <a:latin typeface="Calibri"/>
-              </a:rPr>
-              <a:t>3.º nível de tópicos</a:t>
-            </a:r>
-            <a:endParaRPr b="0" lang="pt-BR" sz="2000" strike="noStrike" u="none">
-              <a:solidFill>
-                <a:srgbClr val="000000"/>
-              </a:solidFill>
-              <a:effectLst/>
-              <a:uFillTx/>
-              <a:latin typeface="Arial"/>
-            </a:endParaRPr>
-          </a:p>
-          <a:p>
-            <a:pPr lvl="3" marL="1728000" indent="-216000">
-              <a:lnSpc>
-                <a:spcPct val="100000"/>
-              </a:lnSpc>
-              <a:spcBef>
-                <a:spcPts val="567"/>
-              </a:spcBef>
-              <a:buClr>
-                <a:srgbClr val="000000"/>
-              </a:buClr>
-              <a:buSzPct val="75000"/>
-              <a:buFont typeface="Symbol" charset="2"/>
-              <a:buChar char=""/>
-            </a:pPr>
-            <a:r>
-              <a:rPr b="0" lang="en-US" sz="2000" strike="noStrike" u="none">
-                <a:solidFill>
-                  <a:schemeClr val="dk1"/>
-                </a:solidFill>
-                <a:effectLst/>
-                <a:uFillTx/>
-                <a:latin typeface="Calibri"/>
-              </a:rPr>
-              <a:t>4.º nível de tópicos</a:t>
-            </a:r>
-            <a:endParaRPr b="0" lang="pt-BR" sz="2000" strike="noStrike" u="none">
-              <a:solidFill>
-                <a:srgbClr val="000000"/>
-              </a:solidFill>
-              <a:effectLst/>
-              <a:uFillTx/>
-              <a:latin typeface="Arial"/>
-            </a:endParaRPr>
-          </a:p>
-          <a:p>
-            <a:pPr lvl="4" marL="2160000" indent="-216000">
-              <a:lnSpc>
-                <a:spcPct val="100000"/>
-              </a:lnSpc>
-              <a:spcBef>
-                <a:spcPts val="283"/>
-              </a:spcBef>
-              <a:buClr>
-                <a:srgbClr val="000000"/>
-              </a:buClr>
-              <a:buSzPct val="45000"/>
-              <a:buFont typeface="Wingdings" charset="2"/>
-              <a:buChar char=""/>
-            </a:pPr>
-            <a:r>
-              <a:rPr b="0" lang="en-US" sz="2000" strike="noStrike" u="none">
-                <a:solidFill>
-                  <a:schemeClr val="dk1"/>
-                </a:solidFill>
-                <a:effectLst/>
-                <a:uFillTx/>
-                <a:latin typeface="Calibri"/>
-              </a:rPr>
-              <a:t>5.º nível de tópicos</a:t>
-            </a:r>
-            <a:endParaRPr b="0" lang="pt-BR" sz="2000" strike="noStrike" u="none">
-              <a:solidFill>
-                <a:srgbClr val="000000"/>
-              </a:solidFill>
-              <a:effectLst/>
-              <a:uFillTx/>
-              <a:latin typeface="Arial"/>
-            </a:endParaRPr>
-          </a:p>
-          <a:p>
-            <a:pPr lvl="5" marL="2592000" indent="-216000">
-              <a:lnSpc>
-                <a:spcPct val="100000"/>
-              </a:lnSpc>
-              <a:spcBef>
-                <a:spcPts val="283"/>
-              </a:spcBef>
-              <a:buClr>
-                <a:srgbClr val="000000"/>
-              </a:buClr>
-              <a:buSzPct val="45000"/>
-              <a:buFont typeface="Wingdings" charset="2"/>
-              <a:buChar char=""/>
-            </a:pPr>
-            <a:r>
-              <a:rPr b="0" lang="en-US" sz="2000" strike="noStrike" u="none">
-                <a:solidFill>
-                  <a:schemeClr val="dk1"/>
-                </a:solidFill>
-                <a:effectLst/>
-                <a:uFillTx/>
-                <a:latin typeface="Calibri"/>
-              </a:rPr>
-              <a:t>6.º nível de tópicos</a:t>
-            </a:r>
-            <a:endParaRPr b="0" lang="pt-BR" sz="2000" strike="noStrike" u="none">
-              <a:solidFill>
-                <a:srgbClr val="000000"/>
-              </a:solidFill>
-              <a:effectLst/>
-              <a:uFillTx/>
-              <a:latin typeface="Arial"/>
-            </a:endParaRPr>
-          </a:p>
-          <a:p>
-            <a:pPr lvl="6" marL="3024000" indent="-216000">
-              <a:lnSpc>
-                <a:spcPct val="100000"/>
-              </a:lnSpc>
-              <a:spcBef>
-                <a:spcPts val="283"/>
-              </a:spcBef>
-              <a:buClr>
-                <a:srgbClr val="000000"/>
-              </a:buClr>
-              <a:buSzPct val="45000"/>
-              <a:buFont typeface="Wingdings" charset="2"/>
-              <a:buChar char=""/>
-            </a:pPr>
-            <a:r>
-              <a:rPr b="0" lang="en-US" sz="2000" strike="noStrike" u="none">
-                <a:solidFill>
-                  <a:schemeClr val="dk1"/>
-                </a:solidFill>
-                <a:effectLst/>
-                <a:uFillTx/>
-                <a:latin typeface="Calibri"/>
-              </a:rPr>
-              <a:t>7.º nível de tópicos</a:t>
-            </a:r>
-            <a:endParaRPr b="0" lang="pt-BR" sz="2000" strike="noStrike" u="none">
-              <a:solidFill>
-                <a:srgbClr val="000000"/>
-              </a:solidFill>
-              <a:effectLst/>
-              <a:uFillTx/>
-              <a:latin typeface="Arial"/>
-            </a:endParaRPr>
-          </a:p>
-        </p:txBody>
-      </p:sp>
-    </p:spTree>
-  </p:cSld>
-</p:sldLayout>
-</file>
-
-<file path=ppt/slideLayouts/slideLayout3.xml><?xml version="1.0" encoding="utf-8"?>
-<p:sldLayout xmlns:a="http://schemas.openxmlformats.org/drawingml/2006/main" xmlns:p="http://schemas.openxmlformats.org/presentationml/2006/main" xmlns:r="http://schemas.openxmlformats.org/officeDocument/2006/relationships" xmlns:p14="http://schemas.microsoft.com/office/powerpoint/2010/main" xmlns:p15="http://schemas.microsoft.com/office/powerpoint/2012/main" xmlns:mc="http://schemas.openxmlformats.org/markup-compatibility/2006" type="vertTx" preserve="1">
-  <p:cSld name="Title and Vertical Text">
-    <p:bg>
-      <p:bgPr>
-        <a:solidFill>
-          <a:srgbClr val="ffffff"/>
-        </a:solidFill>
-      </p:bgPr>
-    </p:bg>
-    <p:spTree>
-      <p:nvGrpSpPr>
-        <p:cNvPr id="1" name=""/>
-        <p:cNvGrpSpPr/>
-        <p:nvPr/>
-      </p:nvGrpSpPr>
-      <p:grpSpPr>
-        <a:xfrm>
-          <a:off x="0" y="0"/>
-          <a:ext cx="0" cy="0"/>
-          <a:chOff x="0" y="0"/>
-          <a:chExt cx="0" cy="0"/>
-        </a:xfrm>
-      </p:grpSpPr>
-      <p:sp>
-        <p:nvSpPr>
-          <p:cNvPr id="11" name="PlaceHolder 1"/>
-          <p:cNvSpPr>
-            <a:spLocks noGrp="1"/>
-          </p:cNvSpPr>
-          <p:nvPr>
-            <p:ph type="title"/>
-          </p:nvPr>
-        </p:nvSpPr>
-        <p:spPr>
-          <a:xfrm>
-            <a:off x="457200" y="274680"/>
-            <a:ext cx="8227800" cy="1141200"/>
-          </a:xfrm>
-          <a:prstGeom prst="rect">
-            <a:avLst/>
-          </a:prstGeom>
-          <a:noFill/>
-          <a:ln w="0">
-            <a:noFill/>
-          </a:ln>
-        </p:spPr>
-        <p:txBody>
-          <a:bodyPr lIns="91440" rIns="91440" tIns="45720" bIns="45720" anchor="ctr">
-            <a:noAutofit/>
-          </a:bodyPr>
-          <a:p>
-            <a:pPr indent="0" algn="ctr" defTabSz="457200">
-              <a:lnSpc>
-                <a:spcPct val="100000"/>
-              </a:lnSpc>
-              <a:buNone/>
-              <a:tabLst>
-                <a:tab algn="l" pos="0"/>
-              </a:tabLst>
-            </a:pPr>
-            <a:r>
-              <a:rPr b="0" lang="en-US" sz="4400" strike="noStrike" u="none">
-                <a:solidFill>
-                  <a:schemeClr val="dk1"/>
-                </a:solidFill>
-                <a:effectLst/>
-                <a:uFillTx/>
-                <a:latin typeface="Calibri"/>
-              </a:rPr>
-              <a:t>Click to edit Master title style</a:t>
-            </a:r>
-            <a:endParaRPr b="0" lang="pt-BR" sz="4400" strike="noStrike" u="none">
-              <a:solidFill>
-                <a:srgbClr val="000000"/>
-              </a:solidFill>
-              <a:effectLst/>
-              <a:uFillTx/>
-              <a:latin typeface="Arial"/>
-            </a:endParaRPr>
-          </a:p>
-        </p:txBody>
-      </p:sp>
-      <p:sp>
-        <p:nvSpPr>
-          <p:cNvPr id="12" name="PlaceHolder 2"/>
-          <p:cNvSpPr>
-            <a:spLocks noGrp="1"/>
-          </p:cNvSpPr>
-          <p:nvPr>
-            <p:ph type="body"/>
-          </p:nvPr>
-        </p:nvSpPr>
-        <p:spPr>
-          <a:xfrm>
-            <a:off x="457200" y="1600200"/>
-            <a:ext cx="8227800" cy="4524120"/>
-          </a:xfrm>
-          <a:prstGeom prst="rect">
-            <a:avLst/>
-          </a:prstGeom>
-          <a:noFill/>
-          <a:ln w="0">
-            <a:noFill/>
-          </a:ln>
-        </p:spPr>
-        <p:txBody>
-          <a:bodyPr lIns="91440" rIns="91440" tIns="45720" bIns="45720" anchor="t" vert="eaVert">
-            <a:noAutofit/>
-          </a:bodyPr>
-          <a:p>
-            <a:pPr marL="343080" indent="-343080" defTabSz="457200">
-              <a:lnSpc>
-                <a:spcPct val="100000"/>
-              </a:lnSpc>
-              <a:spcBef>
-                <a:spcPts val="641"/>
-              </a:spcBef>
-              <a:buClr>
-                <a:srgbClr val="000000"/>
-              </a:buClr>
-              <a:buFont typeface="Arial"/>
-              <a:buChar char="•"/>
-            </a:pPr>
-            <a:r>
-              <a:rPr b="0" lang="en-US" sz="3200" strike="noStrike" u="none">
-                <a:solidFill>
-                  <a:schemeClr val="dk1"/>
-                </a:solidFill>
-                <a:effectLst/>
-                <a:uFillTx/>
-                <a:latin typeface="Calibri"/>
-              </a:rPr>
-              <a:t>Click to edit Master text styles</a:t>
-            </a:r>
-            <a:endParaRPr b="0" lang="pt-BR" sz="3200" strike="noStrike" u="none">
-              <a:solidFill>
-                <a:srgbClr val="000000"/>
-              </a:solidFill>
-              <a:effectLst/>
-              <a:uFillTx/>
-              <a:latin typeface="Arial"/>
-            </a:endParaRPr>
-          </a:p>
-          <a:p>
-            <a:pPr lvl="1" marL="743040" indent="-285840" defTabSz="457200">
-              <a:lnSpc>
-                <a:spcPct val="100000"/>
-              </a:lnSpc>
-              <a:spcBef>
-                <a:spcPts val="561"/>
-              </a:spcBef>
-              <a:buClr>
-                <a:srgbClr val="000000"/>
-              </a:buClr>
-              <a:buFont typeface="Arial"/>
-              <a:buChar char="–"/>
-            </a:pPr>
-            <a:r>
-              <a:rPr b="0" lang="en-US" sz="2800" strike="noStrike" u="none">
-                <a:solidFill>
-                  <a:schemeClr val="dk1"/>
-                </a:solidFill>
-                <a:effectLst/>
-                <a:uFillTx/>
-                <a:latin typeface="Calibri"/>
-              </a:rPr>
-              <a:t>Second level</a:t>
-            </a:r>
-            <a:endParaRPr b="0" lang="pt-BR" sz="2800" strike="noStrike" u="none">
-              <a:solidFill>
-                <a:srgbClr val="000000"/>
-              </a:solidFill>
-              <a:effectLst/>
-              <a:uFillTx/>
-              <a:latin typeface="Arial"/>
-            </a:endParaRPr>
-          </a:p>
-          <a:p>
-            <a:pPr lvl="2" marL="1143000" indent="-228600" defTabSz="457200">
-              <a:lnSpc>
-                <a:spcPct val="100000"/>
-              </a:lnSpc>
-              <a:spcBef>
-                <a:spcPts val="479"/>
-              </a:spcBef>
-              <a:buClr>
-                <a:srgbClr val="000000"/>
-              </a:buClr>
-              <a:buFont typeface="Arial"/>
-              <a:buChar char="•"/>
-            </a:pPr>
-            <a:r>
-              <a:rPr b="0" lang="en-US" sz="2400" strike="noStrike" u="none">
-                <a:solidFill>
-                  <a:schemeClr val="dk1"/>
-                </a:solidFill>
-                <a:effectLst/>
-                <a:uFillTx/>
-                <a:latin typeface="Calibri"/>
-              </a:rPr>
-              <a:t>Third level</a:t>
-            </a:r>
-            <a:endParaRPr b="0" lang="pt-BR" sz="2400" strike="noStrike" u="none">
-              <a:solidFill>
-                <a:srgbClr val="000000"/>
-              </a:solidFill>
-              <a:effectLst/>
-              <a:uFillTx/>
-              <a:latin typeface="Arial"/>
-            </a:endParaRPr>
-          </a:p>
-          <a:p>
-            <a:pPr lvl="3" marL="1600200" indent="-228600" defTabSz="457200">
-              <a:lnSpc>
-                <a:spcPct val="100000"/>
-              </a:lnSpc>
-              <a:spcBef>
-                <a:spcPts val="400"/>
-              </a:spcBef>
-              <a:buClr>
-                <a:srgbClr val="000000"/>
-              </a:buClr>
-              <a:buFont typeface="Arial"/>
-              <a:buChar char="–"/>
-            </a:pPr>
-            <a:r>
-              <a:rPr b="0" lang="en-US" sz="2000" strike="noStrike" u="none">
-                <a:solidFill>
-                  <a:schemeClr val="dk1"/>
-                </a:solidFill>
-                <a:effectLst/>
-                <a:uFillTx/>
-                <a:latin typeface="Calibri"/>
-              </a:rPr>
-              <a:t>Fourth level</a:t>
-            </a:r>
-            <a:endParaRPr b="0" lang="pt-BR" sz="2000" strike="noStrike" u="none">
-              <a:solidFill>
-                <a:srgbClr val="000000"/>
-              </a:solidFill>
-              <a:effectLst/>
-              <a:uFillTx/>
-              <a:latin typeface="Arial"/>
-            </a:endParaRPr>
-          </a:p>
-          <a:p>
-            <a:pPr lvl="4" marL="2057400" indent="-228600" defTabSz="457200">
-              <a:lnSpc>
-                <a:spcPct val="100000"/>
-              </a:lnSpc>
-              <a:spcBef>
-                <a:spcPts val="400"/>
-              </a:spcBef>
-              <a:buClr>
-                <a:srgbClr val="000000"/>
-              </a:buClr>
-              <a:buFont typeface="Arial"/>
-              <a:buChar char="»"/>
-            </a:pPr>
-            <a:r>
-              <a:rPr b="0" lang="en-US" sz="2000" strike="noStrike" u="none">
-                <a:solidFill>
-                  <a:schemeClr val="dk1"/>
-                </a:solidFill>
-                <a:effectLst/>
-                <a:uFillTx/>
-                <a:latin typeface="Calibri"/>
-              </a:rPr>
-              <a:t>Fifth level</a:t>
-            </a:r>
-            <a:endParaRPr b="0" lang="pt-BR" sz="2000" strike="noStrike" u="none">
-              <a:solidFill>
-                <a:srgbClr val="000000"/>
-              </a:solidFill>
-              <a:effectLst/>
-              <a:uFillTx/>
-              <a:latin typeface="Arial"/>
-            </a:endParaRPr>
-          </a:p>
-        </p:txBody>
-      </p:sp>
-      <p:sp>
-        <p:nvSpPr>
-          <p:cNvPr id="13" name="PlaceHolder 3"/>
-          <p:cNvSpPr>
-            <a:spLocks noGrp="1"/>
-          </p:cNvSpPr>
-          <p:nvPr>
-            <p:ph type="dt" idx="7"/>
-          </p:nvPr>
-        </p:nvSpPr>
-        <p:spPr>
-          <a:xfrm>
-            <a:off x="457200" y="6356520"/>
-            <a:ext cx="2131920" cy="363240"/>
-          </a:xfrm>
-          <a:prstGeom prst="rect">
-            <a:avLst/>
-          </a:prstGeom>
-          <a:noFill/>
-          <a:ln w="0">
-            <a:noFill/>
-          </a:ln>
-        </p:spPr>
-        <p:txBody>
-          <a:bodyPr lIns="91440" rIns="91440" tIns="45720" bIns="45720" anchor="ctr">
-            <a:noAutofit/>
-          </a:bodyPr>
-          <a:lstStyle>
-            <a:lvl1pPr indent="0" defTabSz="457200">
-              <a:lnSpc>
-                <a:spcPct val="100000"/>
-              </a:lnSpc>
-              <a:buNone/>
-              <a:tabLst>
-                <a:tab algn="l" pos="0"/>
-              </a:tabLst>
-              <a:defRPr b="0" lang="en-US" sz="1200" strike="noStrike" u="none">
-                <a:solidFill>
-                  <a:schemeClr val="dk1">
-                    <a:tint val="75000"/>
-                  </a:schemeClr>
-                </a:solidFill>
-                <a:effectLst/>
-                <a:uFillTx/>
-                <a:latin typeface="Calibri"/>
-              </a:defRPr>
-            </a:lvl1pPr>
-          </a:lstStyle>
-          <a:p>
-            <a:pPr indent="0" defTabSz="457200">
-              <a:lnSpc>
-                <a:spcPct val="100000"/>
-              </a:lnSpc>
-              <a:buNone/>
-              <a:tabLst>
-                <a:tab algn="l" pos="0"/>
-              </a:tabLst>
-            </a:pPr>
-            <a:r>
-              <a:rPr b="0" lang="en-US" sz="1200" strike="noStrike" u="none">
-                <a:solidFill>
-                  <a:schemeClr val="dk1">
-                    <a:tint val="75000"/>
-                  </a:schemeClr>
-                </a:solidFill>
-                <a:effectLst/>
-                <a:uFillTx/>
-                <a:latin typeface="Calibri"/>
-              </a:rPr>
-              <a:t>&lt;data/hora&gt;</a:t>
-            </a:r>
-            <a:endParaRPr b="0" lang="pt-BR" sz="1200" strike="noStrike" u="none">
-              <a:solidFill>
-                <a:srgbClr val="000000"/>
-              </a:solidFill>
-              <a:effectLst/>
-              <a:uFillTx/>
-              <a:latin typeface="Times New Roman"/>
-            </a:endParaRPr>
-          </a:p>
-        </p:txBody>
-      </p:sp>
-      <p:sp>
-        <p:nvSpPr>
-          <p:cNvPr id="14" name="PlaceHolder 4"/>
-          <p:cNvSpPr>
-            <a:spLocks noGrp="1"/>
-          </p:cNvSpPr>
-          <p:nvPr>
-            <p:ph type="ftr" idx="8"/>
-          </p:nvPr>
-        </p:nvSpPr>
-        <p:spPr>
-          <a:xfrm>
-            <a:off x="3124080" y="6356520"/>
-            <a:ext cx="2893680" cy="363240"/>
-          </a:xfrm>
-          <a:prstGeom prst="rect">
-            <a:avLst/>
-          </a:prstGeom>
-          <a:noFill/>
-          <a:ln w="0">
-            <a:noFill/>
-          </a:ln>
-        </p:spPr>
-        <p:txBody>
-          <a:bodyPr lIns="91440" rIns="91440" tIns="45720" bIns="45720" anchor="ctr">
-            <a:noAutofit/>
-          </a:bodyPr>
-          <a:lstStyle>
-            <a:lvl1pPr indent="0" algn="ctr">
-              <a:lnSpc>
-                <a:spcPct val="100000"/>
-              </a:lnSpc>
-              <a:buNone/>
-              <a:tabLst>
-                <a:tab algn="l" pos="0"/>
-              </a:tabLst>
-              <a:defRPr b="0" lang="pt-BR" sz="1400" strike="noStrike" u="none">
-                <a:solidFill>
-                  <a:srgbClr val="000000"/>
-                </a:solidFill>
-                <a:effectLst/>
-                <a:uFillTx/>
-                <a:latin typeface="Times New Roman"/>
-              </a:defRPr>
-            </a:lvl1pPr>
-          </a:lstStyle>
-          <a:p>
-            <a:pPr indent="0" algn="ctr">
-              <a:lnSpc>
-                <a:spcPct val="100000"/>
-              </a:lnSpc>
-              <a:buNone/>
-              <a:tabLst>
-                <a:tab algn="l" pos="0"/>
-              </a:tabLst>
-            </a:pPr>
-            <a:r>
-              <a:rPr b="0" lang="pt-BR" sz="1400" strike="noStrike" u="none">
-                <a:solidFill>
-                  <a:srgbClr val="000000"/>
-                </a:solidFill>
-                <a:effectLst/>
-                <a:uFillTx/>
-                <a:latin typeface="Times New Roman"/>
-              </a:rPr>
-              <a:t>&lt;rodapé&gt;</a:t>
-            </a:r>
-            <a:endParaRPr b="0" lang="pt-BR" sz="1400" strike="noStrike" u="none">
-              <a:solidFill>
-                <a:srgbClr val="000000"/>
-              </a:solidFill>
-              <a:effectLst/>
-              <a:uFillTx/>
-              <a:latin typeface="Times New Roman"/>
-            </a:endParaRPr>
-          </a:p>
-        </p:txBody>
-      </p:sp>
-      <p:sp>
-        <p:nvSpPr>
-          <p:cNvPr id="15" name="PlaceHolder 5"/>
-          <p:cNvSpPr>
-            <a:spLocks noGrp="1"/>
-          </p:cNvSpPr>
-          <p:nvPr>
-            <p:ph type="sldNum" idx="9"/>
-          </p:nvPr>
-        </p:nvSpPr>
-        <p:spPr>
-          <a:xfrm>
-            <a:off x="6553080" y="6356520"/>
-            <a:ext cx="2131920" cy="363240"/>
-          </a:xfrm>
-          <a:prstGeom prst="rect">
-            <a:avLst/>
-          </a:prstGeom>
-          <a:noFill/>
-          <a:ln w="0">
-            <a:noFill/>
-          </a:ln>
-        </p:spPr>
-        <p:txBody>
-          <a:bodyPr lIns="91440" rIns="91440" tIns="45720" bIns="45720" anchor="ctr">
-            <a:noAutofit/>
-          </a:bodyPr>
-          <a:lstStyle>
-            <a:lvl1pPr indent="0" algn="r" defTabSz="457200">
-              <a:lnSpc>
-                <a:spcPct val="100000"/>
-              </a:lnSpc>
-              <a:buNone/>
-              <a:tabLst>
-                <a:tab algn="l" pos="0"/>
-              </a:tabLst>
-              <a:defRPr b="0" lang="en-US" sz="1200" strike="noStrike" u="none">
-                <a:solidFill>
-                  <a:schemeClr val="dk1">
-                    <a:tint val="75000"/>
-                  </a:schemeClr>
-                </a:solidFill>
-                <a:effectLst/>
-                <a:uFillTx/>
-                <a:latin typeface="Calibri"/>
-              </a:defRPr>
-            </a:lvl1pPr>
-          </a:lstStyle>
-          <a:p>
-            <a:pPr indent="0" algn="r" defTabSz="457200">
-              <a:lnSpc>
-                <a:spcPct val="100000"/>
-              </a:lnSpc>
-              <a:buNone/>
-              <a:tabLst>
-                <a:tab algn="l" pos="0"/>
-              </a:tabLst>
-            </a:pPr>
-            <a:fld id="{0D187914-0945-4E55-B37B-22231D13BEF5}" type="slidenum">
+            <a:fld id="{ABA7713F-7D41-4925-BA34-0E676BFC1070}" type="slidenum">
               <a:rPr b="0" lang="en-US" sz="1200" strike="noStrike" u="none">
                 <a:solidFill>
                   <a:schemeClr val="dk1">
@@ -3022,8 +3399,8 @@
 </file>
 
 <file path=ppt/slideLayouts/slideLayout4.xml><?xml version="1.0" encoding="utf-8"?>
-<p:sldLayout xmlns:a="http://schemas.openxmlformats.org/drawingml/2006/main" xmlns:p="http://schemas.openxmlformats.org/presentationml/2006/main" xmlns:r="http://schemas.openxmlformats.org/officeDocument/2006/relationships" xmlns:p14="http://schemas.microsoft.com/office/powerpoint/2010/main" xmlns:p15="http://schemas.microsoft.com/office/powerpoint/2012/main" xmlns:mc="http://schemas.openxmlformats.org/markup-compatibility/2006" type="vertTitleAndTx" preserve="1">
-  <p:cSld name="Vertical Title and Text">
+<p:sldLayout xmlns:a="http://schemas.openxmlformats.org/drawingml/2006/main" xmlns:p="http://schemas.openxmlformats.org/presentationml/2006/main" xmlns:r="http://schemas.openxmlformats.org/officeDocument/2006/relationships" xmlns:p14="http://schemas.microsoft.com/office/powerpoint/2010/main" xmlns:p15="http://schemas.microsoft.com/office/powerpoint/2012/main" xmlns:mc="http://schemas.openxmlformats.org/markup-compatibility/2006" type="blank" preserve="1">
+  <p:cSld name="Picture with Caption">
     <p:bg>
       <p:bgPr>
         <a:solidFill>
@@ -3057,8 +3434,8 @@
         </p:nvSpPr>
         <p:spPr>
           <a:xfrm>
-            <a:off x="6629400" y="274680"/>
-            <a:ext cx="2055600" cy="5849640"/>
+            <a:off x="1792440" y="4800600"/>
+            <a:ext cx="5484240" cy="564480"/>
           </a:xfrm>
           <a:prstGeom prst="rect">
             <a:avLst/>
@@ -3069,11 +3446,11 @@
           </a:ln>
         </p:spPr>
         <p:txBody>
-          <a:bodyPr lIns="91440" rIns="91440" tIns="45720" bIns="45720" anchor="ctr" vert="eaVert">
+          <a:bodyPr lIns="91440" rIns="91440" tIns="45720" bIns="45720" anchor="b">
             <a:noAutofit/>
           </a:bodyPr>
           <a:p>
-            <a:pPr indent="0" algn="ctr" defTabSz="457200">
+            <a:pPr indent="0" defTabSz="457200">
               <a:lnSpc>
                 <a:spcPct val="100000"/>
               </a:lnSpc>
@@ -3083,7 +3460,7 @@
               </a:tabLst>
             </a:pPr>
             <a:r>
-              <a:rPr b="0" lang="en-US" sz="4400" strike="noStrike" u="none">
+              <a:rPr b="1" lang="en-US" sz="2000" strike="noStrike" u="none">
                 <a:solidFill>
                   <a:schemeClr val="dk1"/>
                 </a:solidFill>
@@ -3093,7 +3470,7 @@
               </a:rPr>
               <a:t>Click to edit Master title style</a:t>
             </a:r>
-            <a:endParaRPr b="0" lang="pt-BR" sz="4400" strike="noStrike" u="none">
+            <a:endParaRPr b="0" lang="pt-BR" sz="2000" strike="noStrike" u="none">
               <a:solidFill>
                 <a:srgbClr val="000000"/>
               </a:solidFill>
@@ -3116,8 +3493,8 @@
         </p:nvSpPr>
         <p:spPr>
           <a:xfrm>
-            <a:off x="457200" y="274680"/>
-            <a:ext cx="6018120" cy="5849640"/>
+            <a:off x="1792440" y="612720"/>
+            <a:ext cx="5484240" cy="4112640"/>
           </a:xfrm>
           <a:prstGeom prst="rect">
             <a:avLst/>
@@ -3128,22 +3505,23 @@
           </a:ln>
         </p:spPr>
         <p:txBody>
-          <a:bodyPr lIns="91440" rIns="91440" tIns="45720" bIns="45720" anchor="t" vert="eaVert">
+          <a:bodyPr lIns="90000" rIns="90000" tIns="45000" bIns="45000" anchor="t">
             <a:noAutofit/>
           </a:bodyPr>
           <a:p>
-            <a:pPr marL="343080" indent="-343080" defTabSz="457200">
-              <a:lnSpc>
-                <a:spcPct val="100000"/>
-              </a:lnSpc>
-              <a:spcBef>
-                <a:spcPts val="641"/>
+            <a:pPr marL="432000" indent="-324000">
+              <a:lnSpc>
+                <a:spcPct val="100000"/>
+              </a:lnSpc>
+              <a:spcBef>
+                <a:spcPts val="1417"/>
               </a:spcBef>
               <a:buClr>
                 <a:srgbClr val="000000"/>
               </a:buClr>
-              <a:buFont typeface="Arial"/>
-              <a:buChar char="•"/>
+              <a:buSzPct val="45000"/>
+              <a:buFont typeface="Wingdings" charset="2"/>
+              <a:buChar char=""/>
             </a:pPr>
             <a:r>
               <a:rPr b="0" lang="en-US" sz="3200" strike="noStrike" u="none">
@@ -3154,7 +3532,7 @@
                 <a:uFillTx/>
                 <a:latin typeface="Calibri"/>
               </a:rPr>
-              <a:t>Click to edit Master text styles</a:t>
+              <a:t>Clique para editar o formato de texto dos tópicos</a:t>
             </a:r>
             <a:endParaRPr b="0" lang="pt-BR" sz="3200" strike="noStrike" u="none">
               <a:solidFill>
@@ -3166,21 +3544,22 @@
             </a:endParaRPr>
           </a:p>
           <a:p>
-            <a:pPr lvl="1" marL="743040" indent="-285840" defTabSz="457200">
-              <a:lnSpc>
-                <a:spcPct val="100000"/>
-              </a:lnSpc>
-              <a:spcBef>
-                <a:spcPts val="561"/>
+            <a:pPr lvl="1" marL="864000" indent="-324000">
+              <a:lnSpc>
+                <a:spcPct val="100000"/>
+              </a:lnSpc>
+              <a:spcBef>
+                <a:spcPts val="1134"/>
               </a:spcBef>
               <a:buClr>
                 <a:srgbClr val="000000"/>
               </a:buClr>
-              <a:buFont typeface="Arial"/>
-              <a:buChar char="–"/>
-            </a:pPr>
-            <a:r>
-              <a:rPr b="0" lang="en-US" sz="2800" strike="noStrike" u="none">
+              <a:buSzPct val="75000"/>
+              <a:buFont typeface="Symbol" charset="2"/>
+              <a:buChar char=""/>
+            </a:pPr>
+            <a:r>
+              <a:rPr b="0" lang="en-US" sz="3200" strike="noStrike" u="none">
                 <a:solidFill>
                   <a:schemeClr val="dk1"/>
                 </a:solidFill>
@@ -3188,33 +3567,34 @@
                 <a:uFillTx/>
                 <a:latin typeface="Calibri"/>
               </a:rPr>
-              <a:t>Second level</a:t>
-            </a:r>
-            <a:endParaRPr b="0" lang="pt-BR" sz="2800" strike="noStrike" u="none">
-              <a:solidFill>
-                <a:srgbClr val="000000"/>
-              </a:solidFill>
-              <a:effectLst/>
-              <a:uFillTx/>
-              <a:latin typeface="Arial"/>
-            </a:endParaRPr>
-          </a:p>
-          <a:p>
-            <a:pPr lvl="2" marL="1143000" indent="-228600" defTabSz="457200">
-              <a:lnSpc>
-                <a:spcPct val="100000"/>
-              </a:lnSpc>
-              <a:spcBef>
-                <a:spcPts val="479"/>
+              <a:t>2.º nível de tópicos</a:t>
+            </a:r>
+            <a:endParaRPr b="0" lang="pt-BR" sz="3200" strike="noStrike" u="none">
+              <a:solidFill>
+                <a:srgbClr val="000000"/>
+              </a:solidFill>
+              <a:effectLst/>
+              <a:uFillTx/>
+              <a:latin typeface="Arial"/>
+            </a:endParaRPr>
+          </a:p>
+          <a:p>
+            <a:pPr lvl="2" marL="1296000" indent="-288000">
+              <a:lnSpc>
+                <a:spcPct val="100000"/>
+              </a:lnSpc>
+              <a:spcBef>
+                <a:spcPts val="850"/>
               </a:spcBef>
               <a:buClr>
                 <a:srgbClr val="000000"/>
               </a:buClr>
-              <a:buFont typeface="Arial"/>
-              <a:buChar char="•"/>
-            </a:pPr>
-            <a:r>
-              <a:rPr b="0" lang="en-US" sz="2400" strike="noStrike" u="none">
+              <a:buSzPct val="45000"/>
+              <a:buFont typeface="Wingdings" charset="2"/>
+              <a:buChar char=""/>
+            </a:pPr>
+            <a:r>
+              <a:rPr b="0" lang="en-US" sz="3200" strike="noStrike" u="none">
                 <a:solidFill>
                   <a:schemeClr val="dk1"/>
                 </a:solidFill>
@@ -3222,33 +3602,34 @@
                 <a:uFillTx/>
                 <a:latin typeface="Calibri"/>
               </a:rPr>
-              <a:t>Third level</a:t>
-            </a:r>
-            <a:endParaRPr b="0" lang="pt-BR" sz="2400" strike="noStrike" u="none">
-              <a:solidFill>
-                <a:srgbClr val="000000"/>
-              </a:solidFill>
-              <a:effectLst/>
-              <a:uFillTx/>
-              <a:latin typeface="Arial"/>
-            </a:endParaRPr>
-          </a:p>
-          <a:p>
-            <a:pPr lvl="3" marL="1600200" indent="-228600" defTabSz="457200">
-              <a:lnSpc>
-                <a:spcPct val="100000"/>
-              </a:lnSpc>
-              <a:spcBef>
-                <a:spcPts val="400"/>
+              <a:t>3.º nível de tópicos</a:t>
+            </a:r>
+            <a:endParaRPr b="0" lang="pt-BR" sz="3200" strike="noStrike" u="none">
+              <a:solidFill>
+                <a:srgbClr val="000000"/>
+              </a:solidFill>
+              <a:effectLst/>
+              <a:uFillTx/>
+              <a:latin typeface="Arial"/>
+            </a:endParaRPr>
+          </a:p>
+          <a:p>
+            <a:pPr lvl="3" marL="1728000" indent="-216000">
+              <a:lnSpc>
+                <a:spcPct val="100000"/>
+              </a:lnSpc>
+              <a:spcBef>
+                <a:spcPts val="567"/>
               </a:spcBef>
               <a:buClr>
                 <a:srgbClr val="000000"/>
               </a:buClr>
-              <a:buFont typeface="Arial"/>
-              <a:buChar char="–"/>
-            </a:pPr>
-            <a:r>
-              <a:rPr b="0" lang="en-US" sz="2000" strike="noStrike" u="none">
+              <a:buSzPct val="75000"/>
+              <a:buFont typeface="Symbol" charset="2"/>
+              <a:buChar char=""/>
+            </a:pPr>
+            <a:r>
+              <a:rPr b="0" lang="en-US" sz="3200" strike="noStrike" u="none">
                 <a:solidFill>
                   <a:schemeClr val="dk1"/>
                 </a:solidFill>
@@ -3256,33 +3637,34 @@
                 <a:uFillTx/>
                 <a:latin typeface="Calibri"/>
               </a:rPr>
-              <a:t>Fourth level</a:t>
-            </a:r>
-            <a:endParaRPr b="0" lang="pt-BR" sz="2000" strike="noStrike" u="none">
-              <a:solidFill>
-                <a:srgbClr val="000000"/>
-              </a:solidFill>
-              <a:effectLst/>
-              <a:uFillTx/>
-              <a:latin typeface="Arial"/>
-            </a:endParaRPr>
-          </a:p>
-          <a:p>
-            <a:pPr lvl="4" marL="2057400" indent="-228600" defTabSz="457200">
-              <a:lnSpc>
-                <a:spcPct val="100000"/>
-              </a:lnSpc>
-              <a:spcBef>
-                <a:spcPts val="400"/>
+              <a:t>4.º nível de tópicos</a:t>
+            </a:r>
+            <a:endParaRPr b="0" lang="pt-BR" sz="3200" strike="noStrike" u="none">
+              <a:solidFill>
+                <a:srgbClr val="000000"/>
+              </a:solidFill>
+              <a:effectLst/>
+              <a:uFillTx/>
+              <a:latin typeface="Arial"/>
+            </a:endParaRPr>
+          </a:p>
+          <a:p>
+            <a:pPr lvl="4" marL="2160000" indent="-216000">
+              <a:lnSpc>
+                <a:spcPct val="100000"/>
+              </a:lnSpc>
+              <a:spcBef>
+                <a:spcPts val="283"/>
               </a:spcBef>
               <a:buClr>
                 <a:srgbClr val="000000"/>
               </a:buClr>
-              <a:buFont typeface="Arial"/>
-              <a:buChar char="»"/>
-            </a:pPr>
-            <a:r>
-              <a:rPr b="0" lang="en-US" sz="2000" strike="noStrike" u="none">
+              <a:buSzPct val="45000"/>
+              <a:buFont typeface="Wingdings" charset="2"/>
+              <a:buChar char=""/>
+            </a:pPr>
+            <a:r>
+              <a:rPr b="0" lang="en-US" sz="3200" strike="noStrike" u="none">
                 <a:solidFill>
                   <a:schemeClr val="dk1"/>
                 </a:solidFill>
@@ -3290,9 +3672,79 @@
                 <a:uFillTx/>
                 <a:latin typeface="Calibri"/>
               </a:rPr>
-              <a:t>Fifth level</a:t>
-            </a:r>
-            <a:endParaRPr b="0" lang="pt-BR" sz="2000" strike="noStrike" u="none">
+              <a:t>5.º nível de tópicos</a:t>
+            </a:r>
+            <a:endParaRPr b="0" lang="pt-BR" sz="3200" strike="noStrike" u="none">
+              <a:solidFill>
+                <a:srgbClr val="000000"/>
+              </a:solidFill>
+              <a:effectLst/>
+              <a:uFillTx/>
+              <a:latin typeface="Arial"/>
+            </a:endParaRPr>
+          </a:p>
+          <a:p>
+            <a:pPr lvl="5" marL="2592000" indent="-216000">
+              <a:lnSpc>
+                <a:spcPct val="100000"/>
+              </a:lnSpc>
+              <a:spcBef>
+                <a:spcPts val="283"/>
+              </a:spcBef>
+              <a:buClr>
+                <a:srgbClr val="000000"/>
+              </a:buClr>
+              <a:buSzPct val="45000"/>
+              <a:buFont typeface="Wingdings" charset="2"/>
+              <a:buChar char=""/>
+            </a:pPr>
+            <a:r>
+              <a:rPr b="0" lang="en-US" sz="3200" strike="noStrike" u="none">
+                <a:solidFill>
+                  <a:schemeClr val="dk1"/>
+                </a:solidFill>
+                <a:effectLst/>
+                <a:uFillTx/>
+                <a:latin typeface="Calibri"/>
+              </a:rPr>
+              <a:t>6.º nível de tópicos</a:t>
+            </a:r>
+            <a:endParaRPr b="0" lang="pt-BR" sz="3200" strike="noStrike" u="none">
+              <a:solidFill>
+                <a:srgbClr val="000000"/>
+              </a:solidFill>
+              <a:effectLst/>
+              <a:uFillTx/>
+              <a:latin typeface="Arial"/>
+            </a:endParaRPr>
+          </a:p>
+          <a:p>
+            <a:pPr lvl="6" marL="3024000" indent="-216000">
+              <a:lnSpc>
+                <a:spcPct val="100000"/>
+              </a:lnSpc>
+              <a:spcBef>
+                <a:spcPts val="283"/>
+              </a:spcBef>
+              <a:buClr>
+                <a:srgbClr val="000000"/>
+              </a:buClr>
+              <a:buSzPct val="45000"/>
+              <a:buFont typeface="Wingdings" charset="2"/>
+              <a:buChar char=""/>
+            </a:pPr>
+            <a:r>
+              <a:rPr b="0" lang="en-US" sz="3200" strike="noStrike" u="none">
+                <a:solidFill>
+                  <a:schemeClr val="dk1"/>
+                </a:solidFill>
+                <a:effectLst/>
+                <a:uFillTx/>
+                <a:latin typeface="Calibri"/>
+              </a:rPr>
+              <a:t>7.º nível de tópicos</a:t>
+            </a:r>
+            <a:endParaRPr b="0" lang="pt-BR" sz="3200" strike="noStrike" u="none">
               <a:solidFill>
                 <a:srgbClr val="000000"/>
               </a:solidFill>
@@ -3306,6 +3758,68 @@
       <p:sp>
         <p:nvSpPr>
           <p:cNvPr id="18" name="PlaceHolder 3"/>
+          <p:cNvSpPr>
+            <a:spLocks noGrp="1"/>
+          </p:cNvSpPr>
+          <p:nvPr>
+            <p:ph type="body"/>
+          </p:nvPr>
+        </p:nvSpPr>
+        <p:spPr>
+          <a:xfrm>
+            <a:off x="1792440" y="5367240"/>
+            <a:ext cx="5484240" cy="802800"/>
+          </a:xfrm>
+          <a:prstGeom prst="rect">
+            <a:avLst/>
+          </a:prstGeom>
+          <a:noFill/>
+          <a:ln w="0">
+            <a:noFill/>
+          </a:ln>
+        </p:spPr>
+        <p:txBody>
+          <a:bodyPr lIns="91440" rIns="91440" tIns="45720" bIns="45720" anchor="t">
+            <a:noAutofit/>
+          </a:bodyPr>
+          <a:p>
+            <a:pPr indent="0" defTabSz="457200">
+              <a:lnSpc>
+                <a:spcPct val="100000"/>
+              </a:lnSpc>
+              <a:spcBef>
+                <a:spcPts val="281"/>
+              </a:spcBef>
+              <a:buNone/>
+              <a:tabLst>
+                <a:tab algn="l" pos="0"/>
+              </a:tabLst>
+            </a:pPr>
+            <a:r>
+              <a:rPr b="0" lang="en-US" sz="1400" strike="noStrike" u="none">
+                <a:solidFill>
+                  <a:schemeClr val="dk1"/>
+                </a:solidFill>
+                <a:effectLst/>
+                <a:uFillTx/>
+                <a:latin typeface="Calibri"/>
+              </a:rPr>
+              <a:t>Click to edit Master text styles</a:t>
+            </a:r>
+            <a:endParaRPr b="0" lang="pt-BR" sz="1400" strike="noStrike" u="none">
+              <a:solidFill>
+                <a:srgbClr val="000000"/>
+              </a:solidFill>
+              <a:effectLst/>
+              <a:uFillTx/>
+              <a:latin typeface="Arial"/>
+            </a:endParaRPr>
+          </a:p>
+        </p:txBody>
+      </p:sp>
+      <p:sp>
+        <p:nvSpPr>
+          <p:cNvPr id="19" name="PlaceHolder 4"/>
           <p:cNvSpPr>
             <a:spLocks noGrp="1"/>
           </p:cNvSpPr>
@@ -3316,7 +3830,7 @@
         <p:spPr>
           <a:xfrm>
             <a:off x="457200" y="6356520"/>
-            <a:ext cx="2131920" cy="363240"/>
+            <a:ext cx="2131560" cy="362880"/>
           </a:xfrm>
           <a:prstGeom prst="rect">
             <a:avLst/>
@@ -3387,7 +3901,7 @@
       </p:sp>
       <p:sp>
         <p:nvSpPr>
-          <p:cNvPr id="19" name="PlaceHolder 4"/>
+          <p:cNvPr id="20" name="PlaceHolder 5"/>
           <p:cNvSpPr>
             <a:spLocks noGrp="1"/>
           </p:cNvSpPr>
@@ -3398,7 +3912,7 @@
         <p:spPr>
           <a:xfrm>
             <a:off x="3124080" y="6356520"/>
-            <a:ext cx="2893680" cy="363240"/>
+            <a:ext cx="2893320" cy="362880"/>
           </a:xfrm>
           <a:prstGeom prst="rect">
             <a:avLst/>
@@ -3465,7 +3979,7 @@
       </p:sp>
       <p:sp>
         <p:nvSpPr>
-          <p:cNvPr id="20" name="PlaceHolder 5"/>
+          <p:cNvPr id="21" name="PlaceHolder 6"/>
           <p:cNvSpPr>
             <a:spLocks noGrp="1"/>
           </p:cNvSpPr>
@@ -3476,7 +3990,7 @@
         <p:spPr>
           <a:xfrm>
             <a:off x="6553080" y="6356520"/>
-            <a:ext cx="2131920" cy="363240"/>
+            <a:ext cx="2131560" cy="362880"/>
           </a:xfrm>
           <a:prstGeom prst="rect">
             <a:avLst/>
@@ -3521,7 +4035,7 @@
                 <a:tab algn="l" pos="0"/>
               </a:tabLst>
             </a:pPr>
-            <a:fld id="{82D6B646-41A0-4DD3-8785-1E85EF5570B6}" type="slidenum">
+            <a:fld id="{58BAFEC5-1189-4F6B-A4AF-411882206403}" type="slidenum">
               <a:rPr b="0" lang="en-US" sz="1200" strike="noStrike" u="none">
                 <a:solidFill>
                   <a:schemeClr val="dk1">
@@ -3551,8 +4065,8 @@
 </file>
 
 <file path=ppt/slideLayouts/slideLayout5.xml><?xml version="1.0" encoding="utf-8"?>
-<p:sldLayout xmlns:a="http://schemas.openxmlformats.org/drawingml/2006/main" xmlns:p="http://schemas.openxmlformats.org/presentationml/2006/main" xmlns:r="http://schemas.openxmlformats.org/officeDocument/2006/relationships" xmlns:p14="http://schemas.microsoft.com/office/powerpoint/2010/main" xmlns:p15="http://schemas.microsoft.com/office/powerpoint/2012/main" xmlns:mc="http://schemas.openxmlformats.org/markup-compatibility/2006" type="obj" preserve="1">
-  <p:cSld name="Title and Content">
+<p:sldLayout xmlns:a="http://schemas.openxmlformats.org/drawingml/2006/main" xmlns:p="http://schemas.openxmlformats.org/presentationml/2006/main" xmlns:r="http://schemas.openxmlformats.org/officeDocument/2006/relationships" xmlns:p14="http://schemas.microsoft.com/office/powerpoint/2010/main" xmlns:p15="http://schemas.microsoft.com/office/powerpoint/2012/main" xmlns:mc="http://schemas.openxmlformats.org/markup-compatibility/2006" type="title" preserve="1">
+  <p:cSld name="Title Slide">
     <p:bg>
       <p:bgPr>
         <a:solidFill>
@@ -3576,7 +4090,7 @@
       </p:grpSpPr>
       <p:sp>
         <p:nvSpPr>
-          <p:cNvPr id="21" name="PlaceHolder 1"/>
+          <p:cNvPr id="22" name="PlaceHolder 1"/>
           <p:cNvSpPr>
             <a:spLocks noGrp="1"/>
           </p:cNvSpPr>
@@ -3586,8 +4100,8 @@
         </p:nvSpPr>
         <p:spPr>
           <a:xfrm>
-            <a:off x="457200" y="274680"/>
-            <a:ext cx="8227800" cy="1141200"/>
+            <a:off x="685800" y="2130480"/>
+            <a:ext cx="7770240" cy="1467720"/>
           </a:xfrm>
           <a:prstGeom prst="rect">
             <a:avLst/>
@@ -3635,206 +4149,7 @@
       </p:sp>
       <p:sp>
         <p:nvSpPr>
-          <p:cNvPr id="22" name="PlaceHolder 2"/>
-          <p:cNvSpPr>
-            <a:spLocks noGrp="1"/>
-          </p:cNvSpPr>
-          <p:nvPr>
-            <p:ph type="body"/>
-          </p:nvPr>
-        </p:nvSpPr>
-        <p:spPr>
-          <a:xfrm>
-            <a:off x="457200" y="1600200"/>
-            <a:ext cx="8227800" cy="4524120"/>
-          </a:xfrm>
-          <a:prstGeom prst="rect">
-            <a:avLst/>
-          </a:prstGeom>
-          <a:noFill/>
-          <a:ln w="0">
-            <a:noFill/>
-          </a:ln>
-        </p:spPr>
-        <p:txBody>
-          <a:bodyPr lIns="91440" rIns="91440" tIns="45720" bIns="45720" anchor="t">
-            <a:noAutofit/>
-          </a:bodyPr>
-          <a:p>
-            <a:pPr marL="343080" indent="-343080" defTabSz="457200">
-              <a:lnSpc>
-                <a:spcPct val="100000"/>
-              </a:lnSpc>
-              <a:spcBef>
-                <a:spcPts val="641"/>
-              </a:spcBef>
-              <a:buClr>
-                <a:srgbClr val="000000"/>
-              </a:buClr>
-              <a:buFont typeface="Arial"/>
-              <a:buChar char="•"/>
-            </a:pPr>
-            <a:r>
-              <a:rPr b="0" lang="en-US" sz="3200" strike="noStrike" u="none">
-                <a:solidFill>
-                  <a:schemeClr val="dk1"/>
-                </a:solidFill>
-                <a:effectLst/>
-                <a:uFillTx/>
-                <a:latin typeface="Calibri"/>
-              </a:rPr>
-              <a:t>Click to edit Master text styles</a:t>
-            </a:r>
-            <a:endParaRPr b="0" lang="pt-BR" sz="3200" strike="noStrike" u="none">
-              <a:solidFill>
-                <a:srgbClr val="000000"/>
-              </a:solidFill>
-              <a:effectLst/>
-              <a:uFillTx/>
-              <a:latin typeface="Arial"/>
-            </a:endParaRPr>
-          </a:p>
-          <a:p>
-            <a:pPr lvl="1" marL="743040" indent="-285840" defTabSz="457200">
-              <a:lnSpc>
-                <a:spcPct val="100000"/>
-              </a:lnSpc>
-              <a:spcBef>
-                <a:spcPts val="561"/>
-              </a:spcBef>
-              <a:buClr>
-                <a:srgbClr val="000000"/>
-              </a:buClr>
-              <a:buFont typeface="Arial"/>
-              <a:buChar char="–"/>
-            </a:pPr>
-            <a:r>
-              <a:rPr b="0" lang="en-US" sz="2800" strike="noStrike" u="none">
-                <a:solidFill>
-                  <a:schemeClr val="dk1"/>
-                </a:solidFill>
-                <a:effectLst/>
-                <a:uFillTx/>
-                <a:latin typeface="Calibri"/>
-              </a:rPr>
-              <a:t>Second level</a:t>
-            </a:r>
-            <a:endParaRPr b="0" lang="pt-BR" sz="2800" strike="noStrike" u="none">
-              <a:solidFill>
-                <a:srgbClr val="000000"/>
-              </a:solidFill>
-              <a:effectLst/>
-              <a:uFillTx/>
-              <a:latin typeface="Arial"/>
-            </a:endParaRPr>
-          </a:p>
-          <a:p>
-            <a:pPr lvl="2" marL="1143000" indent="-228600" defTabSz="457200">
-              <a:lnSpc>
-                <a:spcPct val="100000"/>
-              </a:lnSpc>
-              <a:spcBef>
-                <a:spcPts val="479"/>
-              </a:spcBef>
-              <a:buClr>
-                <a:srgbClr val="000000"/>
-              </a:buClr>
-              <a:buFont typeface="Arial"/>
-              <a:buChar char="•"/>
-            </a:pPr>
-            <a:r>
-              <a:rPr b="0" lang="en-US" sz="2400" strike="noStrike" u="none">
-                <a:solidFill>
-                  <a:schemeClr val="dk1"/>
-                </a:solidFill>
-                <a:effectLst/>
-                <a:uFillTx/>
-                <a:latin typeface="Calibri"/>
-              </a:rPr>
-              <a:t>Third level</a:t>
-            </a:r>
-            <a:endParaRPr b="0" lang="pt-BR" sz="2400" strike="noStrike" u="none">
-              <a:solidFill>
-                <a:srgbClr val="000000"/>
-              </a:solidFill>
-              <a:effectLst/>
-              <a:uFillTx/>
-              <a:latin typeface="Arial"/>
-            </a:endParaRPr>
-          </a:p>
-          <a:p>
-            <a:pPr lvl="3" marL="1600200" indent="-228600" defTabSz="457200">
-              <a:lnSpc>
-                <a:spcPct val="100000"/>
-              </a:lnSpc>
-              <a:spcBef>
-                <a:spcPts val="400"/>
-              </a:spcBef>
-              <a:buClr>
-                <a:srgbClr val="000000"/>
-              </a:buClr>
-              <a:buFont typeface="Arial"/>
-              <a:buChar char="–"/>
-            </a:pPr>
-            <a:r>
-              <a:rPr b="0" lang="en-US" sz="2000" strike="noStrike" u="none">
-                <a:solidFill>
-                  <a:schemeClr val="dk1"/>
-                </a:solidFill>
-                <a:effectLst/>
-                <a:uFillTx/>
-                <a:latin typeface="Calibri"/>
-              </a:rPr>
-              <a:t>Fourth level</a:t>
-            </a:r>
-            <a:endParaRPr b="0" lang="pt-BR" sz="2000" strike="noStrike" u="none">
-              <a:solidFill>
-                <a:srgbClr val="000000"/>
-              </a:solidFill>
-              <a:effectLst/>
-              <a:uFillTx/>
-              <a:latin typeface="Arial"/>
-            </a:endParaRPr>
-          </a:p>
-          <a:p>
-            <a:pPr lvl="4" marL="2057400" indent="-228600" defTabSz="457200">
-              <a:lnSpc>
-                <a:spcPct val="100000"/>
-              </a:lnSpc>
-              <a:spcBef>
-                <a:spcPts val="400"/>
-              </a:spcBef>
-              <a:buClr>
-                <a:srgbClr val="000000"/>
-              </a:buClr>
-              <a:buFont typeface="Arial"/>
-              <a:buChar char="»"/>
-            </a:pPr>
-            <a:r>
-              <a:rPr b="0" lang="en-US" sz="2000" strike="noStrike" u="none">
-                <a:solidFill>
-                  <a:schemeClr val="dk1"/>
-                </a:solidFill>
-                <a:effectLst/>
-                <a:uFillTx/>
-                <a:latin typeface="Calibri"/>
-              </a:rPr>
-              <a:t>Fifth level</a:t>
-            </a:r>
-            <a:endParaRPr b="0" lang="pt-BR" sz="2000" strike="noStrike" u="none">
-              <a:solidFill>
-                <a:srgbClr val="000000"/>
-              </a:solidFill>
-              <a:effectLst/>
-              <a:uFillTx/>
-              <a:latin typeface="Arial"/>
-            </a:endParaRPr>
-          </a:p>
-        </p:txBody>
-      </p:sp>
-      <p:sp>
-        <p:nvSpPr>
-          <p:cNvPr id="23" name="PlaceHolder 3"/>
+          <p:cNvPr id="23" name="PlaceHolder 2"/>
           <p:cNvSpPr>
             <a:spLocks noGrp="1"/>
           </p:cNvSpPr>
@@ -3845,7 +4160,7 @@
         <p:spPr>
           <a:xfrm>
             <a:off x="457200" y="6356520"/>
-            <a:ext cx="2131920" cy="363240"/>
+            <a:ext cx="2131560" cy="362880"/>
           </a:xfrm>
           <a:prstGeom prst="rect">
             <a:avLst/>
@@ -3916,7 +4231,7 @@
       </p:sp>
       <p:sp>
         <p:nvSpPr>
-          <p:cNvPr id="24" name="PlaceHolder 4"/>
+          <p:cNvPr id="24" name="PlaceHolder 3"/>
           <p:cNvSpPr>
             <a:spLocks noGrp="1"/>
           </p:cNvSpPr>
@@ -3927,7 +4242,7 @@
         <p:spPr>
           <a:xfrm>
             <a:off x="3124080" y="6356520"/>
-            <a:ext cx="2893680" cy="363240"/>
+            <a:ext cx="2893320" cy="362880"/>
           </a:xfrm>
           <a:prstGeom prst="rect">
             <a:avLst/>
@@ -3994,7 +4309,7 @@
       </p:sp>
       <p:sp>
         <p:nvSpPr>
-          <p:cNvPr id="25" name="PlaceHolder 5"/>
+          <p:cNvPr id="25" name="PlaceHolder 4"/>
           <p:cNvSpPr>
             <a:spLocks noGrp="1"/>
           </p:cNvSpPr>
@@ -4005,7 +4320,7 @@
         <p:spPr>
           <a:xfrm>
             <a:off x="6553080" y="6356520"/>
-            <a:ext cx="2131920" cy="363240"/>
+            <a:ext cx="2131560" cy="362880"/>
           </a:xfrm>
           <a:prstGeom prst="rect">
             <a:avLst/>
@@ -4050,7 +4365,7 @@
                 <a:tab algn="l" pos="0"/>
               </a:tabLst>
             </a:pPr>
-            <a:fld id="{D3D7849A-3FB4-4E3A-BCD5-451BFD99E5E2}" type="slidenum">
+            <a:fld id="{5D7C4C5F-F571-466A-8952-77CC84459485}" type="slidenum">
               <a:rPr b="0" lang="en-US" sz="1200" strike="noStrike" u="none">
                 <a:solidFill>
                   <a:schemeClr val="dk1">
@@ -4070,6 +4385,280 @@
               <a:effectLst/>
               <a:uFillTx/>
               <a:latin typeface="Times New Roman"/>
+            </a:endParaRPr>
+          </a:p>
+        </p:txBody>
+      </p:sp>
+      <p:sp>
+        <p:nvSpPr>
+          <p:cNvPr id="26" name="PlaceHolder 5"/>
+          <p:cNvSpPr>
+            <a:spLocks noGrp="1"/>
+          </p:cNvSpPr>
+          <p:nvPr>
+            <p:ph type="body"/>
+          </p:nvPr>
+        </p:nvSpPr>
+        <p:spPr>
+          <a:xfrm>
+            <a:off x="457200" y="1604520"/>
+            <a:ext cx="8227440" cy="3975480"/>
+          </a:xfrm>
+          <a:prstGeom prst="rect">
+            <a:avLst/>
+          </a:prstGeom>
+          <a:noFill/>
+          <a:ln w="0">
+            <a:noFill/>
+          </a:ln>
+        </p:spPr>
+        <p:txBody>
+          <a:bodyPr lIns="0" rIns="0" tIns="0" bIns="0" anchor="t">
+            <a:normAutofit/>
+          </a:bodyPr>
+          <a:p>
+            <a:pPr marL="432000" indent="-324000">
+              <a:lnSpc>
+                <a:spcPct val="100000"/>
+              </a:lnSpc>
+              <a:spcBef>
+                <a:spcPts val="1417"/>
+              </a:spcBef>
+              <a:buClr>
+                <a:srgbClr val="000000"/>
+              </a:buClr>
+              <a:buSzPct val="45000"/>
+              <a:buFont typeface="Wingdings" charset="2"/>
+              <a:buChar char=""/>
+            </a:pPr>
+            <a:r>
+              <a:rPr b="0" lang="en-US" sz="3200" strike="noStrike" u="none">
+                <a:solidFill>
+                  <a:schemeClr val="dk1"/>
+                </a:solidFill>
+                <a:effectLst/>
+                <a:uFillTx/>
+                <a:latin typeface="Calibri"/>
+              </a:rPr>
+              <a:t>Clique para editar o formato de texto dos tópicos</a:t>
+            </a:r>
+            <a:endParaRPr b="0" lang="pt-BR" sz="3200" strike="noStrike" u="none">
+              <a:solidFill>
+                <a:srgbClr val="000000"/>
+              </a:solidFill>
+              <a:effectLst/>
+              <a:uFillTx/>
+              <a:latin typeface="Arial"/>
+            </a:endParaRPr>
+          </a:p>
+          <a:p>
+            <a:pPr lvl="1" marL="864000" indent="-324000">
+              <a:lnSpc>
+                <a:spcPct val="100000"/>
+              </a:lnSpc>
+              <a:spcBef>
+                <a:spcPts val="1134"/>
+              </a:spcBef>
+              <a:buClr>
+                <a:srgbClr val="000000"/>
+              </a:buClr>
+              <a:buSzPct val="75000"/>
+              <a:buFont typeface="Symbol" charset="2"/>
+              <a:buChar char=""/>
+            </a:pPr>
+            <a:r>
+              <a:rPr b="0" lang="en-US" sz="2400" strike="noStrike" u="none">
+                <a:solidFill>
+                  <a:schemeClr val="dk1"/>
+                </a:solidFill>
+                <a:effectLst/>
+                <a:uFillTx/>
+                <a:latin typeface="Calibri"/>
+              </a:rPr>
+              <a:t>2.º nível de tópicos</a:t>
+            </a:r>
+            <a:endParaRPr b="0" lang="pt-BR" sz="2400" strike="noStrike" u="none">
+              <a:solidFill>
+                <a:srgbClr val="000000"/>
+              </a:solidFill>
+              <a:effectLst/>
+              <a:uFillTx/>
+              <a:latin typeface="Arial"/>
+            </a:endParaRPr>
+          </a:p>
+          <a:p>
+            <a:pPr lvl="2" marL="1296000" indent="-288000">
+              <a:lnSpc>
+                <a:spcPct val="100000"/>
+              </a:lnSpc>
+              <a:spcBef>
+                <a:spcPts val="850"/>
+              </a:spcBef>
+              <a:buClr>
+                <a:srgbClr val="000000"/>
+              </a:buClr>
+              <a:buSzPct val="45000"/>
+              <a:buFont typeface="Wingdings" charset="2"/>
+              <a:buChar char=""/>
+            </a:pPr>
+            <a:r>
+              <a:rPr b="0" lang="en-US" sz="2000" strike="noStrike" u="none">
+                <a:solidFill>
+                  <a:schemeClr val="dk1"/>
+                </a:solidFill>
+                <a:effectLst/>
+                <a:uFillTx/>
+                <a:latin typeface="Calibri"/>
+              </a:rPr>
+              <a:t>3.º nível de tópicos</a:t>
+            </a:r>
+            <a:endParaRPr b="0" lang="pt-BR" sz="2000" strike="noStrike" u="none">
+              <a:solidFill>
+                <a:srgbClr val="000000"/>
+              </a:solidFill>
+              <a:effectLst/>
+              <a:uFillTx/>
+              <a:latin typeface="Arial"/>
+            </a:endParaRPr>
+          </a:p>
+          <a:p>
+            <a:pPr lvl="3" marL="1728000" indent="-216000">
+              <a:lnSpc>
+                <a:spcPct val="100000"/>
+              </a:lnSpc>
+              <a:spcBef>
+                <a:spcPts val="567"/>
+              </a:spcBef>
+              <a:buClr>
+                <a:srgbClr val="000000"/>
+              </a:buClr>
+              <a:buSzPct val="75000"/>
+              <a:buFont typeface="Symbol" charset="2"/>
+              <a:buChar char=""/>
+            </a:pPr>
+            <a:r>
+              <a:rPr b="0" lang="en-US" sz="2000" strike="noStrike" u="none">
+                <a:solidFill>
+                  <a:schemeClr val="dk1"/>
+                </a:solidFill>
+                <a:effectLst/>
+                <a:uFillTx/>
+                <a:latin typeface="Calibri"/>
+              </a:rPr>
+              <a:t>4.º nível de tópicos</a:t>
+            </a:r>
+            <a:endParaRPr b="0" lang="pt-BR" sz="2000" strike="noStrike" u="none">
+              <a:solidFill>
+                <a:srgbClr val="000000"/>
+              </a:solidFill>
+              <a:effectLst/>
+              <a:uFillTx/>
+              <a:latin typeface="Arial"/>
+            </a:endParaRPr>
+          </a:p>
+          <a:p>
+            <a:pPr lvl="4" marL="2160000" indent="-216000">
+              <a:lnSpc>
+                <a:spcPct val="100000"/>
+              </a:lnSpc>
+              <a:spcBef>
+                <a:spcPts val="283"/>
+              </a:spcBef>
+              <a:buClr>
+                <a:srgbClr val="000000"/>
+              </a:buClr>
+              <a:buSzPct val="45000"/>
+              <a:buFont typeface="Wingdings" charset="2"/>
+              <a:buChar char=""/>
+            </a:pPr>
+            <a:r>
+              <a:rPr b="0" lang="en-US" sz="2000" strike="noStrike" u="none">
+                <a:solidFill>
+                  <a:schemeClr val="dk1"/>
+                </a:solidFill>
+                <a:effectLst/>
+                <a:uFillTx/>
+                <a:latin typeface="Calibri"/>
+              </a:rPr>
+              <a:t>5.º nível de tópicos</a:t>
+            </a:r>
+            <a:endParaRPr b="0" lang="pt-BR" sz="2000" strike="noStrike" u="none">
+              <a:solidFill>
+                <a:srgbClr val="000000"/>
+              </a:solidFill>
+              <a:effectLst/>
+              <a:uFillTx/>
+              <a:latin typeface="Arial"/>
+            </a:endParaRPr>
+          </a:p>
+          <a:p>
+            <a:pPr lvl="5" marL="2592000" indent="-216000">
+              <a:lnSpc>
+                <a:spcPct val="100000"/>
+              </a:lnSpc>
+              <a:spcBef>
+                <a:spcPts val="283"/>
+              </a:spcBef>
+              <a:buClr>
+                <a:srgbClr val="000000"/>
+              </a:buClr>
+              <a:buSzPct val="45000"/>
+              <a:buFont typeface="Wingdings" charset="2"/>
+              <a:buChar char=""/>
+            </a:pPr>
+            <a:r>
+              <a:rPr b="0" lang="en-US" sz="2000" strike="noStrike" u="none">
+                <a:solidFill>
+                  <a:schemeClr val="dk1"/>
+                </a:solidFill>
+                <a:effectLst/>
+                <a:uFillTx/>
+                <a:latin typeface="Calibri"/>
+              </a:rPr>
+              <a:t>6.º nível de tópicos</a:t>
+            </a:r>
+            <a:endParaRPr b="0" lang="pt-BR" sz="2000" strike="noStrike" u="none">
+              <a:solidFill>
+                <a:srgbClr val="000000"/>
+              </a:solidFill>
+              <a:effectLst/>
+              <a:uFillTx/>
+              <a:latin typeface="Arial"/>
+            </a:endParaRPr>
+          </a:p>
+          <a:p>
+            <a:pPr lvl="6" marL="3024000" indent="-216000">
+              <a:lnSpc>
+                <a:spcPct val="100000"/>
+              </a:lnSpc>
+              <a:spcBef>
+                <a:spcPts val="283"/>
+              </a:spcBef>
+              <a:buClr>
+                <a:srgbClr val="000000"/>
+              </a:buClr>
+              <a:buSzPct val="45000"/>
+              <a:buFont typeface="Wingdings" charset="2"/>
+              <a:buChar char=""/>
+            </a:pPr>
+            <a:r>
+              <a:rPr b="0" lang="en-US" sz="2000" strike="noStrike" u="none">
+                <a:solidFill>
+                  <a:schemeClr val="dk1"/>
+                </a:solidFill>
+                <a:effectLst/>
+                <a:uFillTx/>
+                <a:latin typeface="Calibri"/>
+              </a:rPr>
+              <a:t>7.º nível de tópicos</a:t>
+            </a:r>
+            <a:endParaRPr b="0" lang="pt-BR" sz="2000" strike="noStrike" u="none">
+              <a:solidFill>
+                <a:srgbClr val="000000"/>
+              </a:solidFill>
+              <a:effectLst/>
+              <a:uFillTx/>
+              <a:latin typeface="Arial"/>
             </a:endParaRPr>
           </a:p>
         </p:txBody>
@@ -4080,8 +4669,8 @@
 </file>
 
 <file path=ppt/slideLayouts/slideLayout6.xml><?xml version="1.0" encoding="utf-8"?>
-<p:sldLayout xmlns:a="http://schemas.openxmlformats.org/drawingml/2006/main" xmlns:p="http://schemas.openxmlformats.org/presentationml/2006/main" xmlns:r="http://schemas.openxmlformats.org/officeDocument/2006/relationships" xmlns:p14="http://schemas.microsoft.com/office/powerpoint/2010/main" xmlns:p15="http://schemas.microsoft.com/office/powerpoint/2012/main" xmlns:mc="http://schemas.openxmlformats.org/markup-compatibility/2006" type="blank" preserve="1">
-  <p:cSld name="Section Header">
+<p:sldLayout xmlns:a="http://schemas.openxmlformats.org/drawingml/2006/main" xmlns:p="http://schemas.openxmlformats.org/presentationml/2006/main" xmlns:r="http://schemas.openxmlformats.org/officeDocument/2006/relationships" xmlns:p14="http://schemas.microsoft.com/office/powerpoint/2010/main" xmlns:p15="http://schemas.microsoft.com/office/powerpoint/2012/main" xmlns:mc="http://schemas.openxmlformats.org/markup-compatibility/2006" type="vertTx" preserve="1">
+  <p:cSld name="Title and Vertical Text">
     <p:bg>
       <p:bgPr>
         <a:solidFill>
@@ -4105,7 +4694,7 @@
       </p:grpSpPr>
       <p:sp>
         <p:nvSpPr>
-          <p:cNvPr id="26" name="PlaceHolder 1"/>
+          <p:cNvPr id="27" name="PlaceHolder 1"/>
           <p:cNvSpPr>
             <a:spLocks noGrp="1"/>
           </p:cNvSpPr>
@@ -4115,8 +4704,8 @@
         </p:nvSpPr>
         <p:spPr>
           <a:xfrm>
-            <a:off x="722160" y="4406760"/>
-            <a:ext cx="7770600" cy="1360440"/>
+            <a:off x="457200" y="274680"/>
+            <a:ext cx="8227440" cy="1140840"/>
           </a:xfrm>
           <a:prstGeom prst="rect">
             <a:avLst/>
@@ -4127,11 +4716,11 @@
           </a:ln>
         </p:spPr>
         <p:txBody>
-          <a:bodyPr lIns="91440" rIns="91440" tIns="45720" bIns="45720" anchor="t">
+          <a:bodyPr lIns="91440" rIns="91440" tIns="45720" bIns="45720" anchor="ctr">
             <a:noAutofit/>
           </a:bodyPr>
           <a:p>
-            <a:pPr indent="0" defTabSz="457200">
+            <a:pPr indent="0" algn="ctr" defTabSz="457200">
               <a:lnSpc>
                 <a:spcPct val="100000"/>
               </a:lnSpc>
@@ -4141,7 +4730,7 @@
               </a:tabLst>
             </a:pPr>
             <a:r>
-              <a:rPr b="1" lang="en-US" sz="4000" strike="noStrike" u="none" cap="all">
+              <a:rPr b="0" lang="en-US" sz="4400" strike="noStrike" u="none">
                 <a:solidFill>
                   <a:schemeClr val="dk1"/>
                 </a:solidFill>
@@ -4151,7 +4740,7 @@
               </a:rPr>
               <a:t>Click to edit Master title style</a:t>
             </a:r>
-            <a:endParaRPr b="0" lang="pt-BR" sz="4000" strike="noStrike" u="none">
+            <a:endParaRPr b="0" lang="pt-BR" sz="4400" strike="noStrike" u="none">
               <a:solidFill>
                 <a:srgbClr val="000000"/>
               </a:solidFill>
@@ -4164,7 +4753,7 @@
       </p:sp>
       <p:sp>
         <p:nvSpPr>
-          <p:cNvPr id="27" name="PlaceHolder 2"/>
+          <p:cNvPr id="28" name="PlaceHolder 2"/>
           <p:cNvSpPr>
             <a:spLocks noGrp="1"/>
           </p:cNvSpPr>
@@ -4174,8 +4763,8 @@
         </p:nvSpPr>
         <p:spPr>
           <a:xfrm>
-            <a:off x="722160" y="2906640"/>
-            <a:ext cx="7770600" cy="1498320"/>
+            <a:off x="457200" y="1600200"/>
+            <a:ext cx="8227440" cy="4523760"/>
           </a:xfrm>
           <a:prstGeom prst="rect">
             <a:avLst/>
@@ -4186,34 +4775,169 @@
           </a:ln>
         </p:spPr>
         <p:txBody>
-          <a:bodyPr lIns="91440" rIns="91440" tIns="45720" bIns="45720" anchor="b">
+          <a:bodyPr lIns="91440" rIns="91440" tIns="45720" bIns="45720" anchor="t" vert="eaVert">
             <a:noAutofit/>
           </a:bodyPr>
           <a:p>
-            <a:pPr indent="0" defTabSz="457200">
+            <a:pPr marL="343080" indent="-343080" defTabSz="457200">
+              <a:lnSpc>
+                <a:spcPct val="100000"/>
+              </a:lnSpc>
+              <a:spcBef>
+                <a:spcPts val="641"/>
+              </a:spcBef>
+              <a:buClr>
+                <a:srgbClr val="000000"/>
+              </a:buClr>
+              <a:buFont typeface="Arial"/>
+              <a:buChar char="•"/>
+            </a:pPr>
+            <a:r>
+              <a:rPr b="0" lang="en-US" sz="3200" strike="noStrike" u="none">
+                <a:solidFill>
+                  <a:schemeClr val="dk1"/>
+                </a:solidFill>
+                <a:effectLst/>
+                <a:uFillTx/>
+                <a:latin typeface="Calibri"/>
+              </a:rPr>
+              <a:t>Click to edit Master text styles</a:t>
+            </a:r>
+            <a:endParaRPr b="0" lang="pt-BR" sz="3200" strike="noStrike" u="none">
+              <a:solidFill>
+                <a:srgbClr val="000000"/>
+              </a:solidFill>
+              <a:effectLst/>
+              <a:uFillTx/>
+              <a:latin typeface="Arial"/>
+            </a:endParaRPr>
+          </a:p>
+          <a:p>
+            <a:pPr lvl="1" marL="743040" indent="-285840" defTabSz="457200">
+              <a:lnSpc>
+                <a:spcPct val="100000"/>
+              </a:lnSpc>
+              <a:spcBef>
+                <a:spcPts val="561"/>
+              </a:spcBef>
+              <a:buClr>
+                <a:srgbClr val="000000"/>
+              </a:buClr>
+              <a:buFont typeface="Arial"/>
+              <a:buChar char="–"/>
+            </a:pPr>
+            <a:r>
+              <a:rPr b="0" lang="en-US" sz="2800" strike="noStrike" u="none">
+                <a:solidFill>
+                  <a:schemeClr val="dk1"/>
+                </a:solidFill>
+                <a:effectLst/>
+                <a:uFillTx/>
+                <a:latin typeface="Calibri"/>
+              </a:rPr>
+              <a:t>Second level</a:t>
+            </a:r>
+            <a:endParaRPr b="0" lang="pt-BR" sz="2800" strike="noStrike" u="none">
+              <a:solidFill>
+                <a:srgbClr val="000000"/>
+              </a:solidFill>
+              <a:effectLst/>
+              <a:uFillTx/>
+              <a:latin typeface="Arial"/>
+            </a:endParaRPr>
+          </a:p>
+          <a:p>
+            <a:pPr lvl="2" marL="1143000" indent="-228600" defTabSz="457200">
+              <a:lnSpc>
+                <a:spcPct val="100000"/>
+              </a:lnSpc>
+              <a:spcBef>
+                <a:spcPts val="479"/>
+              </a:spcBef>
+              <a:buClr>
+                <a:srgbClr val="000000"/>
+              </a:buClr>
+              <a:buFont typeface="Arial"/>
+              <a:buChar char="•"/>
+            </a:pPr>
+            <a:r>
+              <a:rPr b="0" lang="en-US" sz="2400" strike="noStrike" u="none">
+                <a:solidFill>
+                  <a:schemeClr val="dk1"/>
+                </a:solidFill>
+                <a:effectLst/>
+                <a:uFillTx/>
+                <a:latin typeface="Calibri"/>
+              </a:rPr>
+              <a:t>Third level</a:t>
+            </a:r>
+            <a:endParaRPr b="0" lang="pt-BR" sz="2400" strike="noStrike" u="none">
+              <a:solidFill>
+                <a:srgbClr val="000000"/>
+              </a:solidFill>
+              <a:effectLst/>
+              <a:uFillTx/>
+              <a:latin typeface="Arial"/>
+            </a:endParaRPr>
+          </a:p>
+          <a:p>
+            <a:pPr lvl="3" marL="1600200" indent="-228600" defTabSz="457200">
               <a:lnSpc>
                 <a:spcPct val="100000"/>
               </a:lnSpc>
               <a:spcBef>
                 <a:spcPts val="400"/>
               </a:spcBef>
-              <a:buNone/>
-              <a:tabLst>
-                <a:tab algn="l" pos="0"/>
-              </a:tabLst>
+              <a:buClr>
+                <a:srgbClr val="000000"/>
+              </a:buClr>
+              <a:buFont typeface="Arial"/>
+              <a:buChar char="–"/>
             </a:pPr>
             <a:r>
               <a:rPr b="0" lang="en-US" sz="2000" strike="noStrike" u="none">
                 <a:solidFill>
-                  <a:schemeClr val="dk1">
-                    <a:tint val="75000"/>
-                  </a:schemeClr>
-                </a:solidFill>
-                <a:effectLst/>
-                <a:uFillTx/>
-                <a:latin typeface="Calibri"/>
-              </a:rPr>
-              <a:t>Click to edit Master text styles</a:t>
+                  <a:schemeClr val="dk1"/>
+                </a:solidFill>
+                <a:effectLst/>
+                <a:uFillTx/>
+                <a:latin typeface="Calibri"/>
+              </a:rPr>
+              <a:t>Fourth level</a:t>
+            </a:r>
+            <a:endParaRPr b="0" lang="pt-BR" sz="2000" strike="noStrike" u="none">
+              <a:solidFill>
+                <a:srgbClr val="000000"/>
+              </a:solidFill>
+              <a:effectLst/>
+              <a:uFillTx/>
+              <a:latin typeface="Arial"/>
+            </a:endParaRPr>
+          </a:p>
+          <a:p>
+            <a:pPr lvl="4" marL="2057400" indent="-228600" defTabSz="457200">
+              <a:lnSpc>
+                <a:spcPct val="100000"/>
+              </a:lnSpc>
+              <a:spcBef>
+                <a:spcPts val="400"/>
+              </a:spcBef>
+              <a:buClr>
+                <a:srgbClr val="000000"/>
+              </a:buClr>
+              <a:buFont typeface="Arial"/>
+              <a:buChar char="»"/>
+            </a:pPr>
+            <a:r>
+              <a:rPr b="0" lang="en-US" sz="2000" strike="noStrike" u="none">
+                <a:solidFill>
+                  <a:schemeClr val="dk1"/>
+                </a:solidFill>
+                <a:effectLst/>
+                <a:uFillTx/>
+                <a:latin typeface="Calibri"/>
+              </a:rPr>
+              <a:t>Fifth level</a:t>
             </a:r>
             <a:endParaRPr b="0" lang="pt-BR" sz="2000" strike="noStrike" u="none">
               <a:solidFill>
@@ -4228,7 +4952,7 @@
       </p:sp>
       <p:sp>
         <p:nvSpPr>
-          <p:cNvPr id="28" name="PlaceHolder 3"/>
+          <p:cNvPr id="29" name="PlaceHolder 3"/>
           <p:cNvSpPr>
             <a:spLocks noGrp="1"/>
           </p:cNvSpPr>
@@ -4239,7 +4963,7 @@
         <p:spPr>
           <a:xfrm>
             <a:off x="457200" y="6356520"/>
-            <a:ext cx="2131920" cy="363240"/>
+            <a:ext cx="2131560" cy="362880"/>
           </a:xfrm>
           <a:prstGeom prst="rect">
             <a:avLst/>
@@ -4310,7 +5034,7 @@
       </p:sp>
       <p:sp>
         <p:nvSpPr>
-          <p:cNvPr id="29" name="PlaceHolder 4"/>
+          <p:cNvPr id="30" name="PlaceHolder 4"/>
           <p:cNvSpPr>
             <a:spLocks noGrp="1"/>
           </p:cNvSpPr>
@@ -4321,7 +5045,7 @@
         <p:spPr>
           <a:xfrm>
             <a:off x="3124080" y="6356520"/>
-            <a:ext cx="2893680" cy="363240"/>
+            <a:ext cx="2893320" cy="362880"/>
           </a:xfrm>
           <a:prstGeom prst="rect">
             <a:avLst/>
@@ -4388,7 +5112,7 @@
       </p:sp>
       <p:sp>
         <p:nvSpPr>
-          <p:cNvPr id="30" name="PlaceHolder 5"/>
+          <p:cNvPr id="31" name="PlaceHolder 5"/>
           <p:cNvSpPr>
             <a:spLocks noGrp="1"/>
           </p:cNvSpPr>
@@ -4399,7 +5123,7 @@
         <p:spPr>
           <a:xfrm>
             <a:off x="6553080" y="6356520"/>
-            <a:ext cx="2131920" cy="363240"/>
+            <a:ext cx="2131560" cy="362880"/>
           </a:xfrm>
           <a:prstGeom prst="rect">
             <a:avLst/>
@@ -4444,7 +5168,7 @@
                 <a:tab algn="l" pos="0"/>
               </a:tabLst>
             </a:pPr>
-            <a:fld id="{9B5919E0-132A-42DB-B517-4DD5079DE813}" type="slidenum">
+            <a:fld id="{9E349E61-4DC6-43B2-B9A0-D4F540B6432B}" type="slidenum">
               <a:rPr b="0" lang="en-US" sz="1200" strike="noStrike" u="none">
                 <a:solidFill>
                   <a:schemeClr val="dk1">
@@ -4474,8 +5198,8 @@
 </file>
 
 <file path=ppt/slideLayouts/slideLayout7.xml><?xml version="1.0" encoding="utf-8"?>
-<p:sldLayout xmlns:a="http://schemas.openxmlformats.org/drawingml/2006/main" xmlns:p="http://schemas.openxmlformats.org/presentationml/2006/main" xmlns:r="http://schemas.openxmlformats.org/officeDocument/2006/relationships" xmlns:p14="http://schemas.microsoft.com/office/powerpoint/2010/main" xmlns:p15="http://schemas.microsoft.com/office/powerpoint/2012/main" xmlns:mc="http://schemas.openxmlformats.org/markup-compatibility/2006" type="twoObj" preserve="1">
-  <p:cSld name="Two Content">
+<p:sldLayout xmlns:a="http://schemas.openxmlformats.org/drawingml/2006/main" xmlns:p="http://schemas.openxmlformats.org/presentationml/2006/main" xmlns:r="http://schemas.openxmlformats.org/officeDocument/2006/relationships" xmlns:p14="http://schemas.microsoft.com/office/powerpoint/2010/main" xmlns:p15="http://schemas.microsoft.com/office/powerpoint/2012/main" xmlns:mc="http://schemas.openxmlformats.org/markup-compatibility/2006" type="vertTitleAndTx" preserve="1">
+  <p:cSld name="Vertical Title and Text">
     <p:bg>
       <p:bgPr>
         <a:solidFill>
@@ -4499,7 +5223,7 @@
       </p:grpSpPr>
       <p:sp>
         <p:nvSpPr>
-          <p:cNvPr id="31" name="PlaceHolder 1"/>
+          <p:cNvPr id="32" name="PlaceHolder 1"/>
           <p:cNvSpPr>
             <a:spLocks noGrp="1"/>
           </p:cNvSpPr>
@@ -4509,8 +5233,8 @@
         </p:nvSpPr>
         <p:spPr>
           <a:xfrm>
-            <a:off x="457200" y="274680"/>
-            <a:ext cx="8227800" cy="1141200"/>
+            <a:off x="6629400" y="274680"/>
+            <a:ext cx="2055240" cy="5849280"/>
           </a:xfrm>
           <a:prstGeom prst="rect">
             <a:avLst/>
@@ -4521,7 +5245,7 @@
           </a:ln>
         </p:spPr>
         <p:txBody>
-          <a:bodyPr lIns="91440" rIns="91440" tIns="45720" bIns="45720" anchor="ctr">
+          <a:bodyPr lIns="91440" rIns="91440" tIns="45720" bIns="45720" anchor="ctr" vert="eaVert">
             <a:noAutofit/>
           </a:bodyPr>
           <a:p>
@@ -4558,7 +5282,7 @@
       </p:sp>
       <p:sp>
         <p:nvSpPr>
-          <p:cNvPr id="32" name="PlaceHolder 2"/>
+          <p:cNvPr id="33" name="PlaceHolder 2"/>
           <p:cNvSpPr>
             <a:spLocks noGrp="1"/>
           </p:cNvSpPr>
@@ -4568,8 +5292,8 @@
         </p:nvSpPr>
         <p:spPr>
           <a:xfrm>
-            <a:off x="457200" y="1600200"/>
-            <a:ext cx="4036680" cy="4524120"/>
+            <a:off x="457200" y="274680"/>
+            <a:ext cx="6017760" cy="5849280"/>
           </a:xfrm>
           <a:prstGeom prst="rect">
             <a:avLst/>
@@ -4580,7 +5304,7 @@
           </a:ln>
         </p:spPr>
         <p:txBody>
-          <a:bodyPr lIns="91440" rIns="91440" tIns="45720" bIns="45720" anchor="t">
+          <a:bodyPr lIns="91440" rIns="91440" tIns="45720" bIns="45720" anchor="t" vert="eaVert">
             <a:noAutofit/>
           </a:bodyPr>
           <a:p>
@@ -4589,7 +5313,7 @@
                 <a:spcPct val="100000"/>
               </a:lnSpc>
               <a:spcBef>
-                <a:spcPts val="561"/>
+                <a:spcPts val="641"/>
               </a:spcBef>
               <a:buClr>
                 <a:srgbClr val="000000"/>
@@ -4598,7 +5322,7 @@
               <a:buChar char="•"/>
             </a:pPr>
             <a:r>
-              <a:rPr b="0" lang="en-US" sz="2800" strike="noStrike" u="none">
+              <a:rPr b="0" lang="en-US" sz="3200" strike="noStrike" u="none">
                 <a:solidFill>
                   <a:schemeClr val="dk1"/>
                 </a:solidFill>
@@ -4608,7 +5332,7 @@
               </a:rPr>
               <a:t>Click to edit Master text styles</a:t>
             </a:r>
-            <a:endParaRPr b="0" lang="pt-BR" sz="2800" strike="noStrike" u="none">
+            <a:endParaRPr b="0" lang="pt-BR" sz="3200" strike="noStrike" u="none">
               <a:solidFill>
                 <a:srgbClr val="000000"/>
               </a:solidFill>
@@ -4623,7 +5347,7 @@
                 <a:spcPct val="100000"/>
               </a:lnSpc>
               <a:spcBef>
-                <a:spcPts val="479"/>
+                <a:spcPts val="561"/>
               </a:spcBef>
               <a:buClr>
                 <a:srgbClr val="000000"/>
@@ -4632,7 +5356,7 @@
               <a:buChar char="–"/>
             </a:pPr>
             <a:r>
-              <a:rPr b="0" lang="en-US" sz="2400" strike="noStrike" u="none">
+              <a:rPr b="0" lang="en-US" sz="2800" strike="noStrike" u="none">
                 <a:solidFill>
                   <a:schemeClr val="dk1"/>
                 </a:solidFill>
@@ -4642,7 +5366,7 @@
               </a:rPr>
               <a:t>Second level</a:t>
             </a:r>
-            <a:endParaRPr b="0" lang="pt-BR" sz="2400" strike="noStrike" u="none">
+            <a:endParaRPr b="0" lang="pt-BR" sz="2800" strike="noStrike" u="none">
               <a:solidFill>
                 <a:srgbClr val="000000"/>
               </a:solidFill>
@@ -4657,7 +5381,7 @@
                 <a:spcPct val="100000"/>
               </a:lnSpc>
               <a:spcBef>
-                <a:spcPts val="400"/>
+                <a:spcPts val="479"/>
               </a:spcBef>
               <a:buClr>
                 <a:srgbClr val="000000"/>
@@ -4666,7 +5390,7 @@
               <a:buChar char="•"/>
             </a:pPr>
             <a:r>
-              <a:rPr b="0" lang="en-US" sz="2000" strike="noStrike" u="none">
+              <a:rPr b="0" lang="en-US" sz="2400" strike="noStrike" u="none">
                 <a:solidFill>
                   <a:schemeClr val="dk1"/>
                 </a:solidFill>
@@ -4676,7 +5400,7 @@
               </a:rPr>
               <a:t>Third level</a:t>
             </a:r>
-            <a:endParaRPr b="0" lang="pt-BR" sz="2000" strike="noStrike" u="none">
+            <a:endParaRPr b="0" lang="pt-BR" sz="2400" strike="noStrike" u="none">
               <a:solidFill>
                 <a:srgbClr val="000000"/>
               </a:solidFill>
@@ -4691,7 +5415,7 @@
                 <a:spcPct val="100000"/>
               </a:lnSpc>
               <a:spcBef>
-                <a:spcPts val="360"/>
+                <a:spcPts val="400"/>
               </a:spcBef>
               <a:buClr>
                 <a:srgbClr val="000000"/>
@@ -4700,7 +5424,7 @@
               <a:buChar char="–"/>
             </a:pPr>
             <a:r>
-              <a:rPr b="0" lang="en-US" sz="1800" strike="noStrike" u="none">
+              <a:rPr b="0" lang="en-US" sz="2000" strike="noStrike" u="none">
                 <a:solidFill>
                   <a:schemeClr val="dk1"/>
                 </a:solidFill>
@@ -4710,7 +5434,7 @@
               </a:rPr>
               <a:t>Fourth level</a:t>
             </a:r>
-            <a:endParaRPr b="0" lang="pt-BR" sz="1800" strike="noStrike" u="none">
+            <a:endParaRPr b="0" lang="pt-BR" sz="2000" strike="noStrike" u="none">
               <a:solidFill>
                 <a:srgbClr val="000000"/>
               </a:solidFill>
@@ -4725,7 +5449,7 @@
                 <a:spcPct val="100000"/>
               </a:lnSpc>
               <a:spcBef>
-                <a:spcPts val="360"/>
+                <a:spcPts val="400"/>
               </a:spcBef>
               <a:buClr>
                 <a:srgbClr val="000000"/>
@@ -4734,7 +5458,7 @@
               <a:buChar char="»"/>
             </a:pPr>
             <a:r>
-              <a:rPr b="0" lang="en-US" sz="1800" strike="noStrike" u="none">
+              <a:rPr b="0" lang="en-US" sz="2000" strike="noStrike" u="none">
                 <a:solidFill>
                   <a:schemeClr val="dk1"/>
                 </a:solidFill>
@@ -4744,7 +5468,7 @@
               </a:rPr>
               <a:t>Fifth level</a:t>
             </a:r>
-            <a:endParaRPr b="0" lang="pt-BR" sz="1800" strike="noStrike" u="none">
+            <a:endParaRPr b="0" lang="pt-BR" sz="2000" strike="noStrike" u="none">
               <a:solidFill>
                 <a:srgbClr val="000000"/>
               </a:solidFill>
@@ -4757,206 +5481,7 @@
       </p:sp>
       <p:sp>
         <p:nvSpPr>
-          <p:cNvPr id="33" name="PlaceHolder 3"/>
-          <p:cNvSpPr>
-            <a:spLocks noGrp="1"/>
-          </p:cNvSpPr>
-          <p:nvPr>
-            <p:ph type="body"/>
-          </p:nvPr>
-        </p:nvSpPr>
-        <p:spPr>
-          <a:xfrm>
-            <a:off x="4648320" y="1600200"/>
-            <a:ext cx="4036680" cy="4524120"/>
-          </a:xfrm>
-          <a:prstGeom prst="rect">
-            <a:avLst/>
-          </a:prstGeom>
-          <a:noFill/>
-          <a:ln w="0">
-            <a:noFill/>
-          </a:ln>
-        </p:spPr>
-        <p:txBody>
-          <a:bodyPr lIns="91440" rIns="91440" tIns="45720" bIns="45720" anchor="t">
-            <a:noAutofit/>
-          </a:bodyPr>
-          <a:p>
-            <a:pPr marL="343080" indent="-343080" defTabSz="457200">
-              <a:lnSpc>
-                <a:spcPct val="100000"/>
-              </a:lnSpc>
-              <a:spcBef>
-                <a:spcPts val="561"/>
-              </a:spcBef>
-              <a:buClr>
-                <a:srgbClr val="000000"/>
-              </a:buClr>
-              <a:buFont typeface="Arial"/>
-              <a:buChar char="•"/>
-            </a:pPr>
-            <a:r>
-              <a:rPr b="0" lang="en-US" sz="2800" strike="noStrike" u="none">
-                <a:solidFill>
-                  <a:schemeClr val="dk1"/>
-                </a:solidFill>
-                <a:effectLst/>
-                <a:uFillTx/>
-                <a:latin typeface="Calibri"/>
-              </a:rPr>
-              <a:t>Click to edit Master text styles</a:t>
-            </a:r>
-            <a:endParaRPr b="0" lang="pt-BR" sz="2800" strike="noStrike" u="none">
-              <a:solidFill>
-                <a:srgbClr val="000000"/>
-              </a:solidFill>
-              <a:effectLst/>
-              <a:uFillTx/>
-              <a:latin typeface="Arial"/>
-            </a:endParaRPr>
-          </a:p>
-          <a:p>
-            <a:pPr lvl="1" marL="743040" indent="-285840" defTabSz="457200">
-              <a:lnSpc>
-                <a:spcPct val="100000"/>
-              </a:lnSpc>
-              <a:spcBef>
-                <a:spcPts val="479"/>
-              </a:spcBef>
-              <a:buClr>
-                <a:srgbClr val="000000"/>
-              </a:buClr>
-              <a:buFont typeface="Arial"/>
-              <a:buChar char="–"/>
-            </a:pPr>
-            <a:r>
-              <a:rPr b="0" lang="en-US" sz="2400" strike="noStrike" u="none">
-                <a:solidFill>
-                  <a:schemeClr val="dk1"/>
-                </a:solidFill>
-                <a:effectLst/>
-                <a:uFillTx/>
-                <a:latin typeface="Calibri"/>
-              </a:rPr>
-              <a:t>Second level</a:t>
-            </a:r>
-            <a:endParaRPr b="0" lang="pt-BR" sz="2400" strike="noStrike" u="none">
-              <a:solidFill>
-                <a:srgbClr val="000000"/>
-              </a:solidFill>
-              <a:effectLst/>
-              <a:uFillTx/>
-              <a:latin typeface="Arial"/>
-            </a:endParaRPr>
-          </a:p>
-          <a:p>
-            <a:pPr lvl="2" marL="1143000" indent="-228600" defTabSz="457200">
-              <a:lnSpc>
-                <a:spcPct val="100000"/>
-              </a:lnSpc>
-              <a:spcBef>
-                <a:spcPts val="400"/>
-              </a:spcBef>
-              <a:buClr>
-                <a:srgbClr val="000000"/>
-              </a:buClr>
-              <a:buFont typeface="Arial"/>
-              <a:buChar char="•"/>
-            </a:pPr>
-            <a:r>
-              <a:rPr b="0" lang="en-US" sz="2000" strike="noStrike" u="none">
-                <a:solidFill>
-                  <a:schemeClr val="dk1"/>
-                </a:solidFill>
-                <a:effectLst/>
-                <a:uFillTx/>
-                <a:latin typeface="Calibri"/>
-              </a:rPr>
-              <a:t>Third level</a:t>
-            </a:r>
-            <a:endParaRPr b="0" lang="pt-BR" sz="2000" strike="noStrike" u="none">
-              <a:solidFill>
-                <a:srgbClr val="000000"/>
-              </a:solidFill>
-              <a:effectLst/>
-              <a:uFillTx/>
-              <a:latin typeface="Arial"/>
-            </a:endParaRPr>
-          </a:p>
-          <a:p>
-            <a:pPr lvl="3" marL="1600200" indent="-228600" defTabSz="457200">
-              <a:lnSpc>
-                <a:spcPct val="100000"/>
-              </a:lnSpc>
-              <a:spcBef>
-                <a:spcPts val="360"/>
-              </a:spcBef>
-              <a:buClr>
-                <a:srgbClr val="000000"/>
-              </a:buClr>
-              <a:buFont typeface="Arial"/>
-              <a:buChar char="–"/>
-            </a:pPr>
-            <a:r>
-              <a:rPr b="0" lang="en-US" sz="1800" strike="noStrike" u="none">
-                <a:solidFill>
-                  <a:schemeClr val="dk1"/>
-                </a:solidFill>
-                <a:effectLst/>
-                <a:uFillTx/>
-                <a:latin typeface="Calibri"/>
-              </a:rPr>
-              <a:t>Fourth level</a:t>
-            </a:r>
-            <a:endParaRPr b="0" lang="pt-BR" sz="1800" strike="noStrike" u="none">
-              <a:solidFill>
-                <a:srgbClr val="000000"/>
-              </a:solidFill>
-              <a:effectLst/>
-              <a:uFillTx/>
-              <a:latin typeface="Arial"/>
-            </a:endParaRPr>
-          </a:p>
-          <a:p>
-            <a:pPr lvl="4" marL="2057400" indent="-228600" defTabSz="457200">
-              <a:lnSpc>
-                <a:spcPct val="100000"/>
-              </a:lnSpc>
-              <a:spcBef>
-                <a:spcPts val="360"/>
-              </a:spcBef>
-              <a:buClr>
-                <a:srgbClr val="000000"/>
-              </a:buClr>
-              <a:buFont typeface="Arial"/>
-              <a:buChar char="»"/>
-            </a:pPr>
-            <a:r>
-              <a:rPr b="0" lang="en-US" sz="1800" strike="noStrike" u="none">
-                <a:solidFill>
-                  <a:schemeClr val="dk1"/>
-                </a:solidFill>
-                <a:effectLst/>
-                <a:uFillTx/>
-                <a:latin typeface="Calibri"/>
-              </a:rPr>
-              <a:t>Fifth level</a:t>
-            </a:r>
-            <a:endParaRPr b="0" lang="pt-BR" sz="1800" strike="noStrike" u="none">
-              <a:solidFill>
-                <a:srgbClr val="000000"/>
-              </a:solidFill>
-              <a:effectLst/>
-              <a:uFillTx/>
-              <a:latin typeface="Arial"/>
-            </a:endParaRPr>
-          </a:p>
-        </p:txBody>
-      </p:sp>
-      <p:sp>
-        <p:nvSpPr>
-          <p:cNvPr id="34" name="PlaceHolder 4"/>
+          <p:cNvPr id="34" name="PlaceHolder 3"/>
           <p:cNvSpPr>
             <a:spLocks noGrp="1"/>
           </p:cNvSpPr>
@@ -4967,7 +5492,7 @@
         <p:spPr>
           <a:xfrm>
             <a:off x="457200" y="6356520"/>
-            <a:ext cx="2131920" cy="363240"/>
+            <a:ext cx="2131560" cy="362880"/>
           </a:xfrm>
           <a:prstGeom prst="rect">
             <a:avLst/>
@@ -5038,7 +5563,7 @@
       </p:sp>
       <p:sp>
         <p:nvSpPr>
-          <p:cNvPr id="35" name="PlaceHolder 5"/>
+          <p:cNvPr id="35" name="PlaceHolder 4"/>
           <p:cNvSpPr>
             <a:spLocks noGrp="1"/>
           </p:cNvSpPr>
@@ -5049,7 +5574,7 @@
         <p:spPr>
           <a:xfrm>
             <a:off x="3124080" y="6356520"/>
-            <a:ext cx="2893680" cy="363240"/>
+            <a:ext cx="2893320" cy="362880"/>
           </a:xfrm>
           <a:prstGeom prst="rect">
             <a:avLst/>
@@ -5116,7 +5641,7 @@
       </p:sp>
       <p:sp>
         <p:nvSpPr>
-          <p:cNvPr id="36" name="PlaceHolder 6"/>
+          <p:cNvPr id="36" name="PlaceHolder 5"/>
           <p:cNvSpPr>
             <a:spLocks noGrp="1"/>
           </p:cNvSpPr>
@@ -5127,7 +5652,7 @@
         <p:spPr>
           <a:xfrm>
             <a:off x="6553080" y="6356520"/>
-            <a:ext cx="2131920" cy="363240"/>
+            <a:ext cx="2131560" cy="362880"/>
           </a:xfrm>
           <a:prstGeom prst="rect">
             <a:avLst/>
@@ -5172,7 +5697,7 @@
                 <a:tab algn="l" pos="0"/>
               </a:tabLst>
             </a:pPr>
-            <a:fld id="{96CFEBAA-6F50-4178-82DF-760E055AE667}" type="slidenum">
+            <a:fld id="{FFD34B3B-ED90-4C59-A61A-B89D084ED756}" type="slidenum">
               <a:rPr b="0" lang="en-US" sz="1200" strike="noStrike" u="none">
                 <a:solidFill>
                   <a:schemeClr val="dk1">
@@ -5202,8 +5727,8 @@
 </file>
 
 <file path=ppt/slideLayouts/slideLayout8.xml><?xml version="1.0" encoding="utf-8"?>
-<p:sldLayout xmlns:a="http://schemas.openxmlformats.org/drawingml/2006/main" xmlns:p="http://schemas.openxmlformats.org/presentationml/2006/main" xmlns:r="http://schemas.openxmlformats.org/officeDocument/2006/relationships" xmlns:p14="http://schemas.microsoft.com/office/powerpoint/2010/main" xmlns:p15="http://schemas.microsoft.com/office/powerpoint/2012/main" xmlns:mc="http://schemas.openxmlformats.org/markup-compatibility/2006" type="blank" preserve="1">
-  <p:cSld name="Comparison">
+<p:sldLayout xmlns:a="http://schemas.openxmlformats.org/drawingml/2006/main" xmlns:p="http://schemas.openxmlformats.org/presentationml/2006/main" xmlns:r="http://schemas.openxmlformats.org/officeDocument/2006/relationships" xmlns:p14="http://schemas.microsoft.com/office/powerpoint/2010/main" xmlns:p15="http://schemas.microsoft.com/office/powerpoint/2012/main" xmlns:mc="http://schemas.openxmlformats.org/markup-compatibility/2006" type="obj" preserve="1">
+  <p:cSld name="Title and Content">
     <p:bg>
       <p:bgPr>
         <a:solidFill>
@@ -5238,7 +5763,7 @@
         <p:spPr>
           <a:xfrm>
             <a:off x="457200" y="274680"/>
-            <a:ext cx="8227800" cy="1141200"/>
+            <a:ext cx="8227440" cy="1140840"/>
           </a:xfrm>
           <a:prstGeom prst="rect">
             <a:avLst/>
@@ -5296,70 +5821,8 @@
         </p:nvSpPr>
         <p:spPr>
           <a:xfrm>
-            <a:off x="457200" y="1535040"/>
-            <a:ext cx="4038480" cy="637920"/>
-          </a:xfrm>
-          <a:prstGeom prst="rect">
-            <a:avLst/>
-          </a:prstGeom>
-          <a:noFill/>
-          <a:ln w="0">
-            <a:noFill/>
-          </a:ln>
-        </p:spPr>
-        <p:txBody>
-          <a:bodyPr lIns="91440" rIns="91440" tIns="45720" bIns="45720" anchor="b">
-            <a:noAutofit/>
-          </a:bodyPr>
-          <a:p>
-            <a:pPr indent="0" defTabSz="457200">
-              <a:lnSpc>
-                <a:spcPct val="100000"/>
-              </a:lnSpc>
-              <a:spcBef>
-                <a:spcPts val="479"/>
-              </a:spcBef>
-              <a:buNone/>
-              <a:tabLst>
-                <a:tab algn="l" pos="0"/>
-              </a:tabLst>
-            </a:pPr>
-            <a:r>
-              <a:rPr b="1" lang="en-US" sz="2400" strike="noStrike" u="none">
-                <a:solidFill>
-                  <a:schemeClr val="dk1"/>
-                </a:solidFill>
-                <a:effectLst/>
-                <a:uFillTx/>
-                <a:latin typeface="Calibri"/>
-              </a:rPr>
-              <a:t>Click to edit Master text styles</a:t>
-            </a:r>
-            <a:endParaRPr b="0" lang="pt-BR" sz="2400" strike="noStrike" u="none">
-              <a:solidFill>
-                <a:srgbClr val="000000"/>
-              </a:solidFill>
-              <a:effectLst/>
-              <a:uFillTx/>
-              <a:latin typeface="Arial"/>
-            </a:endParaRPr>
-          </a:p>
-        </p:txBody>
-      </p:sp>
-      <p:sp>
-        <p:nvSpPr>
-          <p:cNvPr id="39" name="PlaceHolder 3"/>
-          <p:cNvSpPr>
-            <a:spLocks noGrp="1"/>
-          </p:cNvSpPr>
-          <p:nvPr>
-            <p:ph type="body"/>
-          </p:nvPr>
-        </p:nvSpPr>
-        <p:spPr>
-          <a:xfrm>
-            <a:off x="457200" y="2174760"/>
-            <a:ext cx="4038480" cy="3949560"/>
+            <a:off x="457200" y="1600200"/>
+            <a:ext cx="8227440" cy="4523760"/>
           </a:xfrm>
           <a:prstGeom prst="rect">
             <a:avLst/>
@@ -5379,7 +5842,7 @@
                 <a:spcPct val="100000"/>
               </a:lnSpc>
               <a:spcBef>
-                <a:spcPts val="479"/>
+                <a:spcPts val="641"/>
               </a:spcBef>
               <a:buClr>
                 <a:srgbClr val="000000"/>
@@ -5388,7 +5851,7 @@
               <a:buChar char="•"/>
             </a:pPr>
             <a:r>
-              <a:rPr b="0" lang="en-US" sz="2400" strike="noStrike" u="none">
+              <a:rPr b="0" lang="en-US" sz="3200" strike="noStrike" u="none">
                 <a:solidFill>
                   <a:schemeClr val="dk1"/>
                 </a:solidFill>
@@ -5398,7 +5861,7 @@
               </a:rPr>
               <a:t>Click to edit Master text styles</a:t>
             </a:r>
-            <a:endParaRPr b="0" lang="pt-BR" sz="2400" strike="noStrike" u="none">
+            <a:endParaRPr b="0" lang="pt-BR" sz="3200" strike="noStrike" u="none">
               <a:solidFill>
                 <a:srgbClr val="000000"/>
               </a:solidFill>
@@ -5413,7 +5876,7 @@
                 <a:spcPct val="100000"/>
               </a:lnSpc>
               <a:spcBef>
-                <a:spcPts val="400"/>
+                <a:spcPts val="561"/>
               </a:spcBef>
               <a:buClr>
                 <a:srgbClr val="000000"/>
@@ -5422,7 +5885,7 @@
               <a:buChar char="–"/>
             </a:pPr>
             <a:r>
-              <a:rPr b="0" lang="en-US" sz="2000" strike="noStrike" u="none">
+              <a:rPr b="0" lang="en-US" sz="2800" strike="noStrike" u="none">
                 <a:solidFill>
                   <a:schemeClr val="dk1"/>
                 </a:solidFill>
@@ -5432,7 +5895,7 @@
               </a:rPr>
               <a:t>Second level</a:t>
             </a:r>
-            <a:endParaRPr b="0" lang="pt-BR" sz="2000" strike="noStrike" u="none">
+            <a:endParaRPr b="0" lang="pt-BR" sz="2800" strike="noStrike" u="none">
               <a:solidFill>
                 <a:srgbClr val="000000"/>
               </a:solidFill>
@@ -5447,7 +5910,7 @@
                 <a:spcPct val="100000"/>
               </a:lnSpc>
               <a:spcBef>
-                <a:spcPts val="360"/>
+                <a:spcPts val="479"/>
               </a:spcBef>
               <a:buClr>
                 <a:srgbClr val="000000"/>
@@ -5456,7 +5919,7 @@
               <a:buChar char="•"/>
             </a:pPr>
             <a:r>
-              <a:rPr b="0" lang="en-US" sz="1800" strike="noStrike" u="none">
+              <a:rPr b="0" lang="en-US" sz="2400" strike="noStrike" u="none">
                 <a:solidFill>
                   <a:schemeClr val="dk1"/>
                 </a:solidFill>
@@ -5466,7 +5929,7 @@
               </a:rPr>
               <a:t>Third level</a:t>
             </a:r>
-            <a:endParaRPr b="0" lang="pt-BR" sz="1800" strike="noStrike" u="none">
+            <a:endParaRPr b="0" lang="pt-BR" sz="2400" strike="noStrike" u="none">
               <a:solidFill>
                 <a:srgbClr val="000000"/>
               </a:solidFill>
@@ -5481,7 +5944,7 @@
                 <a:spcPct val="100000"/>
               </a:lnSpc>
               <a:spcBef>
-                <a:spcPts val="320"/>
+                <a:spcPts val="400"/>
               </a:spcBef>
               <a:buClr>
                 <a:srgbClr val="000000"/>
@@ -5490,7 +5953,7 @@
               <a:buChar char="–"/>
             </a:pPr>
             <a:r>
-              <a:rPr b="0" lang="en-US" sz="1600" strike="noStrike" u="none">
+              <a:rPr b="0" lang="en-US" sz="2000" strike="noStrike" u="none">
                 <a:solidFill>
                   <a:schemeClr val="dk1"/>
                 </a:solidFill>
@@ -5500,7 +5963,7 @@
               </a:rPr>
               <a:t>Fourth level</a:t>
             </a:r>
-            <a:endParaRPr b="0" lang="pt-BR" sz="1600" strike="noStrike" u="none">
+            <a:endParaRPr b="0" lang="pt-BR" sz="2000" strike="noStrike" u="none">
               <a:solidFill>
                 <a:srgbClr val="000000"/>
               </a:solidFill>
@@ -5515,7 +5978,7 @@
                 <a:spcPct val="100000"/>
               </a:lnSpc>
               <a:spcBef>
-                <a:spcPts val="320"/>
+                <a:spcPts val="400"/>
               </a:spcBef>
               <a:buClr>
                 <a:srgbClr val="000000"/>
@@ -5524,7 +5987,7 @@
               <a:buChar char="»"/>
             </a:pPr>
             <a:r>
-              <a:rPr b="0" lang="en-US" sz="1600" strike="noStrike" u="none">
+              <a:rPr b="0" lang="en-US" sz="2000" strike="noStrike" u="none">
                 <a:solidFill>
                   <a:schemeClr val="dk1"/>
                 </a:solidFill>
@@ -5534,7 +5997,7 @@
               </a:rPr>
               <a:t>Fifth level</a:t>
             </a:r>
-            <a:endParaRPr b="0" lang="pt-BR" sz="1600" strike="noStrike" u="none">
+            <a:endParaRPr b="0" lang="pt-BR" sz="2000" strike="noStrike" u="none">
               <a:solidFill>
                 <a:srgbClr val="000000"/>
               </a:solidFill>
@@ -5547,268 +6010,7 @@
       </p:sp>
       <p:sp>
         <p:nvSpPr>
-          <p:cNvPr id="40" name="PlaceHolder 4"/>
-          <p:cNvSpPr>
-            <a:spLocks noGrp="1"/>
-          </p:cNvSpPr>
-          <p:nvPr>
-            <p:ph type="body"/>
-          </p:nvPr>
-        </p:nvSpPr>
-        <p:spPr>
-          <a:xfrm>
-            <a:off x="4645080" y="1535040"/>
-            <a:ext cx="4039920" cy="637920"/>
-          </a:xfrm>
-          <a:prstGeom prst="rect">
-            <a:avLst/>
-          </a:prstGeom>
-          <a:noFill/>
-          <a:ln w="0">
-            <a:noFill/>
-          </a:ln>
-        </p:spPr>
-        <p:txBody>
-          <a:bodyPr lIns="91440" rIns="91440" tIns="45720" bIns="45720" anchor="b">
-            <a:noAutofit/>
-          </a:bodyPr>
-          <a:p>
-            <a:pPr indent="0" defTabSz="457200">
-              <a:lnSpc>
-                <a:spcPct val="100000"/>
-              </a:lnSpc>
-              <a:spcBef>
-                <a:spcPts val="479"/>
-              </a:spcBef>
-              <a:buNone/>
-              <a:tabLst>
-                <a:tab algn="l" pos="0"/>
-              </a:tabLst>
-            </a:pPr>
-            <a:r>
-              <a:rPr b="1" lang="en-US" sz="2400" strike="noStrike" u="none">
-                <a:solidFill>
-                  <a:schemeClr val="dk1"/>
-                </a:solidFill>
-                <a:effectLst/>
-                <a:uFillTx/>
-                <a:latin typeface="Calibri"/>
-              </a:rPr>
-              <a:t>Click to edit Master text styles</a:t>
-            </a:r>
-            <a:endParaRPr b="0" lang="pt-BR" sz="2400" strike="noStrike" u="none">
-              <a:solidFill>
-                <a:srgbClr val="000000"/>
-              </a:solidFill>
-              <a:effectLst/>
-              <a:uFillTx/>
-              <a:latin typeface="Arial"/>
-            </a:endParaRPr>
-          </a:p>
-        </p:txBody>
-      </p:sp>
-      <p:sp>
-        <p:nvSpPr>
-          <p:cNvPr id="41" name="PlaceHolder 5"/>
-          <p:cNvSpPr>
-            <a:spLocks noGrp="1"/>
-          </p:cNvSpPr>
-          <p:nvPr>
-            <p:ph type="body"/>
-          </p:nvPr>
-        </p:nvSpPr>
-        <p:spPr>
-          <a:xfrm>
-            <a:off x="4645080" y="2174760"/>
-            <a:ext cx="4039920" cy="3949560"/>
-          </a:xfrm>
-          <a:prstGeom prst="rect">
-            <a:avLst/>
-          </a:prstGeom>
-          <a:noFill/>
-          <a:ln w="0">
-            <a:noFill/>
-          </a:ln>
-        </p:spPr>
-        <p:txBody>
-          <a:bodyPr lIns="91440" rIns="91440" tIns="45720" bIns="45720" anchor="t">
-            <a:noAutofit/>
-          </a:bodyPr>
-          <a:p>
-            <a:pPr marL="343080" indent="-343080" defTabSz="457200">
-              <a:lnSpc>
-                <a:spcPct val="100000"/>
-              </a:lnSpc>
-              <a:spcBef>
-                <a:spcPts val="479"/>
-              </a:spcBef>
-              <a:buClr>
-                <a:srgbClr val="000000"/>
-              </a:buClr>
-              <a:buFont typeface="Arial"/>
-              <a:buChar char="•"/>
-            </a:pPr>
-            <a:r>
-              <a:rPr b="0" lang="en-US" sz="2400" strike="noStrike" u="none">
-                <a:solidFill>
-                  <a:schemeClr val="dk1"/>
-                </a:solidFill>
-                <a:effectLst/>
-                <a:uFillTx/>
-                <a:latin typeface="Calibri"/>
-              </a:rPr>
-              <a:t>Click to edit Master text styles</a:t>
-            </a:r>
-            <a:endParaRPr b="0" lang="pt-BR" sz="2400" strike="noStrike" u="none">
-              <a:solidFill>
-                <a:srgbClr val="000000"/>
-              </a:solidFill>
-              <a:effectLst/>
-              <a:uFillTx/>
-              <a:latin typeface="Arial"/>
-            </a:endParaRPr>
-          </a:p>
-          <a:p>
-            <a:pPr lvl="1" marL="743040" indent="-285840" defTabSz="457200">
-              <a:lnSpc>
-                <a:spcPct val="100000"/>
-              </a:lnSpc>
-              <a:spcBef>
-                <a:spcPts val="400"/>
-              </a:spcBef>
-              <a:buClr>
-                <a:srgbClr val="000000"/>
-              </a:buClr>
-              <a:buFont typeface="Arial"/>
-              <a:buChar char="–"/>
-            </a:pPr>
-            <a:r>
-              <a:rPr b="0" lang="en-US" sz="2000" strike="noStrike" u="none">
-                <a:solidFill>
-                  <a:schemeClr val="dk1"/>
-                </a:solidFill>
-                <a:effectLst/>
-                <a:uFillTx/>
-                <a:latin typeface="Calibri"/>
-              </a:rPr>
-              <a:t>Second level</a:t>
-            </a:r>
-            <a:endParaRPr b="0" lang="pt-BR" sz="2000" strike="noStrike" u="none">
-              <a:solidFill>
-                <a:srgbClr val="000000"/>
-              </a:solidFill>
-              <a:effectLst/>
-              <a:uFillTx/>
-              <a:latin typeface="Arial"/>
-            </a:endParaRPr>
-          </a:p>
-          <a:p>
-            <a:pPr lvl="2" marL="1143000" indent="-228600" defTabSz="457200">
-              <a:lnSpc>
-                <a:spcPct val="100000"/>
-              </a:lnSpc>
-              <a:spcBef>
-                <a:spcPts val="360"/>
-              </a:spcBef>
-              <a:buClr>
-                <a:srgbClr val="000000"/>
-              </a:buClr>
-              <a:buFont typeface="Arial"/>
-              <a:buChar char="•"/>
-            </a:pPr>
-            <a:r>
-              <a:rPr b="0" lang="en-US" sz="1800" strike="noStrike" u="none">
-                <a:solidFill>
-                  <a:schemeClr val="dk1"/>
-                </a:solidFill>
-                <a:effectLst/>
-                <a:uFillTx/>
-                <a:latin typeface="Calibri"/>
-              </a:rPr>
-              <a:t>Third level</a:t>
-            </a:r>
-            <a:endParaRPr b="0" lang="pt-BR" sz="1800" strike="noStrike" u="none">
-              <a:solidFill>
-                <a:srgbClr val="000000"/>
-              </a:solidFill>
-              <a:effectLst/>
-              <a:uFillTx/>
-              <a:latin typeface="Arial"/>
-            </a:endParaRPr>
-          </a:p>
-          <a:p>
-            <a:pPr lvl="3" marL="1600200" indent="-228600" defTabSz="457200">
-              <a:lnSpc>
-                <a:spcPct val="100000"/>
-              </a:lnSpc>
-              <a:spcBef>
-                <a:spcPts val="320"/>
-              </a:spcBef>
-              <a:buClr>
-                <a:srgbClr val="000000"/>
-              </a:buClr>
-              <a:buFont typeface="Arial"/>
-              <a:buChar char="–"/>
-            </a:pPr>
-            <a:r>
-              <a:rPr b="0" lang="en-US" sz="1600" strike="noStrike" u="none">
-                <a:solidFill>
-                  <a:schemeClr val="dk1"/>
-                </a:solidFill>
-                <a:effectLst/>
-                <a:uFillTx/>
-                <a:latin typeface="Calibri"/>
-              </a:rPr>
-              <a:t>Fourth level</a:t>
-            </a:r>
-            <a:endParaRPr b="0" lang="pt-BR" sz="1600" strike="noStrike" u="none">
-              <a:solidFill>
-                <a:srgbClr val="000000"/>
-              </a:solidFill>
-              <a:effectLst/>
-              <a:uFillTx/>
-              <a:latin typeface="Arial"/>
-            </a:endParaRPr>
-          </a:p>
-          <a:p>
-            <a:pPr lvl="4" marL="2057400" indent="-228600" defTabSz="457200">
-              <a:lnSpc>
-                <a:spcPct val="100000"/>
-              </a:lnSpc>
-              <a:spcBef>
-                <a:spcPts val="320"/>
-              </a:spcBef>
-              <a:buClr>
-                <a:srgbClr val="000000"/>
-              </a:buClr>
-              <a:buFont typeface="Arial"/>
-              <a:buChar char="»"/>
-            </a:pPr>
-            <a:r>
-              <a:rPr b="0" lang="en-US" sz="1600" strike="noStrike" u="none">
-                <a:solidFill>
-                  <a:schemeClr val="dk1"/>
-                </a:solidFill>
-                <a:effectLst/>
-                <a:uFillTx/>
-                <a:latin typeface="Calibri"/>
-              </a:rPr>
-              <a:t>Fifth level</a:t>
-            </a:r>
-            <a:endParaRPr b="0" lang="pt-BR" sz="1600" strike="noStrike" u="none">
-              <a:solidFill>
-                <a:srgbClr val="000000"/>
-              </a:solidFill>
-              <a:effectLst/>
-              <a:uFillTx/>
-              <a:latin typeface="Arial"/>
-            </a:endParaRPr>
-          </a:p>
-        </p:txBody>
-      </p:sp>
-      <p:sp>
-        <p:nvSpPr>
-          <p:cNvPr id="42" name="PlaceHolder 6"/>
+          <p:cNvPr id="39" name="PlaceHolder 3"/>
           <p:cNvSpPr>
             <a:spLocks noGrp="1"/>
           </p:cNvSpPr>
@@ -5819,7 +6021,7 @@
         <p:spPr>
           <a:xfrm>
             <a:off x="457200" y="6356520"/>
-            <a:ext cx="2131920" cy="363240"/>
+            <a:ext cx="2131560" cy="362880"/>
           </a:xfrm>
           <a:prstGeom prst="rect">
             <a:avLst/>
@@ -5890,7 +6092,7 @@
       </p:sp>
       <p:sp>
         <p:nvSpPr>
-          <p:cNvPr id="43" name="PlaceHolder 7"/>
+          <p:cNvPr id="40" name="PlaceHolder 4"/>
           <p:cNvSpPr>
             <a:spLocks noGrp="1"/>
           </p:cNvSpPr>
@@ -5901,7 +6103,7 @@
         <p:spPr>
           <a:xfrm>
             <a:off x="3124080" y="6356520"/>
-            <a:ext cx="2893680" cy="363240"/>
+            <a:ext cx="2893320" cy="362880"/>
           </a:xfrm>
           <a:prstGeom prst="rect">
             <a:avLst/>
@@ -5968,7 +6170,7 @@
       </p:sp>
       <p:sp>
         <p:nvSpPr>
-          <p:cNvPr id="44" name="PlaceHolder 8"/>
+          <p:cNvPr id="41" name="PlaceHolder 5"/>
           <p:cNvSpPr>
             <a:spLocks noGrp="1"/>
           </p:cNvSpPr>
@@ -5979,7 +6181,7 @@
         <p:spPr>
           <a:xfrm>
             <a:off x="6553080" y="6356520"/>
-            <a:ext cx="2131920" cy="363240"/>
+            <a:ext cx="2131560" cy="362880"/>
           </a:xfrm>
           <a:prstGeom prst="rect">
             <a:avLst/>
@@ -6024,7 +6226,7 @@
                 <a:tab algn="l" pos="0"/>
               </a:tabLst>
             </a:pPr>
-            <a:fld id="{CC87B032-01EA-4BFE-B9CE-461F33D57481}" type="slidenum">
+            <a:fld id="{D9273964-F2D4-47ED-ABD1-F64C7D212932}" type="slidenum">
               <a:rPr b="0" lang="en-US" sz="1200" strike="noStrike" u="none">
                 <a:solidFill>
                   <a:schemeClr val="dk1">
@@ -6054,8 +6256,8 @@
 </file>
 
 <file path=ppt/slideLayouts/slideLayout9.xml><?xml version="1.0" encoding="utf-8"?>
-<p:sldLayout xmlns:a="http://schemas.openxmlformats.org/drawingml/2006/main" xmlns:p="http://schemas.openxmlformats.org/presentationml/2006/main" xmlns:r="http://schemas.openxmlformats.org/officeDocument/2006/relationships" xmlns:p14="http://schemas.microsoft.com/office/powerpoint/2010/main" xmlns:p15="http://schemas.microsoft.com/office/powerpoint/2012/main" xmlns:mc="http://schemas.openxmlformats.org/markup-compatibility/2006" type="titleOnly" preserve="1">
-  <p:cSld name="Title Only">
+<p:sldLayout xmlns:a="http://schemas.openxmlformats.org/drawingml/2006/main" xmlns:p="http://schemas.openxmlformats.org/presentationml/2006/main" xmlns:r="http://schemas.openxmlformats.org/officeDocument/2006/relationships" xmlns:p14="http://schemas.microsoft.com/office/powerpoint/2010/main" xmlns:p15="http://schemas.microsoft.com/office/powerpoint/2012/main" xmlns:mc="http://schemas.openxmlformats.org/markup-compatibility/2006" type="blank" preserve="1">
+  <p:cSld name="Section Header">
     <p:bg>
       <p:bgPr>
         <a:solidFill>
@@ -6079,7 +6281,7 @@
       </p:grpSpPr>
       <p:sp>
         <p:nvSpPr>
-          <p:cNvPr id="45" name="PlaceHolder 1"/>
+          <p:cNvPr id="42" name="PlaceHolder 1"/>
           <p:cNvSpPr>
             <a:spLocks noGrp="1"/>
           </p:cNvSpPr>
@@ -6089,8 +6291,8 @@
         </p:nvSpPr>
         <p:spPr>
           <a:xfrm>
-            <a:off x="457200" y="274680"/>
-            <a:ext cx="8227800" cy="1141200"/>
+            <a:off x="722160" y="4406760"/>
+            <a:ext cx="7770240" cy="1360080"/>
           </a:xfrm>
           <a:prstGeom prst="rect">
             <a:avLst/>
@@ -6101,11 +6303,11 @@
           </a:ln>
         </p:spPr>
         <p:txBody>
-          <a:bodyPr lIns="91440" rIns="91440" tIns="45720" bIns="45720" anchor="ctr">
+          <a:bodyPr lIns="91440" rIns="91440" tIns="45720" bIns="45720" anchor="t">
             <a:noAutofit/>
           </a:bodyPr>
           <a:p>
-            <a:pPr indent="0" algn="ctr" defTabSz="457200">
+            <a:pPr indent="0" defTabSz="457200">
               <a:lnSpc>
                 <a:spcPct val="100000"/>
               </a:lnSpc>
@@ -6115,7 +6317,7 @@
               </a:tabLst>
             </a:pPr>
             <a:r>
-              <a:rPr b="0" lang="en-US" sz="4400" strike="noStrike" u="none">
+              <a:rPr b="1" lang="en-US" sz="4000" strike="noStrike" u="none" cap="all">
                 <a:solidFill>
                   <a:schemeClr val="dk1"/>
                 </a:solidFill>
@@ -6125,7 +6327,7 @@
               </a:rPr>
               <a:t>Click to edit Master title style</a:t>
             </a:r>
-            <a:endParaRPr b="0" lang="pt-BR" sz="4400" strike="noStrike" u="none">
+            <a:endParaRPr b="0" lang="pt-BR" sz="4000" strike="noStrike" u="none">
               <a:solidFill>
                 <a:srgbClr val="000000"/>
               </a:solidFill>
@@ -6138,7 +6340,71 @@
       </p:sp>
       <p:sp>
         <p:nvSpPr>
-          <p:cNvPr id="46" name="PlaceHolder 2"/>
+          <p:cNvPr id="43" name="PlaceHolder 2"/>
+          <p:cNvSpPr>
+            <a:spLocks noGrp="1"/>
+          </p:cNvSpPr>
+          <p:nvPr>
+            <p:ph type="body"/>
+          </p:nvPr>
+        </p:nvSpPr>
+        <p:spPr>
+          <a:xfrm>
+            <a:off x="722160" y="2906640"/>
+            <a:ext cx="7770240" cy="1497960"/>
+          </a:xfrm>
+          <a:prstGeom prst="rect">
+            <a:avLst/>
+          </a:prstGeom>
+          <a:noFill/>
+          <a:ln w="0">
+            <a:noFill/>
+          </a:ln>
+        </p:spPr>
+        <p:txBody>
+          <a:bodyPr lIns="91440" rIns="91440" tIns="45720" bIns="45720" anchor="b">
+            <a:noAutofit/>
+          </a:bodyPr>
+          <a:p>
+            <a:pPr indent="0" defTabSz="457200">
+              <a:lnSpc>
+                <a:spcPct val="100000"/>
+              </a:lnSpc>
+              <a:spcBef>
+                <a:spcPts val="400"/>
+              </a:spcBef>
+              <a:buNone/>
+              <a:tabLst>
+                <a:tab algn="l" pos="0"/>
+              </a:tabLst>
+            </a:pPr>
+            <a:r>
+              <a:rPr b="0" lang="en-US" sz="2000" strike="noStrike" u="none">
+                <a:solidFill>
+                  <a:schemeClr val="dk1">
+                    <a:tint val="75000"/>
+                  </a:schemeClr>
+                </a:solidFill>
+                <a:effectLst/>
+                <a:uFillTx/>
+                <a:latin typeface="Calibri"/>
+              </a:rPr>
+              <a:t>Click to edit Master text styles</a:t>
+            </a:r>
+            <a:endParaRPr b="0" lang="pt-BR" sz="2000" strike="noStrike" u="none">
+              <a:solidFill>
+                <a:srgbClr val="000000"/>
+              </a:solidFill>
+              <a:effectLst/>
+              <a:uFillTx/>
+              <a:latin typeface="Arial"/>
+            </a:endParaRPr>
+          </a:p>
+        </p:txBody>
+      </p:sp>
+      <p:sp>
+        <p:nvSpPr>
+          <p:cNvPr id="44" name="PlaceHolder 3"/>
           <p:cNvSpPr>
             <a:spLocks noGrp="1"/>
           </p:cNvSpPr>
@@ -6149,7 +6415,7 @@
         <p:spPr>
           <a:xfrm>
             <a:off x="457200" y="6356520"/>
-            <a:ext cx="2131920" cy="363240"/>
+            <a:ext cx="2131560" cy="362880"/>
           </a:xfrm>
           <a:prstGeom prst="rect">
             <a:avLst/>
@@ -6220,7 +6486,7 @@
       </p:sp>
       <p:sp>
         <p:nvSpPr>
-          <p:cNvPr id="47" name="PlaceHolder 3"/>
+          <p:cNvPr id="45" name="PlaceHolder 4"/>
           <p:cNvSpPr>
             <a:spLocks noGrp="1"/>
           </p:cNvSpPr>
@@ -6231,7 +6497,7 @@
         <p:spPr>
           <a:xfrm>
             <a:off x="3124080" y="6356520"/>
-            <a:ext cx="2893680" cy="363240"/>
+            <a:ext cx="2893320" cy="362880"/>
           </a:xfrm>
           <a:prstGeom prst="rect">
             <a:avLst/>
@@ -6298,7 +6564,7 @@
       </p:sp>
       <p:sp>
         <p:nvSpPr>
-          <p:cNvPr id="48" name="PlaceHolder 4"/>
+          <p:cNvPr id="46" name="PlaceHolder 5"/>
           <p:cNvSpPr>
             <a:spLocks noGrp="1"/>
           </p:cNvSpPr>
@@ -6309,7 +6575,7 @@
         <p:spPr>
           <a:xfrm>
             <a:off x="6553080" y="6356520"/>
-            <a:ext cx="2131920" cy="363240"/>
+            <a:ext cx="2131560" cy="362880"/>
           </a:xfrm>
           <a:prstGeom prst="rect">
             <a:avLst/>
@@ -6354,7 +6620,7 @@
                 <a:tab algn="l" pos="0"/>
               </a:tabLst>
             </a:pPr>
-            <a:fld id="{2A8FEB1D-45CA-4931-8C46-651377FECC79}" type="slidenum">
+            <a:fld id="{A3DEED83-3FF8-49AA-9915-C529D12BCCD3}" type="slidenum">
               <a:rPr b="0" lang="en-US" sz="1200" strike="noStrike" u="none">
                 <a:solidFill>
                   <a:schemeClr val="dk1">
@@ -6374,280 +6640,6 @@
               <a:effectLst/>
               <a:uFillTx/>
               <a:latin typeface="Times New Roman"/>
-            </a:endParaRPr>
-          </a:p>
-        </p:txBody>
-      </p:sp>
-      <p:sp>
-        <p:nvSpPr>
-          <p:cNvPr id="49" name="PlaceHolder 5"/>
-          <p:cNvSpPr>
-            <a:spLocks noGrp="1"/>
-          </p:cNvSpPr>
-          <p:nvPr>
-            <p:ph type="body"/>
-          </p:nvPr>
-        </p:nvSpPr>
-        <p:spPr>
-          <a:xfrm>
-            <a:off x="457200" y="1604520"/>
-            <a:ext cx="8228520" cy="3976560"/>
-          </a:xfrm>
-          <a:prstGeom prst="rect">
-            <a:avLst/>
-          </a:prstGeom>
-          <a:noFill/>
-          <a:ln w="0">
-            <a:noFill/>
-          </a:ln>
-        </p:spPr>
-        <p:txBody>
-          <a:bodyPr lIns="0" rIns="0" tIns="0" bIns="0" anchor="t">
-            <a:normAutofit/>
-          </a:bodyPr>
-          <a:p>
-            <a:pPr marL="432000" indent="-324000">
-              <a:lnSpc>
-                <a:spcPct val="100000"/>
-              </a:lnSpc>
-              <a:spcBef>
-                <a:spcPts val="1417"/>
-              </a:spcBef>
-              <a:buClr>
-                <a:srgbClr val="000000"/>
-              </a:buClr>
-              <a:buSzPct val="45000"/>
-              <a:buFont typeface="Wingdings" charset="2"/>
-              <a:buChar char=""/>
-            </a:pPr>
-            <a:r>
-              <a:rPr b="0" lang="pt-BR" sz="3200" strike="noStrike" u="none">
-                <a:solidFill>
-                  <a:srgbClr val="000000"/>
-                </a:solidFill>
-                <a:effectLst/>
-                <a:uFillTx/>
-                <a:latin typeface="Arial"/>
-              </a:rPr>
-              <a:t>Clique para editar o formato de texto dos tópicos</a:t>
-            </a:r>
-            <a:endParaRPr b="0" lang="pt-BR" sz="3200" strike="noStrike" u="none">
-              <a:solidFill>
-                <a:srgbClr val="000000"/>
-              </a:solidFill>
-              <a:effectLst/>
-              <a:uFillTx/>
-              <a:latin typeface="Arial"/>
-            </a:endParaRPr>
-          </a:p>
-          <a:p>
-            <a:pPr lvl="1" marL="864000" indent="-324000">
-              <a:lnSpc>
-                <a:spcPct val="100000"/>
-              </a:lnSpc>
-              <a:spcBef>
-                <a:spcPts val="1134"/>
-              </a:spcBef>
-              <a:buClr>
-                <a:srgbClr val="000000"/>
-              </a:buClr>
-              <a:buSzPct val="75000"/>
-              <a:buFont typeface="Symbol" charset="2"/>
-              <a:buChar char=""/>
-            </a:pPr>
-            <a:r>
-              <a:rPr b="0" lang="pt-BR" sz="2800" strike="noStrike" u="none">
-                <a:solidFill>
-                  <a:srgbClr val="000000"/>
-                </a:solidFill>
-                <a:effectLst/>
-                <a:uFillTx/>
-                <a:latin typeface="Arial"/>
-              </a:rPr>
-              <a:t>2.º nível de tópicos</a:t>
-            </a:r>
-            <a:endParaRPr b="0" lang="pt-BR" sz="2800" strike="noStrike" u="none">
-              <a:solidFill>
-                <a:srgbClr val="000000"/>
-              </a:solidFill>
-              <a:effectLst/>
-              <a:uFillTx/>
-              <a:latin typeface="Arial"/>
-            </a:endParaRPr>
-          </a:p>
-          <a:p>
-            <a:pPr lvl="2" marL="1296000" indent="-288000">
-              <a:lnSpc>
-                <a:spcPct val="100000"/>
-              </a:lnSpc>
-              <a:spcBef>
-                <a:spcPts val="850"/>
-              </a:spcBef>
-              <a:buClr>
-                <a:srgbClr val="000000"/>
-              </a:buClr>
-              <a:buSzPct val="45000"/>
-              <a:buFont typeface="Wingdings" charset="2"/>
-              <a:buChar char=""/>
-            </a:pPr>
-            <a:r>
-              <a:rPr b="0" lang="pt-BR" sz="2400" strike="noStrike" u="none">
-                <a:solidFill>
-                  <a:srgbClr val="000000"/>
-                </a:solidFill>
-                <a:effectLst/>
-                <a:uFillTx/>
-                <a:latin typeface="Arial"/>
-              </a:rPr>
-              <a:t>3.º nível de tópicos</a:t>
-            </a:r>
-            <a:endParaRPr b="0" lang="pt-BR" sz="2400" strike="noStrike" u="none">
-              <a:solidFill>
-                <a:srgbClr val="000000"/>
-              </a:solidFill>
-              <a:effectLst/>
-              <a:uFillTx/>
-              <a:latin typeface="Arial"/>
-            </a:endParaRPr>
-          </a:p>
-          <a:p>
-            <a:pPr lvl="3" marL="1728000" indent="-216000">
-              <a:lnSpc>
-                <a:spcPct val="100000"/>
-              </a:lnSpc>
-              <a:spcBef>
-                <a:spcPts val="567"/>
-              </a:spcBef>
-              <a:buClr>
-                <a:srgbClr val="000000"/>
-              </a:buClr>
-              <a:buSzPct val="75000"/>
-              <a:buFont typeface="Symbol" charset="2"/>
-              <a:buChar char=""/>
-            </a:pPr>
-            <a:r>
-              <a:rPr b="0" lang="pt-BR" sz="2000" strike="noStrike" u="none">
-                <a:solidFill>
-                  <a:srgbClr val="000000"/>
-                </a:solidFill>
-                <a:effectLst/>
-                <a:uFillTx/>
-                <a:latin typeface="Arial"/>
-              </a:rPr>
-              <a:t>4.º nível de tópicos</a:t>
-            </a:r>
-            <a:endParaRPr b="0" lang="pt-BR" sz="2000" strike="noStrike" u="none">
-              <a:solidFill>
-                <a:srgbClr val="000000"/>
-              </a:solidFill>
-              <a:effectLst/>
-              <a:uFillTx/>
-              <a:latin typeface="Arial"/>
-            </a:endParaRPr>
-          </a:p>
-          <a:p>
-            <a:pPr lvl="4" marL="2160000" indent="-216000">
-              <a:lnSpc>
-                <a:spcPct val="100000"/>
-              </a:lnSpc>
-              <a:spcBef>
-                <a:spcPts val="283"/>
-              </a:spcBef>
-              <a:buClr>
-                <a:srgbClr val="000000"/>
-              </a:buClr>
-              <a:buSzPct val="45000"/>
-              <a:buFont typeface="Wingdings" charset="2"/>
-              <a:buChar char=""/>
-            </a:pPr>
-            <a:r>
-              <a:rPr b="0" lang="pt-BR" sz="2000" strike="noStrike" u="none">
-                <a:solidFill>
-                  <a:srgbClr val="000000"/>
-                </a:solidFill>
-                <a:effectLst/>
-                <a:uFillTx/>
-                <a:latin typeface="Arial"/>
-              </a:rPr>
-              <a:t>5.º nível de tópicos</a:t>
-            </a:r>
-            <a:endParaRPr b="0" lang="pt-BR" sz="2000" strike="noStrike" u="none">
-              <a:solidFill>
-                <a:srgbClr val="000000"/>
-              </a:solidFill>
-              <a:effectLst/>
-              <a:uFillTx/>
-              <a:latin typeface="Arial"/>
-            </a:endParaRPr>
-          </a:p>
-          <a:p>
-            <a:pPr lvl="5" marL="2592000" indent="-216000">
-              <a:lnSpc>
-                <a:spcPct val="100000"/>
-              </a:lnSpc>
-              <a:spcBef>
-                <a:spcPts val="283"/>
-              </a:spcBef>
-              <a:buClr>
-                <a:srgbClr val="000000"/>
-              </a:buClr>
-              <a:buSzPct val="45000"/>
-              <a:buFont typeface="Wingdings" charset="2"/>
-              <a:buChar char=""/>
-            </a:pPr>
-            <a:r>
-              <a:rPr b="0" lang="pt-BR" sz="2000" strike="noStrike" u="none">
-                <a:solidFill>
-                  <a:srgbClr val="000000"/>
-                </a:solidFill>
-                <a:effectLst/>
-                <a:uFillTx/>
-                <a:latin typeface="Arial"/>
-              </a:rPr>
-              <a:t>6.º nível de tópicos</a:t>
-            </a:r>
-            <a:endParaRPr b="0" lang="pt-BR" sz="2000" strike="noStrike" u="none">
-              <a:solidFill>
-                <a:srgbClr val="000000"/>
-              </a:solidFill>
-              <a:effectLst/>
-              <a:uFillTx/>
-              <a:latin typeface="Arial"/>
-            </a:endParaRPr>
-          </a:p>
-          <a:p>
-            <a:pPr lvl="6" marL="3024000" indent="-216000">
-              <a:lnSpc>
-                <a:spcPct val="100000"/>
-              </a:lnSpc>
-              <a:spcBef>
-                <a:spcPts val="283"/>
-              </a:spcBef>
-              <a:buClr>
-                <a:srgbClr val="000000"/>
-              </a:buClr>
-              <a:buSzPct val="45000"/>
-              <a:buFont typeface="Wingdings" charset="2"/>
-              <a:buChar char=""/>
-            </a:pPr>
-            <a:r>
-              <a:rPr b="0" lang="pt-BR" sz="2000" strike="noStrike" u="none">
-                <a:solidFill>
-                  <a:srgbClr val="000000"/>
-                </a:solidFill>
-                <a:effectLst/>
-                <a:uFillTx/>
-                <a:latin typeface="Arial"/>
-              </a:rPr>
-              <a:t>7.º nível de tópicos</a:t>
-            </a:r>
-            <a:endParaRPr b="0" lang="pt-BR" sz="2000" strike="noStrike" u="none">
-              <a:solidFill>
-                <a:srgbClr val="000000"/>
-              </a:solidFill>
-              <a:effectLst/>
-              <a:uFillTx/>
-              <a:latin typeface="Arial"/>
             </a:endParaRPr>
           </a:p>
         </p:txBody>
@@ -6738,7 +6730,7 @@
         <p:spPr>
           <a:xfrm>
             <a:off x="685800" y="2130480"/>
-            <a:ext cx="7770600" cy="1468080"/>
+            <a:ext cx="7770240" cy="1467720"/>
           </a:xfrm>
           <a:prstGeom prst="rect">
             <a:avLst/>
@@ -6797,7 +6789,7 @@
         <p:spPr>
           <a:xfrm>
             <a:off x="1371600" y="3886200"/>
-            <a:ext cx="6399000" cy="1750680"/>
+            <a:ext cx="6398640" cy="1750320"/>
           </a:xfrm>
           <a:prstGeom prst="rect">
             <a:avLst/>
@@ -6844,1354 +6836,51 @@
               <a:latin typeface="Arial"/>
             </a:endParaRPr>
           </a:p>
-        </p:txBody>
-      </p:sp>
-    </p:spTree>
-  </p:cSld>
-  <mc:AlternateContent>
-    <mc:Choice Requires="p14">
-      <p:transition spd="slow" p14:dur="2000"/>
-    </mc:Choice>
-    <mc:Fallback>
-      <p:transition spd="slow"/>
-    </mc:Fallback>
-  </mc:AlternateContent>
-</p:sld>
-</file>
-
-<file path=ppt/slides/slide10.xml><?xml version="1.0" encoding="utf-8"?>
-<p:sld xmlns:a="http://schemas.openxmlformats.org/drawingml/2006/main" xmlns:p="http://schemas.openxmlformats.org/presentationml/2006/main" xmlns:r="http://schemas.openxmlformats.org/officeDocument/2006/relationships" xmlns:p14="http://schemas.microsoft.com/office/powerpoint/2010/main" xmlns:p15="http://schemas.microsoft.com/office/powerpoint/2012/main" xmlns:mc="http://schemas.openxmlformats.org/markup-compatibility/2006">
-  <p:cSld>
-    <p:bg>
-      <p:bgPr>
-        <a:gradFill rotWithShape="0">
-          <a:gsLst>
-            <a:gs pos="0">
-              <a:srgbClr val="b4c7dc"/>
-            </a:gs>
-            <a:gs pos="100000">
-              <a:srgbClr val="dee6ef"/>
-            </a:gs>
-          </a:gsLst>
-          <a:lin ang="5340000"/>
-        </a:gradFill>
-      </p:bgPr>
-    </p:bg>
-    <p:spTree>
-      <p:nvGrpSpPr>
-        <p:cNvPr id="1" name=""/>
-        <p:cNvGrpSpPr/>
-        <p:nvPr/>
-      </p:nvGrpSpPr>
-      <p:grpSpPr>
-        <a:xfrm>
-          <a:off x="0" y="0"/>
-          <a:ext cx="0" cy="0"/>
-          <a:chOff x="0" y="0"/>
-          <a:chExt cx="0" cy="0"/>
-        </a:xfrm>
-      </p:grpSpPr>
-      <p:sp>
-        <p:nvSpPr>
-          <p:cNvPr id="82" name="PlaceHolder 1"/>
-          <p:cNvSpPr>
-            <a:spLocks noGrp="1"/>
-          </p:cNvSpPr>
-          <p:nvPr>
-            <p:ph type="title"/>
-          </p:nvPr>
-        </p:nvSpPr>
-        <p:spPr>
-          <a:xfrm>
-            <a:off x="457200" y="273960"/>
-            <a:ext cx="8227800" cy="1142640"/>
-          </a:xfrm>
-          <a:prstGeom prst="rect">
-            <a:avLst/>
-          </a:prstGeom>
-          <a:noFill/>
-          <a:ln w="0">
-            <a:noFill/>
-          </a:ln>
-        </p:spPr>
-        <p:txBody>
-          <a:bodyPr lIns="0" rIns="0" tIns="0" bIns="0" anchor="ctr">
-            <a:spAutoFit/>
-          </a:bodyPr>
-          <a:p>
-            <a:pPr indent="0" algn="ctr">
-              <a:lnSpc>
-                <a:spcPct val="100000"/>
-              </a:lnSpc>
+          <a:p>
+            <a:pPr indent="0" algn="ctr" defTabSz="457200">
+              <a:lnSpc>
+                <a:spcPct val="100000"/>
+              </a:lnSpc>
+              <a:spcBef>
+                <a:spcPts val="641"/>
+              </a:spcBef>
               <a:buNone/>
               <a:tabLst>
                 <a:tab algn="l" pos="0"/>
               </a:tabLst>
             </a:pPr>
-            <a:r>
-              <a:rPr b="0" lang="pt-BR" sz="4400" strike="noStrike" u="none">
+            <a:endParaRPr b="0" lang="pt-BR" sz="3200" strike="noStrike" u="none">
+              <a:solidFill>
+                <a:srgbClr val="000000"/>
+              </a:solidFill>
+              <a:effectLst/>
+              <a:uFillTx/>
+              <a:latin typeface="Arial"/>
+            </a:endParaRPr>
+          </a:p>
+          <a:p>
+            <a:pPr indent="0" algn="ctr" defTabSz="457200">
+              <a:lnSpc>
+                <a:spcPct val="100000"/>
+              </a:lnSpc>
+              <a:spcBef>
+                <a:spcPts val="641"/>
+              </a:spcBef>
+              <a:buNone/>
+              <a:tabLst>
+                <a:tab algn="l" pos="0"/>
+              </a:tabLst>
+            </a:pPr>
+            <a:r>
+              <a:rPr b="0" lang="pt-BR" sz="1800" strike="noStrike" u="none">
                 <a:solidFill>
                   <a:srgbClr val="000000"/>
                 </a:solidFill>
                 <a:effectLst/>
                 <a:uFillTx/>
-                <a:latin typeface="Arial"/>
-              </a:rPr>
-              <a:t>Redis Pub/Sub</a:t>
-            </a:r>
-            <a:endParaRPr b="0" lang="pt-BR" sz="4400" strike="noStrike" u="none">
-              <a:solidFill>
-                <a:srgbClr val="000000"/>
-              </a:solidFill>
-              <a:effectLst/>
-              <a:uFillTx/>
-              <a:latin typeface="Arial"/>
-            </a:endParaRPr>
-          </a:p>
-        </p:txBody>
-      </p:sp>
-      <p:pic>
-        <p:nvPicPr>
-          <p:cNvPr id="83" name="" descr=""/>
-          <p:cNvPicPr/>
-          <p:nvPr/>
-        </p:nvPicPr>
-        <p:blipFill>
-          <a:blip r:embed="rId1"/>
-          <a:stretch/>
-        </p:blipFill>
-        <p:spPr>
-          <a:xfrm>
-            <a:off x="0" y="1260000"/>
-            <a:ext cx="9142920" cy="5000040"/>
-          </a:xfrm>
-          <a:prstGeom prst="rect">
-            <a:avLst/>
-          </a:prstGeom>
-          <a:noFill/>
-          <a:ln w="0">
-            <a:noFill/>
-          </a:ln>
-        </p:spPr>
-      </p:pic>
-    </p:spTree>
-  </p:cSld>
-  <mc:AlternateContent>
-    <mc:Choice Requires="p14">
-      <p:transition spd="slow" p14:dur="2000"/>
-    </mc:Choice>
-    <mc:Fallback>
-      <p:transition spd="slow"/>
-    </mc:Fallback>
-  </mc:AlternateContent>
-</p:sld>
-</file>
-
-<file path=ppt/slides/slide11.xml><?xml version="1.0" encoding="utf-8"?>
-<p:sld xmlns:a="http://schemas.openxmlformats.org/drawingml/2006/main" xmlns:p="http://schemas.openxmlformats.org/presentationml/2006/main" xmlns:r="http://schemas.openxmlformats.org/officeDocument/2006/relationships" xmlns:p14="http://schemas.microsoft.com/office/powerpoint/2010/main" xmlns:p15="http://schemas.microsoft.com/office/powerpoint/2012/main" xmlns:mc="http://schemas.openxmlformats.org/markup-compatibility/2006">
-  <p:cSld>
-    <p:bg>
-      <p:bgPr>
-        <a:gradFill rotWithShape="0">
-          <a:gsLst>
-            <a:gs pos="0">
-              <a:srgbClr val="b4c7dc"/>
-            </a:gs>
-            <a:gs pos="100000">
-              <a:srgbClr val="dee6ef"/>
-            </a:gs>
-          </a:gsLst>
-          <a:lin ang="5340000"/>
-        </a:gradFill>
-      </p:bgPr>
-    </p:bg>
-    <p:spTree>
-      <p:nvGrpSpPr>
-        <p:cNvPr id="1" name=""/>
-        <p:cNvGrpSpPr/>
-        <p:nvPr/>
-      </p:nvGrpSpPr>
-      <p:grpSpPr>
-        <a:xfrm>
-          <a:off x="0" y="0"/>
-          <a:ext cx="0" cy="0"/>
-          <a:chOff x="0" y="0"/>
-          <a:chExt cx="0" cy="0"/>
-        </a:xfrm>
-      </p:grpSpPr>
-      <p:sp>
-        <p:nvSpPr>
-          <p:cNvPr id="84" name="PlaceHolder 1"/>
-          <p:cNvSpPr>
-            <a:spLocks noGrp="1"/>
-          </p:cNvSpPr>
-          <p:nvPr>
-            <p:ph type="title"/>
-          </p:nvPr>
-        </p:nvSpPr>
-        <p:spPr>
-          <a:xfrm>
-            <a:off x="457200" y="273960"/>
-            <a:ext cx="8227800" cy="1142640"/>
-          </a:xfrm>
-          <a:prstGeom prst="rect">
-            <a:avLst/>
-          </a:prstGeom>
-          <a:noFill/>
-          <a:ln w="0">
-            <a:noFill/>
-          </a:ln>
-        </p:spPr>
-        <p:txBody>
-          <a:bodyPr lIns="0" rIns="0" tIns="0" bIns="0" anchor="ctr">
-            <a:spAutoFit/>
-          </a:bodyPr>
-          <a:p>
-            <a:pPr indent="0" algn="ctr">
-              <a:lnSpc>
-                <a:spcPct val="100000"/>
-              </a:lnSpc>
-              <a:buNone/>
-              <a:tabLst>
-                <a:tab algn="l" pos="0"/>
-              </a:tabLst>
-            </a:pPr>
-            <a:r>
-              <a:rPr b="0" lang="pt-BR" sz="4400" strike="noStrike" u="none">
-                <a:solidFill>
-                  <a:srgbClr val="000000"/>
-                </a:solidFill>
-                <a:effectLst/>
-                <a:uFillTx/>
-                <a:latin typeface="Arial"/>
-              </a:rPr>
-              <a:t>Caching</a:t>
-            </a:r>
-            <a:endParaRPr b="0" lang="pt-BR" sz="4400" strike="noStrike" u="none">
-              <a:solidFill>
-                <a:srgbClr val="000000"/>
-              </a:solidFill>
-              <a:effectLst/>
-              <a:uFillTx/>
-              <a:latin typeface="Arial"/>
-            </a:endParaRPr>
-          </a:p>
-        </p:txBody>
-      </p:sp>
-      <p:sp>
-        <p:nvSpPr>
-          <p:cNvPr id="85" name=""/>
-          <p:cNvSpPr/>
-          <p:nvPr/>
-        </p:nvSpPr>
-        <p:spPr>
-          <a:xfrm>
-            <a:off x="0" y="1800000"/>
-            <a:ext cx="9150480" cy="4319280"/>
-          </a:xfrm>
-          <a:prstGeom prst="rect">
-            <a:avLst/>
-          </a:prstGeom>
-          <a:noFill/>
-          <a:ln w="0">
-            <a:noFill/>
-          </a:ln>
-        </p:spPr>
-        <p:style>
-          <a:lnRef idx="0"/>
-          <a:fillRef idx="0"/>
-          <a:effectRef idx="0"/>
-          <a:fontRef idx="minor"/>
-        </p:style>
-        <p:txBody>
-          <a:bodyPr lIns="90000" rIns="90000" tIns="45000" bIns="45000" anchor="t">
-            <a:spAutoFit/>
-          </a:bodyPr>
-          <a:p>
-            <a:pPr marL="216000" indent="-216000">
-              <a:lnSpc>
-                <a:spcPct val="100000"/>
-              </a:lnSpc>
-              <a:spcBef>
-                <a:spcPts val="1191"/>
-              </a:spcBef>
-              <a:spcAft>
-                <a:spcPts val="992"/>
-              </a:spcAft>
-              <a:buClr>
-                <a:srgbClr val="000000"/>
-              </a:buClr>
-              <a:buSzPct val="45000"/>
-              <a:buFont typeface="Wingdings" charset="2"/>
-              <a:buChar char=""/>
-            </a:pPr>
-            <a:r>
-              <a:rPr b="0" lang="pt-BR" sz="2200" strike="noStrike" u="none">
-                <a:solidFill>
-                  <a:srgbClr val="000000"/>
-                </a:solidFill>
-                <a:effectLst/>
-                <a:uFillTx/>
-                <a:latin typeface="Arial"/>
-              </a:rPr>
-              <a:t>Spring Boot makes using Redis for caching incredibly simple.</a:t>
-            </a:r>
-            <a:endParaRPr b="0" lang="pt-BR" sz="2200" strike="noStrike" u="none">
-              <a:solidFill>
-                <a:srgbClr val="000000"/>
-              </a:solidFill>
-              <a:effectLst/>
-              <a:uFillTx/>
-              <a:latin typeface="Arial"/>
-            </a:endParaRPr>
-          </a:p>
-          <a:p>
-            <a:pPr>
-              <a:lnSpc>
-                <a:spcPct val="100000"/>
-              </a:lnSpc>
-            </a:pPr>
-            <a:endParaRPr b="0" lang="pt-BR" sz="2200" strike="noStrike" u="none">
-              <a:solidFill>
-                <a:srgbClr val="000000"/>
-              </a:solidFill>
-              <a:effectLst/>
-              <a:uFillTx/>
-              <a:latin typeface="Arial"/>
-            </a:endParaRPr>
-          </a:p>
-          <a:p>
-            <a:pPr>
-              <a:lnSpc>
-                <a:spcPct val="100000"/>
-              </a:lnSpc>
-            </a:pPr>
-            <a:endParaRPr b="0" lang="pt-BR" sz="2200" strike="noStrike" u="none">
-              <a:solidFill>
-                <a:srgbClr val="000000"/>
-              </a:solidFill>
-              <a:effectLst/>
-              <a:uFillTx/>
-              <a:latin typeface="Arial"/>
-            </a:endParaRPr>
-          </a:p>
-          <a:p>
-            <a:pPr>
-              <a:lnSpc>
-                <a:spcPct val="100000"/>
-              </a:lnSpc>
-              <a:spcBef>
-                <a:spcPts val="1191"/>
-              </a:spcBef>
-              <a:spcAft>
-                <a:spcPts val="992"/>
-              </a:spcAft>
-            </a:pPr>
-            <a:endParaRPr b="0" lang="pt-BR" sz="2200" strike="noStrike" u="none">
-              <a:solidFill>
-                <a:srgbClr val="000000"/>
-              </a:solidFill>
-              <a:effectLst/>
-              <a:uFillTx/>
-              <a:latin typeface="Arial"/>
-            </a:endParaRPr>
-          </a:p>
-        </p:txBody>
-      </p:sp>
-      <p:pic>
-        <p:nvPicPr>
-          <p:cNvPr id="86" name="" descr=""/>
-          <p:cNvPicPr/>
-          <p:nvPr/>
-        </p:nvPicPr>
-        <p:blipFill>
-          <a:blip r:embed="rId1"/>
-          <a:stretch/>
-        </p:blipFill>
-        <p:spPr>
-          <a:xfrm>
-            <a:off x="745920" y="2340000"/>
-            <a:ext cx="7533360" cy="3728520"/>
-          </a:xfrm>
-          <a:prstGeom prst="rect">
-            <a:avLst/>
-          </a:prstGeom>
-          <a:noFill/>
-          <a:ln w="0">
-            <a:noFill/>
-          </a:ln>
-        </p:spPr>
-      </p:pic>
-    </p:spTree>
-  </p:cSld>
-  <mc:AlternateContent>
-    <mc:Choice Requires="p14">
-      <p:transition spd="slow" p14:dur="2000"/>
-    </mc:Choice>
-    <mc:Fallback>
-      <p:transition spd="slow"/>
-    </mc:Fallback>
-  </mc:AlternateContent>
-</p:sld>
-</file>
-
-<file path=ppt/slides/slide12.xml><?xml version="1.0" encoding="utf-8"?>
-<p:sld xmlns:a="http://schemas.openxmlformats.org/drawingml/2006/main" xmlns:p="http://schemas.openxmlformats.org/presentationml/2006/main" xmlns:r="http://schemas.openxmlformats.org/officeDocument/2006/relationships" xmlns:p14="http://schemas.microsoft.com/office/powerpoint/2010/main" xmlns:p15="http://schemas.microsoft.com/office/powerpoint/2012/main" xmlns:mc="http://schemas.openxmlformats.org/markup-compatibility/2006">
-  <p:cSld>
-    <p:bg>
-      <p:bgPr>
-        <a:gradFill rotWithShape="0">
-          <a:gsLst>
-            <a:gs pos="0">
-              <a:srgbClr val="b4c7dc"/>
-            </a:gs>
-            <a:gs pos="100000">
-              <a:srgbClr val="dee6ef"/>
-            </a:gs>
-          </a:gsLst>
-          <a:lin ang="5340000"/>
-        </a:gradFill>
-      </p:bgPr>
-    </p:bg>
-    <p:spTree>
-      <p:nvGrpSpPr>
-        <p:cNvPr id="1" name=""/>
-        <p:cNvGrpSpPr/>
-        <p:nvPr/>
-      </p:nvGrpSpPr>
-      <p:grpSpPr>
-        <a:xfrm>
-          <a:off x="0" y="0"/>
-          <a:ext cx="0" cy="0"/>
-          <a:chOff x="0" y="0"/>
-          <a:chExt cx="0" cy="0"/>
-        </a:xfrm>
-      </p:grpSpPr>
-      <p:sp>
-        <p:nvSpPr>
-          <p:cNvPr id="87" name="PlaceHolder 1"/>
-          <p:cNvSpPr>
-            <a:spLocks noGrp="1"/>
-          </p:cNvSpPr>
-          <p:nvPr>
-            <p:ph type="title"/>
-          </p:nvPr>
-        </p:nvSpPr>
-        <p:spPr>
-          <a:xfrm>
-            <a:off x="457200" y="273960"/>
-            <a:ext cx="8227800" cy="1142640"/>
-          </a:xfrm>
-          <a:prstGeom prst="rect">
-            <a:avLst/>
-          </a:prstGeom>
-          <a:noFill/>
-          <a:ln w="0">
-            <a:noFill/>
-          </a:ln>
-        </p:spPr>
-        <p:txBody>
-          <a:bodyPr lIns="0" rIns="0" tIns="0" bIns="0" anchor="ctr">
-            <a:spAutoFit/>
-          </a:bodyPr>
-          <a:p>
-            <a:pPr indent="0" algn="ctr">
-              <a:lnSpc>
-                <a:spcPct val="100000"/>
-              </a:lnSpc>
-              <a:buNone/>
-              <a:tabLst>
-                <a:tab algn="l" pos="0"/>
-              </a:tabLst>
-            </a:pPr>
-            <a:r>
-              <a:rPr b="0" lang="pt-BR" sz="4400" strike="noStrike" u="none">
-                <a:solidFill>
-                  <a:srgbClr val="000000"/>
-                </a:solidFill>
-                <a:effectLst/>
-                <a:uFillTx/>
-                <a:latin typeface="Arial"/>
-              </a:rPr>
-              <a:t>Redis Pub/Sub</a:t>
-            </a:r>
-            <a:endParaRPr b="0" lang="pt-BR" sz="4400" strike="noStrike" u="none">
-              <a:solidFill>
-                <a:srgbClr val="000000"/>
-              </a:solidFill>
-              <a:effectLst/>
-              <a:uFillTx/>
-              <a:latin typeface="Arial"/>
-            </a:endParaRPr>
-          </a:p>
-        </p:txBody>
-      </p:sp>
-      <p:pic>
-        <p:nvPicPr>
-          <p:cNvPr id="88" name="" descr=""/>
-          <p:cNvPicPr/>
-          <p:nvPr/>
-        </p:nvPicPr>
-        <p:blipFill>
-          <a:blip r:embed="rId1"/>
-          <a:stretch/>
-        </p:blipFill>
-        <p:spPr>
-          <a:xfrm>
-            <a:off x="0" y="1422720"/>
-            <a:ext cx="9142920" cy="2176560"/>
-          </a:xfrm>
-          <a:prstGeom prst="rect">
-            <a:avLst/>
-          </a:prstGeom>
-          <a:noFill/>
-          <a:ln w="0">
-            <a:noFill/>
-          </a:ln>
-        </p:spPr>
-      </p:pic>
-    </p:spTree>
-  </p:cSld>
-  <mc:AlternateContent>
-    <mc:Choice Requires="p14">
-      <p:transition spd="slow" p14:dur="2000"/>
-    </mc:Choice>
-    <mc:Fallback>
-      <p:transition spd="slow"/>
-    </mc:Fallback>
-  </mc:AlternateContent>
-</p:sld>
-</file>
-
-<file path=ppt/slides/slide13.xml><?xml version="1.0" encoding="utf-8"?>
-<p:sld xmlns:a="http://schemas.openxmlformats.org/drawingml/2006/main" xmlns:p="http://schemas.openxmlformats.org/presentationml/2006/main" xmlns:r="http://schemas.openxmlformats.org/officeDocument/2006/relationships" xmlns:p14="http://schemas.microsoft.com/office/powerpoint/2010/main" xmlns:p15="http://schemas.microsoft.com/office/powerpoint/2012/main" xmlns:mc="http://schemas.openxmlformats.org/markup-compatibility/2006">
-  <p:cSld>
-    <p:bg>
-      <p:bgPr>
-        <a:gradFill rotWithShape="0">
-          <a:gsLst>
-            <a:gs pos="0">
-              <a:srgbClr val="b4c7dc"/>
-            </a:gs>
-            <a:gs pos="100000">
-              <a:srgbClr val="dee6ef"/>
-            </a:gs>
-          </a:gsLst>
-          <a:lin ang="5340000"/>
-        </a:gradFill>
-      </p:bgPr>
-    </p:bg>
-    <p:spTree>
-      <p:nvGrpSpPr>
-        <p:cNvPr id="1" name=""/>
-        <p:cNvGrpSpPr/>
-        <p:nvPr/>
-      </p:nvGrpSpPr>
-      <p:grpSpPr>
-        <a:xfrm>
-          <a:off x="0" y="0"/>
-          <a:ext cx="0" cy="0"/>
-          <a:chOff x="0" y="0"/>
-          <a:chExt cx="0" cy="0"/>
-        </a:xfrm>
-      </p:grpSpPr>
-      <p:sp>
-        <p:nvSpPr>
-          <p:cNvPr id="89" name="PlaceHolder 1"/>
-          <p:cNvSpPr>
-            <a:spLocks noGrp="1"/>
-          </p:cNvSpPr>
-          <p:nvPr>
-            <p:ph type="title"/>
-          </p:nvPr>
-        </p:nvSpPr>
-        <p:spPr>
-          <a:xfrm>
-            <a:off x="457200" y="273960"/>
-            <a:ext cx="8227800" cy="1142640"/>
-          </a:xfrm>
-          <a:prstGeom prst="rect">
-            <a:avLst/>
-          </a:prstGeom>
-          <a:noFill/>
-          <a:ln w="0">
-            <a:noFill/>
-          </a:ln>
-        </p:spPr>
-        <p:txBody>
-          <a:bodyPr lIns="0" rIns="0" tIns="0" bIns="0" anchor="ctr">
-            <a:spAutoFit/>
-          </a:bodyPr>
-          <a:p>
-            <a:pPr indent="0" algn="ctr">
-              <a:lnSpc>
-                <a:spcPct val="100000"/>
-              </a:lnSpc>
-              <a:buNone/>
-              <a:tabLst>
-                <a:tab algn="l" pos="0"/>
-              </a:tabLst>
-            </a:pPr>
-            <a:r>
-              <a:rPr b="0" lang="pt-BR" sz="4400" strike="noStrike" u="none">
-                <a:solidFill>
-                  <a:srgbClr val="000000"/>
-                </a:solidFill>
-                <a:effectLst/>
-                <a:uFillTx/>
-                <a:latin typeface="Arial"/>
-              </a:rPr>
-              <a:t>Redis Pub/Sub</a:t>
-            </a:r>
-            <a:endParaRPr b="0" lang="pt-BR" sz="4400" strike="noStrike" u="none">
-              <a:solidFill>
-                <a:srgbClr val="000000"/>
-              </a:solidFill>
-              <a:effectLst/>
-              <a:uFillTx/>
-              <a:latin typeface="Arial"/>
-            </a:endParaRPr>
-          </a:p>
-        </p:txBody>
-      </p:sp>
-      <p:pic>
-        <p:nvPicPr>
-          <p:cNvPr id="90" name="" descr=""/>
-          <p:cNvPicPr/>
-          <p:nvPr/>
-        </p:nvPicPr>
-        <p:blipFill>
-          <a:blip r:embed="rId1"/>
-          <a:stretch/>
-        </p:blipFill>
-        <p:spPr>
-          <a:xfrm>
-            <a:off x="347400" y="1240920"/>
-            <a:ext cx="8505720" cy="4399920"/>
-          </a:xfrm>
-          <a:prstGeom prst="rect">
-            <a:avLst/>
-          </a:prstGeom>
-          <a:noFill/>
-          <a:ln w="0">
-            <a:noFill/>
-          </a:ln>
-        </p:spPr>
-      </p:pic>
-    </p:spTree>
-  </p:cSld>
-  <mc:AlternateContent>
-    <mc:Choice Requires="p14">
-      <p:transition spd="slow" p14:dur="2000"/>
-    </mc:Choice>
-    <mc:Fallback>
-      <p:transition spd="slow"/>
-    </mc:Fallback>
-  </mc:AlternateContent>
-</p:sld>
-</file>
-
-<file path=ppt/slides/slide14.xml><?xml version="1.0" encoding="utf-8"?>
-<p:sld xmlns:a="http://schemas.openxmlformats.org/drawingml/2006/main" xmlns:p="http://schemas.openxmlformats.org/presentationml/2006/main" xmlns:r="http://schemas.openxmlformats.org/officeDocument/2006/relationships" xmlns:p14="http://schemas.microsoft.com/office/powerpoint/2010/main" xmlns:p15="http://schemas.microsoft.com/office/powerpoint/2012/main" xmlns:mc="http://schemas.openxmlformats.org/markup-compatibility/2006">
-  <p:cSld>
-    <p:bg>
-      <p:bgPr>
-        <a:gradFill rotWithShape="0">
-          <a:gsLst>
-            <a:gs pos="0">
-              <a:srgbClr val="b4c7dc"/>
-            </a:gs>
-            <a:gs pos="100000">
-              <a:srgbClr val="dee6ef"/>
-            </a:gs>
-          </a:gsLst>
-          <a:lin ang="5340000"/>
-        </a:gradFill>
-      </p:bgPr>
-    </p:bg>
-    <p:spTree>
-      <p:nvGrpSpPr>
-        <p:cNvPr id="1" name=""/>
-        <p:cNvGrpSpPr/>
-        <p:nvPr/>
-      </p:nvGrpSpPr>
-      <p:grpSpPr>
-        <a:xfrm>
-          <a:off x="0" y="0"/>
-          <a:ext cx="0" cy="0"/>
-          <a:chOff x="0" y="0"/>
-          <a:chExt cx="0" cy="0"/>
-        </a:xfrm>
-      </p:grpSpPr>
-      <p:sp>
-        <p:nvSpPr>
-          <p:cNvPr id="91" name="PlaceHolder 1"/>
-          <p:cNvSpPr>
-            <a:spLocks noGrp="1"/>
-          </p:cNvSpPr>
-          <p:nvPr>
-            <p:ph type="title"/>
-          </p:nvPr>
-        </p:nvSpPr>
-        <p:spPr>
-          <a:xfrm>
-            <a:off x="457200" y="273960"/>
-            <a:ext cx="8227800" cy="1142640"/>
-          </a:xfrm>
-          <a:prstGeom prst="rect">
-            <a:avLst/>
-          </a:prstGeom>
-          <a:noFill/>
-          <a:ln w="0">
-            <a:noFill/>
-          </a:ln>
-        </p:spPr>
-        <p:txBody>
-          <a:bodyPr lIns="0" rIns="0" tIns="0" bIns="0" anchor="ctr">
-            <a:spAutoFit/>
-          </a:bodyPr>
-          <a:p>
-            <a:pPr indent="0" algn="ctr">
-              <a:lnSpc>
-                <a:spcPct val="100000"/>
-              </a:lnSpc>
-              <a:buNone/>
-              <a:tabLst>
-                <a:tab algn="l" pos="0"/>
-              </a:tabLst>
-            </a:pPr>
-            <a:r>
-              <a:rPr b="0" lang="pt-BR" sz="4400" strike="noStrike" u="none">
-                <a:solidFill>
-                  <a:srgbClr val="000000"/>
-                </a:solidFill>
-                <a:effectLst/>
-                <a:uFillTx/>
-                <a:latin typeface="Arial"/>
-              </a:rPr>
-              <a:t>Redis Streams</a:t>
-            </a:r>
-            <a:endParaRPr b="0" lang="pt-BR" sz="4400" strike="noStrike" u="none">
-              <a:solidFill>
-                <a:srgbClr val="000000"/>
-              </a:solidFill>
-              <a:effectLst/>
-              <a:uFillTx/>
-              <a:latin typeface="Arial"/>
-            </a:endParaRPr>
-          </a:p>
-        </p:txBody>
-      </p:sp>
-      <p:pic>
-        <p:nvPicPr>
-          <p:cNvPr id="92" name="" descr=""/>
-          <p:cNvPicPr/>
-          <p:nvPr/>
-        </p:nvPicPr>
-        <p:blipFill>
-          <a:blip r:embed="rId1"/>
-          <a:stretch/>
-        </p:blipFill>
-        <p:spPr>
-          <a:xfrm>
-            <a:off x="28800" y="1595160"/>
-            <a:ext cx="9142920" cy="3691440"/>
-          </a:xfrm>
-          <a:prstGeom prst="rect">
-            <a:avLst/>
-          </a:prstGeom>
-          <a:noFill/>
-          <a:ln w="0">
-            <a:noFill/>
-          </a:ln>
-        </p:spPr>
-      </p:pic>
-    </p:spTree>
-  </p:cSld>
-  <mc:AlternateContent>
-    <mc:Choice Requires="p14">
-      <p:transition spd="slow" p14:dur="2000"/>
-    </mc:Choice>
-    <mc:Fallback>
-      <p:transition spd="slow"/>
-    </mc:Fallback>
-  </mc:AlternateContent>
-</p:sld>
-</file>
-
-<file path=ppt/slides/slide15.xml><?xml version="1.0" encoding="utf-8"?>
-<p:sld xmlns:a="http://schemas.openxmlformats.org/drawingml/2006/main" xmlns:p="http://schemas.openxmlformats.org/presentationml/2006/main" xmlns:r="http://schemas.openxmlformats.org/officeDocument/2006/relationships" xmlns:p14="http://schemas.microsoft.com/office/powerpoint/2010/main" xmlns:p15="http://schemas.microsoft.com/office/powerpoint/2012/main" xmlns:mc="http://schemas.openxmlformats.org/markup-compatibility/2006">
-  <p:cSld>
-    <p:bg>
-      <p:bgPr>
-        <a:gradFill rotWithShape="0">
-          <a:gsLst>
-            <a:gs pos="0">
-              <a:srgbClr val="b4c7dc"/>
-            </a:gs>
-            <a:gs pos="100000">
-              <a:srgbClr val="dee6ef"/>
-            </a:gs>
-          </a:gsLst>
-          <a:lin ang="5340000"/>
-        </a:gradFill>
-      </p:bgPr>
-    </p:bg>
-    <p:spTree>
-      <p:nvGrpSpPr>
-        <p:cNvPr id="1" name=""/>
-        <p:cNvGrpSpPr/>
-        <p:nvPr/>
-      </p:nvGrpSpPr>
-      <p:grpSpPr>
-        <a:xfrm>
-          <a:off x="0" y="0"/>
-          <a:ext cx="0" cy="0"/>
-          <a:chOff x="0" y="0"/>
-          <a:chExt cx="0" cy="0"/>
-        </a:xfrm>
-      </p:grpSpPr>
-      <p:sp>
-        <p:nvSpPr>
-          <p:cNvPr id="93" name="PlaceHolder 1"/>
-          <p:cNvSpPr>
-            <a:spLocks noGrp="1"/>
-          </p:cNvSpPr>
-          <p:nvPr>
-            <p:ph type="title"/>
-          </p:nvPr>
-        </p:nvSpPr>
-        <p:spPr>
-          <a:xfrm>
-            <a:off x="457200" y="273960"/>
-            <a:ext cx="8227800" cy="1142640"/>
-          </a:xfrm>
-          <a:prstGeom prst="rect">
-            <a:avLst/>
-          </a:prstGeom>
-          <a:noFill/>
-          <a:ln w="0">
-            <a:noFill/>
-          </a:ln>
-        </p:spPr>
-        <p:txBody>
-          <a:bodyPr lIns="0" rIns="0" tIns="0" bIns="0" anchor="ctr">
-            <a:spAutoFit/>
-          </a:bodyPr>
-          <a:p>
-            <a:pPr indent="0" algn="ctr">
-              <a:lnSpc>
-                <a:spcPct val="100000"/>
-              </a:lnSpc>
-              <a:buNone/>
-              <a:tabLst>
-                <a:tab algn="l" pos="0"/>
-              </a:tabLst>
-            </a:pPr>
-            <a:r>
-              <a:rPr b="0" lang="pt-BR" sz="4400" strike="noStrike" u="none">
-                <a:solidFill>
-                  <a:srgbClr val="000000"/>
-                </a:solidFill>
-                <a:effectLst/>
-                <a:uFillTx/>
-                <a:latin typeface="Arial"/>
-              </a:rPr>
-              <a:t>Redis Streams</a:t>
-            </a:r>
-            <a:endParaRPr b="0" lang="pt-BR" sz="4400" strike="noStrike" u="none">
-              <a:solidFill>
-                <a:srgbClr val="000000"/>
-              </a:solidFill>
-              <a:effectLst/>
-              <a:uFillTx/>
-              <a:latin typeface="Arial"/>
-            </a:endParaRPr>
-          </a:p>
-        </p:txBody>
-      </p:sp>
-      <p:pic>
-        <p:nvPicPr>
-          <p:cNvPr id="94" name="" descr=""/>
-          <p:cNvPicPr/>
-          <p:nvPr/>
-        </p:nvPicPr>
-        <p:blipFill>
-          <a:blip r:embed="rId1"/>
-          <a:stretch/>
-        </p:blipFill>
-        <p:spPr>
-          <a:xfrm>
-            <a:off x="28800" y="2353320"/>
-            <a:ext cx="9142920" cy="2174760"/>
-          </a:xfrm>
-          <a:prstGeom prst="rect">
-            <a:avLst/>
-          </a:prstGeom>
-          <a:noFill/>
-          <a:ln w="0">
-            <a:noFill/>
-          </a:ln>
-        </p:spPr>
-      </p:pic>
-    </p:spTree>
-  </p:cSld>
-  <mc:AlternateContent>
-    <mc:Choice Requires="p14">
-      <p:transition spd="slow" p14:dur="2000"/>
-    </mc:Choice>
-    <mc:Fallback>
-      <p:transition spd="slow"/>
-    </mc:Fallback>
-  </mc:AlternateContent>
-</p:sld>
-</file>
-
-<file path=ppt/slides/slide16.xml><?xml version="1.0" encoding="utf-8"?>
-<p:sld xmlns:a="http://schemas.openxmlformats.org/drawingml/2006/main" xmlns:p="http://schemas.openxmlformats.org/presentationml/2006/main" xmlns:r="http://schemas.openxmlformats.org/officeDocument/2006/relationships" xmlns:p14="http://schemas.microsoft.com/office/powerpoint/2010/main" xmlns:p15="http://schemas.microsoft.com/office/powerpoint/2012/main" xmlns:mc="http://schemas.openxmlformats.org/markup-compatibility/2006">
-  <p:cSld>
-    <p:bg>
-      <p:bgPr>
-        <a:gradFill rotWithShape="0">
-          <a:gsLst>
-            <a:gs pos="0">
-              <a:srgbClr val="b4c7dc"/>
-            </a:gs>
-            <a:gs pos="100000">
-              <a:srgbClr val="dee6ef"/>
-            </a:gs>
-          </a:gsLst>
-          <a:lin ang="5340000"/>
-        </a:gradFill>
-      </p:bgPr>
-    </p:bg>
-    <p:spTree>
-      <p:nvGrpSpPr>
-        <p:cNvPr id="1" name=""/>
-        <p:cNvGrpSpPr/>
-        <p:nvPr/>
-      </p:nvGrpSpPr>
-      <p:grpSpPr>
-        <a:xfrm>
-          <a:off x="0" y="0"/>
-          <a:ext cx="0" cy="0"/>
-          <a:chOff x="0" y="0"/>
-          <a:chExt cx="0" cy="0"/>
-        </a:xfrm>
-      </p:grpSpPr>
-      <p:sp>
-        <p:nvSpPr>
-          <p:cNvPr id="95" name="PlaceHolder 1"/>
-          <p:cNvSpPr>
-            <a:spLocks noGrp="1"/>
-          </p:cNvSpPr>
-          <p:nvPr>
-            <p:ph type="title"/>
-          </p:nvPr>
-        </p:nvSpPr>
-        <p:spPr>
-          <a:xfrm>
-            <a:off x="457200" y="297360"/>
-            <a:ext cx="8227800" cy="1142640"/>
-          </a:xfrm>
-          <a:prstGeom prst="rect">
-            <a:avLst/>
-          </a:prstGeom>
-          <a:noFill/>
-          <a:ln w="0">
-            <a:noFill/>
-          </a:ln>
-        </p:spPr>
-        <p:txBody>
-          <a:bodyPr lIns="0" rIns="0" tIns="0" bIns="0" anchor="ctr">
-            <a:spAutoFit/>
-          </a:bodyPr>
-          <a:p>
-            <a:pPr indent="0" algn="ctr">
-              <a:lnSpc>
-                <a:spcPct val="100000"/>
-              </a:lnSpc>
-              <a:buNone/>
-              <a:tabLst>
-                <a:tab algn="l" pos="0"/>
-              </a:tabLst>
-            </a:pPr>
-            <a:r>
-              <a:rPr b="0" lang="pt-BR" sz="4400" strike="noStrike" u="none">
-                <a:solidFill>
-                  <a:srgbClr val="000000"/>
-                </a:solidFill>
-                <a:effectLst/>
-                <a:uFillTx/>
-                <a:latin typeface="Arial"/>
-              </a:rPr>
-              <a:t>Pros and cons</a:t>
-            </a:r>
-            <a:endParaRPr b="0" lang="pt-BR" sz="4400" strike="noStrike" u="none">
-              <a:solidFill>
-                <a:srgbClr val="000000"/>
-              </a:solidFill>
-              <a:effectLst/>
-              <a:uFillTx/>
-              <a:latin typeface="Arial"/>
-            </a:endParaRPr>
-          </a:p>
-        </p:txBody>
-      </p:sp>
-      <p:sp>
-        <p:nvSpPr>
-          <p:cNvPr id="96" name=""/>
-          <p:cNvSpPr/>
-          <p:nvPr/>
-        </p:nvSpPr>
-        <p:spPr>
-          <a:xfrm>
-            <a:off x="0" y="1620000"/>
-            <a:ext cx="3419280" cy="2570040"/>
-          </a:xfrm>
-          <a:prstGeom prst="rect">
-            <a:avLst/>
-          </a:prstGeom>
-          <a:noFill/>
-          <a:ln w="0">
-            <a:noFill/>
-          </a:ln>
-        </p:spPr>
-        <p:style>
-          <a:lnRef idx="0"/>
-          <a:fillRef idx="0"/>
-          <a:effectRef idx="0"/>
-          <a:fontRef idx="minor"/>
-        </p:style>
-        <p:txBody>
-          <a:bodyPr lIns="90000" rIns="90000" tIns="45000" bIns="45000" anchor="t">
-            <a:spAutoFit/>
-          </a:bodyPr>
-          <a:p>
-            <a:pPr lvl="3" marL="864000" indent="-216000">
-              <a:lnSpc>
-                <a:spcPct val="100000"/>
-              </a:lnSpc>
-              <a:spcBef>
-                <a:spcPts val="1191"/>
-              </a:spcBef>
-              <a:spcAft>
-                <a:spcPts val="992"/>
-              </a:spcAft>
-              <a:buClr>
-                <a:srgbClr val="000000"/>
-              </a:buClr>
-              <a:buSzPct val="45000"/>
-              <a:buFont typeface="Wingdings" charset="2"/>
-              <a:buChar char=""/>
-            </a:pPr>
-            <a:r>
-              <a:rPr b="1" lang="pt-BR" sz="1800" strike="noStrike" u="none">
-                <a:solidFill>
-                  <a:srgbClr val="000000"/>
-                </a:solidFill>
-                <a:effectLst/>
-                <a:uFillTx/>
-                <a:latin typeface="Arial"/>
-              </a:rPr>
-              <a:t>Pros</a:t>
-            </a:r>
-            <a:endParaRPr b="0" lang="pt-BR" sz="1800" strike="noStrike" u="none">
-              <a:solidFill>
-                <a:srgbClr val="000000"/>
-              </a:solidFill>
-              <a:effectLst/>
-              <a:uFillTx/>
-              <a:latin typeface="Arial"/>
-            </a:endParaRPr>
-          </a:p>
-          <a:p>
-            <a:pPr marL="216000" indent="-216000">
-              <a:lnSpc>
-                <a:spcPct val="100000"/>
-              </a:lnSpc>
-              <a:spcBef>
-                <a:spcPts val="1191"/>
-              </a:spcBef>
-              <a:spcAft>
-                <a:spcPts val="992"/>
-              </a:spcAft>
-              <a:buClr>
-                <a:srgbClr val="000000"/>
-              </a:buClr>
-              <a:buSzPct val="45000"/>
-              <a:buFont typeface="Wingdings" charset="2"/>
-              <a:buChar char=""/>
-            </a:pPr>
-            <a:r>
-              <a:rPr b="1" lang="pt-BR" sz="1800" strike="noStrike" u="none">
-                <a:solidFill>
-                  <a:srgbClr val="000000"/>
-                </a:solidFill>
-                <a:effectLst/>
-                <a:uFillTx/>
-                <a:latin typeface="Arial"/>
-              </a:rPr>
-              <a:t>Productivity Boost</a:t>
-            </a:r>
-            <a:endParaRPr b="0" lang="pt-BR" sz="1800" strike="noStrike" u="none">
-              <a:solidFill>
-                <a:srgbClr val="000000"/>
-              </a:solidFill>
-              <a:effectLst/>
-              <a:uFillTx/>
-              <a:latin typeface="Arial"/>
-            </a:endParaRPr>
-          </a:p>
-          <a:p>
-            <a:pPr marL="216000" indent="-216000">
-              <a:lnSpc>
-                <a:spcPct val="100000"/>
-              </a:lnSpc>
-              <a:spcBef>
-                <a:spcPts val="1191"/>
-              </a:spcBef>
-              <a:spcAft>
-                <a:spcPts val="992"/>
-              </a:spcAft>
-              <a:buClr>
-                <a:srgbClr val="000000"/>
-              </a:buClr>
-              <a:buSzPct val="45000"/>
-              <a:buFont typeface="Wingdings" charset="2"/>
-              <a:buChar char=""/>
-            </a:pPr>
-            <a:r>
-              <a:rPr b="1" lang="pt-BR" sz="1800" strike="noStrike" u="none">
-                <a:solidFill>
-                  <a:srgbClr val="000000"/>
-                </a:solidFill>
-                <a:effectLst/>
-                <a:uFillTx/>
-                <a:latin typeface="Arial"/>
-              </a:rPr>
-              <a:t>Consistent Data Access</a:t>
-            </a:r>
-            <a:endParaRPr b="0" lang="pt-BR" sz="1800" strike="noStrike" u="none">
-              <a:solidFill>
-                <a:srgbClr val="000000"/>
-              </a:solidFill>
-              <a:effectLst/>
-              <a:uFillTx/>
-              <a:latin typeface="Arial"/>
-            </a:endParaRPr>
-          </a:p>
-          <a:p>
-            <a:pPr marL="216000" indent="-216000">
-              <a:lnSpc>
-                <a:spcPct val="100000"/>
-              </a:lnSpc>
-              <a:spcBef>
-                <a:spcPts val="1191"/>
-              </a:spcBef>
-              <a:spcAft>
-                <a:spcPts val="992"/>
-              </a:spcAft>
-              <a:buClr>
-                <a:srgbClr val="000000"/>
-              </a:buClr>
-              <a:buSzPct val="45000"/>
-              <a:buFont typeface="Wingdings" charset="2"/>
-              <a:buChar char=""/>
-            </a:pPr>
-            <a:r>
-              <a:rPr b="1" lang="pt-BR" sz="1800" strike="noStrike" u="none">
-                <a:solidFill>
-                  <a:srgbClr val="000000"/>
-                </a:solidFill>
-                <a:effectLst/>
-                <a:uFillTx/>
-                <a:latin typeface="Arial"/>
-              </a:rPr>
-              <a:t>Driver Management</a:t>
-            </a:r>
-            <a:endParaRPr b="0" lang="pt-BR" sz="1800" strike="noStrike" u="none">
-              <a:solidFill>
-                <a:srgbClr val="000000"/>
-              </a:solidFill>
-              <a:effectLst/>
-              <a:uFillTx/>
-              <a:latin typeface="Arial"/>
-            </a:endParaRPr>
-          </a:p>
-          <a:p>
-            <a:pPr marL="216000" indent="-216000">
-              <a:lnSpc>
-                <a:spcPct val="100000"/>
-              </a:lnSpc>
-              <a:spcBef>
-                <a:spcPts val="1191"/>
-              </a:spcBef>
-              <a:spcAft>
-                <a:spcPts val="992"/>
-              </a:spcAft>
-              <a:buClr>
-                <a:srgbClr val="000000"/>
-              </a:buClr>
-              <a:buSzPct val="45000"/>
-              <a:buFont typeface="Wingdings" charset="2"/>
-              <a:buChar char=""/>
-            </a:pPr>
-            <a:r>
-              <a:rPr b="1" lang="pt-BR" sz="1800" strike="noStrike" u="none">
-                <a:solidFill>
-                  <a:srgbClr val="000000"/>
-                </a:solidFill>
-                <a:effectLst/>
-                <a:uFillTx/>
-                <a:latin typeface="Arial"/>
-              </a:rPr>
-              <a:t>Automatic Serialization</a:t>
-            </a:r>
-            <a:endParaRPr b="0" lang="pt-BR" sz="1800" strike="noStrike" u="none">
-              <a:solidFill>
-                <a:srgbClr val="000000"/>
-              </a:solidFill>
-              <a:effectLst/>
-              <a:uFillTx/>
-              <a:latin typeface="Arial"/>
-            </a:endParaRPr>
-          </a:p>
-        </p:txBody>
-      </p:sp>
-      <p:sp>
-        <p:nvSpPr>
-          <p:cNvPr id="97" name=""/>
-          <p:cNvSpPr/>
-          <p:nvPr/>
-        </p:nvSpPr>
-        <p:spPr>
-          <a:xfrm>
-            <a:off x="3960000" y="1620000"/>
-            <a:ext cx="3059280" cy="1741320"/>
-          </a:xfrm>
-          <a:prstGeom prst="rect">
-            <a:avLst/>
-          </a:prstGeom>
-          <a:noFill/>
-          <a:ln w="0">
-            <a:noFill/>
-          </a:ln>
-        </p:spPr>
-        <p:style>
-          <a:lnRef idx="0"/>
-          <a:fillRef idx="0"/>
-          <a:effectRef idx="0"/>
-          <a:fontRef idx="minor"/>
-        </p:style>
-        <p:txBody>
-          <a:bodyPr lIns="90000" rIns="90000" tIns="45000" bIns="45000" anchor="t">
-            <a:spAutoFit/>
-          </a:bodyPr>
-          <a:p>
-            <a:pPr lvl="3" marL="864000" indent="-216000">
-              <a:lnSpc>
-                <a:spcPct val="100000"/>
-              </a:lnSpc>
-              <a:spcBef>
-                <a:spcPts val="1191"/>
-              </a:spcBef>
-              <a:spcAft>
-                <a:spcPts val="992"/>
-              </a:spcAft>
-              <a:buClr>
-                <a:srgbClr val="000000"/>
-              </a:buClr>
-              <a:buSzPct val="45000"/>
-              <a:buFont typeface="Wingdings" charset="2"/>
-              <a:buChar char=""/>
-            </a:pPr>
-            <a:r>
-              <a:rPr b="1" lang="pt-BR" sz="1800" strike="noStrike" u="none">
-                <a:solidFill>
-                  <a:srgbClr val="000000"/>
-                </a:solidFill>
-                <a:effectLst/>
-                <a:uFillTx/>
-                <a:latin typeface="Arial"/>
-              </a:rPr>
-              <a:t>Cons</a:t>
-            </a:r>
-            <a:endParaRPr b="0" lang="pt-BR" sz="1800" strike="noStrike" u="none">
-              <a:solidFill>
-                <a:srgbClr val="000000"/>
-              </a:solidFill>
-              <a:effectLst/>
-              <a:uFillTx/>
-              <a:latin typeface="Arial"/>
-            </a:endParaRPr>
-          </a:p>
-          <a:p>
-            <a:pPr marL="216000" indent="-216000">
-              <a:lnSpc>
-                <a:spcPct val="100000"/>
-              </a:lnSpc>
-              <a:spcBef>
-                <a:spcPts val="1191"/>
-              </a:spcBef>
-              <a:spcAft>
-                <a:spcPts val="992"/>
-              </a:spcAft>
-              <a:buClr>
-                <a:srgbClr val="000000"/>
-              </a:buClr>
-              <a:buSzPct val="45000"/>
-              <a:buFont typeface="Wingdings" charset="2"/>
-              <a:buChar char=""/>
-            </a:pPr>
-            <a:r>
-              <a:rPr b="1" lang="pt-BR" sz="1800" strike="noStrike" u="none">
-                <a:solidFill>
-                  <a:srgbClr val="000000"/>
-                </a:solidFill>
-                <a:effectLst/>
-                <a:uFillTx/>
-                <a:latin typeface="Arial"/>
-              </a:rPr>
-              <a:t>Abstraction Overhead</a:t>
-            </a:r>
-            <a:endParaRPr b="0" lang="pt-BR" sz="1800" strike="noStrike" u="none">
-              <a:solidFill>
-                <a:srgbClr val="000000"/>
-              </a:solidFill>
-              <a:effectLst/>
-              <a:uFillTx/>
-              <a:latin typeface="Arial"/>
-            </a:endParaRPr>
-          </a:p>
-          <a:p>
-            <a:pPr marL="216000" indent="-216000">
-              <a:lnSpc>
-                <a:spcPct val="100000"/>
-              </a:lnSpc>
-              <a:spcBef>
-                <a:spcPts val="1191"/>
-              </a:spcBef>
-              <a:spcAft>
-                <a:spcPts val="992"/>
-              </a:spcAft>
-              <a:buClr>
-                <a:srgbClr val="000000"/>
-              </a:buClr>
-              <a:buSzPct val="45000"/>
-              <a:buFont typeface="Wingdings" charset="2"/>
-              <a:buChar char=""/>
-            </a:pPr>
-            <a:r>
-              <a:rPr b="1" lang="pt-BR" sz="1800" strike="noStrike" u="none">
-                <a:solidFill>
-                  <a:srgbClr val="000000"/>
-                </a:solidFill>
-                <a:effectLst/>
-                <a:uFillTx/>
-                <a:latin typeface="Arial"/>
-              </a:rPr>
-              <a:t>Learning Curve for Advanced Features</a:t>
+                <a:latin typeface="Calibri"/>
+              </a:rPr>
+              <a:t>https://github.com/JoaoGuilhermedeSa/spring-data-redis</a:t>
             </a:r>
             <a:endParaRPr b="0" lang="pt-BR" sz="1800" strike="noStrike" u="none">
               <a:solidFill>
@@ -8262,7 +6951,7 @@
         <p:spPr>
           <a:xfrm>
             <a:off x="457200" y="274680"/>
-            <a:ext cx="8227800" cy="1141200"/>
+            <a:ext cx="8227440" cy="1140840"/>
           </a:xfrm>
           <a:prstGeom prst="rect">
             <a:avLst/>
@@ -8321,7 +7010,7 @@
         <p:spPr>
           <a:xfrm>
             <a:off x="457200" y="1600200"/>
-            <a:ext cx="8227800" cy="4524120"/>
+            <a:ext cx="8227440" cy="4523760"/>
           </a:xfrm>
           <a:prstGeom prst="rect">
             <a:avLst/>
@@ -8611,7 +7300,7 @@
         <p:spPr>
           <a:xfrm>
             <a:off x="457200" y="274680"/>
-            <a:ext cx="8227800" cy="1141200"/>
+            <a:ext cx="8227440" cy="1140840"/>
           </a:xfrm>
           <a:prstGeom prst="rect">
             <a:avLst/>
@@ -8670,7 +7359,7 @@
         <p:spPr>
           <a:xfrm>
             <a:off x="457200" y="1600200"/>
-            <a:ext cx="8227800" cy="4524120"/>
+            <a:ext cx="8227440" cy="4523760"/>
           </a:xfrm>
           <a:prstGeom prst="rect">
             <a:avLst/>
@@ -9053,8 +7742,8 @@
         </p:nvSpPr>
         <p:spPr>
           <a:xfrm>
-            <a:off x="457200" y="273960"/>
-            <a:ext cx="8227800" cy="1142640"/>
+            <a:off x="457200" y="273600"/>
+            <a:ext cx="8227440" cy="1143000"/>
           </a:xfrm>
           <a:prstGeom prst="rect">
             <a:avLst/>
@@ -9109,7 +7798,7 @@
         <p:spPr>
           <a:xfrm>
             <a:off x="360000" y="1620000"/>
-            <a:ext cx="8204760" cy="1984680"/>
+            <a:ext cx="8204400" cy="4058640"/>
           </a:xfrm>
           <a:prstGeom prst="rect">
             <a:avLst/>
@@ -9148,7 +7837,7 @@
               <a:buChar char=""/>
             </a:pPr>
             <a:r>
-              <a:rPr b="0" lang="pt-BR" sz="2200" strike="noStrike" u="none">
+              <a:rPr b="0" lang="pt-BR" sz="3200" strike="noStrike" u="none">
                 <a:solidFill>
                   <a:srgbClr val="000000"/>
                 </a:solidFill>
@@ -9156,9 +7845,53 @@
                 <a:uFillTx/>
                 <a:latin typeface="Arial"/>
               </a:rPr>
-              <a:t>Handles connection management and serialization for you.</a:t>
-            </a:r>
-            <a:endParaRPr b="0" lang="pt-BR" sz="2200" strike="noStrike" u="none">
+              <a:t>Handles </a:t>
+            </a:r>
+            <a:r>
+              <a:rPr b="1" lang="pt-BR" sz="3200" strike="noStrike" u="none">
+                <a:solidFill>
+                  <a:srgbClr val="000000"/>
+                </a:solidFill>
+                <a:effectLst/>
+                <a:uFillTx/>
+                <a:latin typeface="Arial"/>
+              </a:rPr>
+              <a:t>connection management</a:t>
+            </a:r>
+            <a:r>
+              <a:rPr b="0" lang="pt-BR" sz="3200" strike="noStrike" u="none">
+                <a:solidFill>
+                  <a:srgbClr val="000000"/>
+                </a:solidFill>
+                <a:effectLst/>
+                <a:uFillTx/>
+                <a:latin typeface="Arial"/>
+              </a:rPr>
+              <a:t> and </a:t>
+            </a:r>
+            <a:r>
+              <a:rPr b="1" lang="pt-BR" sz="3200" strike="noStrike" u="none">
+                <a:solidFill>
+                  <a:srgbClr val="000000"/>
+                </a:solidFill>
+                <a:effectLst/>
+                <a:uFillTx/>
+                <a:latin typeface="Arial"/>
+              </a:rPr>
+              <a:t>serialization</a:t>
+            </a:r>
+            <a:r>
+              <a:rPr b="0" lang="pt-BR" sz="3200" strike="noStrike" u="none">
+                <a:solidFill>
+                  <a:srgbClr val="000000"/>
+                </a:solidFill>
+                <a:effectLst/>
+                <a:uFillTx/>
+                <a:latin typeface="Arial"/>
+              </a:rPr>
+              <a:t> for you.</a:t>
+            </a:r>
+            <a:endParaRPr b="0" lang="pt-BR" sz="3200" strike="noStrike" u="none">
               <a:solidFill>
                 <a:srgbClr val="000000"/>
               </a:solidFill>
@@ -9186,7 +7919,7 @@
               <a:buChar char=""/>
             </a:pPr>
             <a:r>
-              <a:rPr b="0" lang="pt-BR" sz="2200" strike="noStrike" u="none">
+              <a:rPr b="1" lang="pt-BR" sz="3200" strike="noStrike" u="none">
                 <a:solidFill>
                   <a:srgbClr val="000000"/>
                 </a:solidFill>
@@ -9194,9 +7927,42 @@
                 <a:uFillTx/>
                 <a:latin typeface="Arial"/>
               </a:rPr>
-              <a:t>Serializers and connection factories can both be customized.</a:t>
-            </a:r>
-            <a:endParaRPr b="0" lang="pt-BR" sz="2200" strike="noStrike" u="none">
+              <a:t>Serializers</a:t>
+            </a:r>
+            <a:r>
+              <a:rPr b="0" lang="pt-BR" sz="3200" strike="noStrike" u="none">
+                <a:solidFill>
+                  <a:srgbClr val="000000"/>
+                </a:solidFill>
+                <a:effectLst/>
+                <a:uFillTx/>
+                <a:latin typeface="Arial"/>
+              </a:rPr>
+              <a:t> and </a:t>
+            </a:r>
+            <a:r>
+              <a:rPr b="1" lang="pt-BR" sz="3200" strike="noStrike" u="none">
+                <a:solidFill>
+                  <a:srgbClr val="000000"/>
+                </a:solidFill>
+                <a:effectLst/>
+                <a:uFillTx/>
+                <a:latin typeface="Arial"/>
+              </a:rPr>
+              <a:t>connection factories</a:t>
+            </a:r>
+            <a:r>
+              <a:rPr b="0" lang="pt-BR" sz="3200" strike="noStrike" u="none">
+                <a:solidFill>
+                  <a:srgbClr val="000000"/>
+                </a:solidFill>
+                <a:effectLst/>
+                <a:uFillTx/>
+                <a:latin typeface="Arial"/>
+              </a:rPr>
+              <a:t> can both be customized.</a:t>
+            </a:r>
+            <a:endParaRPr b="0" lang="pt-BR" sz="3200" strike="noStrike" u="none">
               <a:solidFill>
                 <a:srgbClr val="000000"/>
               </a:solidFill>
@@ -9224,7 +7990,7 @@
               <a:buChar char=""/>
             </a:pPr>
             <a:r>
-              <a:rPr b="0" lang="pt-BR" sz="2200" strike="noStrike" u="none">
+              <a:rPr b="1" lang="pt-BR" sz="3200" strike="noStrike" u="none">
                 <a:solidFill>
                   <a:srgbClr val="000000"/>
                 </a:solidFill>
@@ -9232,9 +7998,42 @@
                 <a:uFillTx/>
                 <a:latin typeface="Arial"/>
               </a:rPr>
-              <a:t>ReactiveRedisTemplate and ReactiveRedisOperations for reactive applications.</a:t>
-            </a:r>
-            <a:endParaRPr b="0" lang="pt-BR" sz="2200" strike="noStrike" u="none">
+              <a:t>ReactiveRedisTemplate</a:t>
+            </a:r>
+            <a:r>
+              <a:rPr b="0" lang="pt-BR" sz="3200" strike="noStrike" u="none">
+                <a:solidFill>
+                  <a:srgbClr val="000000"/>
+                </a:solidFill>
+                <a:effectLst/>
+                <a:uFillTx/>
+                <a:latin typeface="Arial"/>
+              </a:rPr>
+              <a:t> and </a:t>
+            </a:r>
+            <a:r>
+              <a:rPr b="1" lang="pt-BR" sz="3200" strike="noStrike" u="none">
+                <a:solidFill>
+                  <a:srgbClr val="000000"/>
+                </a:solidFill>
+                <a:effectLst/>
+                <a:uFillTx/>
+                <a:latin typeface="Arial"/>
+              </a:rPr>
+              <a:t>ReactiveRedisOperations</a:t>
+            </a:r>
+            <a:r>
+              <a:rPr b="0" lang="pt-BR" sz="3200" strike="noStrike" u="none">
+                <a:solidFill>
+                  <a:srgbClr val="000000"/>
+                </a:solidFill>
+                <a:effectLst/>
+                <a:uFillTx/>
+                <a:latin typeface="Arial"/>
+              </a:rPr>
+              <a:t> for reactive applications.</a:t>
+            </a:r>
+            <a:endParaRPr b="0" lang="pt-BR" sz="3200" strike="noStrike" u="none">
               <a:solidFill>
                 <a:srgbClr val="000000"/>
               </a:solidFill>
@@ -9302,8 +8101,8 @@
         </p:nvSpPr>
         <p:spPr>
           <a:xfrm>
-            <a:off x="457200" y="273960"/>
-            <a:ext cx="8227800" cy="1142640"/>
+            <a:off x="457200" y="273600"/>
+            <a:ext cx="8227440" cy="1143000"/>
           </a:xfrm>
           <a:prstGeom prst="rect">
             <a:avLst/>
@@ -9358,7 +8157,7 @@
         <p:spPr>
           <a:xfrm>
             <a:off x="360000" y="1620000"/>
-            <a:ext cx="8204760" cy="425520"/>
+            <a:ext cx="8204400" cy="425160"/>
           </a:xfrm>
           <a:prstGeom prst="rect">
             <a:avLst/>
@@ -9379,7 +8178,7 @@
             <a:spAutoFit/>
           </a:bodyPr>
           <a:p>
-            <a:pPr marL="216000" indent="-216000">
+            <a:pPr>
               <a:lnSpc>
                 <a:spcPct val="100000"/>
               </a:lnSpc>
@@ -9389,12 +8188,6 @@
               <a:spcAft>
                 <a:spcPts val="992"/>
               </a:spcAft>
-              <a:buClr>
-                <a:srgbClr val="000000"/>
-              </a:buClr>
-              <a:buSzPct val="45000"/>
-              <a:buFont typeface="Wingdings" charset="2"/>
-              <a:buChar char=""/>
             </a:pPr>
             <a:endParaRPr b="0" lang="pt-BR" sz="1800" strike="noStrike" u="none">
               <a:solidFill>
@@ -9420,7 +8213,7 @@
         <p:spPr>
           <a:xfrm>
             <a:off x="1862280" y="3374280"/>
-            <a:ext cx="5200560" cy="2962080"/>
+            <a:ext cx="5200200" cy="2961720"/>
           </a:xfrm>
           <a:prstGeom prst="rect">
             <a:avLst/>
@@ -9444,7 +8237,7 @@
         <p:spPr>
           <a:xfrm>
             <a:off x="360" y="1412280"/>
-            <a:ext cx="9143640" cy="1209600"/>
+            <a:ext cx="9143280" cy="1209240"/>
           </a:xfrm>
           <a:prstGeom prst="rect">
             <a:avLst/>
@@ -9512,8 +8305,8 @@
         </p:nvSpPr>
         <p:spPr>
           <a:xfrm>
-            <a:off x="457200" y="273960"/>
-            <a:ext cx="8227800" cy="1142640"/>
+            <a:off x="457200" y="273600"/>
+            <a:ext cx="8227440" cy="1143000"/>
           </a:xfrm>
           <a:prstGeom prst="rect">
             <a:avLst/>
@@ -9546,7 +8339,7 @@
                 <a:uFillTx/>
                 <a:latin typeface="Arial"/>
               </a:rPr>
-              <a:t>Redis Template</a:t>
+              <a:t>Repositories</a:t>
             </a:r>
             <a:endParaRPr b="0" lang="pt-BR" sz="4400" strike="noStrike" u="none">
               <a:solidFill>
@@ -9559,20 +8352,16 @@
           </a:p>
         </p:txBody>
       </p:sp>
-      <p:pic>
-        <p:nvPicPr>
-          <p:cNvPr id="74" name="" descr=""/>
-          <p:cNvPicPr/>
+      <p:sp>
+        <p:nvSpPr>
+          <p:cNvPr id="74" name=""/>
+          <p:cNvSpPr/>
           <p:nvPr/>
-        </p:nvPicPr>
-        <p:blipFill>
-          <a:blip r:embed="rId1"/>
-          <a:stretch/>
-        </p:blipFill>
+        </p:nvSpPr>
         <p:spPr>
           <a:xfrm>
-            <a:off x="28800" y="1569600"/>
-            <a:ext cx="9142920" cy="3742560"/>
+            <a:off x="-7200" y="1620000"/>
+            <a:ext cx="9186120" cy="1984320"/>
           </a:xfrm>
           <a:prstGeom prst="rect">
             <a:avLst/>
@@ -9582,7 +8371,115 @@
             <a:noFill/>
           </a:ln>
         </p:spPr>
-      </p:pic>
+        <p:style>
+          <a:lnRef idx="0"/>
+          <a:fillRef idx="0"/>
+          <a:effectRef idx="0"/>
+          <a:fontRef idx="minor"/>
+        </p:style>
+        <p:txBody>
+          <a:bodyPr lIns="90000" rIns="90000" tIns="45000" bIns="45000" anchor="t">
+            <a:spAutoFit/>
+          </a:bodyPr>
+          <a:p>
+            <a:pPr marL="216000" indent="-216000">
+              <a:lnSpc>
+                <a:spcPct val="100000"/>
+              </a:lnSpc>
+              <a:spcBef>
+                <a:spcPts val="1191"/>
+              </a:spcBef>
+              <a:spcAft>
+                <a:spcPts val="992"/>
+              </a:spcAft>
+              <a:buClr>
+                <a:srgbClr val="000000"/>
+              </a:buClr>
+              <a:buSzPct val="45000"/>
+              <a:buFont typeface="Wingdings" charset="2"/>
+              <a:buChar char=""/>
+            </a:pPr>
+            <a:r>
+              <a:rPr b="0" lang="pt-BR" sz="2200" strike="noStrike" u="none">
+                <a:solidFill>
+                  <a:srgbClr val="000000"/>
+                </a:solidFill>
+                <a:effectLst/>
+                <a:uFillTx/>
+                <a:latin typeface="Arial"/>
+              </a:rPr>
+              <a:t>Spring Data Redis allows you to use the familiar Repository pattern you may know from JPA.</a:t>
+            </a:r>
+            <a:endParaRPr b="0" lang="pt-BR" sz="2200" strike="noStrike" u="none">
+              <a:solidFill>
+                <a:srgbClr val="000000"/>
+              </a:solidFill>
+              <a:effectLst/>
+              <a:uFillTx/>
+              <a:latin typeface="Arial"/>
+            </a:endParaRPr>
+          </a:p>
+          <a:p>
+            <a:pPr marL="216000" indent="-216000">
+              <a:lnSpc>
+                <a:spcPct val="100000"/>
+              </a:lnSpc>
+              <a:spcBef>
+                <a:spcPts val="1191"/>
+              </a:spcBef>
+              <a:spcAft>
+                <a:spcPts val="992"/>
+              </a:spcAft>
+              <a:buClr>
+                <a:srgbClr val="000000"/>
+              </a:buClr>
+              <a:buSzPct val="45000"/>
+              <a:buFont typeface="Wingdings" charset="2"/>
+              <a:buChar char=""/>
+            </a:pPr>
+            <a:r>
+              <a:rPr b="0" lang="pt-BR" sz="2200" strike="noStrike" u="none">
+                <a:solidFill>
+                  <a:srgbClr val="000000"/>
+                </a:solidFill>
+                <a:effectLst/>
+                <a:uFillTx/>
+                <a:latin typeface="Arial"/>
+              </a:rPr>
+              <a:t> It maps your Java objects directly to Redis Hashes.</a:t>
+            </a:r>
+            <a:endParaRPr b="0" lang="pt-BR" sz="2200" strike="noStrike" u="none">
+              <a:solidFill>
+                <a:srgbClr val="000000"/>
+              </a:solidFill>
+              <a:effectLst/>
+              <a:uFillTx/>
+              <a:latin typeface="Arial"/>
+            </a:endParaRPr>
+          </a:p>
+          <a:p>
+            <a:pPr>
+              <a:lnSpc>
+                <a:spcPct val="100000"/>
+              </a:lnSpc>
+              <a:spcBef>
+                <a:spcPts val="1191"/>
+              </a:spcBef>
+              <a:spcAft>
+                <a:spcPts val="992"/>
+              </a:spcAft>
+            </a:pPr>
+            <a:endParaRPr b="0" lang="pt-BR" sz="2200" strike="noStrike" u="none">
+              <a:solidFill>
+                <a:srgbClr val="000000"/>
+              </a:solidFill>
+              <a:effectLst/>
+              <a:uFillTx/>
+              <a:latin typeface="Arial"/>
+            </a:endParaRPr>
+          </a:p>
+        </p:txBody>
+      </p:sp>
     </p:spTree>
   </p:cSld>
   <mc:AlternateContent>
@@ -9640,8 +8537,8 @@
         </p:nvSpPr>
         <p:spPr>
           <a:xfrm>
-            <a:off x="457200" y="273960"/>
-            <a:ext cx="8227800" cy="1142640"/>
+            <a:off x="457200" y="273600"/>
+            <a:ext cx="8227440" cy="1143000"/>
           </a:xfrm>
           <a:prstGeom prst="rect">
             <a:avLst/>
@@ -9674,7 +8571,7 @@
                 <a:uFillTx/>
                 <a:latin typeface="Arial"/>
               </a:rPr>
-              <a:t>Repositories</a:t>
+              <a:t>Spring Data Rest with Redis</a:t>
             </a:r>
             <a:endParaRPr b="0" lang="pt-BR" sz="4400" strike="noStrike" u="none">
               <a:solidFill>
@@ -9695,8 +8592,8 @@
         </p:nvSpPr>
         <p:spPr>
           <a:xfrm>
-            <a:off x="-7200" y="1620000"/>
-            <a:ext cx="9186480" cy="1984680"/>
+            <a:off x="0" y="1800000"/>
+            <a:ext cx="9150120" cy="4600080"/>
           </a:xfrm>
           <a:prstGeom prst="rect">
             <a:avLst/>
@@ -9743,7 +8640,7 @@
                 <a:uFillTx/>
                 <a:latin typeface="Arial"/>
               </a:rPr>
-              <a:t>Spring Data Redis allows you to use the familiar Repository pattern you may know from JPA.</a:t>
+              <a:t>You can expose your Redis repositories over a REST API using Spring Data REST. </a:t>
             </a:r>
             <a:endParaRPr b="0" lang="pt-BR" sz="2200" strike="noStrike" u="none">
               <a:solidFill>
@@ -9781,7 +8678,36 @@
                 <a:uFillTx/>
                 <a:latin typeface="Arial"/>
               </a:rPr>
-              <a:t> It maps your Java objects directly to Redis Hashes.</a:t>
+              <a:t>It's excellent for simple, key-value based CRUD operations.</a:t>
+            </a:r>
+            <a:endParaRPr b="0" lang="pt-BR" sz="2200" strike="noStrike" u="none">
+              <a:solidFill>
+                <a:srgbClr val="000000"/>
+              </a:solidFill>
+              <a:effectLst/>
+              <a:uFillTx/>
+              <a:latin typeface="Arial"/>
+            </a:endParaRPr>
+          </a:p>
+          <a:p>
+            <a:pPr>
+              <a:lnSpc>
+                <a:spcPct val="100000"/>
+              </a:lnSpc>
+            </a:pPr>
+            <a:br>
+              <a:rPr sz="2200"/>
+            </a:br>
+            <a:r>
+              <a:rPr b="0" lang="pt-BR" sz="2200" strike="noStrike" u="none">
+                <a:solidFill>
+                  <a:srgbClr val="000000"/>
+                </a:solidFill>
+                <a:effectLst/>
+                <a:uFillTx/>
+                <a:latin typeface="Arial"/>
+              </a:rPr>
+              <a:t>   Limitations: </a:t>
             </a:r>
             <a:endParaRPr b="0" lang="pt-BR" sz="2200" strike="noStrike" u="none">
               <a:solidFill>
@@ -9810,6 +8736,93 @@
               <a:buFont typeface="Wingdings" charset="2"/>
               <a:buChar char=""/>
             </a:pPr>
+            <a:r>
+              <a:rPr b="0" lang="pt-BR" sz="2200" strike="noStrike" u="none">
+                <a:solidFill>
+                  <a:srgbClr val="000000"/>
+                </a:solidFill>
+                <a:effectLst/>
+                <a:uFillTx/>
+                <a:latin typeface="Arial"/>
+              </a:rPr>
+              <a:t>Redis is not a query-focused database like SQL or MongoDB.</a:t>
+            </a:r>
+            <a:endParaRPr b="0" lang="pt-BR" sz="2200" strike="noStrike" u="none">
+              <a:solidFill>
+                <a:srgbClr val="000000"/>
+              </a:solidFill>
+              <a:effectLst/>
+              <a:uFillTx/>
+              <a:latin typeface="Arial"/>
+            </a:endParaRPr>
+          </a:p>
+          <a:p>
+            <a:pPr marL="216000" indent="-216000">
+              <a:lnSpc>
+                <a:spcPct val="100000"/>
+              </a:lnSpc>
+              <a:spcBef>
+                <a:spcPts val="1191"/>
+              </a:spcBef>
+              <a:spcAft>
+                <a:spcPts val="992"/>
+              </a:spcAft>
+              <a:buClr>
+                <a:srgbClr val="000000"/>
+              </a:buClr>
+              <a:buSzPct val="45000"/>
+              <a:buFont typeface="Wingdings" charset="2"/>
+              <a:buChar char=""/>
+            </a:pPr>
+            <a:r>
+              <a:rPr b="0" lang="pt-BR" sz="2200" strike="noStrike" u="none">
+                <a:solidFill>
+                  <a:srgbClr val="000000"/>
+                </a:solidFill>
+                <a:effectLst/>
+                <a:uFillTx/>
+                <a:latin typeface="Arial"/>
+              </a:rPr>
+              <a:t>Spring Data REST cannot automatically generate complex query methods for Redis repositories (e.g., `findByNameContaining`)</a:t>
+            </a:r>
+            <a:endParaRPr b="0" lang="pt-BR" sz="2200" strike="noStrike" u="none">
+              <a:solidFill>
+                <a:srgbClr val="000000"/>
+              </a:solidFill>
+              <a:effectLst/>
+              <a:uFillTx/>
+              <a:latin typeface="Arial"/>
+            </a:endParaRPr>
+          </a:p>
+          <a:p>
+            <a:pPr marL="216000" indent="-216000">
+              <a:lnSpc>
+                <a:spcPct val="100000"/>
+              </a:lnSpc>
+              <a:spcBef>
+                <a:spcPts val="1191"/>
+              </a:spcBef>
+              <a:spcAft>
+                <a:spcPts val="992"/>
+              </a:spcAft>
+              <a:buClr>
+                <a:srgbClr val="000000"/>
+              </a:buClr>
+              <a:buSzPct val="45000"/>
+              <a:buFont typeface="Wingdings" charset="2"/>
+              <a:buChar char=""/>
+            </a:pPr>
+            <a:r>
+              <a:rPr b="0" lang="pt-BR" sz="2200" strike="noStrike" u="none">
+                <a:solidFill>
+                  <a:srgbClr val="000000"/>
+                </a:solidFill>
+                <a:effectLst/>
+                <a:uFillTx/>
+                <a:latin typeface="Arial"/>
+              </a:rPr>
+              <a:t>Complex queries on nested data in Redis would often require fetching entire objects and then filtering them in memory </a:t>
+            </a:r>
             <a:endParaRPr b="0" lang="pt-BR" sz="2200" strike="noStrike" u="none">
               <a:solidFill>
                 <a:srgbClr val="000000"/>
@@ -9821,30 +8834,6 @@
           </a:p>
         </p:txBody>
       </p:sp>
-      <p:pic>
-        <p:nvPicPr>
-          <p:cNvPr id="77" name="" descr=""/>
-          <p:cNvPicPr/>
-          <p:nvPr/>
-        </p:nvPicPr>
-        <p:blipFill>
-          <a:blip r:embed="rId1"/>
-          <a:stretch/>
-        </p:blipFill>
-        <p:spPr>
-          <a:xfrm>
-            <a:off x="1552680" y="4065120"/>
-            <a:ext cx="6096240" cy="2676240"/>
-          </a:xfrm>
-          <a:prstGeom prst="rect">
-            <a:avLst/>
-          </a:prstGeom>
-          <a:noFill/>
-          <a:ln w="0">
-            <a:noFill/>
-          </a:ln>
-        </p:spPr>
-      </p:pic>
     </p:spTree>
   </p:cSld>
   <mc:AlternateContent>
@@ -9892,7 +8881,7 @@
       </p:grpSpPr>
       <p:sp>
         <p:nvSpPr>
-          <p:cNvPr id="78" name="PlaceHolder 1"/>
+          <p:cNvPr id="77" name="PlaceHolder 1"/>
           <p:cNvSpPr>
             <a:spLocks noGrp="1"/>
           </p:cNvSpPr>
@@ -9902,8 +8891,8 @@
         </p:nvSpPr>
         <p:spPr>
           <a:xfrm>
-            <a:off x="457200" y="273960"/>
-            <a:ext cx="8227800" cy="1142640"/>
+            <a:off x="457200" y="297000"/>
+            <a:ext cx="8227440" cy="1143000"/>
           </a:xfrm>
           <a:prstGeom prst="rect">
             <a:avLst/>
@@ -9936,135 +8925,7 @@
                 <a:uFillTx/>
                 <a:latin typeface="Arial"/>
               </a:rPr>
-              <a:t>Repositories</a:t>
-            </a:r>
-            <a:endParaRPr b="0" lang="pt-BR" sz="4400" strike="noStrike" u="none">
-              <a:solidFill>
-                <a:srgbClr val="000000"/>
-              </a:solidFill>
-              <a:effectLst/>
-              <a:uFillTx/>
-              <a:latin typeface="Arial"/>
-            </a:endParaRPr>
-          </a:p>
-        </p:txBody>
-      </p:sp>
-      <p:pic>
-        <p:nvPicPr>
-          <p:cNvPr id="79" name="" descr=""/>
-          <p:cNvPicPr/>
-          <p:nvPr/>
-        </p:nvPicPr>
-        <p:blipFill>
-          <a:blip r:embed="rId1"/>
-          <a:stretch/>
-        </p:blipFill>
-        <p:spPr>
-          <a:xfrm>
-            <a:off x="285480" y="1620000"/>
-            <a:ext cx="8533800" cy="4859280"/>
-          </a:xfrm>
-          <a:prstGeom prst="rect">
-            <a:avLst/>
-          </a:prstGeom>
-          <a:noFill/>
-          <a:ln w="0">
-            <a:noFill/>
-          </a:ln>
-        </p:spPr>
-      </p:pic>
-    </p:spTree>
-  </p:cSld>
-  <mc:AlternateContent>
-    <mc:Choice Requires="p14">
-      <p:transition spd="slow" p14:dur="2000"/>
-    </mc:Choice>
-    <mc:Fallback>
-      <p:transition spd="slow"/>
-    </mc:Fallback>
-  </mc:AlternateContent>
-</p:sld>
-</file>
-
-<file path=ppt/slides/slide9.xml><?xml version="1.0" encoding="utf-8"?>
-<p:sld xmlns:a="http://schemas.openxmlformats.org/drawingml/2006/main" xmlns:p="http://schemas.openxmlformats.org/presentationml/2006/main" xmlns:r="http://schemas.openxmlformats.org/officeDocument/2006/relationships" xmlns:p14="http://schemas.microsoft.com/office/powerpoint/2010/main" xmlns:p15="http://schemas.microsoft.com/office/powerpoint/2012/main" xmlns:mc="http://schemas.openxmlformats.org/markup-compatibility/2006">
-  <p:cSld>
-    <p:bg>
-      <p:bgPr>
-        <a:gradFill rotWithShape="0">
-          <a:gsLst>
-            <a:gs pos="0">
-              <a:srgbClr val="b4c7dc"/>
-            </a:gs>
-            <a:gs pos="100000">
-              <a:srgbClr val="dee6ef"/>
-            </a:gs>
-          </a:gsLst>
-          <a:lin ang="5340000"/>
-        </a:gradFill>
-      </p:bgPr>
-    </p:bg>
-    <p:spTree>
-      <p:nvGrpSpPr>
-        <p:cNvPr id="1" name=""/>
-        <p:cNvGrpSpPr/>
-        <p:nvPr/>
-      </p:nvGrpSpPr>
-      <p:grpSpPr>
-        <a:xfrm>
-          <a:off x="0" y="0"/>
-          <a:ext cx="0" cy="0"/>
-          <a:chOff x="0" y="0"/>
-          <a:chExt cx="0" cy="0"/>
-        </a:xfrm>
-      </p:grpSpPr>
-      <p:sp>
-        <p:nvSpPr>
-          <p:cNvPr id="80" name="PlaceHolder 1"/>
-          <p:cNvSpPr>
-            <a:spLocks noGrp="1"/>
-          </p:cNvSpPr>
-          <p:nvPr>
-            <p:ph type="title"/>
-          </p:nvPr>
-        </p:nvSpPr>
-        <p:spPr>
-          <a:xfrm>
-            <a:off x="457200" y="273960"/>
-            <a:ext cx="8227800" cy="1142640"/>
-          </a:xfrm>
-          <a:prstGeom prst="rect">
-            <a:avLst/>
-          </a:prstGeom>
-          <a:noFill/>
-          <a:ln w="0">
-            <a:noFill/>
-          </a:ln>
-        </p:spPr>
-        <p:txBody>
-          <a:bodyPr lIns="0" rIns="0" tIns="0" bIns="0" anchor="ctr">
-            <a:spAutoFit/>
-          </a:bodyPr>
-          <a:p>
-            <a:pPr indent="0" algn="ctr">
-              <a:lnSpc>
-                <a:spcPct val="100000"/>
-              </a:lnSpc>
-              <a:buNone/>
-              <a:tabLst>
-                <a:tab algn="l" pos="0"/>
-              </a:tabLst>
-            </a:pPr>
-            <a:r>
-              <a:rPr b="0" lang="pt-BR" sz="4400" strike="noStrike" u="none">
-                <a:solidFill>
-                  <a:srgbClr val="000000"/>
-                </a:solidFill>
-                <a:effectLst/>
-                <a:uFillTx/>
-                <a:latin typeface="Arial"/>
-              </a:rPr>
-              <a:t>Spring Data Rest with Redis</a:t>
+              <a:t>Pros and cons</a:t>
             </a:r>
             <a:endParaRPr b="0" lang="pt-BR" sz="4400" strike="noStrike" u="none">
               <a:solidFill>
@@ -10079,14 +8940,14 @@
       </p:sp>
       <p:sp>
         <p:nvSpPr>
-          <p:cNvPr id="81" name=""/>
+          <p:cNvPr id="78" name=""/>
           <p:cNvSpPr/>
           <p:nvPr/>
         </p:nvSpPr>
         <p:spPr>
           <a:xfrm>
-            <a:off x="0" y="1800000"/>
-            <a:ext cx="9150480" cy="4600440"/>
+            <a:off x="0" y="1620000"/>
+            <a:ext cx="3418920" cy="2019240"/>
           </a:xfrm>
           <a:prstGeom prst="rect">
             <a:avLst/>
@@ -10125,7 +8986,7 @@
               <a:buChar char=""/>
             </a:pPr>
             <a:r>
-              <a:rPr b="0" lang="pt-BR" sz="2200" strike="noStrike" u="none">
+              <a:rPr b="1" lang="pt-BR" sz="1800" strike="noStrike" u="none">
                 <a:solidFill>
                   <a:srgbClr val="000000"/>
                 </a:solidFill>
@@ -10133,9 +8994,9 @@
                 <a:uFillTx/>
                 <a:latin typeface="Arial"/>
               </a:rPr>
-              <a:t>You can expose your Redis repositories over a REST API using Spring Data REST. </a:t>
-            </a:r>
-            <a:endParaRPr b="0" lang="pt-BR" sz="2200" strike="noStrike" u="none">
+              <a:t>Pros</a:t>
+            </a:r>
+            <a:endParaRPr b="0" lang="pt-BR" sz="1800" strike="noStrike" u="none">
               <a:solidFill>
                 <a:srgbClr val="000000"/>
               </a:solidFill>
@@ -10163,7 +9024,7 @@
               <a:buChar char=""/>
             </a:pPr>
             <a:r>
-              <a:rPr b="0" lang="pt-BR" sz="2200" strike="noStrike" u="none">
+              <a:rPr b="1" lang="pt-BR" sz="1800" strike="noStrike" u="none">
                 <a:solidFill>
                   <a:srgbClr val="000000"/>
                 </a:solidFill>
@@ -10171,38 +9032,9 @@
                 <a:uFillTx/>
                 <a:latin typeface="Arial"/>
               </a:rPr>
-              <a:t>It's excellent for simple, key-value based CRUD operations.</a:t>
-            </a:r>
-            <a:endParaRPr b="0" lang="pt-BR" sz="2200" strike="noStrike" u="none">
-              <a:solidFill>
-                <a:srgbClr val="000000"/>
-              </a:solidFill>
-              <a:effectLst/>
-              <a:uFillTx/>
-              <a:latin typeface="Arial"/>
-            </a:endParaRPr>
-          </a:p>
-          <a:p>
-            <a:pPr>
-              <a:lnSpc>
-                <a:spcPct val="100000"/>
-              </a:lnSpc>
-            </a:pPr>
-            <a:br>
-              <a:rPr sz="2200"/>
-            </a:br>
-            <a:r>
-              <a:rPr b="0" lang="pt-BR" sz="2200" strike="noStrike" u="none">
-                <a:solidFill>
-                  <a:srgbClr val="000000"/>
-                </a:solidFill>
-                <a:effectLst/>
-                <a:uFillTx/>
-                <a:latin typeface="Arial"/>
-              </a:rPr>
-              <a:t>   Limitations: </a:t>
-            </a:r>
-            <a:endParaRPr b="0" lang="pt-BR" sz="2200" strike="noStrike" u="none">
+              <a:t>Productivity Boost</a:t>
+            </a:r>
+            <a:endParaRPr b="0" lang="pt-BR" sz="1800" strike="noStrike" u="none">
               <a:solidFill>
                 <a:srgbClr val="000000"/>
               </a:solidFill>
@@ -10230,7 +9062,7 @@
               <a:buChar char=""/>
             </a:pPr>
             <a:r>
-              <a:rPr b="0" lang="pt-BR" sz="2200" strike="noStrike" u="none">
+              <a:rPr b="1" lang="pt-BR" sz="1800" strike="noStrike" u="none">
                 <a:solidFill>
                   <a:srgbClr val="000000"/>
                 </a:solidFill>
@@ -10238,9 +9070,9 @@
                 <a:uFillTx/>
                 <a:latin typeface="Arial"/>
               </a:rPr>
-              <a:t>Redis is not a query-focused database like SQL or MongoDB.</a:t>
-            </a:r>
-            <a:endParaRPr b="0" lang="pt-BR" sz="2200" strike="noStrike" u="none">
+              <a:t>Driver Management</a:t>
+            </a:r>
+            <a:endParaRPr b="0" lang="pt-BR" sz="1800" strike="noStrike" u="none">
               <a:solidFill>
                 <a:srgbClr val="000000"/>
               </a:solidFill>
@@ -10268,7 +9100,7 @@
               <a:buChar char=""/>
             </a:pPr>
             <a:r>
-              <a:rPr b="0" lang="pt-BR" sz="2200" strike="noStrike" u="none">
+              <a:rPr b="1" lang="pt-BR" sz="1800" strike="noStrike" u="none">
                 <a:solidFill>
                   <a:srgbClr val="000000"/>
                 </a:solidFill>
@@ -10276,19 +9108,50 @@
                 <a:uFillTx/>
                 <a:latin typeface="Arial"/>
               </a:rPr>
-              <a:t>Spring Data REST cannot automatically generate complex query methods for Redis repositories (e.g., `findByNameContaining`)</a:t>
-            </a:r>
-            <a:endParaRPr b="0" lang="pt-BR" sz="2200" strike="noStrike" u="none">
-              <a:solidFill>
-                <a:srgbClr val="000000"/>
-              </a:solidFill>
-              <a:effectLst/>
-              <a:uFillTx/>
-              <a:latin typeface="Arial"/>
-            </a:endParaRPr>
-          </a:p>
-          <a:p>
-            <a:pPr marL="216000" indent="-216000">
+              <a:t>Automatic Serialization</a:t>
+            </a:r>
+            <a:endParaRPr b="0" lang="pt-BR" sz="1800" strike="noStrike" u="none">
+              <a:solidFill>
+                <a:srgbClr val="000000"/>
+              </a:solidFill>
+              <a:effectLst/>
+              <a:uFillTx/>
+              <a:latin typeface="Arial"/>
+            </a:endParaRPr>
+          </a:p>
+        </p:txBody>
+      </p:sp>
+      <p:sp>
+        <p:nvSpPr>
+          <p:cNvPr id="79" name=""/>
+          <p:cNvSpPr/>
+          <p:nvPr/>
+        </p:nvSpPr>
+        <p:spPr>
+          <a:xfrm>
+            <a:off x="3960000" y="1620000"/>
+            <a:ext cx="3058920" cy="916200"/>
+          </a:xfrm>
+          <a:prstGeom prst="rect">
+            <a:avLst/>
+          </a:prstGeom>
+          <a:noFill/>
+          <a:ln w="0">
+            <a:noFill/>
+          </a:ln>
+        </p:spPr>
+        <p:style>
+          <a:lnRef idx="0"/>
+          <a:fillRef idx="0"/>
+          <a:effectRef idx="0"/>
+          <a:fontRef idx="minor"/>
+        </p:style>
+        <p:txBody>
+          <a:bodyPr lIns="90000" rIns="90000" tIns="45000" bIns="45000" anchor="t">
+            <a:spAutoFit/>
+          </a:bodyPr>
+          <a:p>
+            <a:pPr lvl="3" marL="864000" indent="-216000">
               <a:lnSpc>
                 <a:spcPct val="100000"/>
               </a:lnSpc>
@@ -10306,7 +9169,7 @@
               <a:buChar char=""/>
             </a:pPr>
             <a:r>
-              <a:rPr b="0" lang="pt-BR" sz="2200" strike="noStrike" u="none">
+              <a:rPr b="1" lang="pt-BR" sz="1800" strike="noStrike" u="none">
                 <a:solidFill>
                   <a:srgbClr val="000000"/>
                 </a:solidFill>
@@ -10314,9 +9177,47 @@
                 <a:uFillTx/>
                 <a:latin typeface="Arial"/>
               </a:rPr>
-              <a:t>Complex queries on nested data in Redis would often require fetching entire objects and then filtering them in memory </a:t>
-            </a:r>
-            <a:endParaRPr b="0" lang="pt-BR" sz="2200" strike="noStrike" u="none">
+              <a:t>Cons</a:t>
+            </a:r>
+            <a:endParaRPr b="0" lang="pt-BR" sz="1800" strike="noStrike" u="none">
+              <a:solidFill>
+                <a:srgbClr val="000000"/>
+              </a:solidFill>
+              <a:effectLst/>
+              <a:uFillTx/>
+              <a:latin typeface="Arial"/>
+            </a:endParaRPr>
+          </a:p>
+          <a:p>
+            <a:pPr marL="216000" indent="-216000">
+              <a:lnSpc>
+                <a:spcPct val="100000"/>
+              </a:lnSpc>
+              <a:spcBef>
+                <a:spcPts val="1191"/>
+              </a:spcBef>
+              <a:spcAft>
+                <a:spcPts val="992"/>
+              </a:spcAft>
+              <a:buClr>
+                <a:srgbClr val="000000"/>
+              </a:buClr>
+              <a:buSzPct val="45000"/>
+              <a:buFont typeface="Wingdings" charset="2"/>
+              <a:buChar char=""/>
+            </a:pPr>
+            <a:r>
+              <a:rPr b="1" lang="pt-BR" sz="1800" strike="noStrike" u="none">
+                <a:solidFill>
+                  <a:srgbClr val="000000"/>
+                </a:solidFill>
+                <a:effectLst/>
+                <a:uFillTx/>
+                <a:latin typeface="Arial"/>
+              </a:rPr>
+              <a:t>Abstraction Overhead</a:t>
+            </a:r>
+            <a:endParaRPr b="0" lang="pt-BR" sz="1800" strike="noStrike" u="none">
               <a:solidFill>
                 <a:srgbClr val="000000"/>
               </a:solidFill>

--- a/spring_data_redis_presentation_with_code.pptx
+++ b/spring_data_redis_presentation_with_code.pptx
@@ -13,6 +13,7 @@
     <p:sldId id="261" r:id="rId8"/>
     <p:sldId id="262" r:id="rId9"/>
     <p:sldId id="263" r:id="rId10"/>
+    <p:sldId id="264" r:id="rId11"/>
   </p:sldIdLst>
   <p:sldSz cx="9144000" cy="6858000"/>
   <p:notesSz cx="7559675" cy="10691813"/>
@@ -20,8 +21,8 @@
 </file>
 
 <file path=ppt/slideLayouts/slideLayout1.xml><?xml version="1.0" encoding="utf-8"?>
-<p:sldLayout xmlns:a="http://schemas.openxmlformats.org/drawingml/2006/main" xmlns:p="http://schemas.openxmlformats.org/presentationml/2006/main" xmlns:r="http://schemas.openxmlformats.org/officeDocument/2006/relationships" xmlns:p14="http://schemas.microsoft.com/office/powerpoint/2010/main" xmlns:p15="http://schemas.microsoft.com/office/powerpoint/2012/main" xmlns:mc="http://schemas.openxmlformats.org/markup-compatibility/2006" type="titleOnly" preserve="1">
-  <p:cSld name="Title Only">
+<p:sldLayout xmlns:a="http://schemas.openxmlformats.org/drawingml/2006/main" xmlns:p="http://schemas.openxmlformats.org/presentationml/2006/main" xmlns:r="http://schemas.openxmlformats.org/officeDocument/2006/relationships" xmlns:p14="http://schemas.microsoft.com/office/powerpoint/2010/main" xmlns:p15="http://schemas.microsoft.com/office/powerpoint/2012/main" xmlns:mc="http://schemas.openxmlformats.org/markup-compatibility/2006" type="blank" preserve="1">
+  <p:cSld name="Section Header">
     <p:bg>
       <p:bgPr>
         <a:solidFill>
@@ -55,8 +56,8 @@
         </p:nvSpPr>
         <p:spPr>
           <a:xfrm>
-            <a:off x="457200" y="274680"/>
-            <a:ext cx="8227440" cy="1140840"/>
+            <a:off x="722160" y="4406760"/>
+            <a:ext cx="7769880" cy="1359720"/>
           </a:xfrm>
           <a:prstGeom prst="rect">
             <a:avLst/>
@@ -67,11 +68,11 @@
           </a:ln>
         </p:spPr>
         <p:txBody>
-          <a:bodyPr lIns="91440" rIns="91440" tIns="45720" bIns="45720" anchor="ctr">
+          <a:bodyPr lIns="91440" rIns="91440" tIns="45720" bIns="45720" anchor="t">
             <a:noAutofit/>
           </a:bodyPr>
           <a:p>
-            <a:pPr indent="0" algn="ctr" defTabSz="457200">
+            <a:pPr indent="0" defTabSz="457200">
               <a:lnSpc>
                 <a:spcPct val="100000"/>
               </a:lnSpc>
@@ -81,7 +82,7 @@
               </a:tabLst>
             </a:pPr>
             <a:r>
-              <a:rPr b="0" lang="en-US" sz="4400" strike="noStrike" u="none">
+              <a:rPr b="1" lang="en-US" sz="4000" strike="noStrike" u="none" cap="all">
                 <a:solidFill>
                   <a:schemeClr val="dk1"/>
                 </a:solidFill>
@@ -91,7 +92,7 @@
               </a:rPr>
               <a:t>Click to edit Master title style</a:t>
             </a:r>
-            <a:endParaRPr b="0" lang="pt-BR" sz="4400" strike="noStrike" u="none">
+            <a:endParaRPr b="0" lang="pt-BR" sz="4000" strike="noStrike" u="none">
               <a:solidFill>
                 <a:srgbClr val="000000"/>
               </a:solidFill>
@@ -105,6 +106,70 @@
       <p:sp>
         <p:nvSpPr>
           <p:cNvPr id="1" name="PlaceHolder 2"/>
+          <p:cNvSpPr>
+            <a:spLocks noGrp="1"/>
+          </p:cNvSpPr>
+          <p:nvPr>
+            <p:ph type="body"/>
+          </p:nvPr>
+        </p:nvSpPr>
+        <p:spPr>
+          <a:xfrm>
+            <a:off x="722160" y="2906640"/>
+            <a:ext cx="7769880" cy="1497600"/>
+          </a:xfrm>
+          <a:prstGeom prst="rect">
+            <a:avLst/>
+          </a:prstGeom>
+          <a:noFill/>
+          <a:ln w="0">
+            <a:noFill/>
+          </a:ln>
+        </p:spPr>
+        <p:txBody>
+          <a:bodyPr lIns="91440" rIns="91440" tIns="45720" bIns="45720" anchor="b">
+            <a:noAutofit/>
+          </a:bodyPr>
+          <a:p>
+            <a:pPr indent="0" defTabSz="457200">
+              <a:lnSpc>
+                <a:spcPct val="100000"/>
+              </a:lnSpc>
+              <a:spcBef>
+                <a:spcPts val="400"/>
+              </a:spcBef>
+              <a:buNone/>
+              <a:tabLst>
+                <a:tab algn="l" pos="0"/>
+              </a:tabLst>
+            </a:pPr>
+            <a:r>
+              <a:rPr b="0" lang="en-US" sz="2000" strike="noStrike" u="none">
+                <a:solidFill>
+                  <a:schemeClr val="dk1">
+                    <a:tint val="75000"/>
+                  </a:schemeClr>
+                </a:solidFill>
+                <a:effectLst/>
+                <a:uFillTx/>
+                <a:latin typeface="Calibri"/>
+              </a:rPr>
+              <a:t>Click to edit Master text styles</a:t>
+            </a:r>
+            <a:endParaRPr b="0" lang="pt-BR" sz="2000" strike="noStrike" u="none">
+              <a:solidFill>
+                <a:srgbClr val="000000"/>
+              </a:solidFill>
+              <a:effectLst/>
+              <a:uFillTx/>
+              <a:latin typeface="Arial"/>
+            </a:endParaRPr>
+          </a:p>
+        </p:txBody>
+      </p:sp>
+      <p:sp>
+        <p:nvSpPr>
+          <p:cNvPr id="2" name="PlaceHolder 3"/>
           <p:cNvSpPr>
             <a:spLocks noGrp="1"/>
           </p:cNvSpPr>
@@ -115,7 +180,7 @@
         <p:spPr>
           <a:xfrm>
             <a:off x="457200" y="6356520"/>
-            <a:ext cx="2131560" cy="362880"/>
+            <a:ext cx="2131200" cy="362520"/>
           </a:xfrm>
           <a:prstGeom prst="rect">
             <a:avLst/>
@@ -186,7 +251,7 @@
       </p:sp>
       <p:sp>
         <p:nvSpPr>
-          <p:cNvPr id="2" name="PlaceHolder 3"/>
+          <p:cNvPr id="3" name="PlaceHolder 4"/>
           <p:cNvSpPr>
             <a:spLocks noGrp="1"/>
           </p:cNvSpPr>
@@ -197,7 +262,7 @@
         <p:spPr>
           <a:xfrm>
             <a:off x="3124080" y="6356520"/>
-            <a:ext cx="2893320" cy="362880"/>
+            <a:ext cx="2892960" cy="362520"/>
           </a:xfrm>
           <a:prstGeom prst="rect">
             <a:avLst/>
@@ -264,7 +329,7 @@
       </p:sp>
       <p:sp>
         <p:nvSpPr>
-          <p:cNvPr id="3" name="PlaceHolder 4"/>
+          <p:cNvPr id="4" name="PlaceHolder 5"/>
           <p:cNvSpPr>
             <a:spLocks noGrp="1"/>
           </p:cNvSpPr>
@@ -275,7 +340,7 @@
         <p:spPr>
           <a:xfrm>
             <a:off x="6553080" y="6356520"/>
-            <a:ext cx="2131560" cy="362880"/>
+            <a:ext cx="2131200" cy="362520"/>
           </a:xfrm>
           <a:prstGeom prst="rect">
             <a:avLst/>
@@ -320,7 +385,7 @@
                 <a:tab algn="l" pos="0"/>
               </a:tabLst>
             </a:pPr>
-            <a:fld id="{12B342F4-ED8E-449D-A191-1477BE22DD7C}" type="slidenum">
+            <a:fld id="{E3940BD9-AE24-44B8-8360-893E8FB15CA3}" type="slidenum">
               <a:rPr b="0" lang="en-US" sz="1200" strike="noStrike" u="none">
                 <a:solidFill>
                   <a:schemeClr val="dk1">
@@ -340,280 +405,6 @@
               <a:effectLst/>
               <a:uFillTx/>
               <a:latin typeface="Times New Roman"/>
-            </a:endParaRPr>
-          </a:p>
-        </p:txBody>
-      </p:sp>
-      <p:sp>
-        <p:nvSpPr>
-          <p:cNvPr id="4" name="PlaceHolder 5"/>
-          <p:cNvSpPr>
-            <a:spLocks noGrp="1"/>
-          </p:cNvSpPr>
-          <p:nvPr>
-            <p:ph type="body"/>
-          </p:nvPr>
-        </p:nvSpPr>
-        <p:spPr>
-          <a:xfrm>
-            <a:off x="457200" y="1604520"/>
-            <a:ext cx="8228160" cy="3976200"/>
-          </a:xfrm>
-          <a:prstGeom prst="rect">
-            <a:avLst/>
-          </a:prstGeom>
-          <a:noFill/>
-          <a:ln w="0">
-            <a:noFill/>
-          </a:ln>
-        </p:spPr>
-        <p:txBody>
-          <a:bodyPr lIns="0" rIns="0" tIns="0" bIns="0" anchor="t">
-            <a:normAutofit/>
-          </a:bodyPr>
-          <a:p>
-            <a:pPr marL="432000" indent="-324000">
-              <a:lnSpc>
-                <a:spcPct val="100000"/>
-              </a:lnSpc>
-              <a:spcBef>
-                <a:spcPts val="1417"/>
-              </a:spcBef>
-              <a:buClr>
-                <a:srgbClr val="000000"/>
-              </a:buClr>
-              <a:buSzPct val="45000"/>
-              <a:buFont typeface="Wingdings" charset="2"/>
-              <a:buChar char=""/>
-            </a:pPr>
-            <a:r>
-              <a:rPr b="0" lang="pt-BR" sz="3200" strike="noStrike" u="none">
-                <a:solidFill>
-                  <a:srgbClr val="000000"/>
-                </a:solidFill>
-                <a:effectLst/>
-                <a:uFillTx/>
-                <a:latin typeface="Arial"/>
-              </a:rPr>
-              <a:t>Clique para editar o formato de texto dos tópicos</a:t>
-            </a:r>
-            <a:endParaRPr b="0" lang="pt-BR" sz="3200" strike="noStrike" u="none">
-              <a:solidFill>
-                <a:srgbClr val="000000"/>
-              </a:solidFill>
-              <a:effectLst/>
-              <a:uFillTx/>
-              <a:latin typeface="Arial"/>
-            </a:endParaRPr>
-          </a:p>
-          <a:p>
-            <a:pPr lvl="1" marL="864000" indent="-324000">
-              <a:lnSpc>
-                <a:spcPct val="100000"/>
-              </a:lnSpc>
-              <a:spcBef>
-                <a:spcPts val="1134"/>
-              </a:spcBef>
-              <a:buClr>
-                <a:srgbClr val="000000"/>
-              </a:buClr>
-              <a:buSzPct val="75000"/>
-              <a:buFont typeface="Symbol" charset="2"/>
-              <a:buChar char=""/>
-            </a:pPr>
-            <a:r>
-              <a:rPr b="0" lang="pt-BR" sz="2800" strike="noStrike" u="none">
-                <a:solidFill>
-                  <a:srgbClr val="000000"/>
-                </a:solidFill>
-                <a:effectLst/>
-                <a:uFillTx/>
-                <a:latin typeface="Arial"/>
-              </a:rPr>
-              <a:t>2.º nível de tópicos</a:t>
-            </a:r>
-            <a:endParaRPr b="0" lang="pt-BR" sz="2800" strike="noStrike" u="none">
-              <a:solidFill>
-                <a:srgbClr val="000000"/>
-              </a:solidFill>
-              <a:effectLst/>
-              <a:uFillTx/>
-              <a:latin typeface="Arial"/>
-            </a:endParaRPr>
-          </a:p>
-          <a:p>
-            <a:pPr lvl="2" marL="1296000" indent="-288000">
-              <a:lnSpc>
-                <a:spcPct val="100000"/>
-              </a:lnSpc>
-              <a:spcBef>
-                <a:spcPts val="850"/>
-              </a:spcBef>
-              <a:buClr>
-                <a:srgbClr val="000000"/>
-              </a:buClr>
-              <a:buSzPct val="45000"/>
-              <a:buFont typeface="Wingdings" charset="2"/>
-              <a:buChar char=""/>
-            </a:pPr>
-            <a:r>
-              <a:rPr b="0" lang="pt-BR" sz="2400" strike="noStrike" u="none">
-                <a:solidFill>
-                  <a:srgbClr val="000000"/>
-                </a:solidFill>
-                <a:effectLst/>
-                <a:uFillTx/>
-                <a:latin typeface="Arial"/>
-              </a:rPr>
-              <a:t>3.º nível de tópicos</a:t>
-            </a:r>
-            <a:endParaRPr b="0" lang="pt-BR" sz="2400" strike="noStrike" u="none">
-              <a:solidFill>
-                <a:srgbClr val="000000"/>
-              </a:solidFill>
-              <a:effectLst/>
-              <a:uFillTx/>
-              <a:latin typeface="Arial"/>
-            </a:endParaRPr>
-          </a:p>
-          <a:p>
-            <a:pPr lvl="3" marL="1728000" indent="-216000">
-              <a:lnSpc>
-                <a:spcPct val="100000"/>
-              </a:lnSpc>
-              <a:spcBef>
-                <a:spcPts val="567"/>
-              </a:spcBef>
-              <a:buClr>
-                <a:srgbClr val="000000"/>
-              </a:buClr>
-              <a:buSzPct val="75000"/>
-              <a:buFont typeface="Symbol" charset="2"/>
-              <a:buChar char=""/>
-            </a:pPr>
-            <a:r>
-              <a:rPr b="0" lang="pt-BR" sz="2000" strike="noStrike" u="none">
-                <a:solidFill>
-                  <a:srgbClr val="000000"/>
-                </a:solidFill>
-                <a:effectLst/>
-                <a:uFillTx/>
-                <a:latin typeface="Arial"/>
-              </a:rPr>
-              <a:t>4.º nível de tópicos</a:t>
-            </a:r>
-            <a:endParaRPr b="0" lang="pt-BR" sz="2000" strike="noStrike" u="none">
-              <a:solidFill>
-                <a:srgbClr val="000000"/>
-              </a:solidFill>
-              <a:effectLst/>
-              <a:uFillTx/>
-              <a:latin typeface="Arial"/>
-            </a:endParaRPr>
-          </a:p>
-          <a:p>
-            <a:pPr lvl="4" marL="2160000" indent="-216000">
-              <a:lnSpc>
-                <a:spcPct val="100000"/>
-              </a:lnSpc>
-              <a:spcBef>
-                <a:spcPts val="283"/>
-              </a:spcBef>
-              <a:buClr>
-                <a:srgbClr val="000000"/>
-              </a:buClr>
-              <a:buSzPct val="45000"/>
-              <a:buFont typeface="Wingdings" charset="2"/>
-              <a:buChar char=""/>
-            </a:pPr>
-            <a:r>
-              <a:rPr b="0" lang="pt-BR" sz="2000" strike="noStrike" u="none">
-                <a:solidFill>
-                  <a:srgbClr val="000000"/>
-                </a:solidFill>
-                <a:effectLst/>
-                <a:uFillTx/>
-                <a:latin typeface="Arial"/>
-              </a:rPr>
-              <a:t>5.º nível de tópicos</a:t>
-            </a:r>
-            <a:endParaRPr b="0" lang="pt-BR" sz="2000" strike="noStrike" u="none">
-              <a:solidFill>
-                <a:srgbClr val="000000"/>
-              </a:solidFill>
-              <a:effectLst/>
-              <a:uFillTx/>
-              <a:latin typeface="Arial"/>
-            </a:endParaRPr>
-          </a:p>
-          <a:p>
-            <a:pPr lvl="5" marL="2592000" indent="-216000">
-              <a:lnSpc>
-                <a:spcPct val="100000"/>
-              </a:lnSpc>
-              <a:spcBef>
-                <a:spcPts val="283"/>
-              </a:spcBef>
-              <a:buClr>
-                <a:srgbClr val="000000"/>
-              </a:buClr>
-              <a:buSzPct val="45000"/>
-              <a:buFont typeface="Wingdings" charset="2"/>
-              <a:buChar char=""/>
-            </a:pPr>
-            <a:r>
-              <a:rPr b="0" lang="pt-BR" sz="2000" strike="noStrike" u="none">
-                <a:solidFill>
-                  <a:srgbClr val="000000"/>
-                </a:solidFill>
-                <a:effectLst/>
-                <a:uFillTx/>
-                <a:latin typeface="Arial"/>
-              </a:rPr>
-              <a:t>6.º nível de tópicos</a:t>
-            </a:r>
-            <a:endParaRPr b="0" lang="pt-BR" sz="2000" strike="noStrike" u="none">
-              <a:solidFill>
-                <a:srgbClr val="000000"/>
-              </a:solidFill>
-              <a:effectLst/>
-              <a:uFillTx/>
-              <a:latin typeface="Arial"/>
-            </a:endParaRPr>
-          </a:p>
-          <a:p>
-            <a:pPr lvl="6" marL="3024000" indent="-216000">
-              <a:lnSpc>
-                <a:spcPct val="100000"/>
-              </a:lnSpc>
-              <a:spcBef>
-                <a:spcPts val="283"/>
-              </a:spcBef>
-              <a:buClr>
-                <a:srgbClr val="000000"/>
-              </a:buClr>
-              <a:buSzPct val="45000"/>
-              <a:buFont typeface="Wingdings" charset="2"/>
-              <a:buChar char=""/>
-            </a:pPr>
-            <a:r>
-              <a:rPr b="0" lang="pt-BR" sz="2000" strike="noStrike" u="none">
-                <a:solidFill>
-                  <a:srgbClr val="000000"/>
-                </a:solidFill>
-                <a:effectLst/>
-                <a:uFillTx/>
-                <a:latin typeface="Arial"/>
-              </a:rPr>
-              <a:t>7.º nível de tópicos</a:t>
-            </a:r>
-            <a:endParaRPr b="0" lang="pt-BR" sz="2000" strike="noStrike" u="none">
-              <a:solidFill>
-                <a:srgbClr val="000000"/>
-              </a:solidFill>
-              <a:effectLst/>
-              <a:uFillTx/>
-              <a:latin typeface="Arial"/>
             </a:endParaRPr>
           </a:p>
         </p:txBody>
@@ -624,8 +415,8 @@
 </file>
 
 <file path=ppt/slideLayouts/slideLayout10.xml><?xml version="1.0" encoding="utf-8"?>
-<p:sldLayout xmlns:a="http://schemas.openxmlformats.org/drawingml/2006/main" xmlns:p="http://schemas.openxmlformats.org/presentationml/2006/main" xmlns:r="http://schemas.openxmlformats.org/officeDocument/2006/relationships" xmlns:p14="http://schemas.microsoft.com/office/powerpoint/2010/main" xmlns:p15="http://schemas.microsoft.com/office/powerpoint/2012/main" xmlns:mc="http://schemas.openxmlformats.org/markup-compatibility/2006" type="twoObj" preserve="1">
-  <p:cSld name="Two Content">
+<p:sldLayout xmlns:a="http://schemas.openxmlformats.org/drawingml/2006/main" xmlns:p="http://schemas.openxmlformats.org/presentationml/2006/main" xmlns:r="http://schemas.openxmlformats.org/officeDocument/2006/relationships" xmlns:p14="http://schemas.microsoft.com/office/powerpoint/2010/main" xmlns:p15="http://schemas.microsoft.com/office/powerpoint/2012/main" xmlns:mc="http://schemas.openxmlformats.org/markup-compatibility/2006" type="vertTitleAndTx" preserve="1">
+  <p:cSld name="Vertical Title and Text">
     <p:bg>
       <p:bgPr>
         <a:solidFill>
@@ -649,7 +440,7 @@
       </p:grpSpPr>
       <p:sp>
         <p:nvSpPr>
-          <p:cNvPr id="47" name="PlaceHolder 1"/>
+          <p:cNvPr id="51" name="PlaceHolder 1"/>
           <p:cNvSpPr>
             <a:spLocks noGrp="1"/>
           </p:cNvSpPr>
@@ -659,8 +450,8 @@
         </p:nvSpPr>
         <p:spPr>
           <a:xfrm>
-            <a:off x="457200" y="274680"/>
-            <a:ext cx="8227440" cy="1140840"/>
+            <a:off x="6629400" y="274680"/>
+            <a:ext cx="2054880" cy="5848920"/>
           </a:xfrm>
           <a:prstGeom prst="rect">
             <a:avLst/>
@@ -671,7 +462,7 @@
           </a:ln>
         </p:spPr>
         <p:txBody>
-          <a:bodyPr lIns="91440" rIns="91440" tIns="45720" bIns="45720" anchor="ctr">
+          <a:bodyPr lIns="91440" rIns="91440" tIns="45720" bIns="45720" anchor="ctr" vert="eaVert">
             <a:noAutofit/>
           </a:bodyPr>
           <a:p>
@@ -708,7 +499,7 @@
       </p:sp>
       <p:sp>
         <p:nvSpPr>
-          <p:cNvPr id="48" name="PlaceHolder 2"/>
+          <p:cNvPr id="52" name="PlaceHolder 2"/>
           <p:cNvSpPr>
             <a:spLocks noGrp="1"/>
           </p:cNvSpPr>
@@ -718,8 +509,8 @@
         </p:nvSpPr>
         <p:spPr>
           <a:xfrm>
-            <a:off x="457200" y="1600200"/>
-            <a:ext cx="4036320" cy="4523760"/>
+            <a:off x="457200" y="274680"/>
+            <a:ext cx="6017400" cy="5848920"/>
           </a:xfrm>
           <a:prstGeom prst="rect">
             <a:avLst/>
@@ -730,7 +521,7 @@
           </a:ln>
         </p:spPr>
         <p:txBody>
-          <a:bodyPr lIns="91440" rIns="91440" tIns="45720" bIns="45720" anchor="t">
+          <a:bodyPr lIns="91440" rIns="91440" tIns="45720" bIns="45720" anchor="t" vert="eaVert">
             <a:noAutofit/>
           </a:bodyPr>
           <a:p>
@@ -739,7 +530,7 @@
                 <a:spcPct val="100000"/>
               </a:lnSpc>
               <a:spcBef>
-                <a:spcPts val="561"/>
+                <a:spcPts val="641"/>
               </a:spcBef>
               <a:buClr>
                 <a:srgbClr val="000000"/>
@@ -748,7 +539,7 @@
               <a:buChar char="•"/>
             </a:pPr>
             <a:r>
-              <a:rPr b="0" lang="en-US" sz="2800" strike="noStrike" u="none">
+              <a:rPr b="0" lang="en-US" sz="3200" strike="noStrike" u="none">
                 <a:solidFill>
                   <a:schemeClr val="dk1"/>
                 </a:solidFill>
@@ -758,7 +549,7 @@
               </a:rPr>
               <a:t>Click to edit Master text styles</a:t>
             </a:r>
-            <a:endParaRPr b="0" lang="pt-BR" sz="2800" strike="noStrike" u="none">
+            <a:endParaRPr b="0" lang="pt-BR" sz="3200" strike="noStrike" u="none">
               <a:solidFill>
                 <a:srgbClr val="000000"/>
               </a:solidFill>
@@ -773,7 +564,7 @@
                 <a:spcPct val="100000"/>
               </a:lnSpc>
               <a:spcBef>
-                <a:spcPts val="479"/>
+                <a:spcPts val="561"/>
               </a:spcBef>
               <a:buClr>
                 <a:srgbClr val="000000"/>
@@ -782,7 +573,7 @@
               <a:buChar char="–"/>
             </a:pPr>
             <a:r>
-              <a:rPr b="0" lang="en-US" sz="2400" strike="noStrike" u="none">
+              <a:rPr b="0" lang="en-US" sz="2800" strike="noStrike" u="none">
                 <a:solidFill>
                   <a:schemeClr val="dk1"/>
                 </a:solidFill>
@@ -792,7 +583,7 @@
               </a:rPr>
               <a:t>Second level</a:t>
             </a:r>
-            <a:endParaRPr b="0" lang="pt-BR" sz="2400" strike="noStrike" u="none">
+            <a:endParaRPr b="0" lang="pt-BR" sz="2800" strike="noStrike" u="none">
               <a:solidFill>
                 <a:srgbClr val="000000"/>
               </a:solidFill>
@@ -807,7 +598,7 @@
                 <a:spcPct val="100000"/>
               </a:lnSpc>
               <a:spcBef>
-                <a:spcPts val="400"/>
+                <a:spcPts val="479"/>
               </a:spcBef>
               <a:buClr>
                 <a:srgbClr val="000000"/>
@@ -816,7 +607,7 @@
               <a:buChar char="•"/>
             </a:pPr>
             <a:r>
-              <a:rPr b="0" lang="en-US" sz="2000" strike="noStrike" u="none">
+              <a:rPr b="0" lang="en-US" sz="2400" strike="noStrike" u="none">
                 <a:solidFill>
                   <a:schemeClr val="dk1"/>
                 </a:solidFill>
@@ -826,7 +617,7 @@
               </a:rPr>
               <a:t>Third level</a:t>
             </a:r>
-            <a:endParaRPr b="0" lang="pt-BR" sz="2000" strike="noStrike" u="none">
+            <a:endParaRPr b="0" lang="pt-BR" sz="2400" strike="noStrike" u="none">
               <a:solidFill>
                 <a:srgbClr val="000000"/>
               </a:solidFill>
@@ -841,7 +632,7 @@
                 <a:spcPct val="100000"/>
               </a:lnSpc>
               <a:spcBef>
-                <a:spcPts val="360"/>
+                <a:spcPts val="400"/>
               </a:spcBef>
               <a:buClr>
                 <a:srgbClr val="000000"/>
@@ -850,7 +641,7 @@
               <a:buChar char="–"/>
             </a:pPr>
             <a:r>
-              <a:rPr b="0" lang="en-US" sz="1800" strike="noStrike" u="none">
+              <a:rPr b="0" lang="en-US" sz="2000" strike="noStrike" u="none">
                 <a:solidFill>
                   <a:schemeClr val="dk1"/>
                 </a:solidFill>
@@ -860,7 +651,7 @@
               </a:rPr>
               <a:t>Fourth level</a:t>
             </a:r>
-            <a:endParaRPr b="0" lang="pt-BR" sz="1800" strike="noStrike" u="none">
+            <a:endParaRPr b="0" lang="pt-BR" sz="2000" strike="noStrike" u="none">
               <a:solidFill>
                 <a:srgbClr val="000000"/>
               </a:solidFill>
@@ -875,7 +666,7 @@
                 <a:spcPct val="100000"/>
               </a:lnSpc>
               <a:spcBef>
-                <a:spcPts val="360"/>
+                <a:spcPts val="400"/>
               </a:spcBef>
               <a:buClr>
                 <a:srgbClr val="000000"/>
@@ -884,7 +675,7 @@
               <a:buChar char="»"/>
             </a:pPr>
             <a:r>
-              <a:rPr b="0" lang="en-US" sz="1800" strike="noStrike" u="none">
+              <a:rPr b="0" lang="en-US" sz="2000" strike="noStrike" u="none">
                 <a:solidFill>
                   <a:schemeClr val="dk1"/>
                 </a:solidFill>
@@ -894,7 +685,7 @@
               </a:rPr>
               <a:t>Fifth level</a:t>
             </a:r>
-            <a:endParaRPr b="0" lang="pt-BR" sz="1800" strike="noStrike" u="none">
+            <a:endParaRPr b="0" lang="pt-BR" sz="2000" strike="noStrike" u="none">
               <a:solidFill>
                 <a:srgbClr val="000000"/>
               </a:solidFill>
@@ -907,206 +698,7 @@
       </p:sp>
       <p:sp>
         <p:nvSpPr>
-          <p:cNvPr id="49" name="PlaceHolder 3"/>
-          <p:cNvSpPr>
-            <a:spLocks noGrp="1"/>
-          </p:cNvSpPr>
-          <p:nvPr>
-            <p:ph type="body"/>
-          </p:nvPr>
-        </p:nvSpPr>
-        <p:spPr>
-          <a:xfrm>
-            <a:off x="4648320" y="1600200"/>
-            <a:ext cx="4036320" cy="4523760"/>
-          </a:xfrm>
-          <a:prstGeom prst="rect">
-            <a:avLst/>
-          </a:prstGeom>
-          <a:noFill/>
-          <a:ln w="0">
-            <a:noFill/>
-          </a:ln>
-        </p:spPr>
-        <p:txBody>
-          <a:bodyPr lIns="91440" rIns="91440" tIns="45720" bIns="45720" anchor="t">
-            <a:noAutofit/>
-          </a:bodyPr>
-          <a:p>
-            <a:pPr marL="343080" indent="-343080" defTabSz="457200">
-              <a:lnSpc>
-                <a:spcPct val="100000"/>
-              </a:lnSpc>
-              <a:spcBef>
-                <a:spcPts val="561"/>
-              </a:spcBef>
-              <a:buClr>
-                <a:srgbClr val="000000"/>
-              </a:buClr>
-              <a:buFont typeface="Arial"/>
-              <a:buChar char="•"/>
-            </a:pPr>
-            <a:r>
-              <a:rPr b="0" lang="en-US" sz="2800" strike="noStrike" u="none">
-                <a:solidFill>
-                  <a:schemeClr val="dk1"/>
-                </a:solidFill>
-                <a:effectLst/>
-                <a:uFillTx/>
-                <a:latin typeface="Calibri"/>
-              </a:rPr>
-              <a:t>Click to edit Master text styles</a:t>
-            </a:r>
-            <a:endParaRPr b="0" lang="pt-BR" sz="2800" strike="noStrike" u="none">
-              <a:solidFill>
-                <a:srgbClr val="000000"/>
-              </a:solidFill>
-              <a:effectLst/>
-              <a:uFillTx/>
-              <a:latin typeface="Arial"/>
-            </a:endParaRPr>
-          </a:p>
-          <a:p>
-            <a:pPr lvl="1" marL="743040" indent="-285840" defTabSz="457200">
-              <a:lnSpc>
-                <a:spcPct val="100000"/>
-              </a:lnSpc>
-              <a:spcBef>
-                <a:spcPts val="479"/>
-              </a:spcBef>
-              <a:buClr>
-                <a:srgbClr val="000000"/>
-              </a:buClr>
-              <a:buFont typeface="Arial"/>
-              <a:buChar char="–"/>
-            </a:pPr>
-            <a:r>
-              <a:rPr b="0" lang="en-US" sz="2400" strike="noStrike" u="none">
-                <a:solidFill>
-                  <a:schemeClr val="dk1"/>
-                </a:solidFill>
-                <a:effectLst/>
-                <a:uFillTx/>
-                <a:latin typeface="Calibri"/>
-              </a:rPr>
-              <a:t>Second level</a:t>
-            </a:r>
-            <a:endParaRPr b="0" lang="pt-BR" sz="2400" strike="noStrike" u="none">
-              <a:solidFill>
-                <a:srgbClr val="000000"/>
-              </a:solidFill>
-              <a:effectLst/>
-              <a:uFillTx/>
-              <a:latin typeface="Arial"/>
-            </a:endParaRPr>
-          </a:p>
-          <a:p>
-            <a:pPr lvl="2" marL="1143000" indent="-228600" defTabSz="457200">
-              <a:lnSpc>
-                <a:spcPct val="100000"/>
-              </a:lnSpc>
-              <a:spcBef>
-                <a:spcPts val="400"/>
-              </a:spcBef>
-              <a:buClr>
-                <a:srgbClr val="000000"/>
-              </a:buClr>
-              <a:buFont typeface="Arial"/>
-              <a:buChar char="•"/>
-            </a:pPr>
-            <a:r>
-              <a:rPr b="0" lang="en-US" sz="2000" strike="noStrike" u="none">
-                <a:solidFill>
-                  <a:schemeClr val="dk1"/>
-                </a:solidFill>
-                <a:effectLst/>
-                <a:uFillTx/>
-                <a:latin typeface="Calibri"/>
-              </a:rPr>
-              <a:t>Third level</a:t>
-            </a:r>
-            <a:endParaRPr b="0" lang="pt-BR" sz="2000" strike="noStrike" u="none">
-              <a:solidFill>
-                <a:srgbClr val="000000"/>
-              </a:solidFill>
-              <a:effectLst/>
-              <a:uFillTx/>
-              <a:latin typeface="Arial"/>
-            </a:endParaRPr>
-          </a:p>
-          <a:p>
-            <a:pPr lvl="3" marL="1600200" indent="-228600" defTabSz="457200">
-              <a:lnSpc>
-                <a:spcPct val="100000"/>
-              </a:lnSpc>
-              <a:spcBef>
-                <a:spcPts val="360"/>
-              </a:spcBef>
-              <a:buClr>
-                <a:srgbClr val="000000"/>
-              </a:buClr>
-              <a:buFont typeface="Arial"/>
-              <a:buChar char="–"/>
-            </a:pPr>
-            <a:r>
-              <a:rPr b="0" lang="en-US" sz="1800" strike="noStrike" u="none">
-                <a:solidFill>
-                  <a:schemeClr val="dk1"/>
-                </a:solidFill>
-                <a:effectLst/>
-                <a:uFillTx/>
-                <a:latin typeface="Calibri"/>
-              </a:rPr>
-              <a:t>Fourth level</a:t>
-            </a:r>
-            <a:endParaRPr b="0" lang="pt-BR" sz="1800" strike="noStrike" u="none">
-              <a:solidFill>
-                <a:srgbClr val="000000"/>
-              </a:solidFill>
-              <a:effectLst/>
-              <a:uFillTx/>
-              <a:latin typeface="Arial"/>
-            </a:endParaRPr>
-          </a:p>
-          <a:p>
-            <a:pPr lvl="4" marL="2057400" indent="-228600" defTabSz="457200">
-              <a:lnSpc>
-                <a:spcPct val="100000"/>
-              </a:lnSpc>
-              <a:spcBef>
-                <a:spcPts val="360"/>
-              </a:spcBef>
-              <a:buClr>
-                <a:srgbClr val="000000"/>
-              </a:buClr>
-              <a:buFont typeface="Arial"/>
-              <a:buChar char="»"/>
-            </a:pPr>
-            <a:r>
-              <a:rPr b="0" lang="en-US" sz="1800" strike="noStrike" u="none">
-                <a:solidFill>
-                  <a:schemeClr val="dk1"/>
-                </a:solidFill>
-                <a:effectLst/>
-                <a:uFillTx/>
-                <a:latin typeface="Calibri"/>
-              </a:rPr>
-              <a:t>Fifth level</a:t>
-            </a:r>
-            <a:endParaRPr b="0" lang="pt-BR" sz="1800" strike="noStrike" u="none">
-              <a:solidFill>
-                <a:srgbClr val="000000"/>
-              </a:solidFill>
-              <a:effectLst/>
-              <a:uFillTx/>
-              <a:latin typeface="Arial"/>
-            </a:endParaRPr>
-          </a:p>
-        </p:txBody>
-      </p:sp>
-      <p:sp>
-        <p:nvSpPr>
-          <p:cNvPr id="50" name="PlaceHolder 4"/>
+          <p:cNvPr id="53" name="PlaceHolder 3"/>
           <p:cNvSpPr>
             <a:spLocks noGrp="1"/>
           </p:cNvSpPr>
@@ -1117,7 +709,7 @@
         <p:spPr>
           <a:xfrm>
             <a:off x="457200" y="6356520"/>
-            <a:ext cx="2131560" cy="362880"/>
+            <a:ext cx="2131200" cy="362520"/>
           </a:xfrm>
           <a:prstGeom prst="rect">
             <a:avLst/>
@@ -1188,7 +780,7 @@
       </p:sp>
       <p:sp>
         <p:nvSpPr>
-          <p:cNvPr id="51" name="PlaceHolder 5"/>
+          <p:cNvPr id="54" name="PlaceHolder 4"/>
           <p:cNvSpPr>
             <a:spLocks noGrp="1"/>
           </p:cNvSpPr>
@@ -1199,7 +791,7 @@
         <p:spPr>
           <a:xfrm>
             <a:off x="3124080" y="6356520"/>
-            <a:ext cx="2893320" cy="362880"/>
+            <a:ext cx="2892960" cy="362520"/>
           </a:xfrm>
           <a:prstGeom prst="rect">
             <a:avLst/>
@@ -1266,7 +858,7 @@
       </p:sp>
       <p:sp>
         <p:nvSpPr>
-          <p:cNvPr id="52" name="PlaceHolder 6"/>
+          <p:cNvPr id="55" name="PlaceHolder 5"/>
           <p:cNvSpPr>
             <a:spLocks noGrp="1"/>
           </p:cNvSpPr>
@@ -1277,7 +869,7 @@
         <p:spPr>
           <a:xfrm>
             <a:off x="6553080" y="6356520"/>
-            <a:ext cx="2131560" cy="362880"/>
+            <a:ext cx="2131200" cy="362520"/>
           </a:xfrm>
           <a:prstGeom prst="rect">
             <a:avLst/>
@@ -1322,7 +914,7 @@
                 <a:tab algn="l" pos="0"/>
               </a:tabLst>
             </a:pPr>
-            <a:fld id="{014A9A3B-15C7-4E9C-B8AA-C4066BA10C01}" type="slidenum">
+            <a:fld id="{FCC4ED04-2E00-4008-93D2-15B698BB0B86}" type="slidenum">
               <a:rPr b="0" lang="en-US" sz="1200" strike="noStrike" u="none">
                 <a:solidFill>
                   <a:schemeClr val="dk1">
@@ -1352,8 +944,8 @@
 </file>
 
 <file path=ppt/slideLayouts/slideLayout11.xml><?xml version="1.0" encoding="utf-8"?>
-<p:sldLayout xmlns:a="http://schemas.openxmlformats.org/drawingml/2006/main" xmlns:p="http://schemas.openxmlformats.org/presentationml/2006/main" xmlns:r="http://schemas.openxmlformats.org/officeDocument/2006/relationships" xmlns:p14="http://schemas.microsoft.com/office/powerpoint/2010/main" xmlns:p15="http://schemas.microsoft.com/office/powerpoint/2012/main" xmlns:mc="http://schemas.openxmlformats.org/markup-compatibility/2006" type="blank" preserve="1">
-  <p:cSld name="Comparison">
+<p:sldLayout xmlns:a="http://schemas.openxmlformats.org/drawingml/2006/main" xmlns:p="http://schemas.openxmlformats.org/presentationml/2006/main" xmlns:r="http://schemas.openxmlformats.org/officeDocument/2006/relationships" xmlns:p14="http://schemas.microsoft.com/office/powerpoint/2010/main" xmlns:p15="http://schemas.microsoft.com/office/powerpoint/2012/main" xmlns:mc="http://schemas.openxmlformats.org/markup-compatibility/2006" type="obj" preserve="1">
+  <p:cSld name="Title and Content">
     <p:bg>
       <p:bgPr>
         <a:solidFill>
@@ -1377,7 +969,7 @@
       </p:grpSpPr>
       <p:sp>
         <p:nvSpPr>
-          <p:cNvPr id="53" name="PlaceHolder 1"/>
+          <p:cNvPr id="56" name="PlaceHolder 1"/>
           <p:cNvSpPr>
             <a:spLocks noGrp="1"/>
           </p:cNvSpPr>
@@ -1388,7 +980,7 @@
         <p:spPr>
           <a:xfrm>
             <a:off x="457200" y="274680"/>
-            <a:ext cx="8227440" cy="1140840"/>
+            <a:ext cx="8227080" cy="1140480"/>
           </a:xfrm>
           <a:prstGeom prst="rect">
             <a:avLst/>
@@ -1436,7 +1028,7 @@
       </p:sp>
       <p:sp>
         <p:nvSpPr>
-          <p:cNvPr id="54" name="PlaceHolder 2"/>
+          <p:cNvPr id="57" name="PlaceHolder 2"/>
           <p:cNvSpPr>
             <a:spLocks noGrp="1"/>
           </p:cNvSpPr>
@@ -1446,70 +1038,8 @@
         </p:nvSpPr>
         <p:spPr>
           <a:xfrm>
-            <a:off x="457200" y="1535040"/>
-            <a:ext cx="4038120" cy="637560"/>
-          </a:xfrm>
-          <a:prstGeom prst="rect">
-            <a:avLst/>
-          </a:prstGeom>
-          <a:noFill/>
-          <a:ln w="0">
-            <a:noFill/>
-          </a:ln>
-        </p:spPr>
-        <p:txBody>
-          <a:bodyPr lIns="91440" rIns="91440" tIns="45720" bIns="45720" anchor="b">
-            <a:noAutofit/>
-          </a:bodyPr>
-          <a:p>
-            <a:pPr indent="0" defTabSz="457200">
-              <a:lnSpc>
-                <a:spcPct val="100000"/>
-              </a:lnSpc>
-              <a:spcBef>
-                <a:spcPts val="479"/>
-              </a:spcBef>
-              <a:buNone/>
-              <a:tabLst>
-                <a:tab algn="l" pos="0"/>
-              </a:tabLst>
-            </a:pPr>
-            <a:r>
-              <a:rPr b="1" lang="en-US" sz="2400" strike="noStrike" u="none">
-                <a:solidFill>
-                  <a:schemeClr val="dk1"/>
-                </a:solidFill>
-                <a:effectLst/>
-                <a:uFillTx/>
-                <a:latin typeface="Calibri"/>
-              </a:rPr>
-              <a:t>Click to edit Master text styles</a:t>
-            </a:r>
-            <a:endParaRPr b="0" lang="pt-BR" sz="2400" strike="noStrike" u="none">
-              <a:solidFill>
-                <a:srgbClr val="000000"/>
-              </a:solidFill>
-              <a:effectLst/>
-              <a:uFillTx/>
-              <a:latin typeface="Arial"/>
-            </a:endParaRPr>
-          </a:p>
-        </p:txBody>
-      </p:sp>
-      <p:sp>
-        <p:nvSpPr>
-          <p:cNvPr id="55" name="PlaceHolder 3"/>
-          <p:cNvSpPr>
-            <a:spLocks noGrp="1"/>
-          </p:cNvSpPr>
-          <p:nvPr>
-            <p:ph type="body"/>
-          </p:nvPr>
-        </p:nvSpPr>
-        <p:spPr>
-          <a:xfrm>
-            <a:off x="457200" y="2174760"/>
-            <a:ext cx="4038120" cy="3949200"/>
+            <a:off x="457200" y="1600200"/>
+            <a:ext cx="8227080" cy="4523400"/>
           </a:xfrm>
           <a:prstGeom prst="rect">
             <a:avLst/>
@@ -1529,7 +1059,7 @@
                 <a:spcPct val="100000"/>
               </a:lnSpc>
               <a:spcBef>
-                <a:spcPts val="479"/>
+                <a:spcPts val="641"/>
               </a:spcBef>
               <a:buClr>
                 <a:srgbClr val="000000"/>
@@ -1538,7 +1068,7 @@
               <a:buChar char="•"/>
             </a:pPr>
             <a:r>
-              <a:rPr b="0" lang="en-US" sz="2400" strike="noStrike" u="none">
+              <a:rPr b="0" lang="en-US" sz="3200" strike="noStrike" u="none">
                 <a:solidFill>
                   <a:schemeClr val="dk1"/>
                 </a:solidFill>
@@ -1548,7 +1078,7 @@
               </a:rPr>
               <a:t>Click to edit Master text styles</a:t>
             </a:r>
-            <a:endParaRPr b="0" lang="pt-BR" sz="2400" strike="noStrike" u="none">
+            <a:endParaRPr b="0" lang="pt-BR" sz="3200" strike="noStrike" u="none">
               <a:solidFill>
                 <a:srgbClr val="000000"/>
               </a:solidFill>
@@ -1563,7 +1093,7 @@
                 <a:spcPct val="100000"/>
               </a:lnSpc>
               <a:spcBef>
-                <a:spcPts val="400"/>
+                <a:spcPts val="561"/>
               </a:spcBef>
               <a:buClr>
                 <a:srgbClr val="000000"/>
@@ -1572,7 +1102,7 @@
               <a:buChar char="–"/>
             </a:pPr>
             <a:r>
-              <a:rPr b="0" lang="en-US" sz="2000" strike="noStrike" u="none">
+              <a:rPr b="0" lang="en-US" sz="2800" strike="noStrike" u="none">
                 <a:solidFill>
                   <a:schemeClr val="dk1"/>
                 </a:solidFill>
@@ -1582,7 +1112,7 @@
               </a:rPr>
               <a:t>Second level</a:t>
             </a:r>
-            <a:endParaRPr b="0" lang="pt-BR" sz="2000" strike="noStrike" u="none">
+            <a:endParaRPr b="0" lang="pt-BR" sz="2800" strike="noStrike" u="none">
               <a:solidFill>
                 <a:srgbClr val="000000"/>
               </a:solidFill>
@@ -1597,7 +1127,7 @@
                 <a:spcPct val="100000"/>
               </a:lnSpc>
               <a:spcBef>
-                <a:spcPts val="360"/>
+                <a:spcPts val="479"/>
               </a:spcBef>
               <a:buClr>
                 <a:srgbClr val="000000"/>
@@ -1606,7 +1136,7 @@
               <a:buChar char="•"/>
             </a:pPr>
             <a:r>
-              <a:rPr b="0" lang="en-US" sz="1800" strike="noStrike" u="none">
+              <a:rPr b="0" lang="en-US" sz="2400" strike="noStrike" u="none">
                 <a:solidFill>
                   <a:schemeClr val="dk1"/>
                 </a:solidFill>
@@ -1616,7 +1146,7 @@
               </a:rPr>
               <a:t>Third level</a:t>
             </a:r>
-            <a:endParaRPr b="0" lang="pt-BR" sz="1800" strike="noStrike" u="none">
+            <a:endParaRPr b="0" lang="pt-BR" sz="2400" strike="noStrike" u="none">
               <a:solidFill>
                 <a:srgbClr val="000000"/>
               </a:solidFill>
@@ -1631,7 +1161,7 @@
                 <a:spcPct val="100000"/>
               </a:lnSpc>
               <a:spcBef>
-                <a:spcPts val="320"/>
+                <a:spcPts val="400"/>
               </a:spcBef>
               <a:buClr>
                 <a:srgbClr val="000000"/>
@@ -1640,7 +1170,7 @@
               <a:buChar char="–"/>
             </a:pPr>
             <a:r>
-              <a:rPr b="0" lang="en-US" sz="1600" strike="noStrike" u="none">
+              <a:rPr b="0" lang="en-US" sz="2000" strike="noStrike" u="none">
                 <a:solidFill>
                   <a:schemeClr val="dk1"/>
                 </a:solidFill>
@@ -1650,7 +1180,7 @@
               </a:rPr>
               <a:t>Fourth level</a:t>
             </a:r>
-            <a:endParaRPr b="0" lang="pt-BR" sz="1600" strike="noStrike" u="none">
+            <a:endParaRPr b="0" lang="pt-BR" sz="2000" strike="noStrike" u="none">
               <a:solidFill>
                 <a:srgbClr val="000000"/>
               </a:solidFill>
@@ -1665,7 +1195,7 @@
                 <a:spcPct val="100000"/>
               </a:lnSpc>
               <a:spcBef>
-                <a:spcPts val="320"/>
+                <a:spcPts val="400"/>
               </a:spcBef>
               <a:buClr>
                 <a:srgbClr val="000000"/>
@@ -1674,7 +1204,7 @@
               <a:buChar char="»"/>
             </a:pPr>
             <a:r>
-              <a:rPr b="0" lang="en-US" sz="1600" strike="noStrike" u="none">
+              <a:rPr b="0" lang="en-US" sz="2000" strike="noStrike" u="none">
                 <a:solidFill>
                   <a:schemeClr val="dk1"/>
                 </a:solidFill>
@@ -1684,7 +1214,7 @@
               </a:rPr>
               <a:t>Fifth level</a:t>
             </a:r>
-            <a:endParaRPr b="0" lang="pt-BR" sz="1600" strike="noStrike" u="none">
+            <a:endParaRPr b="0" lang="pt-BR" sz="2000" strike="noStrike" u="none">
               <a:solidFill>
                 <a:srgbClr val="000000"/>
               </a:solidFill>
@@ -1697,268 +1227,7 @@
       </p:sp>
       <p:sp>
         <p:nvSpPr>
-          <p:cNvPr id="56" name="PlaceHolder 4"/>
-          <p:cNvSpPr>
-            <a:spLocks noGrp="1"/>
-          </p:cNvSpPr>
-          <p:nvPr>
-            <p:ph type="body"/>
-          </p:nvPr>
-        </p:nvSpPr>
-        <p:spPr>
-          <a:xfrm>
-            <a:off x="4645080" y="1535040"/>
-            <a:ext cx="4039560" cy="637560"/>
-          </a:xfrm>
-          <a:prstGeom prst="rect">
-            <a:avLst/>
-          </a:prstGeom>
-          <a:noFill/>
-          <a:ln w="0">
-            <a:noFill/>
-          </a:ln>
-        </p:spPr>
-        <p:txBody>
-          <a:bodyPr lIns="91440" rIns="91440" tIns="45720" bIns="45720" anchor="b">
-            <a:noAutofit/>
-          </a:bodyPr>
-          <a:p>
-            <a:pPr indent="0" defTabSz="457200">
-              <a:lnSpc>
-                <a:spcPct val="100000"/>
-              </a:lnSpc>
-              <a:spcBef>
-                <a:spcPts val="479"/>
-              </a:spcBef>
-              <a:buNone/>
-              <a:tabLst>
-                <a:tab algn="l" pos="0"/>
-              </a:tabLst>
-            </a:pPr>
-            <a:r>
-              <a:rPr b="1" lang="en-US" sz="2400" strike="noStrike" u="none">
-                <a:solidFill>
-                  <a:schemeClr val="dk1"/>
-                </a:solidFill>
-                <a:effectLst/>
-                <a:uFillTx/>
-                <a:latin typeface="Calibri"/>
-              </a:rPr>
-              <a:t>Click to edit Master text styles</a:t>
-            </a:r>
-            <a:endParaRPr b="0" lang="pt-BR" sz="2400" strike="noStrike" u="none">
-              <a:solidFill>
-                <a:srgbClr val="000000"/>
-              </a:solidFill>
-              <a:effectLst/>
-              <a:uFillTx/>
-              <a:latin typeface="Arial"/>
-            </a:endParaRPr>
-          </a:p>
-        </p:txBody>
-      </p:sp>
-      <p:sp>
-        <p:nvSpPr>
-          <p:cNvPr id="57" name="PlaceHolder 5"/>
-          <p:cNvSpPr>
-            <a:spLocks noGrp="1"/>
-          </p:cNvSpPr>
-          <p:nvPr>
-            <p:ph type="body"/>
-          </p:nvPr>
-        </p:nvSpPr>
-        <p:spPr>
-          <a:xfrm>
-            <a:off x="4645080" y="2174760"/>
-            <a:ext cx="4039560" cy="3949200"/>
-          </a:xfrm>
-          <a:prstGeom prst="rect">
-            <a:avLst/>
-          </a:prstGeom>
-          <a:noFill/>
-          <a:ln w="0">
-            <a:noFill/>
-          </a:ln>
-        </p:spPr>
-        <p:txBody>
-          <a:bodyPr lIns="91440" rIns="91440" tIns="45720" bIns="45720" anchor="t">
-            <a:noAutofit/>
-          </a:bodyPr>
-          <a:p>
-            <a:pPr marL="343080" indent="-343080" defTabSz="457200">
-              <a:lnSpc>
-                <a:spcPct val="100000"/>
-              </a:lnSpc>
-              <a:spcBef>
-                <a:spcPts val="479"/>
-              </a:spcBef>
-              <a:buClr>
-                <a:srgbClr val="000000"/>
-              </a:buClr>
-              <a:buFont typeface="Arial"/>
-              <a:buChar char="•"/>
-            </a:pPr>
-            <a:r>
-              <a:rPr b="0" lang="en-US" sz="2400" strike="noStrike" u="none">
-                <a:solidFill>
-                  <a:schemeClr val="dk1"/>
-                </a:solidFill>
-                <a:effectLst/>
-                <a:uFillTx/>
-                <a:latin typeface="Calibri"/>
-              </a:rPr>
-              <a:t>Click to edit Master text styles</a:t>
-            </a:r>
-            <a:endParaRPr b="0" lang="pt-BR" sz="2400" strike="noStrike" u="none">
-              <a:solidFill>
-                <a:srgbClr val="000000"/>
-              </a:solidFill>
-              <a:effectLst/>
-              <a:uFillTx/>
-              <a:latin typeface="Arial"/>
-            </a:endParaRPr>
-          </a:p>
-          <a:p>
-            <a:pPr lvl="1" marL="743040" indent="-285840" defTabSz="457200">
-              <a:lnSpc>
-                <a:spcPct val="100000"/>
-              </a:lnSpc>
-              <a:spcBef>
-                <a:spcPts val="400"/>
-              </a:spcBef>
-              <a:buClr>
-                <a:srgbClr val="000000"/>
-              </a:buClr>
-              <a:buFont typeface="Arial"/>
-              <a:buChar char="–"/>
-            </a:pPr>
-            <a:r>
-              <a:rPr b="0" lang="en-US" sz="2000" strike="noStrike" u="none">
-                <a:solidFill>
-                  <a:schemeClr val="dk1"/>
-                </a:solidFill>
-                <a:effectLst/>
-                <a:uFillTx/>
-                <a:latin typeface="Calibri"/>
-              </a:rPr>
-              <a:t>Second level</a:t>
-            </a:r>
-            <a:endParaRPr b="0" lang="pt-BR" sz="2000" strike="noStrike" u="none">
-              <a:solidFill>
-                <a:srgbClr val="000000"/>
-              </a:solidFill>
-              <a:effectLst/>
-              <a:uFillTx/>
-              <a:latin typeface="Arial"/>
-            </a:endParaRPr>
-          </a:p>
-          <a:p>
-            <a:pPr lvl="2" marL="1143000" indent="-228600" defTabSz="457200">
-              <a:lnSpc>
-                <a:spcPct val="100000"/>
-              </a:lnSpc>
-              <a:spcBef>
-                <a:spcPts val="360"/>
-              </a:spcBef>
-              <a:buClr>
-                <a:srgbClr val="000000"/>
-              </a:buClr>
-              <a:buFont typeface="Arial"/>
-              <a:buChar char="•"/>
-            </a:pPr>
-            <a:r>
-              <a:rPr b="0" lang="en-US" sz="1800" strike="noStrike" u="none">
-                <a:solidFill>
-                  <a:schemeClr val="dk1"/>
-                </a:solidFill>
-                <a:effectLst/>
-                <a:uFillTx/>
-                <a:latin typeface="Calibri"/>
-              </a:rPr>
-              <a:t>Third level</a:t>
-            </a:r>
-            <a:endParaRPr b="0" lang="pt-BR" sz="1800" strike="noStrike" u="none">
-              <a:solidFill>
-                <a:srgbClr val="000000"/>
-              </a:solidFill>
-              <a:effectLst/>
-              <a:uFillTx/>
-              <a:latin typeface="Arial"/>
-            </a:endParaRPr>
-          </a:p>
-          <a:p>
-            <a:pPr lvl="3" marL="1600200" indent="-228600" defTabSz="457200">
-              <a:lnSpc>
-                <a:spcPct val="100000"/>
-              </a:lnSpc>
-              <a:spcBef>
-                <a:spcPts val="320"/>
-              </a:spcBef>
-              <a:buClr>
-                <a:srgbClr val="000000"/>
-              </a:buClr>
-              <a:buFont typeface="Arial"/>
-              <a:buChar char="–"/>
-            </a:pPr>
-            <a:r>
-              <a:rPr b="0" lang="en-US" sz="1600" strike="noStrike" u="none">
-                <a:solidFill>
-                  <a:schemeClr val="dk1"/>
-                </a:solidFill>
-                <a:effectLst/>
-                <a:uFillTx/>
-                <a:latin typeface="Calibri"/>
-              </a:rPr>
-              <a:t>Fourth level</a:t>
-            </a:r>
-            <a:endParaRPr b="0" lang="pt-BR" sz="1600" strike="noStrike" u="none">
-              <a:solidFill>
-                <a:srgbClr val="000000"/>
-              </a:solidFill>
-              <a:effectLst/>
-              <a:uFillTx/>
-              <a:latin typeface="Arial"/>
-            </a:endParaRPr>
-          </a:p>
-          <a:p>
-            <a:pPr lvl="4" marL="2057400" indent="-228600" defTabSz="457200">
-              <a:lnSpc>
-                <a:spcPct val="100000"/>
-              </a:lnSpc>
-              <a:spcBef>
-                <a:spcPts val="320"/>
-              </a:spcBef>
-              <a:buClr>
-                <a:srgbClr val="000000"/>
-              </a:buClr>
-              <a:buFont typeface="Arial"/>
-              <a:buChar char="»"/>
-            </a:pPr>
-            <a:r>
-              <a:rPr b="0" lang="en-US" sz="1600" strike="noStrike" u="none">
-                <a:solidFill>
-                  <a:schemeClr val="dk1"/>
-                </a:solidFill>
-                <a:effectLst/>
-                <a:uFillTx/>
-                <a:latin typeface="Calibri"/>
-              </a:rPr>
-              <a:t>Fifth level</a:t>
-            </a:r>
-            <a:endParaRPr b="0" lang="pt-BR" sz="1600" strike="noStrike" u="none">
-              <a:solidFill>
-                <a:srgbClr val="000000"/>
-              </a:solidFill>
-              <a:effectLst/>
-              <a:uFillTx/>
-              <a:latin typeface="Arial"/>
-            </a:endParaRPr>
-          </a:p>
-        </p:txBody>
-      </p:sp>
-      <p:sp>
-        <p:nvSpPr>
-          <p:cNvPr id="58" name="PlaceHolder 6"/>
+          <p:cNvPr id="58" name="PlaceHolder 3"/>
           <p:cNvSpPr>
             <a:spLocks noGrp="1"/>
           </p:cNvSpPr>
@@ -1969,7 +1238,7 @@
         <p:spPr>
           <a:xfrm>
             <a:off x="457200" y="6356520"/>
-            <a:ext cx="2131560" cy="362880"/>
+            <a:ext cx="2131200" cy="362520"/>
           </a:xfrm>
           <a:prstGeom prst="rect">
             <a:avLst/>
@@ -2040,7 +1309,7 @@
       </p:sp>
       <p:sp>
         <p:nvSpPr>
-          <p:cNvPr id="59" name="PlaceHolder 7"/>
+          <p:cNvPr id="59" name="PlaceHolder 4"/>
           <p:cNvSpPr>
             <a:spLocks noGrp="1"/>
           </p:cNvSpPr>
@@ -2051,7 +1320,7 @@
         <p:spPr>
           <a:xfrm>
             <a:off x="3124080" y="6356520"/>
-            <a:ext cx="2893320" cy="362880"/>
+            <a:ext cx="2892960" cy="362520"/>
           </a:xfrm>
           <a:prstGeom prst="rect">
             <a:avLst/>
@@ -2118,7 +1387,7 @@
       </p:sp>
       <p:sp>
         <p:nvSpPr>
-          <p:cNvPr id="60" name="PlaceHolder 8"/>
+          <p:cNvPr id="60" name="PlaceHolder 5"/>
           <p:cNvSpPr>
             <a:spLocks noGrp="1"/>
           </p:cNvSpPr>
@@ -2129,7 +1398,7 @@
         <p:spPr>
           <a:xfrm>
             <a:off x="6553080" y="6356520"/>
-            <a:ext cx="2131560" cy="362880"/>
+            <a:ext cx="2131200" cy="362520"/>
           </a:xfrm>
           <a:prstGeom prst="rect">
             <a:avLst/>
@@ -2174,7 +1443,7 @@
                 <a:tab algn="l" pos="0"/>
               </a:tabLst>
             </a:pPr>
-            <a:fld id="{3FBCC65E-0C8D-42B1-AFD1-01843474258F}" type="slidenum">
+            <a:fld id="{77F3025B-BA2E-46F4-8A03-5B3C138CF277}" type="slidenum">
               <a:rPr b="0" lang="en-US" sz="1200" strike="noStrike" u="none">
                 <a:solidFill>
                   <a:schemeClr val="dk1">
@@ -2204,8 +1473,8 @@
 </file>
 
 <file path=ppt/slideLayouts/slideLayout2.xml><?xml version="1.0" encoding="utf-8"?>
-<p:sldLayout xmlns:a="http://schemas.openxmlformats.org/drawingml/2006/main" xmlns:p="http://schemas.openxmlformats.org/presentationml/2006/main" xmlns:r="http://schemas.openxmlformats.org/officeDocument/2006/relationships" xmlns:p14="http://schemas.microsoft.com/office/powerpoint/2010/main" xmlns:p15="http://schemas.microsoft.com/office/powerpoint/2012/main" xmlns:mc="http://schemas.openxmlformats.org/markup-compatibility/2006" type="blank" preserve="1">
-  <p:cSld name="Blank">
+<p:sldLayout xmlns:a="http://schemas.openxmlformats.org/drawingml/2006/main" xmlns:p="http://schemas.openxmlformats.org/presentationml/2006/main" xmlns:r="http://schemas.openxmlformats.org/officeDocument/2006/relationships" xmlns:p14="http://schemas.microsoft.com/office/powerpoint/2010/main" xmlns:p15="http://schemas.microsoft.com/office/powerpoint/2012/main" xmlns:mc="http://schemas.openxmlformats.org/markup-compatibility/2006" type="twoObj" preserve="1">
+  <p:cSld name="Two Content">
     <p:bg>
       <p:bgPr>
         <a:solidFill>
@@ -2234,13 +1503,470 @@
             <a:spLocks noGrp="1"/>
           </p:cNvSpPr>
           <p:nvPr>
+            <p:ph type="title"/>
+          </p:nvPr>
+        </p:nvSpPr>
+        <p:spPr>
+          <a:xfrm>
+            <a:off x="457200" y="274680"/>
+            <a:ext cx="8227080" cy="1140480"/>
+          </a:xfrm>
+          <a:prstGeom prst="rect">
+            <a:avLst/>
+          </a:prstGeom>
+          <a:noFill/>
+          <a:ln w="0">
+            <a:noFill/>
+          </a:ln>
+        </p:spPr>
+        <p:txBody>
+          <a:bodyPr lIns="91440" rIns="91440" tIns="45720" bIns="45720" anchor="ctr">
+            <a:noAutofit/>
+          </a:bodyPr>
+          <a:p>
+            <a:pPr indent="0" algn="ctr" defTabSz="457200">
+              <a:lnSpc>
+                <a:spcPct val="100000"/>
+              </a:lnSpc>
+              <a:buNone/>
+              <a:tabLst>
+                <a:tab algn="l" pos="0"/>
+              </a:tabLst>
+            </a:pPr>
+            <a:r>
+              <a:rPr b="0" lang="en-US" sz="4400" strike="noStrike" u="none">
+                <a:solidFill>
+                  <a:schemeClr val="dk1"/>
+                </a:solidFill>
+                <a:effectLst/>
+                <a:uFillTx/>
+                <a:latin typeface="Calibri"/>
+              </a:rPr>
+              <a:t>Click to edit Master title style</a:t>
+            </a:r>
+            <a:endParaRPr b="0" lang="pt-BR" sz="4400" strike="noStrike" u="none">
+              <a:solidFill>
+                <a:srgbClr val="000000"/>
+              </a:solidFill>
+              <a:effectLst/>
+              <a:uFillTx/>
+              <a:latin typeface="Arial"/>
+            </a:endParaRPr>
+          </a:p>
+        </p:txBody>
+      </p:sp>
+      <p:sp>
+        <p:nvSpPr>
+          <p:cNvPr id="6" name="PlaceHolder 2"/>
+          <p:cNvSpPr>
+            <a:spLocks noGrp="1"/>
+          </p:cNvSpPr>
+          <p:nvPr>
+            <p:ph type="body"/>
+          </p:nvPr>
+        </p:nvSpPr>
+        <p:spPr>
+          <a:xfrm>
+            <a:off x="457200" y="1600200"/>
+            <a:ext cx="4035960" cy="4523400"/>
+          </a:xfrm>
+          <a:prstGeom prst="rect">
+            <a:avLst/>
+          </a:prstGeom>
+          <a:noFill/>
+          <a:ln w="0">
+            <a:noFill/>
+          </a:ln>
+        </p:spPr>
+        <p:txBody>
+          <a:bodyPr lIns="91440" rIns="91440" tIns="45720" bIns="45720" anchor="t">
+            <a:noAutofit/>
+          </a:bodyPr>
+          <a:p>
+            <a:pPr marL="343080" indent="-343080" defTabSz="457200">
+              <a:lnSpc>
+                <a:spcPct val="100000"/>
+              </a:lnSpc>
+              <a:spcBef>
+                <a:spcPts val="561"/>
+              </a:spcBef>
+              <a:buClr>
+                <a:srgbClr val="000000"/>
+              </a:buClr>
+              <a:buFont typeface="Arial"/>
+              <a:buChar char="•"/>
+            </a:pPr>
+            <a:r>
+              <a:rPr b="0" lang="en-US" sz="2800" strike="noStrike" u="none">
+                <a:solidFill>
+                  <a:schemeClr val="dk1"/>
+                </a:solidFill>
+                <a:effectLst/>
+                <a:uFillTx/>
+                <a:latin typeface="Calibri"/>
+              </a:rPr>
+              <a:t>Click to edit Master text styles</a:t>
+            </a:r>
+            <a:endParaRPr b="0" lang="pt-BR" sz="2800" strike="noStrike" u="none">
+              <a:solidFill>
+                <a:srgbClr val="000000"/>
+              </a:solidFill>
+              <a:effectLst/>
+              <a:uFillTx/>
+              <a:latin typeface="Arial"/>
+            </a:endParaRPr>
+          </a:p>
+          <a:p>
+            <a:pPr lvl="1" marL="743040" indent="-285840" defTabSz="457200">
+              <a:lnSpc>
+                <a:spcPct val="100000"/>
+              </a:lnSpc>
+              <a:spcBef>
+                <a:spcPts val="479"/>
+              </a:spcBef>
+              <a:buClr>
+                <a:srgbClr val="000000"/>
+              </a:buClr>
+              <a:buFont typeface="Arial"/>
+              <a:buChar char="–"/>
+            </a:pPr>
+            <a:r>
+              <a:rPr b="0" lang="en-US" sz="2400" strike="noStrike" u="none">
+                <a:solidFill>
+                  <a:schemeClr val="dk1"/>
+                </a:solidFill>
+                <a:effectLst/>
+                <a:uFillTx/>
+                <a:latin typeface="Calibri"/>
+              </a:rPr>
+              <a:t>Second level</a:t>
+            </a:r>
+            <a:endParaRPr b="0" lang="pt-BR" sz="2400" strike="noStrike" u="none">
+              <a:solidFill>
+                <a:srgbClr val="000000"/>
+              </a:solidFill>
+              <a:effectLst/>
+              <a:uFillTx/>
+              <a:latin typeface="Arial"/>
+            </a:endParaRPr>
+          </a:p>
+          <a:p>
+            <a:pPr lvl="2" marL="1143000" indent="-228600" defTabSz="457200">
+              <a:lnSpc>
+                <a:spcPct val="100000"/>
+              </a:lnSpc>
+              <a:spcBef>
+                <a:spcPts val="400"/>
+              </a:spcBef>
+              <a:buClr>
+                <a:srgbClr val="000000"/>
+              </a:buClr>
+              <a:buFont typeface="Arial"/>
+              <a:buChar char="•"/>
+            </a:pPr>
+            <a:r>
+              <a:rPr b="0" lang="en-US" sz="2000" strike="noStrike" u="none">
+                <a:solidFill>
+                  <a:schemeClr val="dk1"/>
+                </a:solidFill>
+                <a:effectLst/>
+                <a:uFillTx/>
+                <a:latin typeface="Calibri"/>
+              </a:rPr>
+              <a:t>Third level</a:t>
+            </a:r>
+            <a:endParaRPr b="0" lang="pt-BR" sz="2000" strike="noStrike" u="none">
+              <a:solidFill>
+                <a:srgbClr val="000000"/>
+              </a:solidFill>
+              <a:effectLst/>
+              <a:uFillTx/>
+              <a:latin typeface="Arial"/>
+            </a:endParaRPr>
+          </a:p>
+          <a:p>
+            <a:pPr lvl="3" marL="1600200" indent="-228600" defTabSz="457200">
+              <a:lnSpc>
+                <a:spcPct val="100000"/>
+              </a:lnSpc>
+              <a:spcBef>
+                <a:spcPts val="360"/>
+              </a:spcBef>
+              <a:buClr>
+                <a:srgbClr val="000000"/>
+              </a:buClr>
+              <a:buFont typeface="Arial"/>
+              <a:buChar char="–"/>
+            </a:pPr>
+            <a:r>
+              <a:rPr b="0" lang="en-US" sz="1800" strike="noStrike" u="none">
+                <a:solidFill>
+                  <a:schemeClr val="dk1"/>
+                </a:solidFill>
+                <a:effectLst/>
+                <a:uFillTx/>
+                <a:latin typeface="Calibri"/>
+              </a:rPr>
+              <a:t>Fourth level</a:t>
+            </a:r>
+            <a:endParaRPr b="0" lang="pt-BR" sz="1800" strike="noStrike" u="none">
+              <a:solidFill>
+                <a:srgbClr val="000000"/>
+              </a:solidFill>
+              <a:effectLst/>
+              <a:uFillTx/>
+              <a:latin typeface="Arial"/>
+            </a:endParaRPr>
+          </a:p>
+          <a:p>
+            <a:pPr lvl="4" marL="2057400" indent="-228600" defTabSz="457200">
+              <a:lnSpc>
+                <a:spcPct val="100000"/>
+              </a:lnSpc>
+              <a:spcBef>
+                <a:spcPts val="360"/>
+              </a:spcBef>
+              <a:buClr>
+                <a:srgbClr val="000000"/>
+              </a:buClr>
+              <a:buFont typeface="Arial"/>
+              <a:buChar char="»"/>
+            </a:pPr>
+            <a:r>
+              <a:rPr b="0" lang="en-US" sz="1800" strike="noStrike" u="none">
+                <a:solidFill>
+                  <a:schemeClr val="dk1"/>
+                </a:solidFill>
+                <a:effectLst/>
+                <a:uFillTx/>
+                <a:latin typeface="Calibri"/>
+              </a:rPr>
+              <a:t>Fifth level</a:t>
+            </a:r>
+            <a:endParaRPr b="0" lang="pt-BR" sz="1800" strike="noStrike" u="none">
+              <a:solidFill>
+                <a:srgbClr val="000000"/>
+              </a:solidFill>
+              <a:effectLst/>
+              <a:uFillTx/>
+              <a:latin typeface="Arial"/>
+            </a:endParaRPr>
+          </a:p>
+        </p:txBody>
+      </p:sp>
+      <p:sp>
+        <p:nvSpPr>
+          <p:cNvPr id="7" name="PlaceHolder 3"/>
+          <p:cNvSpPr>
+            <a:spLocks noGrp="1"/>
+          </p:cNvSpPr>
+          <p:nvPr>
+            <p:ph type="body"/>
+          </p:nvPr>
+        </p:nvSpPr>
+        <p:spPr>
+          <a:xfrm>
+            <a:off x="4648320" y="1600200"/>
+            <a:ext cx="4035960" cy="4523400"/>
+          </a:xfrm>
+          <a:prstGeom prst="rect">
+            <a:avLst/>
+          </a:prstGeom>
+          <a:noFill/>
+          <a:ln w="0">
+            <a:noFill/>
+          </a:ln>
+        </p:spPr>
+        <p:txBody>
+          <a:bodyPr lIns="91440" rIns="91440" tIns="45720" bIns="45720" anchor="t">
+            <a:noAutofit/>
+          </a:bodyPr>
+          <a:p>
+            <a:pPr marL="343080" indent="-343080" defTabSz="457200">
+              <a:lnSpc>
+                <a:spcPct val="100000"/>
+              </a:lnSpc>
+              <a:spcBef>
+                <a:spcPts val="561"/>
+              </a:spcBef>
+              <a:buClr>
+                <a:srgbClr val="000000"/>
+              </a:buClr>
+              <a:buFont typeface="Arial"/>
+              <a:buChar char="•"/>
+            </a:pPr>
+            <a:r>
+              <a:rPr b="0" lang="en-US" sz="2800" strike="noStrike" u="none">
+                <a:solidFill>
+                  <a:schemeClr val="dk1"/>
+                </a:solidFill>
+                <a:effectLst/>
+                <a:uFillTx/>
+                <a:latin typeface="Calibri"/>
+              </a:rPr>
+              <a:t>Click to edit Master text styles</a:t>
+            </a:r>
+            <a:endParaRPr b="0" lang="pt-BR" sz="2800" strike="noStrike" u="none">
+              <a:solidFill>
+                <a:srgbClr val="000000"/>
+              </a:solidFill>
+              <a:effectLst/>
+              <a:uFillTx/>
+              <a:latin typeface="Arial"/>
+            </a:endParaRPr>
+          </a:p>
+          <a:p>
+            <a:pPr lvl="1" marL="743040" indent="-285840" defTabSz="457200">
+              <a:lnSpc>
+                <a:spcPct val="100000"/>
+              </a:lnSpc>
+              <a:spcBef>
+                <a:spcPts val="479"/>
+              </a:spcBef>
+              <a:buClr>
+                <a:srgbClr val="000000"/>
+              </a:buClr>
+              <a:buFont typeface="Arial"/>
+              <a:buChar char="–"/>
+            </a:pPr>
+            <a:r>
+              <a:rPr b="0" lang="en-US" sz="2400" strike="noStrike" u="none">
+                <a:solidFill>
+                  <a:schemeClr val="dk1"/>
+                </a:solidFill>
+                <a:effectLst/>
+                <a:uFillTx/>
+                <a:latin typeface="Calibri"/>
+              </a:rPr>
+              <a:t>Second level</a:t>
+            </a:r>
+            <a:endParaRPr b="0" lang="pt-BR" sz="2400" strike="noStrike" u="none">
+              <a:solidFill>
+                <a:srgbClr val="000000"/>
+              </a:solidFill>
+              <a:effectLst/>
+              <a:uFillTx/>
+              <a:latin typeface="Arial"/>
+            </a:endParaRPr>
+          </a:p>
+          <a:p>
+            <a:pPr lvl="2" marL="1143000" indent="-228600" defTabSz="457200">
+              <a:lnSpc>
+                <a:spcPct val="100000"/>
+              </a:lnSpc>
+              <a:spcBef>
+                <a:spcPts val="400"/>
+              </a:spcBef>
+              <a:buClr>
+                <a:srgbClr val="000000"/>
+              </a:buClr>
+              <a:buFont typeface="Arial"/>
+              <a:buChar char="•"/>
+            </a:pPr>
+            <a:r>
+              <a:rPr b="0" lang="en-US" sz="2000" strike="noStrike" u="none">
+                <a:solidFill>
+                  <a:schemeClr val="dk1"/>
+                </a:solidFill>
+                <a:effectLst/>
+                <a:uFillTx/>
+                <a:latin typeface="Calibri"/>
+              </a:rPr>
+              <a:t>Third level</a:t>
+            </a:r>
+            <a:endParaRPr b="0" lang="pt-BR" sz="2000" strike="noStrike" u="none">
+              <a:solidFill>
+                <a:srgbClr val="000000"/>
+              </a:solidFill>
+              <a:effectLst/>
+              <a:uFillTx/>
+              <a:latin typeface="Arial"/>
+            </a:endParaRPr>
+          </a:p>
+          <a:p>
+            <a:pPr lvl="3" marL="1600200" indent="-228600" defTabSz="457200">
+              <a:lnSpc>
+                <a:spcPct val="100000"/>
+              </a:lnSpc>
+              <a:spcBef>
+                <a:spcPts val="360"/>
+              </a:spcBef>
+              <a:buClr>
+                <a:srgbClr val="000000"/>
+              </a:buClr>
+              <a:buFont typeface="Arial"/>
+              <a:buChar char="–"/>
+            </a:pPr>
+            <a:r>
+              <a:rPr b="0" lang="en-US" sz="1800" strike="noStrike" u="none">
+                <a:solidFill>
+                  <a:schemeClr val="dk1"/>
+                </a:solidFill>
+                <a:effectLst/>
+                <a:uFillTx/>
+                <a:latin typeface="Calibri"/>
+              </a:rPr>
+              <a:t>Fourth level</a:t>
+            </a:r>
+            <a:endParaRPr b="0" lang="pt-BR" sz="1800" strike="noStrike" u="none">
+              <a:solidFill>
+                <a:srgbClr val="000000"/>
+              </a:solidFill>
+              <a:effectLst/>
+              <a:uFillTx/>
+              <a:latin typeface="Arial"/>
+            </a:endParaRPr>
+          </a:p>
+          <a:p>
+            <a:pPr lvl="4" marL="2057400" indent="-228600" defTabSz="457200">
+              <a:lnSpc>
+                <a:spcPct val="100000"/>
+              </a:lnSpc>
+              <a:spcBef>
+                <a:spcPts val="360"/>
+              </a:spcBef>
+              <a:buClr>
+                <a:srgbClr val="000000"/>
+              </a:buClr>
+              <a:buFont typeface="Arial"/>
+              <a:buChar char="»"/>
+            </a:pPr>
+            <a:r>
+              <a:rPr b="0" lang="en-US" sz="1800" strike="noStrike" u="none">
+                <a:solidFill>
+                  <a:schemeClr val="dk1"/>
+                </a:solidFill>
+                <a:effectLst/>
+                <a:uFillTx/>
+                <a:latin typeface="Calibri"/>
+              </a:rPr>
+              <a:t>Fifth level</a:t>
+            </a:r>
+            <a:endParaRPr b="0" lang="pt-BR" sz="1800" strike="noStrike" u="none">
+              <a:solidFill>
+                <a:srgbClr val="000000"/>
+              </a:solidFill>
+              <a:effectLst/>
+              <a:uFillTx/>
+              <a:latin typeface="Arial"/>
+            </a:endParaRPr>
+          </a:p>
+        </p:txBody>
+      </p:sp>
+      <p:sp>
+        <p:nvSpPr>
+          <p:cNvPr id="8" name="PlaceHolder 4"/>
+          <p:cNvSpPr>
+            <a:spLocks noGrp="1"/>
+          </p:cNvSpPr>
+          <p:nvPr>
             <p:ph type="dt" idx="4"/>
           </p:nvPr>
         </p:nvSpPr>
         <p:spPr>
           <a:xfrm>
             <a:off x="457200" y="6356520"/>
-            <a:ext cx="2131560" cy="362880"/>
+            <a:ext cx="2131200" cy="362520"/>
           </a:xfrm>
           <a:prstGeom prst="rect">
             <a:avLst/>
@@ -2311,7 +2037,7 @@
       </p:sp>
       <p:sp>
         <p:nvSpPr>
-          <p:cNvPr id="6" name="PlaceHolder 2"/>
+          <p:cNvPr id="9" name="PlaceHolder 5"/>
           <p:cNvSpPr>
             <a:spLocks noGrp="1"/>
           </p:cNvSpPr>
@@ -2322,7 +2048,7 @@
         <p:spPr>
           <a:xfrm>
             <a:off x="3124080" y="6356520"/>
-            <a:ext cx="2893320" cy="362880"/>
+            <a:ext cx="2892960" cy="362520"/>
           </a:xfrm>
           <a:prstGeom prst="rect">
             <a:avLst/>
@@ -2389,7 +2115,7 @@
       </p:sp>
       <p:sp>
         <p:nvSpPr>
-          <p:cNvPr id="7" name="PlaceHolder 3"/>
+          <p:cNvPr id="10" name="PlaceHolder 6"/>
           <p:cNvSpPr>
             <a:spLocks noGrp="1"/>
           </p:cNvSpPr>
@@ -2400,7 +2126,7 @@
         <p:spPr>
           <a:xfrm>
             <a:off x="6553080" y="6356520"/>
-            <a:ext cx="2131560" cy="362880"/>
+            <a:ext cx="2131200" cy="362520"/>
           </a:xfrm>
           <a:prstGeom prst="rect">
             <a:avLst/>
@@ -2445,7 +2171,7 @@
                 <a:tab algn="l" pos="0"/>
               </a:tabLst>
             </a:pPr>
-            <a:fld id="{69051FBE-A32E-408E-8BEB-9DBF7CC0ADD0}" type="slidenum">
+            <a:fld id="{14A5EF2F-9A07-428D-AC1C-F25C326F0E81}" type="slidenum">
               <a:rPr b="0" lang="en-US" sz="1200" strike="noStrike" u="none">
                 <a:solidFill>
                   <a:schemeClr val="dk1">
@@ -2465,13 +2191,1740 @@
               <a:effectLst/>
               <a:uFillTx/>
               <a:latin typeface="Times New Roman"/>
+            </a:endParaRPr>
+          </a:p>
+        </p:txBody>
+      </p:sp>
+    </p:spTree>
+  </p:cSld>
+</p:sldLayout>
+</file>
+
+<file path=ppt/slideLayouts/slideLayout3.xml><?xml version="1.0" encoding="utf-8"?>
+<p:sldLayout xmlns:a="http://schemas.openxmlformats.org/drawingml/2006/main" xmlns:p="http://schemas.openxmlformats.org/presentationml/2006/main" xmlns:r="http://schemas.openxmlformats.org/officeDocument/2006/relationships" xmlns:p14="http://schemas.microsoft.com/office/powerpoint/2010/main" xmlns:p15="http://schemas.microsoft.com/office/powerpoint/2012/main" xmlns:mc="http://schemas.openxmlformats.org/markup-compatibility/2006" type="blank" preserve="1">
+  <p:cSld name="Comparison">
+    <p:bg>
+      <p:bgPr>
+        <a:solidFill>
+          <a:srgbClr val="ffffff"/>
+        </a:solidFill>
+      </p:bgPr>
+    </p:bg>
+    <p:spTree>
+      <p:nvGrpSpPr>
+        <p:cNvPr id="1" name=""/>
+        <p:cNvGrpSpPr/>
+        <p:nvPr/>
+      </p:nvGrpSpPr>
+      <p:grpSpPr>
+        <a:xfrm>
+          <a:off x="0" y="0"/>
+          <a:ext cx="0" cy="0"/>
+          <a:chOff x="0" y="0"/>
+          <a:chExt cx="0" cy="0"/>
+        </a:xfrm>
+      </p:grpSpPr>
+      <p:sp>
+        <p:nvSpPr>
+          <p:cNvPr id="11" name="PlaceHolder 1"/>
+          <p:cNvSpPr>
+            <a:spLocks noGrp="1"/>
+          </p:cNvSpPr>
+          <p:nvPr>
+            <p:ph type="title"/>
+          </p:nvPr>
+        </p:nvSpPr>
+        <p:spPr>
+          <a:xfrm>
+            <a:off x="457200" y="274680"/>
+            <a:ext cx="8227080" cy="1140480"/>
+          </a:xfrm>
+          <a:prstGeom prst="rect">
+            <a:avLst/>
+          </a:prstGeom>
+          <a:noFill/>
+          <a:ln w="0">
+            <a:noFill/>
+          </a:ln>
+        </p:spPr>
+        <p:txBody>
+          <a:bodyPr lIns="91440" rIns="91440" tIns="45720" bIns="45720" anchor="ctr">
+            <a:noAutofit/>
+          </a:bodyPr>
+          <a:p>
+            <a:pPr indent="0" algn="ctr" defTabSz="457200">
+              <a:lnSpc>
+                <a:spcPct val="100000"/>
+              </a:lnSpc>
+              <a:buNone/>
+              <a:tabLst>
+                <a:tab algn="l" pos="0"/>
+              </a:tabLst>
+            </a:pPr>
+            <a:r>
+              <a:rPr b="0" lang="en-US" sz="4400" strike="noStrike" u="none">
+                <a:solidFill>
+                  <a:schemeClr val="dk1"/>
+                </a:solidFill>
+                <a:effectLst/>
+                <a:uFillTx/>
+                <a:latin typeface="Calibri"/>
+              </a:rPr>
+              <a:t>Click to edit Master title style</a:t>
+            </a:r>
+            <a:endParaRPr b="0" lang="pt-BR" sz="4400" strike="noStrike" u="none">
+              <a:solidFill>
+                <a:srgbClr val="000000"/>
+              </a:solidFill>
+              <a:effectLst/>
+              <a:uFillTx/>
+              <a:latin typeface="Arial"/>
             </a:endParaRPr>
           </a:p>
         </p:txBody>
       </p:sp>
       <p:sp>
         <p:nvSpPr>
-          <p:cNvPr id="8" name="PlaceHolder 4"/>
+          <p:cNvPr id="12" name="PlaceHolder 2"/>
+          <p:cNvSpPr>
+            <a:spLocks noGrp="1"/>
+          </p:cNvSpPr>
+          <p:nvPr>
+            <p:ph type="body"/>
+          </p:nvPr>
+        </p:nvSpPr>
+        <p:spPr>
+          <a:xfrm>
+            <a:off x="457200" y="1535040"/>
+            <a:ext cx="4037760" cy="637200"/>
+          </a:xfrm>
+          <a:prstGeom prst="rect">
+            <a:avLst/>
+          </a:prstGeom>
+          <a:noFill/>
+          <a:ln w="0">
+            <a:noFill/>
+          </a:ln>
+        </p:spPr>
+        <p:txBody>
+          <a:bodyPr lIns="91440" rIns="91440" tIns="45720" bIns="45720" anchor="b">
+            <a:noAutofit/>
+          </a:bodyPr>
+          <a:p>
+            <a:pPr indent="0" defTabSz="457200">
+              <a:lnSpc>
+                <a:spcPct val="100000"/>
+              </a:lnSpc>
+              <a:spcBef>
+                <a:spcPts val="479"/>
+              </a:spcBef>
+              <a:buNone/>
+              <a:tabLst>
+                <a:tab algn="l" pos="0"/>
+              </a:tabLst>
+            </a:pPr>
+            <a:r>
+              <a:rPr b="1" lang="en-US" sz="2400" strike="noStrike" u="none">
+                <a:solidFill>
+                  <a:schemeClr val="dk1"/>
+                </a:solidFill>
+                <a:effectLst/>
+                <a:uFillTx/>
+                <a:latin typeface="Calibri"/>
+              </a:rPr>
+              <a:t>Click to edit Master text styles</a:t>
+            </a:r>
+            <a:endParaRPr b="0" lang="pt-BR" sz="2400" strike="noStrike" u="none">
+              <a:solidFill>
+                <a:srgbClr val="000000"/>
+              </a:solidFill>
+              <a:effectLst/>
+              <a:uFillTx/>
+              <a:latin typeface="Arial"/>
+            </a:endParaRPr>
+          </a:p>
+        </p:txBody>
+      </p:sp>
+      <p:sp>
+        <p:nvSpPr>
+          <p:cNvPr id="13" name="PlaceHolder 3"/>
+          <p:cNvSpPr>
+            <a:spLocks noGrp="1"/>
+          </p:cNvSpPr>
+          <p:nvPr>
+            <p:ph type="body"/>
+          </p:nvPr>
+        </p:nvSpPr>
+        <p:spPr>
+          <a:xfrm>
+            <a:off x="457200" y="2174760"/>
+            <a:ext cx="4037760" cy="3948840"/>
+          </a:xfrm>
+          <a:prstGeom prst="rect">
+            <a:avLst/>
+          </a:prstGeom>
+          <a:noFill/>
+          <a:ln w="0">
+            <a:noFill/>
+          </a:ln>
+        </p:spPr>
+        <p:txBody>
+          <a:bodyPr lIns="91440" rIns="91440" tIns="45720" bIns="45720" anchor="t">
+            <a:noAutofit/>
+          </a:bodyPr>
+          <a:p>
+            <a:pPr marL="343080" indent="-343080" defTabSz="457200">
+              <a:lnSpc>
+                <a:spcPct val="100000"/>
+              </a:lnSpc>
+              <a:spcBef>
+                <a:spcPts val="479"/>
+              </a:spcBef>
+              <a:buClr>
+                <a:srgbClr val="000000"/>
+              </a:buClr>
+              <a:buFont typeface="Arial"/>
+              <a:buChar char="•"/>
+            </a:pPr>
+            <a:r>
+              <a:rPr b="0" lang="en-US" sz="2400" strike="noStrike" u="none">
+                <a:solidFill>
+                  <a:schemeClr val="dk1"/>
+                </a:solidFill>
+                <a:effectLst/>
+                <a:uFillTx/>
+                <a:latin typeface="Calibri"/>
+              </a:rPr>
+              <a:t>Click to edit Master text styles</a:t>
+            </a:r>
+            <a:endParaRPr b="0" lang="pt-BR" sz="2400" strike="noStrike" u="none">
+              <a:solidFill>
+                <a:srgbClr val="000000"/>
+              </a:solidFill>
+              <a:effectLst/>
+              <a:uFillTx/>
+              <a:latin typeface="Arial"/>
+            </a:endParaRPr>
+          </a:p>
+          <a:p>
+            <a:pPr lvl="1" marL="743040" indent="-285840" defTabSz="457200">
+              <a:lnSpc>
+                <a:spcPct val="100000"/>
+              </a:lnSpc>
+              <a:spcBef>
+                <a:spcPts val="400"/>
+              </a:spcBef>
+              <a:buClr>
+                <a:srgbClr val="000000"/>
+              </a:buClr>
+              <a:buFont typeface="Arial"/>
+              <a:buChar char="–"/>
+            </a:pPr>
+            <a:r>
+              <a:rPr b="0" lang="en-US" sz="2000" strike="noStrike" u="none">
+                <a:solidFill>
+                  <a:schemeClr val="dk1"/>
+                </a:solidFill>
+                <a:effectLst/>
+                <a:uFillTx/>
+                <a:latin typeface="Calibri"/>
+              </a:rPr>
+              <a:t>Second level</a:t>
+            </a:r>
+            <a:endParaRPr b="0" lang="pt-BR" sz="2000" strike="noStrike" u="none">
+              <a:solidFill>
+                <a:srgbClr val="000000"/>
+              </a:solidFill>
+              <a:effectLst/>
+              <a:uFillTx/>
+              <a:latin typeface="Arial"/>
+            </a:endParaRPr>
+          </a:p>
+          <a:p>
+            <a:pPr lvl="2" marL="1143000" indent="-228600" defTabSz="457200">
+              <a:lnSpc>
+                <a:spcPct val="100000"/>
+              </a:lnSpc>
+              <a:spcBef>
+                <a:spcPts val="360"/>
+              </a:spcBef>
+              <a:buClr>
+                <a:srgbClr val="000000"/>
+              </a:buClr>
+              <a:buFont typeface="Arial"/>
+              <a:buChar char="•"/>
+            </a:pPr>
+            <a:r>
+              <a:rPr b="0" lang="en-US" sz="1800" strike="noStrike" u="none">
+                <a:solidFill>
+                  <a:schemeClr val="dk1"/>
+                </a:solidFill>
+                <a:effectLst/>
+                <a:uFillTx/>
+                <a:latin typeface="Calibri"/>
+              </a:rPr>
+              <a:t>Third level</a:t>
+            </a:r>
+            <a:endParaRPr b="0" lang="pt-BR" sz="1800" strike="noStrike" u="none">
+              <a:solidFill>
+                <a:srgbClr val="000000"/>
+              </a:solidFill>
+              <a:effectLst/>
+              <a:uFillTx/>
+              <a:latin typeface="Arial"/>
+            </a:endParaRPr>
+          </a:p>
+          <a:p>
+            <a:pPr lvl="3" marL="1600200" indent="-228600" defTabSz="457200">
+              <a:lnSpc>
+                <a:spcPct val="100000"/>
+              </a:lnSpc>
+              <a:spcBef>
+                <a:spcPts val="320"/>
+              </a:spcBef>
+              <a:buClr>
+                <a:srgbClr val="000000"/>
+              </a:buClr>
+              <a:buFont typeface="Arial"/>
+              <a:buChar char="–"/>
+            </a:pPr>
+            <a:r>
+              <a:rPr b="0" lang="en-US" sz="1600" strike="noStrike" u="none">
+                <a:solidFill>
+                  <a:schemeClr val="dk1"/>
+                </a:solidFill>
+                <a:effectLst/>
+                <a:uFillTx/>
+                <a:latin typeface="Calibri"/>
+              </a:rPr>
+              <a:t>Fourth level</a:t>
+            </a:r>
+            <a:endParaRPr b="0" lang="pt-BR" sz="1600" strike="noStrike" u="none">
+              <a:solidFill>
+                <a:srgbClr val="000000"/>
+              </a:solidFill>
+              <a:effectLst/>
+              <a:uFillTx/>
+              <a:latin typeface="Arial"/>
+            </a:endParaRPr>
+          </a:p>
+          <a:p>
+            <a:pPr lvl="4" marL="2057400" indent="-228600" defTabSz="457200">
+              <a:lnSpc>
+                <a:spcPct val="100000"/>
+              </a:lnSpc>
+              <a:spcBef>
+                <a:spcPts val="320"/>
+              </a:spcBef>
+              <a:buClr>
+                <a:srgbClr val="000000"/>
+              </a:buClr>
+              <a:buFont typeface="Arial"/>
+              <a:buChar char="»"/>
+            </a:pPr>
+            <a:r>
+              <a:rPr b="0" lang="en-US" sz="1600" strike="noStrike" u="none">
+                <a:solidFill>
+                  <a:schemeClr val="dk1"/>
+                </a:solidFill>
+                <a:effectLst/>
+                <a:uFillTx/>
+                <a:latin typeface="Calibri"/>
+              </a:rPr>
+              <a:t>Fifth level</a:t>
+            </a:r>
+            <a:endParaRPr b="0" lang="pt-BR" sz="1600" strike="noStrike" u="none">
+              <a:solidFill>
+                <a:srgbClr val="000000"/>
+              </a:solidFill>
+              <a:effectLst/>
+              <a:uFillTx/>
+              <a:latin typeface="Arial"/>
+            </a:endParaRPr>
+          </a:p>
+        </p:txBody>
+      </p:sp>
+      <p:sp>
+        <p:nvSpPr>
+          <p:cNvPr id="14" name="PlaceHolder 4"/>
+          <p:cNvSpPr>
+            <a:spLocks noGrp="1"/>
+          </p:cNvSpPr>
+          <p:nvPr>
+            <p:ph type="body"/>
+          </p:nvPr>
+        </p:nvSpPr>
+        <p:spPr>
+          <a:xfrm>
+            <a:off x="4645080" y="1535040"/>
+            <a:ext cx="4039200" cy="637200"/>
+          </a:xfrm>
+          <a:prstGeom prst="rect">
+            <a:avLst/>
+          </a:prstGeom>
+          <a:noFill/>
+          <a:ln w="0">
+            <a:noFill/>
+          </a:ln>
+        </p:spPr>
+        <p:txBody>
+          <a:bodyPr lIns="91440" rIns="91440" tIns="45720" bIns="45720" anchor="b">
+            <a:noAutofit/>
+          </a:bodyPr>
+          <a:p>
+            <a:pPr indent="0" defTabSz="457200">
+              <a:lnSpc>
+                <a:spcPct val="100000"/>
+              </a:lnSpc>
+              <a:spcBef>
+                <a:spcPts val="479"/>
+              </a:spcBef>
+              <a:buNone/>
+              <a:tabLst>
+                <a:tab algn="l" pos="0"/>
+              </a:tabLst>
+            </a:pPr>
+            <a:r>
+              <a:rPr b="1" lang="en-US" sz="2400" strike="noStrike" u="none">
+                <a:solidFill>
+                  <a:schemeClr val="dk1"/>
+                </a:solidFill>
+                <a:effectLst/>
+                <a:uFillTx/>
+                <a:latin typeface="Calibri"/>
+              </a:rPr>
+              <a:t>Click to edit Master text styles</a:t>
+            </a:r>
+            <a:endParaRPr b="0" lang="pt-BR" sz="2400" strike="noStrike" u="none">
+              <a:solidFill>
+                <a:srgbClr val="000000"/>
+              </a:solidFill>
+              <a:effectLst/>
+              <a:uFillTx/>
+              <a:latin typeface="Arial"/>
+            </a:endParaRPr>
+          </a:p>
+        </p:txBody>
+      </p:sp>
+      <p:sp>
+        <p:nvSpPr>
+          <p:cNvPr id="15" name="PlaceHolder 5"/>
+          <p:cNvSpPr>
+            <a:spLocks noGrp="1"/>
+          </p:cNvSpPr>
+          <p:nvPr>
+            <p:ph type="body"/>
+          </p:nvPr>
+        </p:nvSpPr>
+        <p:spPr>
+          <a:xfrm>
+            <a:off x="4645080" y="2174760"/>
+            <a:ext cx="4039200" cy="3948840"/>
+          </a:xfrm>
+          <a:prstGeom prst="rect">
+            <a:avLst/>
+          </a:prstGeom>
+          <a:noFill/>
+          <a:ln w="0">
+            <a:noFill/>
+          </a:ln>
+        </p:spPr>
+        <p:txBody>
+          <a:bodyPr lIns="91440" rIns="91440" tIns="45720" bIns="45720" anchor="t">
+            <a:noAutofit/>
+          </a:bodyPr>
+          <a:p>
+            <a:pPr marL="343080" indent="-343080" defTabSz="457200">
+              <a:lnSpc>
+                <a:spcPct val="100000"/>
+              </a:lnSpc>
+              <a:spcBef>
+                <a:spcPts val="479"/>
+              </a:spcBef>
+              <a:buClr>
+                <a:srgbClr val="000000"/>
+              </a:buClr>
+              <a:buFont typeface="Arial"/>
+              <a:buChar char="•"/>
+            </a:pPr>
+            <a:r>
+              <a:rPr b="0" lang="en-US" sz="2400" strike="noStrike" u="none">
+                <a:solidFill>
+                  <a:schemeClr val="dk1"/>
+                </a:solidFill>
+                <a:effectLst/>
+                <a:uFillTx/>
+                <a:latin typeface="Calibri"/>
+              </a:rPr>
+              <a:t>Click to edit Master text styles</a:t>
+            </a:r>
+            <a:endParaRPr b="0" lang="pt-BR" sz="2400" strike="noStrike" u="none">
+              <a:solidFill>
+                <a:srgbClr val="000000"/>
+              </a:solidFill>
+              <a:effectLst/>
+              <a:uFillTx/>
+              <a:latin typeface="Arial"/>
+            </a:endParaRPr>
+          </a:p>
+          <a:p>
+            <a:pPr lvl="1" marL="743040" indent="-285840" defTabSz="457200">
+              <a:lnSpc>
+                <a:spcPct val="100000"/>
+              </a:lnSpc>
+              <a:spcBef>
+                <a:spcPts val="400"/>
+              </a:spcBef>
+              <a:buClr>
+                <a:srgbClr val="000000"/>
+              </a:buClr>
+              <a:buFont typeface="Arial"/>
+              <a:buChar char="–"/>
+            </a:pPr>
+            <a:r>
+              <a:rPr b="0" lang="en-US" sz="2000" strike="noStrike" u="none">
+                <a:solidFill>
+                  <a:schemeClr val="dk1"/>
+                </a:solidFill>
+                <a:effectLst/>
+                <a:uFillTx/>
+                <a:latin typeface="Calibri"/>
+              </a:rPr>
+              <a:t>Second level</a:t>
+            </a:r>
+            <a:endParaRPr b="0" lang="pt-BR" sz="2000" strike="noStrike" u="none">
+              <a:solidFill>
+                <a:srgbClr val="000000"/>
+              </a:solidFill>
+              <a:effectLst/>
+              <a:uFillTx/>
+              <a:latin typeface="Arial"/>
+            </a:endParaRPr>
+          </a:p>
+          <a:p>
+            <a:pPr lvl="2" marL="1143000" indent="-228600" defTabSz="457200">
+              <a:lnSpc>
+                <a:spcPct val="100000"/>
+              </a:lnSpc>
+              <a:spcBef>
+                <a:spcPts val="360"/>
+              </a:spcBef>
+              <a:buClr>
+                <a:srgbClr val="000000"/>
+              </a:buClr>
+              <a:buFont typeface="Arial"/>
+              <a:buChar char="•"/>
+            </a:pPr>
+            <a:r>
+              <a:rPr b="0" lang="en-US" sz="1800" strike="noStrike" u="none">
+                <a:solidFill>
+                  <a:schemeClr val="dk1"/>
+                </a:solidFill>
+                <a:effectLst/>
+                <a:uFillTx/>
+                <a:latin typeface="Calibri"/>
+              </a:rPr>
+              <a:t>Third level</a:t>
+            </a:r>
+            <a:endParaRPr b="0" lang="pt-BR" sz="1800" strike="noStrike" u="none">
+              <a:solidFill>
+                <a:srgbClr val="000000"/>
+              </a:solidFill>
+              <a:effectLst/>
+              <a:uFillTx/>
+              <a:latin typeface="Arial"/>
+            </a:endParaRPr>
+          </a:p>
+          <a:p>
+            <a:pPr lvl="3" marL="1600200" indent="-228600" defTabSz="457200">
+              <a:lnSpc>
+                <a:spcPct val="100000"/>
+              </a:lnSpc>
+              <a:spcBef>
+                <a:spcPts val="320"/>
+              </a:spcBef>
+              <a:buClr>
+                <a:srgbClr val="000000"/>
+              </a:buClr>
+              <a:buFont typeface="Arial"/>
+              <a:buChar char="–"/>
+            </a:pPr>
+            <a:r>
+              <a:rPr b="0" lang="en-US" sz="1600" strike="noStrike" u="none">
+                <a:solidFill>
+                  <a:schemeClr val="dk1"/>
+                </a:solidFill>
+                <a:effectLst/>
+                <a:uFillTx/>
+                <a:latin typeface="Calibri"/>
+              </a:rPr>
+              <a:t>Fourth level</a:t>
+            </a:r>
+            <a:endParaRPr b="0" lang="pt-BR" sz="1600" strike="noStrike" u="none">
+              <a:solidFill>
+                <a:srgbClr val="000000"/>
+              </a:solidFill>
+              <a:effectLst/>
+              <a:uFillTx/>
+              <a:latin typeface="Arial"/>
+            </a:endParaRPr>
+          </a:p>
+          <a:p>
+            <a:pPr lvl="4" marL="2057400" indent="-228600" defTabSz="457200">
+              <a:lnSpc>
+                <a:spcPct val="100000"/>
+              </a:lnSpc>
+              <a:spcBef>
+                <a:spcPts val="320"/>
+              </a:spcBef>
+              <a:buClr>
+                <a:srgbClr val="000000"/>
+              </a:buClr>
+              <a:buFont typeface="Arial"/>
+              <a:buChar char="»"/>
+            </a:pPr>
+            <a:r>
+              <a:rPr b="0" lang="en-US" sz="1600" strike="noStrike" u="none">
+                <a:solidFill>
+                  <a:schemeClr val="dk1"/>
+                </a:solidFill>
+                <a:effectLst/>
+                <a:uFillTx/>
+                <a:latin typeface="Calibri"/>
+              </a:rPr>
+              <a:t>Fifth level</a:t>
+            </a:r>
+            <a:endParaRPr b="0" lang="pt-BR" sz="1600" strike="noStrike" u="none">
+              <a:solidFill>
+                <a:srgbClr val="000000"/>
+              </a:solidFill>
+              <a:effectLst/>
+              <a:uFillTx/>
+              <a:latin typeface="Arial"/>
+            </a:endParaRPr>
+          </a:p>
+        </p:txBody>
+      </p:sp>
+      <p:sp>
+        <p:nvSpPr>
+          <p:cNvPr id="16" name="PlaceHolder 6"/>
+          <p:cNvSpPr>
+            <a:spLocks noGrp="1"/>
+          </p:cNvSpPr>
+          <p:nvPr>
+            <p:ph type="dt" idx="7"/>
+          </p:nvPr>
+        </p:nvSpPr>
+        <p:spPr>
+          <a:xfrm>
+            <a:off x="457200" y="6356520"/>
+            <a:ext cx="2131200" cy="362520"/>
+          </a:xfrm>
+          <a:prstGeom prst="rect">
+            <a:avLst/>
+          </a:prstGeom>
+          <a:noFill/>
+          <a:ln w="0">
+            <a:noFill/>
+          </a:ln>
+        </p:spPr>
+        <p:txBody>
+          <a:bodyPr lIns="91440" rIns="91440" tIns="45720" bIns="45720" anchor="ctr">
+            <a:noAutofit/>
+          </a:bodyPr>
+          <a:lstStyle>
+            <a:lvl1pPr indent="0" defTabSz="457200">
+              <a:lnSpc>
+                <a:spcPct val="100000"/>
+              </a:lnSpc>
+              <a:buNone/>
+              <a:tabLst>
+                <a:tab algn="l" pos="0"/>
+              </a:tabLst>
+              <a:defRPr b="0" lang="en-US" sz="1200" strike="noStrike" u="none">
+                <a:solidFill>
+                  <a:schemeClr val="dk1">
+                    <a:tint val="75000"/>
+                  </a:schemeClr>
+                </a:solidFill>
+                <a:effectLst/>
+                <a:uFillTx/>
+                <a:latin typeface="Calibri"/>
+              </a:defRPr>
+            </a:lvl1pPr>
+          </a:lstStyle>
+          <a:p>
+            <a:pPr indent="0" defTabSz="457200">
+              <a:lnSpc>
+                <a:spcPct val="100000"/>
+              </a:lnSpc>
+              <a:buNone/>
+              <a:tabLst>
+                <a:tab algn="l" pos="0"/>
+              </a:tabLst>
+            </a:pPr>
+            <a:r>
+              <a:rPr b="0" lang="en-US" sz="1200" strike="noStrike" u="none">
+                <a:solidFill>
+                  <a:schemeClr val="dk1">
+                    <a:tint val="75000"/>
+                  </a:schemeClr>
+                </a:solidFill>
+                <a:effectLst/>
+                <a:uFillTx/>
+                <a:latin typeface="Calibri"/>
+              </a:rPr>
+              <a:t>&lt;data/hora&gt;</a:t>
+            </a:r>
+            <a:endParaRPr b="0" lang="pt-BR" sz="1200" strike="noStrike" u="none">
+              <a:solidFill>
+                <a:srgbClr val="000000"/>
+              </a:solidFill>
+              <a:effectLst/>
+              <a:uFillTx/>
+              <a:latin typeface="Times New Roman"/>
+            </a:endParaRPr>
+          </a:p>
+        </p:txBody>
+      </p:sp>
+      <p:sp>
+        <p:nvSpPr>
+          <p:cNvPr id="17" name="PlaceHolder 7"/>
+          <p:cNvSpPr>
+            <a:spLocks noGrp="1"/>
+          </p:cNvSpPr>
+          <p:nvPr>
+            <p:ph type="ftr" idx="8"/>
+          </p:nvPr>
+        </p:nvSpPr>
+        <p:spPr>
+          <a:xfrm>
+            <a:off x="3124080" y="6356520"/>
+            <a:ext cx="2892960" cy="362520"/>
+          </a:xfrm>
+          <a:prstGeom prst="rect">
+            <a:avLst/>
+          </a:prstGeom>
+          <a:noFill/>
+          <a:ln w="0">
+            <a:noFill/>
+          </a:ln>
+        </p:spPr>
+        <p:txBody>
+          <a:bodyPr lIns="91440" rIns="91440" tIns="45720" bIns="45720" anchor="ctr">
+            <a:noAutofit/>
+          </a:bodyPr>
+          <a:lstStyle>
+            <a:lvl1pPr indent="0" algn="ctr">
+              <a:lnSpc>
+                <a:spcPct val="100000"/>
+              </a:lnSpc>
+              <a:buNone/>
+              <a:tabLst>
+                <a:tab algn="l" pos="0"/>
+              </a:tabLst>
+              <a:defRPr b="0" lang="pt-BR" sz="1400" strike="noStrike" u="none">
+                <a:solidFill>
+                  <a:srgbClr val="000000"/>
+                </a:solidFill>
+                <a:effectLst/>
+                <a:uFillTx/>
+                <a:latin typeface="Times New Roman"/>
+              </a:defRPr>
+            </a:lvl1pPr>
+          </a:lstStyle>
+          <a:p>
+            <a:pPr indent="0" algn="ctr">
+              <a:lnSpc>
+                <a:spcPct val="100000"/>
+              </a:lnSpc>
+              <a:buNone/>
+              <a:tabLst>
+                <a:tab algn="l" pos="0"/>
+              </a:tabLst>
+            </a:pPr>
+            <a:r>
+              <a:rPr b="0" lang="pt-BR" sz="1400" strike="noStrike" u="none">
+                <a:solidFill>
+                  <a:srgbClr val="000000"/>
+                </a:solidFill>
+                <a:effectLst/>
+                <a:uFillTx/>
+                <a:latin typeface="Times New Roman"/>
+              </a:rPr>
+              <a:t>&lt;rodapé&gt;</a:t>
+            </a:r>
+            <a:endParaRPr b="0" lang="pt-BR" sz="1400" strike="noStrike" u="none">
+              <a:solidFill>
+                <a:srgbClr val="000000"/>
+              </a:solidFill>
+              <a:effectLst/>
+              <a:uFillTx/>
+              <a:latin typeface="Times New Roman"/>
+            </a:endParaRPr>
+          </a:p>
+        </p:txBody>
+      </p:sp>
+      <p:sp>
+        <p:nvSpPr>
+          <p:cNvPr id="18" name="PlaceHolder 8"/>
+          <p:cNvSpPr>
+            <a:spLocks noGrp="1"/>
+          </p:cNvSpPr>
+          <p:nvPr>
+            <p:ph type="sldNum" idx="9"/>
+          </p:nvPr>
+        </p:nvSpPr>
+        <p:spPr>
+          <a:xfrm>
+            <a:off x="6553080" y="6356520"/>
+            <a:ext cx="2131200" cy="362520"/>
+          </a:xfrm>
+          <a:prstGeom prst="rect">
+            <a:avLst/>
+          </a:prstGeom>
+          <a:noFill/>
+          <a:ln w="0">
+            <a:noFill/>
+          </a:ln>
+        </p:spPr>
+        <p:txBody>
+          <a:bodyPr lIns="91440" rIns="91440" tIns="45720" bIns="45720" anchor="ctr">
+            <a:noAutofit/>
+          </a:bodyPr>
+          <a:lstStyle>
+            <a:lvl1pPr indent="0" algn="r" defTabSz="457200">
+              <a:lnSpc>
+                <a:spcPct val="100000"/>
+              </a:lnSpc>
+              <a:buNone/>
+              <a:tabLst>
+                <a:tab algn="l" pos="0"/>
+              </a:tabLst>
+              <a:defRPr b="0" lang="en-US" sz="1200" strike="noStrike" u="none">
+                <a:solidFill>
+                  <a:schemeClr val="dk1">
+                    <a:tint val="75000"/>
+                  </a:schemeClr>
+                </a:solidFill>
+                <a:effectLst/>
+                <a:uFillTx/>
+                <a:latin typeface="Calibri"/>
+              </a:defRPr>
+            </a:lvl1pPr>
+          </a:lstStyle>
+          <a:p>
+            <a:pPr indent="0" algn="r" defTabSz="457200">
+              <a:lnSpc>
+                <a:spcPct val="100000"/>
+              </a:lnSpc>
+              <a:buNone/>
+              <a:tabLst>
+                <a:tab algn="l" pos="0"/>
+              </a:tabLst>
+            </a:pPr>
+            <a:fld id="{C05A3A9D-B0D2-46E6-81B1-F0FB8A078F4B}" type="slidenum">
+              <a:rPr b="0" lang="en-US" sz="1200" strike="noStrike" u="none">
+                <a:solidFill>
+                  <a:schemeClr val="dk1">
+                    <a:tint val="75000"/>
+                  </a:schemeClr>
+                </a:solidFill>
+                <a:effectLst/>
+                <a:uFillTx/>
+                <a:latin typeface="Calibri"/>
+              </a:rPr>
+              <a:t>&lt;número&gt;</a:t>
+            </a:fld>
+            <a:endParaRPr b="0" lang="pt-BR" sz="1200" strike="noStrike" u="none">
+              <a:solidFill>
+                <a:srgbClr val="000000"/>
+              </a:solidFill>
+              <a:effectLst/>
+              <a:uFillTx/>
+              <a:latin typeface="Times New Roman"/>
+            </a:endParaRPr>
+          </a:p>
+        </p:txBody>
+      </p:sp>
+    </p:spTree>
+  </p:cSld>
+</p:sldLayout>
+</file>
+
+<file path=ppt/slideLayouts/slideLayout4.xml><?xml version="1.0" encoding="utf-8"?>
+<p:sldLayout xmlns:a="http://schemas.openxmlformats.org/drawingml/2006/main" xmlns:p="http://schemas.openxmlformats.org/presentationml/2006/main" xmlns:r="http://schemas.openxmlformats.org/officeDocument/2006/relationships" xmlns:p14="http://schemas.microsoft.com/office/powerpoint/2010/main" xmlns:p15="http://schemas.microsoft.com/office/powerpoint/2012/main" xmlns:mc="http://schemas.openxmlformats.org/markup-compatibility/2006" type="titleOnly" preserve="1">
+  <p:cSld name="Title Only">
+    <p:bg>
+      <p:bgPr>
+        <a:solidFill>
+          <a:srgbClr val="ffffff"/>
+        </a:solidFill>
+      </p:bgPr>
+    </p:bg>
+    <p:spTree>
+      <p:nvGrpSpPr>
+        <p:cNvPr id="1" name=""/>
+        <p:cNvGrpSpPr/>
+        <p:nvPr/>
+      </p:nvGrpSpPr>
+      <p:grpSpPr>
+        <a:xfrm>
+          <a:off x="0" y="0"/>
+          <a:ext cx="0" cy="0"/>
+          <a:chOff x="0" y="0"/>
+          <a:chExt cx="0" cy="0"/>
+        </a:xfrm>
+      </p:grpSpPr>
+      <p:sp>
+        <p:nvSpPr>
+          <p:cNvPr id="19" name="PlaceHolder 1"/>
+          <p:cNvSpPr>
+            <a:spLocks noGrp="1"/>
+          </p:cNvSpPr>
+          <p:nvPr>
+            <p:ph type="title"/>
+          </p:nvPr>
+        </p:nvSpPr>
+        <p:spPr>
+          <a:xfrm>
+            <a:off x="457200" y="274680"/>
+            <a:ext cx="8227080" cy="1140480"/>
+          </a:xfrm>
+          <a:prstGeom prst="rect">
+            <a:avLst/>
+          </a:prstGeom>
+          <a:noFill/>
+          <a:ln w="0">
+            <a:noFill/>
+          </a:ln>
+        </p:spPr>
+        <p:txBody>
+          <a:bodyPr lIns="91440" rIns="91440" tIns="45720" bIns="45720" anchor="ctr">
+            <a:noAutofit/>
+          </a:bodyPr>
+          <a:p>
+            <a:pPr indent="0" algn="ctr" defTabSz="457200">
+              <a:lnSpc>
+                <a:spcPct val="100000"/>
+              </a:lnSpc>
+              <a:buNone/>
+              <a:tabLst>
+                <a:tab algn="l" pos="0"/>
+              </a:tabLst>
+            </a:pPr>
+            <a:r>
+              <a:rPr b="0" lang="en-US" sz="4400" strike="noStrike" u="none">
+                <a:solidFill>
+                  <a:schemeClr val="dk1"/>
+                </a:solidFill>
+                <a:effectLst/>
+                <a:uFillTx/>
+                <a:latin typeface="Calibri"/>
+              </a:rPr>
+              <a:t>Click to edit Master title style</a:t>
+            </a:r>
+            <a:endParaRPr b="0" lang="pt-BR" sz="4400" strike="noStrike" u="none">
+              <a:solidFill>
+                <a:srgbClr val="000000"/>
+              </a:solidFill>
+              <a:effectLst/>
+              <a:uFillTx/>
+              <a:latin typeface="Arial"/>
+            </a:endParaRPr>
+          </a:p>
+        </p:txBody>
+      </p:sp>
+      <p:sp>
+        <p:nvSpPr>
+          <p:cNvPr id="20" name="PlaceHolder 2"/>
+          <p:cNvSpPr>
+            <a:spLocks noGrp="1"/>
+          </p:cNvSpPr>
+          <p:nvPr>
+            <p:ph type="dt" idx="10"/>
+          </p:nvPr>
+        </p:nvSpPr>
+        <p:spPr>
+          <a:xfrm>
+            <a:off x="457200" y="6356520"/>
+            <a:ext cx="2131200" cy="362520"/>
+          </a:xfrm>
+          <a:prstGeom prst="rect">
+            <a:avLst/>
+          </a:prstGeom>
+          <a:noFill/>
+          <a:ln w="0">
+            <a:noFill/>
+          </a:ln>
+        </p:spPr>
+        <p:txBody>
+          <a:bodyPr lIns="91440" rIns="91440" tIns="45720" bIns="45720" anchor="ctr">
+            <a:noAutofit/>
+          </a:bodyPr>
+          <a:lstStyle>
+            <a:lvl1pPr indent="0" defTabSz="457200">
+              <a:lnSpc>
+                <a:spcPct val="100000"/>
+              </a:lnSpc>
+              <a:buNone/>
+              <a:tabLst>
+                <a:tab algn="l" pos="0"/>
+              </a:tabLst>
+              <a:defRPr b="0" lang="en-US" sz="1200" strike="noStrike" u="none">
+                <a:solidFill>
+                  <a:schemeClr val="dk1">
+                    <a:tint val="75000"/>
+                  </a:schemeClr>
+                </a:solidFill>
+                <a:effectLst/>
+                <a:uFillTx/>
+                <a:latin typeface="Calibri"/>
+              </a:defRPr>
+            </a:lvl1pPr>
+          </a:lstStyle>
+          <a:p>
+            <a:pPr indent="0" defTabSz="457200">
+              <a:lnSpc>
+                <a:spcPct val="100000"/>
+              </a:lnSpc>
+              <a:buNone/>
+              <a:tabLst>
+                <a:tab algn="l" pos="0"/>
+              </a:tabLst>
+            </a:pPr>
+            <a:r>
+              <a:rPr b="0" lang="en-US" sz="1200" strike="noStrike" u="none">
+                <a:solidFill>
+                  <a:schemeClr val="dk1">
+                    <a:tint val="75000"/>
+                  </a:schemeClr>
+                </a:solidFill>
+                <a:effectLst/>
+                <a:uFillTx/>
+                <a:latin typeface="Calibri"/>
+              </a:rPr>
+              <a:t>&lt;data/hora&gt;</a:t>
+            </a:r>
+            <a:endParaRPr b="0" lang="pt-BR" sz="1200" strike="noStrike" u="none">
+              <a:solidFill>
+                <a:srgbClr val="000000"/>
+              </a:solidFill>
+              <a:effectLst/>
+              <a:uFillTx/>
+              <a:latin typeface="Times New Roman"/>
+            </a:endParaRPr>
+          </a:p>
+        </p:txBody>
+      </p:sp>
+      <p:sp>
+        <p:nvSpPr>
+          <p:cNvPr id="21" name="PlaceHolder 3"/>
+          <p:cNvSpPr>
+            <a:spLocks noGrp="1"/>
+          </p:cNvSpPr>
+          <p:nvPr>
+            <p:ph type="ftr" idx="11"/>
+          </p:nvPr>
+        </p:nvSpPr>
+        <p:spPr>
+          <a:xfrm>
+            <a:off x="3124080" y="6356520"/>
+            <a:ext cx="2892960" cy="362520"/>
+          </a:xfrm>
+          <a:prstGeom prst="rect">
+            <a:avLst/>
+          </a:prstGeom>
+          <a:noFill/>
+          <a:ln w="0">
+            <a:noFill/>
+          </a:ln>
+        </p:spPr>
+        <p:txBody>
+          <a:bodyPr lIns="91440" rIns="91440" tIns="45720" bIns="45720" anchor="ctr">
+            <a:noAutofit/>
+          </a:bodyPr>
+          <a:lstStyle>
+            <a:lvl1pPr indent="0" algn="ctr">
+              <a:lnSpc>
+                <a:spcPct val="100000"/>
+              </a:lnSpc>
+              <a:buNone/>
+              <a:tabLst>
+                <a:tab algn="l" pos="0"/>
+              </a:tabLst>
+              <a:defRPr b="0" lang="pt-BR" sz="1400" strike="noStrike" u="none">
+                <a:solidFill>
+                  <a:srgbClr val="000000"/>
+                </a:solidFill>
+                <a:effectLst/>
+                <a:uFillTx/>
+                <a:latin typeface="Times New Roman"/>
+              </a:defRPr>
+            </a:lvl1pPr>
+          </a:lstStyle>
+          <a:p>
+            <a:pPr indent="0" algn="ctr">
+              <a:lnSpc>
+                <a:spcPct val="100000"/>
+              </a:lnSpc>
+              <a:buNone/>
+              <a:tabLst>
+                <a:tab algn="l" pos="0"/>
+              </a:tabLst>
+            </a:pPr>
+            <a:r>
+              <a:rPr b="0" lang="pt-BR" sz="1400" strike="noStrike" u="none">
+                <a:solidFill>
+                  <a:srgbClr val="000000"/>
+                </a:solidFill>
+                <a:effectLst/>
+                <a:uFillTx/>
+                <a:latin typeface="Times New Roman"/>
+              </a:rPr>
+              <a:t>&lt;rodapé&gt;</a:t>
+            </a:r>
+            <a:endParaRPr b="0" lang="pt-BR" sz="1400" strike="noStrike" u="none">
+              <a:solidFill>
+                <a:srgbClr val="000000"/>
+              </a:solidFill>
+              <a:effectLst/>
+              <a:uFillTx/>
+              <a:latin typeface="Times New Roman"/>
+            </a:endParaRPr>
+          </a:p>
+        </p:txBody>
+      </p:sp>
+      <p:sp>
+        <p:nvSpPr>
+          <p:cNvPr id="22" name="PlaceHolder 4"/>
+          <p:cNvSpPr>
+            <a:spLocks noGrp="1"/>
+          </p:cNvSpPr>
+          <p:nvPr>
+            <p:ph type="sldNum" idx="12"/>
+          </p:nvPr>
+        </p:nvSpPr>
+        <p:spPr>
+          <a:xfrm>
+            <a:off x="6553080" y="6356520"/>
+            <a:ext cx="2131200" cy="362520"/>
+          </a:xfrm>
+          <a:prstGeom prst="rect">
+            <a:avLst/>
+          </a:prstGeom>
+          <a:noFill/>
+          <a:ln w="0">
+            <a:noFill/>
+          </a:ln>
+        </p:spPr>
+        <p:txBody>
+          <a:bodyPr lIns="91440" rIns="91440" tIns="45720" bIns="45720" anchor="ctr">
+            <a:noAutofit/>
+          </a:bodyPr>
+          <a:lstStyle>
+            <a:lvl1pPr indent="0" algn="r" defTabSz="457200">
+              <a:lnSpc>
+                <a:spcPct val="100000"/>
+              </a:lnSpc>
+              <a:buNone/>
+              <a:tabLst>
+                <a:tab algn="l" pos="0"/>
+              </a:tabLst>
+              <a:defRPr b="0" lang="en-US" sz="1200" strike="noStrike" u="none">
+                <a:solidFill>
+                  <a:schemeClr val="dk1">
+                    <a:tint val="75000"/>
+                  </a:schemeClr>
+                </a:solidFill>
+                <a:effectLst/>
+                <a:uFillTx/>
+                <a:latin typeface="Calibri"/>
+              </a:defRPr>
+            </a:lvl1pPr>
+          </a:lstStyle>
+          <a:p>
+            <a:pPr indent="0" algn="r" defTabSz="457200">
+              <a:lnSpc>
+                <a:spcPct val="100000"/>
+              </a:lnSpc>
+              <a:buNone/>
+              <a:tabLst>
+                <a:tab algn="l" pos="0"/>
+              </a:tabLst>
+            </a:pPr>
+            <a:fld id="{5CF154DC-A919-4323-8790-F58C750B6C6F}" type="slidenum">
+              <a:rPr b="0" lang="en-US" sz="1200" strike="noStrike" u="none">
+                <a:solidFill>
+                  <a:schemeClr val="dk1">
+                    <a:tint val="75000"/>
+                  </a:schemeClr>
+                </a:solidFill>
+                <a:effectLst/>
+                <a:uFillTx/>
+                <a:latin typeface="Calibri"/>
+              </a:rPr>
+              <a:t>&lt;número&gt;</a:t>
+            </a:fld>
+            <a:endParaRPr b="0" lang="pt-BR" sz="1200" strike="noStrike" u="none">
+              <a:solidFill>
+                <a:srgbClr val="000000"/>
+              </a:solidFill>
+              <a:effectLst/>
+              <a:uFillTx/>
+              <a:latin typeface="Times New Roman"/>
+            </a:endParaRPr>
+          </a:p>
+        </p:txBody>
+      </p:sp>
+      <p:sp>
+        <p:nvSpPr>
+          <p:cNvPr id="23" name="PlaceHolder 5"/>
+          <p:cNvSpPr>
+            <a:spLocks noGrp="1"/>
+          </p:cNvSpPr>
+          <p:nvPr>
+            <p:ph type="body"/>
+          </p:nvPr>
+        </p:nvSpPr>
+        <p:spPr>
+          <a:xfrm>
+            <a:off x="457200" y="1604520"/>
+            <a:ext cx="8227800" cy="3975840"/>
+          </a:xfrm>
+          <a:prstGeom prst="rect">
+            <a:avLst/>
+          </a:prstGeom>
+          <a:noFill/>
+          <a:ln w="0">
+            <a:noFill/>
+          </a:ln>
+        </p:spPr>
+        <p:txBody>
+          <a:bodyPr lIns="0" rIns="0" tIns="0" bIns="0" anchor="t">
+            <a:normAutofit/>
+          </a:bodyPr>
+          <a:p>
+            <a:pPr marL="432000" indent="-324000">
+              <a:lnSpc>
+                <a:spcPct val="100000"/>
+              </a:lnSpc>
+              <a:spcBef>
+                <a:spcPts val="1417"/>
+              </a:spcBef>
+              <a:buClr>
+                <a:srgbClr val="000000"/>
+              </a:buClr>
+              <a:buSzPct val="45000"/>
+              <a:buFont typeface="Wingdings" charset="2"/>
+              <a:buChar char=""/>
+            </a:pPr>
+            <a:r>
+              <a:rPr b="0" lang="pt-BR" sz="3200" strike="noStrike" u="none">
+                <a:solidFill>
+                  <a:srgbClr val="000000"/>
+                </a:solidFill>
+                <a:effectLst/>
+                <a:uFillTx/>
+                <a:latin typeface="Arial"/>
+              </a:rPr>
+              <a:t>Clique para editar o formato de texto dos tópicos</a:t>
+            </a:r>
+            <a:endParaRPr b="0" lang="pt-BR" sz="3200" strike="noStrike" u="none">
+              <a:solidFill>
+                <a:srgbClr val="000000"/>
+              </a:solidFill>
+              <a:effectLst/>
+              <a:uFillTx/>
+              <a:latin typeface="Arial"/>
+            </a:endParaRPr>
+          </a:p>
+          <a:p>
+            <a:pPr lvl="1" marL="864000" indent="-324000">
+              <a:lnSpc>
+                <a:spcPct val="100000"/>
+              </a:lnSpc>
+              <a:spcBef>
+                <a:spcPts val="1134"/>
+              </a:spcBef>
+              <a:buClr>
+                <a:srgbClr val="000000"/>
+              </a:buClr>
+              <a:buSzPct val="75000"/>
+              <a:buFont typeface="Symbol" charset="2"/>
+              <a:buChar char=""/>
+            </a:pPr>
+            <a:r>
+              <a:rPr b="0" lang="pt-BR" sz="2800" strike="noStrike" u="none">
+                <a:solidFill>
+                  <a:srgbClr val="000000"/>
+                </a:solidFill>
+                <a:effectLst/>
+                <a:uFillTx/>
+                <a:latin typeface="Arial"/>
+              </a:rPr>
+              <a:t>2.º nível de tópicos</a:t>
+            </a:r>
+            <a:endParaRPr b="0" lang="pt-BR" sz="2800" strike="noStrike" u="none">
+              <a:solidFill>
+                <a:srgbClr val="000000"/>
+              </a:solidFill>
+              <a:effectLst/>
+              <a:uFillTx/>
+              <a:latin typeface="Arial"/>
+            </a:endParaRPr>
+          </a:p>
+          <a:p>
+            <a:pPr lvl="2" marL="1296000" indent="-288000">
+              <a:lnSpc>
+                <a:spcPct val="100000"/>
+              </a:lnSpc>
+              <a:spcBef>
+                <a:spcPts val="850"/>
+              </a:spcBef>
+              <a:buClr>
+                <a:srgbClr val="000000"/>
+              </a:buClr>
+              <a:buSzPct val="45000"/>
+              <a:buFont typeface="Wingdings" charset="2"/>
+              <a:buChar char=""/>
+            </a:pPr>
+            <a:r>
+              <a:rPr b="0" lang="pt-BR" sz="2400" strike="noStrike" u="none">
+                <a:solidFill>
+                  <a:srgbClr val="000000"/>
+                </a:solidFill>
+                <a:effectLst/>
+                <a:uFillTx/>
+                <a:latin typeface="Arial"/>
+              </a:rPr>
+              <a:t>3.º nível de tópicos</a:t>
+            </a:r>
+            <a:endParaRPr b="0" lang="pt-BR" sz="2400" strike="noStrike" u="none">
+              <a:solidFill>
+                <a:srgbClr val="000000"/>
+              </a:solidFill>
+              <a:effectLst/>
+              <a:uFillTx/>
+              <a:latin typeface="Arial"/>
+            </a:endParaRPr>
+          </a:p>
+          <a:p>
+            <a:pPr lvl="3" marL="1728000" indent="-216000">
+              <a:lnSpc>
+                <a:spcPct val="100000"/>
+              </a:lnSpc>
+              <a:spcBef>
+                <a:spcPts val="567"/>
+              </a:spcBef>
+              <a:buClr>
+                <a:srgbClr val="000000"/>
+              </a:buClr>
+              <a:buSzPct val="75000"/>
+              <a:buFont typeface="Symbol" charset="2"/>
+              <a:buChar char=""/>
+            </a:pPr>
+            <a:r>
+              <a:rPr b="0" lang="pt-BR" sz="2000" strike="noStrike" u="none">
+                <a:solidFill>
+                  <a:srgbClr val="000000"/>
+                </a:solidFill>
+                <a:effectLst/>
+                <a:uFillTx/>
+                <a:latin typeface="Arial"/>
+              </a:rPr>
+              <a:t>4.º nível de tópicos</a:t>
+            </a:r>
+            <a:endParaRPr b="0" lang="pt-BR" sz="2000" strike="noStrike" u="none">
+              <a:solidFill>
+                <a:srgbClr val="000000"/>
+              </a:solidFill>
+              <a:effectLst/>
+              <a:uFillTx/>
+              <a:latin typeface="Arial"/>
+            </a:endParaRPr>
+          </a:p>
+          <a:p>
+            <a:pPr lvl="4" marL="2160000" indent="-216000">
+              <a:lnSpc>
+                <a:spcPct val="100000"/>
+              </a:lnSpc>
+              <a:spcBef>
+                <a:spcPts val="283"/>
+              </a:spcBef>
+              <a:buClr>
+                <a:srgbClr val="000000"/>
+              </a:buClr>
+              <a:buSzPct val="45000"/>
+              <a:buFont typeface="Wingdings" charset="2"/>
+              <a:buChar char=""/>
+            </a:pPr>
+            <a:r>
+              <a:rPr b="0" lang="pt-BR" sz="2000" strike="noStrike" u="none">
+                <a:solidFill>
+                  <a:srgbClr val="000000"/>
+                </a:solidFill>
+                <a:effectLst/>
+                <a:uFillTx/>
+                <a:latin typeface="Arial"/>
+              </a:rPr>
+              <a:t>5.º nível de tópicos</a:t>
+            </a:r>
+            <a:endParaRPr b="0" lang="pt-BR" sz="2000" strike="noStrike" u="none">
+              <a:solidFill>
+                <a:srgbClr val="000000"/>
+              </a:solidFill>
+              <a:effectLst/>
+              <a:uFillTx/>
+              <a:latin typeface="Arial"/>
+            </a:endParaRPr>
+          </a:p>
+          <a:p>
+            <a:pPr lvl="5" marL="2592000" indent="-216000">
+              <a:lnSpc>
+                <a:spcPct val="100000"/>
+              </a:lnSpc>
+              <a:spcBef>
+                <a:spcPts val="283"/>
+              </a:spcBef>
+              <a:buClr>
+                <a:srgbClr val="000000"/>
+              </a:buClr>
+              <a:buSzPct val="45000"/>
+              <a:buFont typeface="Wingdings" charset="2"/>
+              <a:buChar char=""/>
+            </a:pPr>
+            <a:r>
+              <a:rPr b="0" lang="pt-BR" sz="2000" strike="noStrike" u="none">
+                <a:solidFill>
+                  <a:srgbClr val="000000"/>
+                </a:solidFill>
+                <a:effectLst/>
+                <a:uFillTx/>
+                <a:latin typeface="Arial"/>
+              </a:rPr>
+              <a:t>6.º nível de tópicos</a:t>
+            </a:r>
+            <a:endParaRPr b="0" lang="pt-BR" sz="2000" strike="noStrike" u="none">
+              <a:solidFill>
+                <a:srgbClr val="000000"/>
+              </a:solidFill>
+              <a:effectLst/>
+              <a:uFillTx/>
+              <a:latin typeface="Arial"/>
+            </a:endParaRPr>
+          </a:p>
+          <a:p>
+            <a:pPr lvl="6" marL="3024000" indent="-216000">
+              <a:lnSpc>
+                <a:spcPct val="100000"/>
+              </a:lnSpc>
+              <a:spcBef>
+                <a:spcPts val="283"/>
+              </a:spcBef>
+              <a:buClr>
+                <a:srgbClr val="000000"/>
+              </a:buClr>
+              <a:buSzPct val="45000"/>
+              <a:buFont typeface="Wingdings" charset="2"/>
+              <a:buChar char=""/>
+            </a:pPr>
+            <a:r>
+              <a:rPr b="0" lang="pt-BR" sz="2000" strike="noStrike" u="none">
+                <a:solidFill>
+                  <a:srgbClr val="000000"/>
+                </a:solidFill>
+                <a:effectLst/>
+                <a:uFillTx/>
+                <a:latin typeface="Arial"/>
+              </a:rPr>
+              <a:t>7.º nível de tópicos</a:t>
+            </a:r>
+            <a:endParaRPr b="0" lang="pt-BR" sz="2000" strike="noStrike" u="none">
+              <a:solidFill>
+                <a:srgbClr val="000000"/>
+              </a:solidFill>
+              <a:effectLst/>
+              <a:uFillTx/>
+              <a:latin typeface="Arial"/>
+            </a:endParaRPr>
+          </a:p>
+        </p:txBody>
+      </p:sp>
+    </p:spTree>
+  </p:cSld>
+</p:sldLayout>
+</file>
+
+<file path=ppt/slideLayouts/slideLayout5.xml><?xml version="1.0" encoding="utf-8"?>
+<p:sldLayout xmlns:a="http://schemas.openxmlformats.org/drawingml/2006/main" xmlns:p="http://schemas.openxmlformats.org/presentationml/2006/main" xmlns:r="http://schemas.openxmlformats.org/officeDocument/2006/relationships" xmlns:p14="http://schemas.microsoft.com/office/powerpoint/2010/main" xmlns:p15="http://schemas.microsoft.com/office/powerpoint/2012/main" xmlns:mc="http://schemas.openxmlformats.org/markup-compatibility/2006" type="blank" preserve="1">
+  <p:cSld name="Blank">
+    <p:bg>
+      <p:bgPr>
+        <a:solidFill>
+          <a:srgbClr val="ffffff"/>
+        </a:solidFill>
+      </p:bgPr>
+    </p:bg>
+    <p:spTree>
+      <p:nvGrpSpPr>
+        <p:cNvPr id="1" name=""/>
+        <p:cNvGrpSpPr/>
+        <p:nvPr/>
+      </p:nvGrpSpPr>
+      <p:grpSpPr>
+        <a:xfrm>
+          <a:off x="0" y="0"/>
+          <a:ext cx="0" cy="0"/>
+          <a:chOff x="0" y="0"/>
+          <a:chExt cx="0" cy="0"/>
+        </a:xfrm>
+      </p:grpSpPr>
+      <p:sp>
+        <p:nvSpPr>
+          <p:cNvPr id="24" name="PlaceHolder 1"/>
+          <p:cNvSpPr>
+            <a:spLocks noGrp="1"/>
+          </p:cNvSpPr>
+          <p:nvPr>
+            <p:ph type="dt" idx="13"/>
+          </p:nvPr>
+        </p:nvSpPr>
+        <p:spPr>
+          <a:xfrm>
+            <a:off x="457200" y="6356520"/>
+            <a:ext cx="2131200" cy="362520"/>
+          </a:xfrm>
+          <a:prstGeom prst="rect">
+            <a:avLst/>
+          </a:prstGeom>
+          <a:noFill/>
+          <a:ln w="0">
+            <a:noFill/>
+          </a:ln>
+        </p:spPr>
+        <p:txBody>
+          <a:bodyPr lIns="91440" rIns="91440" tIns="45720" bIns="45720" anchor="ctr">
+            <a:noAutofit/>
+          </a:bodyPr>
+          <a:lstStyle>
+            <a:lvl1pPr indent="0" defTabSz="457200">
+              <a:lnSpc>
+                <a:spcPct val="100000"/>
+              </a:lnSpc>
+              <a:buNone/>
+              <a:tabLst>
+                <a:tab algn="l" pos="0"/>
+              </a:tabLst>
+              <a:defRPr b="0" lang="en-US" sz="1200" strike="noStrike" u="none">
+                <a:solidFill>
+                  <a:schemeClr val="dk1">
+                    <a:tint val="75000"/>
+                  </a:schemeClr>
+                </a:solidFill>
+                <a:effectLst/>
+                <a:uFillTx/>
+                <a:latin typeface="Calibri"/>
+              </a:defRPr>
+            </a:lvl1pPr>
+          </a:lstStyle>
+          <a:p>
+            <a:pPr indent="0" defTabSz="457200">
+              <a:lnSpc>
+                <a:spcPct val="100000"/>
+              </a:lnSpc>
+              <a:buNone/>
+              <a:tabLst>
+                <a:tab algn="l" pos="0"/>
+              </a:tabLst>
+            </a:pPr>
+            <a:r>
+              <a:rPr b="0" lang="en-US" sz="1200" strike="noStrike" u="none">
+                <a:solidFill>
+                  <a:schemeClr val="dk1">
+                    <a:tint val="75000"/>
+                  </a:schemeClr>
+                </a:solidFill>
+                <a:effectLst/>
+                <a:uFillTx/>
+                <a:latin typeface="Calibri"/>
+              </a:rPr>
+              <a:t>&lt;data/hora&gt;</a:t>
+            </a:r>
+            <a:endParaRPr b="0" lang="pt-BR" sz="1200" strike="noStrike" u="none">
+              <a:solidFill>
+                <a:srgbClr val="000000"/>
+              </a:solidFill>
+              <a:effectLst/>
+              <a:uFillTx/>
+              <a:latin typeface="Times New Roman"/>
+            </a:endParaRPr>
+          </a:p>
+        </p:txBody>
+      </p:sp>
+      <p:sp>
+        <p:nvSpPr>
+          <p:cNvPr id="25" name="PlaceHolder 2"/>
+          <p:cNvSpPr>
+            <a:spLocks noGrp="1"/>
+          </p:cNvSpPr>
+          <p:nvPr>
+            <p:ph type="ftr" idx="14"/>
+          </p:nvPr>
+        </p:nvSpPr>
+        <p:spPr>
+          <a:xfrm>
+            <a:off x="3124080" y="6356520"/>
+            <a:ext cx="2892960" cy="362520"/>
+          </a:xfrm>
+          <a:prstGeom prst="rect">
+            <a:avLst/>
+          </a:prstGeom>
+          <a:noFill/>
+          <a:ln w="0">
+            <a:noFill/>
+          </a:ln>
+        </p:spPr>
+        <p:txBody>
+          <a:bodyPr lIns="91440" rIns="91440" tIns="45720" bIns="45720" anchor="ctr">
+            <a:noAutofit/>
+          </a:bodyPr>
+          <a:lstStyle>
+            <a:lvl1pPr indent="0" algn="ctr">
+              <a:lnSpc>
+                <a:spcPct val="100000"/>
+              </a:lnSpc>
+              <a:buNone/>
+              <a:tabLst>
+                <a:tab algn="l" pos="0"/>
+              </a:tabLst>
+              <a:defRPr b="0" lang="pt-BR" sz="1400" strike="noStrike" u="none">
+                <a:solidFill>
+                  <a:srgbClr val="000000"/>
+                </a:solidFill>
+                <a:effectLst/>
+                <a:uFillTx/>
+                <a:latin typeface="Times New Roman"/>
+              </a:defRPr>
+            </a:lvl1pPr>
+          </a:lstStyle>
+          <a:p>
+            <a:pPr indent="0" algn="ctr">
+              <a:lnSpc>
+                <a:spcPct val="100000"/>
+              </a:lnSpc>
+              <a:buNone/>
+              <a:tabLst>
+                <a:tab algn="l" pos="0"/>
+              </a:tabLst>
+            </a:pPr>
+            <a:r>
+              <a:rPr b="0" lang="pt-BR" sz="1400" strike="noStrike" u="none">
+                <a:solidFill>
+                  <a:srgbClr val="000000"/>
+                </a:solidFill>
+                <a:effectLst/>
+                <a:uFillTx/>
+                <a:latin typeface="Times New Roman"/>
+              </a:rPr>
+              <a:t>&lt;rodapé&gt;</a:t>
+            </a:r>
+            <a:endParaRPr b="0" lang="pt-BR" sz="1400" strike="noStrike" u="none">
+              <a:solidFill>
+                <a:srgbClr val="000000"/>
+              </a:solidFill>
+              <a:effectLst/>
+              <a:uFillTx/>
+              <a:latin typeface="Times New Roman"/>
+            </a:endParaRPr>
+          </a:p>
+        </p:txBody>
+      </p:sp>
+      <p:sp>
+        <p:nvSpPr>
+          <p:cNvPr id="26" name="PlaceHolder 3"/>
+          <p:cNvSpPr>
+            <a:spLocks noGrp="1"/>
+          </p:cNvSpPr>
+          <p:nvPr>
+            <p:ph type="sldNum" idx="15"/>
+          </p:nvPr>
+        </p:nvSpPr>
+        <p:spPr>
+          <a:xfrm>
+            <a:off x="6553080" y="6356520"/>
+            <a:ext cx="2131200" cy="362520"/>
+          </a:xfrm>
+          <a:prstGeom prst="rect">
+            <a:avLst/>
+          </a:prstGeom>
+          <a:noFill/>
+          <a:ln w="0">
+            <a:noFill/>
+          </a:ln>
+        </p:spPr>
+        <p:txBody>
+          <a:bodyPr lIns="91440" rIns="91440" tIns="45720" bIns="45720" anchor="ctr">
+            <a:noAutofit/>
+          </a:bodyPr>
+          <a:lstStyle>
+            <a:lvl1pPr indent="0" algn="r" defTabSz="457200">
+              <a:lnSpc>
+                <a:spcPct val="100000"/>
+              </a:lnSpc>
+              <a:buNone/>
+              <a:tabLst>
+                <a:tab algn="l" pos="0"/>
+              </a:tabLst>
+              <a:defRPr b="0" lang="en-US" sz="1200" strike="noStrike" u="none">
+                <a:solidFill>
+                  <a:schemeClr val="dk1">
+                    <a:tint val="75000"/>
+                  </a:schemeClr>
+                </a:solidFill>
+                <a:effectLst/>
+                <a:uFillTx/>
+                <a:latin typeface="Calibri"/>
+              </a:defRPr>
+            </a:lvl1pPr>
+          </a:lstStyle>
+          <a:p>
+            <a:pPr indent="0" algn="r" defTabSz="457200">
+              <a:lnSpc>
+                <a:spcPct val="100000"/>
+              </a:lnSpc>
+              <a:buNone/>
+              <a:tabLst>
+                <a:tab algn="l" pos="0"/>
+              </a:tabLst>
+            </a:pPr>
+            <a:fld id="{17371B5A-238B-4FDF-8D96-6B619F427C9E}" type="slidenum">
+              <a:rPr b="0" lang="en-US" sz="1200" strike="noStrike" u="none">
+                <a:solidFill>
+                  <a:schemeClr val="dk1">
+                    <a:tint val="75000"/>
+                  </a:schemeClr>
+                </a:solidFill>
+                <a:effectLst/>
+                <a:uFillTx/>
+                <a:latin typeface="Calibri"/>
+              </a:rPr>
+              <a:t>&lt;número&gt;</a:t>
+            </a:fld>
+            <a:endParaRPr b="0" lang="pt-BR" sz="1200" strike="noStrike" u="none">
+              <a:solidFill>
+                <a:srgbClr val="000000"/>
+              </a:solidFill>
+              <a:effectLst/>
+              <a:uFillTx/>
+              <a:latin typeface="Times New Roman"/>
+            </a:endParaRPr>
+          </a:p>
+        </p:txBody>
+      </p:sp>
+      <p:sp>
+        <p:nvSpPr>
+          <p:cNvPr id="27" name="PlaceHolder 4"/>
           <p:cNvSpPr>
             <a:spLocks noGrp="1"/>
           </p:cNvSpPr>
@@ -2482,7 +3935,7 @@
         <p:spPr>
           <a:xfrm>
             <a:off x="457200" y="273600"/>
-            <a:ext cx="8228160" cy="1143720"/>
+            <a:ext cx="8227800" cy="1143360"/>
           </a:xfrm>
           <a:prstGeom prst="rect">
             <a:avLst/>
@@ -2530,7 +3983,7 @@
       </p:sp>
       <p:sp>
         <p:nvSpPr>
-          <p:cNvPr id="9" name="PlaceHolder 5"/>
+          <p:cNvPr id="28" name="PlaceHolder 5"/>
           <p:cNvSpPr>
             <a:spLocks noGrp="1"/>
           </p:cNvSpPr>
@@ -2541,7 +3994,7 @@
         <p:spPr>
           <a:xfrm>
             <a:off x="457200" y="1604520"/>
-            <a:ext cx="8228160" cy="3976200"/>
+            <a:ext cx="8227800" cy="3975840"/>
           </a:xfrm>
           <a:prstGeom prst="rect">
             <a:avLst/>
@@ -2807,7 +4260,7 @@
 </p:sldLayout>
 </file>
 
-<file path=ppt/slideLayouts/slideLayout3.xml><?xml version="1.0" encoding="utf-8"?>
+<file path=ppt/slideLayouts/slideLayout6.xml><?xml version="1.0" encoding="utf-8"?>
 <p:sldLayout xmlns:a="http://schemas.openxmlformats.org/drawingml/2006/main" xmlns:p="http://schemas.openxmlformats.org/presentationml/2006/main" xmlns:r="http://schemas.openxmlformats.org/officeDocument/2006/relationships" xmlns:p14="http://schemas.microsoft.com/office/powerpoint/2010/main" xmlns:p15="http://schemas.microsoft.com/office/powerpoint/2012/main" xmlns:mc="http://schemas.openxmlformats.org/markup-compatibility/2006" type="blank" preserve="1">
   <p:cSld name="Content with Caption">
     <p:bg>
@@ -2833,7 +4286,7 @@
       </p:grpSpPr>
       <p:sp>
         <p:nvSpPr>
-          <p:cNvPr id="10" name="PlaceHolder 1"/>
+          <p:cNvPr id="29" name="PlaceHolder 1"/>
           <p:cNvSpPr>
             <a:spLocks noGrp="1"/>
           </p:cNvSpPr>
@@ -2844,7 +4297,7 @@
         <p:spPr>
           <a:xfrm>
             <a:off x="457200" y="272880"/>
-            <a:ext cx="3006000" cy="1159920"/>
+            <a:ext cx="3005640" cy="1159560"/>
           </a:xfrm>
           <a:prstGeom prst="rect">
             <a:avLst/>
@@ -2892,7 +4345,7 @@
       </p:sp>
       <p:sp>
         <p:nvSpPr>
-          <p:cNvPr id="11" name="PlaceHolder 2"/>
+          <p:cNvPr id="30" name="PlaceHolder 2"/>
           <p:cNvSpPr>
             <a:spLocks noGrp="1"/>
           </p:cNvSpPr>
@@ -2903,7 +4356,7 @@
         <p:spPr>
           <a:xfrm>
             <a:off x="3575160" y="272880"/>
-            <a:ext cx="5109480" cy="5851080"/>
+            <a:ext cx="5109120" cy="5850720"/>
           </a:xfrm>
           <a:prstGeom prst="rect">
             <a:avLst/>
@@ -3091,7 +4544,7 @@
       </p:sp>
       <p:sp>
         <p:nvSpPr>
-          <p:cNvPr id="12" name="PlaceHolder 3"/>
+          <p:cNvPr id="31" name="PlaceHolder 3"/>
           <p:cNvSpPr>
             <a:spLocks noGrp="1"/>
           </p:cNvSpPr>
@@ -3102,7 +4555,7 @@
         <p:spPr>
           <a:xfrm>
             <a:off x="457200" y="1434960"/>
-            <a:ext cx="3006000" cy="4689000"/>
+            <a:ext cx="3005640" cy="4688640"/>
           </a:xfrm>
           <a:prstGeom prst="rect">
             <a:avLst/>
@@ -3153,18 +4606,18 @@
       </p:sp>
       <p:sp>
         <p:nvSpPr>
-          <p:cNvPr id="13" name="PlaceHolder 4"/>
+          <p:cNvPr id="32" name="PlaceHolder 4"/>
           <p:cNvSpPr>
             <a:spLocks noGrp="1"/>
           </p:cNvSpPr>
           <p:nvPr>
-            <p:ph type="dt" idx="7"/>
+            <p:ph type="dt" idx="16"/>
           </p:nvPr>
         </p:nvSpPr>
         <p:spPr>
           <a:xfrm>
             <a:off x="457200" y="6356520"/>
-            <a:ext cx="2131560" cy="362880"/>
+            <a:ext cx="2131200" cy="362520"/>
           </a:xfrm>
           <a:prstGeom prst="rect">
             <a:avLst/>
@@ -3235,18 +4688,18 @@
       </p:sp>
       <p:sp>
         <p:nvSpPr>
-          <p:cNvPr id="14" name="PlaceHolder 5"/>
+          <p:cNvPr id="33" name="PlaceHolder 5"/>
           <p:cNvSpPr>
             <a:spLocks noGrp="1"/>
           </p:cNvSpPr>
           <p:nvPr>
-            <p:ph type="ftr" idx="8"/>
+            <p:ph type="ftr" idx="17"/>
           </p:nvPr>
         </p:nvSpPr>
         <p:spPr>
           <a:xfrm>
             <a:off x="3124080" y="6356520"/>
-            <a:ext cx="2893320" cy="362880"/>
+            <a:ext cx="2892960" cy="362520"/>
           </a:xfrm>
           <a:prstGeom prst="rect">
             <a:avLst/>
@@ -3313,18 +4766,18 @@
       </p:sp>
       <p:sp>
         <p:nvSpPr>
-          <p:cNvPr id="15" name="PlaceHolder 6"/>
+          <p:cNvPr id="34" name="PlaceHolder 6"/>
           <p:cNvSpPr>
             <a:spLocks noGrp="1"/>
           </p:cNvSpPr>
           <p:nvPr>
-            <p:ph type="sldNum" idx="9"/>
+            <p:ph type="sldNum" idx="18"/>
           </p:nvPr>
         </p:nvSpPr>
         <p:spPr>
           <a:xfrm>
             <a:off x="6553080" y="6356520"/>
-            <a:ext cx="2131560" cy="362880"/>
+            <a:ext cx="2131200" cy="362520"/>
           </a:xfrm>
           <a:prstGeom prst="rect">
             <a:avLst/>
@@ -3369,7 +4822,7 @@
                 <a:tab algn="l" pos="0"/>
               </a:tabLst>
             </a:pPr>
-            <a:fld id="{ABA7713F-7D41-4925-BA34-0E676BFC1070}" type="slidenum">
+            <a:fld id="{9FEC52F6-1E3F-4BB3-A51F-593B69FD4D16}" type="slidenum">
               <a:rPr b="0" lang="en-US" sz="1200" strike="noStrike" u="none">
                 <a:solidFill>
                   <a:schemeClr val="dk1">
@@ -3398,7 +4851,7 @@
 </p:sldLayout>
 </file>
 
-<file path=ppt/slideLayouts/slideLayout4.xml><?xml version="1.0" encoding="utf-8"?>
+<file path=ppt/slideLayouts/slideLayout7.xml><?xml version="1.0" encoding="utf-8"?>
 <p:sldLayout xmlns:a="http://schemas.openxmlformats.org/drawingml/2006/main" xmlns:p="http://schemas.openxmlformats.org/presentationml/2006/main" xmlns:r="http://schemas.openxmlformats.org/officeDocument/2006/relationships" xmlns:p14="http://schemas.microsoft.com/office/powerpoint/2010/main" xmlns:p15="http://schemas.microsoft.com/office/powerpoint/2012/main" xmlns:mc="http://schemas.openxmlformats.org/markup-compatibility/2006" type="blank" preserve="1">
   <p:cSld name="Picture with Caption">
     <p:bg>
@@ -3424,7 +4877,7 @@
       </p:grpSpPr>
       <p:sp>
         <p:nvSpPr>
-          <p:cNvPr id="16" name="PlaceHolder 1"/>
+          <p:cNvPr id="35" name="PlaceHolder 1"/>
           <p:cNvSpPr>
             <a:spLocks noGrp="1"/>
           </p:cNvSpPr>
@@ -3435,7 +4888,7 @@
         <p:spPr>
           <a:xfrm>
             <a:off x="1792440" y="4800600"/>
-            <a:ext cx="5484240" cy="564480"/>
+            <a:ext cx="5483880" cy="564120"/>
           </a:xfrm>
           <a:prstGeom prst="rect">
             <a:avLst/>
@@ -3483,7 +4936,7 @@
       </p:sp>
       <p:sp>
         <p:nvSpPr>
-          <p:cNvPr id="17" name="PlaceHolder 2"/>
+          <p:cNvPr id="36" name="PlaceHolder 2"/>
           <p:cNvSpPr>
             <a:spLocks noGrp="1"/>
           </p:cNvSpPr>
@@ -3494,7 +4947,7 @@
         <p:spPr>
           <a:xfrm>
             <a:off x="1792440" y="612720"/>
-            <a:ext cx="5484240" cy="4112640"/>
+            <a:ext cx="5483880" cy="4112280"/>
           </a:xfrm>
           <a:prstGeom prst="rect">
             <a:avLst/>
@@ -3757,7 +5210,7 @@
       </p:sp>
       <p:sp>
         <p:nvSpPr>
-          <p:cNvPr id="18" name="PlaceHolder 3"/>
+          <p:cNvPr id="37" name="PlaceHolder 3"/>
           <p:cNvSpPr>
             <a:spLocks noGrp="1"/>
           </p:cNvSpPr>
@@ -3768,7 +5221,7 @@
         <p:spPr>
           <a:xfrm>
             <a:off x="1792440" y="5367240"/>
-            <a:ext cx="5484240" cy="802800"/>
+            <a:ext cx="5483880" cy="802440"/>
           </a:xfrm>
           <a:prstGeom prst="rect">
             <a:avLst/>
@@ -3819,18 +5272,18 @@
       </p:sp>
       <p:sp>
         <p:nvSpPr>
-          <p:cNvPr id="19" name="PlaceHolder 4"/>
+          <p:cNvPr id="38" name="PlaceHolder 4"/>
           <p:cNvSpPr>
             <a:spLocks noGrp="1"/>
           </p:cNvSpPr>
           <p:nvPr>
-            <p:ph type="dt" idx="10"/>
+            <p:ph type="dt" idx="19"/>
           </p:nvPr>
         </p:nvSpPr>
         <p:spPr>
           <a:xfrm>
             <a:off x="457200" y="6356520"/>
-            <a:ext cx="2131560" cy="362880"/>
+            <a:ext cx="2131200" cy="362520"/>
           </a:xfrm>
           <a:prstGeom prst="rect">
             <a:avLst/>
@@ -3901,18 +5354,18 @@
       </p:sp>
       <p:sp>
         <p:nvSpPr>
-          <p:cNvPr id="20" name="PlaceHolder 5"/>
+          <p:cNvPr id="39" name="PlaceHolder 5"/>
           <p:cNvSpPr>
             <a:spLocks noGrp="1"/>
           </p:cNvSpPr>
           <p:nvPr>
-            <p:ph type="ftr" idx="11"/>
+            <p:ph type="ftr" idx="20"/>
           </p:nvPr>
         </p:nvSpPr>
         <p:spPr>
           <a:xfrm>
             <a:off x="3124080" y="6356520"/>
-            <a:ext cx="2893320" cy="362880"/>
+            <a:ext cx="2892960" cy="362520"/>
           </a:xfrm>
           <a:prstGeom prst="rect">
             <a:avLst/>
@@ -3979,18 +5432,18 @@
       </p:sp>
       <p:sp>
         <p:nvSpPr>
-          <p:cNvPr id="21" name="PlaceHolder 6"/>
+          <p:cNvPr id="40" name="PlaceHolder 6"/>
           <p:cNvSpPr>
             <a:spLocks noGrp="1"/>
           </p:cNvSpPr>
           <p:nvPr>
-            <p:ph type="sldNum" idx="12"/>
+            <p:ph type="sldNum" idx="21"/>
           </p:nvPr>
         </p:nvSpPr>
         <p:spPr>
           <a:xfrm>
             <a:off x="6553080" y="6356520"/>
-            <a:ext cx="2131560" cy="362880"/>
+            <a:ext cx="2131200" cy="362520"/>
           </a:xfrm>
           <a:prstGeom prst="rect">
             <a:avLst/>
@@ -4035,7 +5488,7 @@
                 <a:tab algn="l" pos="0"/>
               </a:tabLst>
             </a:pPr>
-            <a:fld id="{58BAFEC5-1189-4F6B-A4AF-411882206403}" type="slidenum">
+            <a:fld id="{39AAF300-E627-49AD-88BB-091B6A213E30}" type="slidenum">
               <a:rPr b="0" lang="en-US" sz="1200" strike="noStrike" u="none">
                 <a:solidFill>
                   <a:schemeClr val="dk1">
@@ -4064,7 +5517,7 @@
 </p:sldLayout>
 </file>
 
-<file path=ppt/slideLayouts/slideLayout5.xml><?xml version="1.0" encoding="utf-8"?>
+<file path=ppt/slideLayouts/slideLayout8.xml><?xml version="1.0" encoding="utf-8"?>
 <p:sldLayout xmlns:a="http://schemas.openxmlformats.org/drawingml/2006/main" xmlns:p="http://schemas.openxmlformats.org/presentationml/2006/main" xmlns:r="http://schemas.openxmlformats.org/officeDocument/2006/relationships" xmlns:p14="http://schemas.microsoft.com/office/powerpoint/2010/main" xmlns:p15="http://schemas.microsoft.com/office/powerpoint/2012/main" xmlns:mc="http://schemas.openxmlformats.org/markup-compatibility/2006" type="title" preserve="1">
   <p:cSld name="Title Slide">
     <p:bg>
@@ -4090,7 +5543,7 @@
       </p:grpSpPr>
       <p:sp>
         <p:nvSpPr>
-          <p:cNvPr id="22" name="PlaceHolder 1"/>
+          <p:cNvPr id="41" name="PlaceHolder 1"/>
           <p:cNvSpPr>
             <a:spLocks noGrp="1"/>
           </p:cNvSpPr>
@@ -4101,7 +5554,7 @@
         <p:spPr>
           <a:xfrm>
             <a:off x="685800" y="2130480"/>
-            <a:ext cx="7770240" cy="1467720"/>
+            <a:ext cx="7769880" cy="1467360"/>
           </a:xfrm>
           <a:prstGeom prst="rect">
             <a:avLst/>
@@ -4149,18 +5602,18 @@
       </p:sp>
       <p:sp>
         <p:nvSpPr>
-          <p:cNvPr id="23" name="PlaceHolder 2"/>
+          <p:cNvPr id="42" name="PlaceHolder 2"/>
           <p:cNvSpPr>
             <a:spLocks noGrp="1"/>
           </p:cNvSpPr>
           <p:nvPr>
-            <p:ph type="dt" idx="13"/>
+            <p:ph type="dt" idx="22"/>
           </p:nvPr>
         </p:nvSpPr>
         <p:spPr>
           <a:xfrm>
             <a:off x="457200" y="6356520"/>
-            <a:ext cx="2131560" cy="362880"/>
+            <a:ext cx="2131200" cy="362520"/>
           </a:xfrm>
           <a:prstGeom prst="rect">
             <a:avLst/>
@@ -4231,18 +5684,18 @@
       </p:sp>
       <p:sp>
         <p:nvSpPr>
-          <p:cNvPr id="24" name="PlaceHolder 3"/>
+          <p:cNvPr id="43" name="PlaceHolder 3"/>
           <p:cNvSpPr>
             <a:spLocks noGrp="1"/>
           </p:cNvSpPr>
           <p:nvPr>
-            <p:ph type="ftr" idx="14"/>
+            <p:ph type="ftr" idx="23"/>
           </p:nvPr>
         </p:nvSpPr>
         <p:spPr>
           <a:xfrm>
             <a:off x="3124080" y="6356520"/>
-            <a:ext cx="2893320" cy="362880"/>
+            <a:ext cx="2892960" cy="362520"/>
           </a:xfrm>
           <a:prstGeom prst="rect">
             <a:avLst/>
@@ -4309,18 +5762,18 @@
       </p:sp>
       <p:sp>
         <p:nvSpPr>
-          <p:cNvPr id="25" name="PlaceHolder 4"/>
+          <p:cNvPr id="44" name="PlaceHolder 4"/>
           <p:cNvSpPr>
             <a:spLocks noGrp="1"/>
           </p:cNvSpPr>
           <p:nvPr>
-            <p:ph type="sldNum" idx="15"/>
+            <p:ph type="sldNum" idx="24"/>
           </p:nvPr>
         </p:nvSpPr>
         <p:spPr>
           <a:xfrm>
             <a:off x="6553080" y="6356520"/>
-            <a:ext cx="2131560" cy="362880"/>
+            <a:ext cx="2131200" cy="362520"/>
           </a:xfrm>
           <a:prstGeom prst="rect">
             <a:avLst/>
@@ -4365,7 +5818,7 @@
                 <a:tab algn="l" pos="0"/>
               </a:tabLst>
             </a:pPr>
-            <a:fld id="{5D7C4C5F-F571-466A-8952-77CC84459485}" type="slidenum">
+            <a:fld id="{55B8016E-740B-423A-B770-30B5A52E2572}" type="slidenum">
               <a:rPr b="0" lang="en-US" sz="1200" strike="noStrike" u="none">
                 <a:solidFill>
                   <a:schemeClr val="dk1">
@@ -4391,7 +5844,7 @@
       </p:sp>
       <p:sp>
         <p:nvSpPr>
-          <p:cNvPr id="26" name="PlaceHolder 5"/>
+          <p:cNvPr id="45" name="PlaceHolder 5"/>
           <p:cNvSpPr>
             <a:spLocks noGrp="1"/>
           </p:cNvSpPr>
@@ -4402,7 +5855,7 @@
         <p:spPr>
           <a:xfrm>
             <a:off x="457200" y="1604520"/>
-            <a:ext cx="8227440" cy="3975480"/>
+            <a:ext cx="8227080" cy="3975120"/>
           </a:xfrm>
           <a:prstGeom prst="rect">
             <a:avLst/>
@@ -4668,7 +6121,7 @@
 </p:sldLayout>
 </file>
 
-<file path=ppt/slideLayouts/slideLayout6.xml><?xml version="1.0" encoding="utf-8"?>
+<file path=ppt/slideLayouts/slideLayout9.xml><?xml version="1.0" encoding="utf-8"?>
 <p:sldLayout xmlns:a="http://schemas.openxmlformats.org/drawingml/2006/main" xmlns:p="http://schemas.openxmlformats.org/presentationml/2006/main" xmlns:r="http://schemas.openxmlformats.org/officeDocument/2006/relationships" xmlns:p14="http://schemas.microsoft.com/office/powerpoint/2010/main" xmlns:p15="http://schemas.microsoft.com/office/powerpoint/2012/main" xmlns:mc="http://schemas.openxmlformats.org/markup-compatibility/2006" type="vertTx" preserve="1">
   <p:cSld name="Title and Vertical Text">
     <p:bg>
@@ -4694,7 +6147,7 @@
       </p:grpSpPr>
       <p:sp>
         <p:nvSpPr>
-          <p:cNvPr id="27" name="PlaceHolder 1"/>
+          <p:cNvPr id="46" name="PlaceHolder 1"/>
           <p:cNvSpPr>
             <a:spLocks noGrp="1"/>
           </p:cNvSpPr>
@@ -4705,7 +6158,7 @@
         <p:spPr>
           <a:xfrm>
             <a:off x="457200" y="274680"/>
-            <a:ext cx="8227440" cy="1140840"/>
+            <a:ext cx="8227080" cy="1140480"/>
           </a:xfrm>
           <a:prstGeom prst="rect">
             <a:avLst/>
@@ -4753,7 +6206,7 @@
       </p:sp>
       <p:sp>
         <p:nvSpPr>
-          <p:cNvPr id="28" name="PlaceHolder 2"/>
+          <p:cNvPr id="47" name="PlaceHolder 2"/>
           <p:cNvSpPr>
             <a:spLocks noGrp="1"/>
           </p:cNvSpPr>
@@ -4764,7 +6217,7 @@
         <p:spPr>
           <a:xfrm>
             <a:off x="457200" y="1600200"/>
-            <a:ext cx="8227440" cy="4523760"/>
+            <a:ext cx="8227080" cy="4523400"/>
           </a:xfrm>
           <a:prstGeom prst="rect">
             <a:avLst/>
@@ -4952,18 +6405,18 @@
       </p:sp>
       <p:sp>
         <p:nvSpPr>
-          <p:cNvPr id="29" name="PlaceHolder 3"/>
+          <p:cNvPr id="48" name="PlaceHolder 3"/>
           <p:cNvSpPr>
             <a:spLocks noGrp="1"/>
           </p:cNvSpPr>
           <p:nvPr>
-            <p:ph type="dt" idx="16"/>
+            <p:ph type="dt" idx="25"/>
           </p:nvPr>
         </p:nvSpPr>
         <p:spPr>
           <a:xfrm>
             <a:off x="457200" y="6356520"/>
-            <a:ext cx="2131560" cy="362880"/>
+            <a:ext cx="2131200" cy="362520"/>
           </a:xfrm>
           <a:prstGeom prst="rect">
             <a:avLst/>
@@ -5034,18 +6487,18 @@
       </p:sp>
       <p:sp>
         <p:nvSpPr>
-          <p:cNvPr id="30" name="PlaceHolder 4"/>
+          <p:cNvPr id="49" name="PlaceHolder 4"/>
           <p:cNvSpPr>
             <a:spLocks noGrp="1"/>
           </p:cNvSpPr>
           <p:nvPr>
-            <p:ph type="ftr" idx="17"/>
+            <p:ph type="ftr" idx="26"/>
           </p:nvPr>
         </p:nvSpPr>
         <p:spPr>
           <a:xfrm>
             <a:off x="3124080" y="6356520"/>
-            <a:ext cx="2893320" cy="362880"/>
+            <a:ext cx="2892960" cy="362520"/>
           </a:xfrm>
           <a:prstGeom prst="rect">
             <a:avLst/>
@@ -5112,18 +6565,18 @@
       </p:sp>
       <p:sp>
         <p:nvSpPr>
-          <p:cNvPr id="31" name="PlaceHolder 5"/>
+          <p:cNvPr id="50" name="PlaceHolder 5"/>
           <p:cNvSpPr>
             <a:spLocks noGrp="1"/>
           </p:cNvSpPr>
           <p:nvPr>
-            <p:ph type="sldNum" idx="18"/>
+            <p:ph type="sldNum" idx="27"/>
           </p:nvPr>
         </p:nvSpPr>
         <p:spPr>
           <a:xfrm>
             <a:off x="6553080" y="6356520"/>
-            <a:ext cx="2131560" cy="362880"/>
+            <a:ext cx="2131200" cy="362520"/>
           </a:xfrm>
           <a:prstGeom prst="rect">
             <a:avLst/>
@@ -5168,1459 +6621,7 @@
                 <a:tab algn="l" pos="0"/>
               </a:tabLst>
             </a:pPr>
-            <a:fld id="{9E349E61-4DC6-43B2-B9A0-D4F540B6432B}" type="slidenum">
-              <a:rPr b="0" lang="en-US" sz="1200" strike="noStrike" u="none">
-                <a:solidFill>
-                  <a:schemeClr val="dk1">
-                    <a:tint val="75000"/>
-                  </a:schemeClr>
-                </a:solidFill>
-                <a:effectLst/>
-                <a:uFillTx/>
-                <a:latin typeface="Calibri"/>
-              </a:rPr>
-              <a:t>&lt;número&gt;</a:t>
-            </a:fld>
-            <a:endParaRPr b="0" lang="pt-BR" sz="1200" strike="noStrike" u="none">
-              <a:solidFill>
-                <a:srgbClr val="000000"/>
-              </a:solidFill>
-              <a:effectLst/>
-              <a:uFillTx/>
-              <a:latin typeface="Times New Roman"/>
-            </a:endParaRPr>
-          </a:p>
-        </p:txBody>
-      </p:sp>
-    </p:spTree>
-  </p:cSld>
-</p:sldLayout>
-</file>
-
-<file path=ppt/slideLayouts/slideLayout7.xml><?xml version="1.0" encoding="utf-8"?>
-<p:sldLayout xmlns:a="http://schemas.openxmlformats.org/drawingml/2006/main" xmlns:p="http://schemas.openxmlformats.org/presentationml/2006/main" xmlns:r="http://schemas.openxmlformats.org/officeDocument/2006/relationships" xmlns:p14="http://schemas.microsoft.com/office/powerpoint/2010/main" xmlns:p15="http://schemas.microsoft.com/office/powerpoint/2012/main" xmlns:mc="http://schemas.openxmlformats.org/markup-compatibility/2006" type="vertTitleAndTx" preserve="1">
-  <p:cSld name="Vertical Title and Text">
-    <p:bg>
-      <p:bgPr>
-        <a:solidFill>
-          <a:srgbClr val="ffffff"/>
-        </a:solidFill>
-      </p:bgPr>
-    </p:bg>
-    <p:spTree>
-      <p:nvGrpSpPr>
-        <p:cNvPr id="1" name=""/>
-        <p:cNvGrpSpPr/>
-        <p:nvPr/>
-      </p:nvGrpSpPr>
-      <p:grpSpPr>
-        <a:xfrm>
-          <a:off x="0" y="0"/>
-          <a:ext cx="0" cy="0"/>
-          <a:chOff x="0" y="0"/>
-          <a:chExt cx="0" cy="0"/>
-        </a:xfrm>
-      </p:grpSpPr>
-      <p:sp>
-        <p:nvSpPr>
-          <p:cNvPr id="32" name="PlaceHolder 1"/>
-          <p:cNvSpPr>
-            <a:spLocks noGrp="1"/>
-          </p:cNvSpPr>
-          <p:nvPr>
-            <p:ph type="title"/>
-          </p:nvPr>
-        </p:nvSpPr>
-        <p:spPr>
-          <a:xfrm>
-            <a:off x="6629400" y="274680"/>
-            <a:ext cx="2055240" cy="5849280"/>
-          </a:xfrm>
-          <a:prstGeom prst="rect">
-            <a:avLst/>
-          </a:prstGeom>
-          <a:noFill/>
-          <a:ln w="0">
-            <a:noFill/>
-          </a:ln>
-        </p:spPr>
-        <p:txBody>
-          <a:bodyPr lIns="91440" rIns="91440" tIns="45720" bIns="45720" anchor="ctr" vert="eaVert">
-            <a:noAutofit/>
-          </a:bodyPr>
-          <a:p>
-            <a:pPr indent="0" algn="ctr" defTabSz="457200">
-              <a:lnSpc>
-                <a:spcPct val="100000"/>
-              </a:lnSpc>
-              <a:buNone/>
-              <a:tabLst>
-                <a:tab algn="l" pos="0"/>
-              </a:tabLst>
-            </a:pPr>
-            <a:r>
-              <a:rPr b="0" lang="en-US" sz="4400" strike="noStrike" u="none">
-                <a:solidFill>
-                  <a:schemeClr val="dk1"/>
-                </a:solidFill>
-                <a:effectLst/>
-                <a:uFillTx/>
-                <a:latin typeface="Calibri"/>
-              </a:rPr>
-              <a:t>Click to edit Master title style</a:t>
-            </a:r>
-            <a:endParaRPr b="0" lang="pt-BR" sz="4400" strike="noStrike" u="none">
-              <a:solidFill>
-                <a:srgbClr val="000000"/>
-              </a:solidFill>
-              <a:effectLst/>
-              <a:uFillTx/>
-              <a:latin typeface="Arial"/>
-            </a:endParaRPr>
-          </a:p>
-        </p:txBody>
-      </p:sp>
-      <p:sp>
-        <p:nvSpPr>
-          <p:cNvPr id="33" name="PlaceHolder 2"/>
-          <p:cNvSpPr>
-            <a:spLocks noGrp="1"/>
-          </p:cNvSpPr>
-          <p:nvPr>
-            <p:ph type="body"/>
-          </p:nvPr>
-        </p:nvSpPr>
-        <p:spPr>
-          <a:xfrm>
-            <a:off x="457200" y="274680"/>
-            <a:ext cx="6017760" cy="5849280"/>
-          </a:xfrm>
-          <a:prstGeom prst="rect">
-            <a:avLst/>
-          </a:prstGeom>
-          <a:noFill/>
-          <a:ln w="0">
-            <a:noFill/>
-          </a:ln>
-        </p:spPr>
-        <p:txBody>
-          <a:bodyPr lIns="91440" rIns="91440" tIns="45720" bIns="45720" anchor="t" vert="eaVert">
-            <a:noAutofit/>
-          </a:bodyPr>
-          <a:p>
-            <a:pPr marL="343080" indent="-343080" defTabSz="457200">
-              <a:lnSpc>
-                <a:spcPct val="100000"/>
-              </a:lnSpc>
-              <a:spcBef>
-                <a:spcPts val="641"/>
-              </a:spcBef>
-              <a:buClr>
-                <a:srgbClr val="000000"/>
-              </a:buClr>
-              <a:buFont typeface="Arial"/>
-              <a:buChar char="•"/>
-            </a:pPr>
-            <a:r>
-              <a:rPr b="0" lang="en-US" sz="3200" strike="noStrike" u="none">
-                <a:solidFill>
-                  <a:schemeClr val="dk1"/>
-                </a:solidFill>
-                <a:effectLst/>
-                <a:uFillTx/>
-                <a:latin typeface="Calibri"/>
-              </a:rPr>
-              <a:t>Click to edit Master text styles</a:t>
-            </a:r>
-            <a:endParaRPr b="0" lang="pt-BR" sz="3200" strike="noStrike" u="none">
-              <a:solidFill>
-                <a:srgbClr val="000000"/>
-              </a:solidFill>
-              <a:effectLst/>
-              <a:uFillTx/>
-              <a:latin typeface="Arial"/>
-            </a:endParaRPr>
-          </a:p>
-          <a:p>
-            <a:pPr lvl="1" marL="743040" indent="-285840" defTabSz="457200">
-              <a:lnSpc>
-                <a:spcPct val="100000"/>
-              </a:lnSpc>
-              <a:spcBef>
-                <a:spcPts val="561"/>
-              </a:spcBef>
-              <a:buClr>
-                <a:srgbClr val="000000"/>
-              </a:buClr>
-              <a:buFont typeface="Arial"/>
-              <a:buChar char="–"/>
-            </a:pPr>
-            <a:r>
-              <a:rPr b="0" lang="en-US" sz="2800" strike="noStrike" u="none">
-                <a:solidFill>
-                  <a:schemeClr val="dk1"/>
-                </a:solidFill>
-                <a:effectLst/>
-                <a:uFillTx/>
-                <a:latin typeface="Calibri"/>
-              </a:rPr>
-              <a:t>Second level</a:t>
-            </a:r>
-            <a:endParaRPr b="0" lang="pt-BR" sz="2800" strike="noStrike" u="none">
-              <a:solidFill>
-                <a:srgbClr val="000000"/>
-              </a:solidFill>
-              <a:effectLst/>
-              <a:uFillTx/>
-              <a:latin typeface="Arial"/>
-            </a:endParaRPr>
-          </a:p>
-          <a:p>
-            <a:pPr lvl="2" marL="1143000" indent="-228600" defTabSz="457200">
-              <a:lnSpc>
-                <a:spcPct val="100000"/>
-              </a:lnSpc>
-              <a:spcBef>
-                <a:spcPts val="479"/>
-              </a:spcBef>
-              <a:buClr>
-                <a:srgbClr val="000000"/>
-              </a:buClr>
-              <a:buFont typeface="Arial"/>
-              <a:buChar char="•"/>
-            </a:pPr>
-            <a:r>
-              <a:rPr b="0" lang="en-US" sz="2400" strike="noStrike" u="none">
-                <a:solidFill>
-                  <a:schemeClr val="dk1"/>
-                </a:solidFill>
-                <a:effectLst/>
-                <a:uFillTx/>
-                <a:latin typeface="Calibri"/>
-              </a:rPr>
-              <a:t>Third level</a:t>
-            </a:r>
-            <a:endParaRPr b="0" lang="pt-BR" sz="2400" strike="noStrike" u="none">
-              <a:solidFill>
-                <a:srgbClr val="000000"/>
-              </a:solidFill>
-              <a:effectLst/>
-              <a:uFillTx/>
-              <a:latin typeface="Arial"/>
-            </a:endParaRPr>
-          </a:p>
-          <a:p>
-            <a:pPr lvl="3" marL="1600200" indent="-228600" defTabSz="457200">
-              <a:lnSpc>
-                <a:spcPct val="100000"/>
-              </a:lnSpc>
-              <a:spcBef>
-                <a:spcPts val="400"/>
-              </a:spcBef>
-              <a:buClr>
-                <a:srgbClr val="000000"/>
-              </a:buClr>
-              <a:buFont typeface="Arial"/>
-              <a:buChar char="–"/>
-            </a:pPr>
-            <a:r>
-              <a:rPr b="0" lang="en-US" sz="2000" strike="noStrike" u="none">
-                <a:solidFill>
-                  <a:schemeClr val="dk1"/>
-                </a:solidFill>
-                <a:effectLst/>
-                <a:uFillTx/>
-                <a:latin typeface="Calibri"/>
-              </a:rPr>
-              <a:t>Fourth level</a:t>
-            </a:r>
-            <a:endParaRPr b="0" lang="pt-BR" sz="2000" strike="noStrike" u="none">
-              <a:solidFill>
-                <a:srgbClr val="000000"/>
-              </a:solidFill>
-              <a:effectLst/>
-              <a:uFillTx/>
-              <a:latin typeface="Arial"/>
-            </a:endParaRPr>
-          </a:p>
-          <a:p>
-            <a:pPr lvl="4" marL="2057400" indent="-228600" defTabSz="457200">
-              <a:lnSpc>
-                <a:spcPct val="100000"/>
-              </a:lnSpc>
-              <a:spcBef>
-                <a:spcPts val="400"/>
-              </a:spcBef>
-              <a:buClr>
-                <a:srgbClr val="000000"/>
-              </a:buClr>
-              <a:buFont typeface="Arial"/>
-              <a:buChar char="»"/>
-            </a:pPr>
-            <a:r>
-              <a:rPr b="0" lang="en-US" sz="2000" strike="noStrike" u="none">
-                <a:solidFill>
-                  <a:schemeClr val="dk1"/>
-                </a:solidFill>
-                <a:effectLst/>
-                <a:uFillTx/>
-                <a:latin typeface="Calibri"/>
-              </a:rPr>
-              <a:t>Fifth level</a:t>
-            </a:r>
-            <a:endParaRPr b="0" lang="pt-BR" sz="2000" strike="noStrike" u="none">
-              <a:solidFill>
-                <a:srgbClr val="000000"/>
-              </a:solidFill>
-              <a:effectLst/>
-              <a:uFillTx/>
-              <a:latin typeface="Arial"/>
-            </a:endParaRPr>
-          </a:p>
-        </p:txBody>
-      </p:sp>
-      <p:sp>
-        <p:nvSpPr>
-          <p:cNvPr id="34" name="PlaceHolder 3"/>
-          <p:cNvSpPr>
-            <a:spLocks noGrp="1"/>
-          </p:cNvSpPr>
-          <p:nvPr>
-            <p:ph type="dt" idx="19"/>
-          </p:nvPr>
-        </p:nvSpPr>
-        <p:spPr>
-          <a:xfrm>
-            <a:off x="457200" y="6356520"/>
-            <a:ext cx="2131560" cy="362880"/>
-          </a:xfrm>
-          <a:prstGeom prst="rect">
-            <a:avLst/>
-          </a:prstGeom>
-          <a:noFill/>
-          <a:ln w="0">
-            <a:noFill/>
-          </a:ln>
-        </p:spPr>
-        <p:txBody>
-          <a:bodyPr lIns="91440" rIns="91440" tIns="45720" bIns="45720" anchor="ctr">
-            <a:noAutofit/>
-          </a:bodyPr>
-          <a:lstStyle>
-            <a:lvl1pPr indent="0" defTabSz="457200">
-              <a:lnSpc>
-                <a:spcPct val="100000"/>
-              </a:lnSpc>
-              <a:buNone/>
-              <a:tabLst>
-                <a:tab algn="l" pos="0"/>
-              </a:tabLst>
-              <a:defRPr b="0" lang="en-US" sz="1200" strike="noStrike" u="none">
-                <a:solidFill>
-                  <a:schemeClr val="dk1">
-                    <a:tint val="75000"/>
-                  </a:schemeClr>
-                </a:solidFill>
-                <a:effectLst/>
-                <a:uFillTx/>
-                <a:latin typeface="Calibri"/>
-              </a:defRPr>
-            </a:lvl1pPr>
-          </a:lstStyle>
-          <a:p>
-            <a:pPr indent="0" defTabSz="457200">
-              <a:lnSpc>
-                <a:spcPct val="100000"/>
-              </a:lnSpc>
-              <a:buNone/>
-              <a:tabLst>
-                <a:tab algn="l" pos="0"/>
-              </a:tabLst>
-            </a:pPr>
-            <a:r>
-              <a:rPr b="0" lang="en-US" sz="1200" strike="noStrike" u="none">
-                <a:solidFill>
-                  <a:schemeClr val="dk1">
-                    <a:tint val="75000"/>
-                  </a:schemeClr>
-                </a:solidFill>
-                <a:effectLst/>
-                <a:uFillTx/>
-                <a:latin typeface="Calibri"/>
-              </a:rPr>
-              <a:t>&lt;data/hora&gt;</a:t>
-            </a:r>
-            <a:endParaRPr b="0" lang="pt-BR" sz="1200" strike="noStrike" u="none">
-              <a:solidFill>
-                <a:srgbClr val="000000"/>
-              </a:solidFill>
-              <a:effectLst/>
-              <a:uFillTx/>
-              <a:latin typeface="Times New Roman"/>
-            </a:endParaRPr>
-          </a:p>
-        </p:txBody>
-      </p:sp>
-      <p:sp>
-        <p:nvSpPr>
-          <p:cNvPr id="35" name="PlaceHolder 4"/>
-          <p:cNvSpPr>
-            <a:spLocks noGrp="1"/>
-          </p:cNvSpPr>
-          <p:nvPr>
-            <p:ph type="ftr" idx="20"/>
-          </p:nvPr>
-        </p:nvSpPr>
-        <p:spPr>
-          <a:xfrm>
-            <a:off x="3124080" y="6356520"/>
-            <a:ext cx="2893320" cy="362880"/>
-          </a:xfrm>
-          <a:prstGeom prst="rect">
-            <a:avLst/>
-          </a:prstGeom>
-          <a:noFill/>
-          <a:ln w="0">
-            <a:noFill/>
-          </a:ln>
-        </p:spPr>
-        <p:txBody>
-          <a:bodyPr lIns="91440" rIns="91440" tIns="45720" bIns="45720" anchor="ctr">
-            <a:noAutofit/>
-          </a:bodyPr>
-          <a:lstStyle>
-            <a:lvl1pPr indent="0" algn="ctr">
-              <a:lnSpc>
-                <a:spcPct val="100000"/>
-              </a:lnSpc>
-              <a:buNone/>
-              <a:tabLst>
-                <a:tab algn="l" pos="0"/>
-              </a:tabLst>
-              <a:defRPr b="0" lang="pt-BR" sz="1400" strike="noStrike" u="none">
-                <a:solidFill>
-                  <a:srgbClr val="000000"/>
-                </a:solidFill>
-                <a:effectLst/>
-                <a:uFillTx/>
-                <a:latin typeface="Times New Roman"/>
-              </a:defRPr>
-            </a:lvl1pPr>
-          </a:lstStyle>
-          <a:p>
-            <a:pPr indent="0" algn="ctr">
-              <a:lnSpc>
-                <a:spcPct val="100000"/>
-              </a:lnSpc>
-              <a:buNone/>
-              <a:tabLst>
-                <a:tab algn="l" pos="0"/>
-              </a:tabLst>
-            </a:pPr>
-            <a:r>
-              <a:rPr b="0" lang="pt-BR" sz="1400" strike="noStrike" u="none">
-                <a:solidFill>
-                  <a:srgbClr val="000000"/>
-                </a:solidFill>
-                <a:effectLst/>
-                <a:uFillTx/>
-                <a:latin typeface="Times New Roman"/>
-              </a:rPr>
-              <a:t>&lt;rodapé&gt;</a:t>
-            </a:r>
-            <a:endParaRPr b="0" lang="pt-BR" sz="1400" strike="noStrike" u="none">
-              <a:solidFill>
-                <a:srgbClr val="000000"/>
-              </a:solidFill>
-              <a:effectLst/>
-              <a:uFillTx/>
-              <a:latin typeface="Times New Roman"/>
-            </a:endParaRPr>
-          </a:p>
-        </p:txBody>
-      </p:sp>
-      <p:sp>
-        <p:nvSpPr>
-          <p:cNvPr id="36" name="PlaceHolder 5"/>
-          <p:cNvSpPr>
-            <a:spLocks noGrp="1"/>
-          </p:cNvSpPr>
-          <p:nvPr>
-            <p:ph type="sldNum" idx="21"/>
-          </p:nvPr>
-        </p:nvSpPr>
-        <p:spPr>
-          <a:xfrm>
-            <a:off x="6553080" y="6356520"/>
-            <a:ext cx="2131560" cy="362880"/>
-          </a:xfrm>
-          <a:prstGeom prst="rect">
-            <a:avLst/>
-          </a:prstGeom>
-          <a:noFill/>
-          <a:ln w="0">
-            <a:noFill/>
-          </a:ln>
-        </p:spPr>
-        <p:txBody>
-          <a:bodyPr lIns="91440" rIns="91440" tIns="45720" bIns="45720" anchor="ctr">
-            <a:noAutofit/>
-          </a:bodyPr>
-          <a:lstStyle>
-            <a:lvl1pPr indent="0" algn="r" defTabSz="457200">
-              <a:lnSpc>
-                <a:spcPct val="100000"/>
-              </a:lnSpc>
-              <a:buNone/>
-              <a:tabLst>
-                <a:tab algn="l" pos="0"/>
-              </a:tabLst>
-              <a:defRPr b="0" lang="en-US" sz="1200" strike="noStrike" u="none">
-                <a:solidFill>
-                  <a:schemeClr val="dk1">
-                    <a:tint val="75000"/>
-                  </a:schemeClr>
-                </a:solidFill>
-                <a:effectLst/>
-                <a:uFillTx/>
-                <a:latin typeface="Calibri"/>
-              </a:defRPr>
-            </a:lvl1pPr>
-          </a:lstStyle>
-          <a:p>
-            <a:pPr indent="0" algn="r" defTabSz="457200">
-              <a:lnSpc>
-                <a:spcPct val="100000"/>
-              </a:lnSpc>
-              <a:buNone/>
-              <a:tabLst>
-                <a:tab algn="l" pos="0"/>
-              </a:tabLst>
-            </a:pPr>
-            <a:fld id="{FFD34B3B-ED90-4C59-A61A-B89D084ED756}" type="slidenum">
-              <a:rPr b="0" lang="en-US" sz="1200" strike="noStrike" u="none">
-                <a:solidFill>
-                  <a:schemeClr val="dk1">
-                    <a:tint val="75000"/>
-                  </a:schemeClr>
-                </a:solidFill>
-                <a:effectLst/>
-                <a:uFillTx/>
-                <a:latin typeface="Calibri"/>
-              </a:rPr>
-              <a:t>&lt;número&gt;</a:t>
-            </a:fld>
-            <a:endParaRPr b="0" lang="pt-BR" sz="1200" strike="noStrike" u="none">
-              <a:solidFill>
-                <a:srgbClr val="000000"/>
-              </a:solidFill>
-              <a:effectLst/>
-              <a:uFillTx/>
-              <a:latin typeface="Times New Roman"/>
-            </a:endParaRPr>
-          </a:p>
-        </p:txBody>
-      </p:sp>
-    </p:spTree>
-  </p:cSld>
-</p:sldLayout>
-</file>
-
-<file path=ppt/slideLayouts/slideLayout8.xml><?xml version="1.0" encoding="utf-8"?>
-<p:sldLayout xmlns:a="http://schemas.openxmlformats.org/drawingml/2006/main" xmlns:p="http://schemas.openxmlformats.org/presentationml/2006/main" xmlns:r="http://schemas.openxmlformats.org/officeDocument/2006/relationships" xmlns:p14="http://schemas.microsoft.com/office/powerpoint/2010/main" xmlns:p15="http://schemas.microsoft.com/office/powerpoint/2012/main" xmlns:mc="http://schemas.openxmlformats.org/markup-compatibility/2006" type="obj" preserve="1">
-  <p:cSld name="Title and Content">
-    <p:bg>
-      <p:bgPr>
-        <a:solidFill>
-          <a:srgbClr val="ffffff"/>
-        </a:solidFill>
-      </p:bgPr>
-    </p:bg>
-    <p:spTree>
-      <p:nvGrpSpPr>
-        <p:cNvPr id="1" name=""/>
-        <p:cNvGrpSpPr/>
-        <p:nvPr/>
-      </p:nvGrpSpPr>
-      <p:grpSpPr>
-        <a:xfrm>
-          <a:off x="0" y="0"/>
-          <a:ext cx="0" cy="0"/>
-          <a:chOff x="0" y="0"/>
-          <a:chExt cx="0" cy="0"/>
-        </a:xfrm>
-      </p:grpSpPr>
-      <p:sp>
-        <p:nvSpPr>
-          <p:cNvPr id="37" name="PlaceHolder 1"/>
-          <p:cNvSpPr>
-            <a:spLocks noGrp="1"/>
-          </p:cNvSpPr>
-          <p:nvPr>
-            <p:ph type="title"/>
-          </p:nvPr>
-        </p:nvSpPr>
-        <p:spPr>
-          <a:xfrm>
-            <a:off x="457200" y="274680"/>
-            <a:ext cx="8227440" cy="1140840"/>
-          </a:xfrm>
-          <a:prstGeom prst="rect">
-            <a:avLst/>
-          </a:prstGeom>
-          <a:noFill/>
-          <a:ln w="0">
-            <a:noFill/>
-          </a:ln>
-        </p:spPr>
-        <p:txBody>
-          <a:bodyPr lIns="91440" rIns="91440" tIns="45720" bIns="45720" anchor="ctr">
-            <a:noAutofit/>
-          </a:bodyPr>
-          <a:p>
-            <a:pPr indent="0" algn="ctr" defTabSz="457200">
-              <a:lnSpc>
-                <a:spcPct val="100000"/>
-              </a:lnSpc>
-              <a:buNone/>
-              <a:tabLst>
-                <a:tab algn="l" pos="0"/>
-              </a:tabLst>
-            </a:pPr>
-            <a:r>
-              <a:rPr b="0" lang="en-US" sz="4400" strike="noStrike" u="none">
-                <a:solidFill>
-                  <a:schemeClr val="dk1"/>
-                </a:solidFill>
-                <a:effectLst/>
-                <a:uFillTx/>
-                <a:latin typeface="Calibri"/>
-              </a:rPr>
-              <a:t>Click to edit Master title style</a:t>
-            </a:r>
-            <a:endParaRPr b="0" lang="pt-BR" sz="4400" strike="noStrike" u="none">
-              <a:solidFill>
-                <a:srgbClr val="000000"/>
-              </a:solidFill>
-              <a:effectLst/>
-              <a:uFillTx/>
-              <a:latin typeface="Arial"/>
-            </a:endParaRPr>
-          </a:p>
-        </p:txBody>
-      </p:sp>
-      <p:sp>
-        <p:nvSpPr>
-          <p:cNvPr id="38" name="PlaceHolder 2"/>
-          <p:cNvSpPr>
-            <a:spLocks noGrp="1"/>
-          </p:cNvSpPr>
-          <p:nvPr>
-            <p:ph type="body"/>
-          </p:nvPr>
-        </p:nvSpPr>
-        <p:spPr>
-          <a:xfrm>
-            <a:off x="457200" y="1600200"/>
-            <a:ext cx="8227440" cy="4523760"/>
-          </a:xfrm>
-          <a:prstGeom prst="rect">
-            <a:avLst/>
-          </a:prstGeom>
-          <a:noFill/>
-          <a:ln w="0">
-            <a:noFill/>
-          </a:ln>
-        </p:spPr>
-        <p:txBody>
-          <a:bodyPr lIns="91440" rIns="91440" tIns="45720" bIns="45720" anchor="t">
-            <a:noAutofit/>
-          </a:bodyPr>
-          <a:p>
-            <a:pPr marL="343080" indent="-343080" defTabSz="457200">
-              <a:lnSpc>
-                <a:spcPct val="100000"/>
-              </a:lnSpc>
-              <a:spcBef>
-                <a:spcPts val="641"/>
-              </a:spcBef>
-              <a:buClr>
-                <a:srgbClr val="000000"/>
-              </a:buClr>
-              <a:buFont typeface="Arial"/>
-              <a:buChar char="•"/>
-            </a:pPr>
-            <a:r>
-              <a:rPr b="0" lang="en-US" sz="3200" strike="noStrike" u="none">
-                <a:solidFill>
-                  <a:schemeClr val="dk1"/>
-                </a:solidFill>
-                <a:effectLst/>
-                <a:uFillTx/>
-                <a:latin typeface="Calibri"/>
-              </a:rPr>
-              <a:t>Click to edit Master text styles</a:t>
-            </a:r>
-            <a:endParaRPr b="0" lang="pt-BR" sz="3200" strike="noStrike" u="none">
-              <a:solidFill>
-                <a:srgbClr val="000000"/>
-              </a:solidFill>
-              <a:effectLst/>
-              <a:uFillTx/>
-              <a:latin typeface="Arial"/>
-            </a:endParaRPr>
-          </a:p>
-          <a:p>
-            <a:pPr lvl="1" marL="743040" indent="-285840" defTabSz="457200">
-              <a:lnSpc>
-                <a:spcPct val="100000"/>
-              </a:lnSpc>
-              <a:spcBef>
-                <a:spcPts val="561"/>
-              </a:spcBef>
-              <a:buClr>
-                <a:srgbClr val="000000"/>
-              </a:buClr>
-              <a:buFont typeface="Arial"/>
-              <a:buChar char="–"/>
-            </a:pPr>
-            <a:r>
-              <a:rPr b="0" lang="en-US" sz="2800" strike="noStrike" u="none">
-                <a:solidFill>
-                  <a:schemeClr val="dk1"/>
-                </a:solidFill>
-                <a:effectLst/>
-                <a:uFillTx/>
-                <a:latin typeface="Calibri"/>
-              </a:rPr>
-              <a:t>Second level</a:t>
-            </a:r>
-            <a:endParaRPr b="0" lang="pt-BR" sz="2800" strike="noStrike" u="none">
-              <a:solidFill>
-                <a:srgbClr val="000000"/>
-              </a:solidFill>
-              <a:effectLst/>
-              <a:uFillTx/>
-              <a:latin typeface="Arial"/>
-            </a:endParaRPr>
-          </a:p>
-          <a:p>
-            <a:pPr lvl="2" marL="1143000" indent="-228600" defTabSz="457200">
-              <a:lnSpc>
-                <a:spcPct val="100000"/>
-              </a:lnSpc>
-              <a:spcBef>
-                <a:spcPts val="479"/>
-              </a:spcBef>
-              <a:buClr>
-                <a:srgbClr val="000000"/>
-              </a:buClr>
-              <a:buFont typeface="Arial"/>
-              <a:buChar char="•"/>
-            </a:pPr>
-            <a:r>
-              <a:rPr b="0" lang="en-US" sz="2400" strike="noStrike" u="none">
-                <a:solidFill>
-                  <a:schemeClr val="dk1"/>
-                </a:solidFill>
-                <a:effectLst/>
-                <a:uFillTx/>
-                <a:latin typeface="Calibri"/>
-              </a:rPr>
-              <a:t>Third level</a:t>
-            </a:r>
-            <a:endParaRPr b="0" lang="pt-BR" sz="2400" strike="noStrike" u="none">
-              <a:solidFill>
-                <a:srgbClr val="000000"/>
-              </a:solidFill>
-              <a:effectLst/>
-              <a:uFillTx/>
-              <a:latin typeface="Arial"/>
-            </a:endParaRPr>
-          </a:p>
-          <a:p>
-            <a:pPr lvl="3" marL="1600200" indent="-228600" defTabSz="457200">
-              <a:lnSpc>
-                <a:spcPct val="100000"/>
-              </a:lnSpc>
-              <a:spcBef>
-                <a:spcPts val="400"/>
-              </a:spcBef>
-              <a:buClr>
-                <a:srgbClr val="000000"/>
-              </a:buClr>
-              <a:buFont typeface="Arial"/>
-              <a:buChar char="–"/>
-            </a:pPr>
-            <a:r>
-              <a:rPr b="0" lang="en-US" sz="2000" strike="noStrike" u="none">
-                <a:solidFill>
-                  <a:schemeClr val="dk1"/>
-                </a:solidFill>
-                <a:effectLst/>
-                <a:uFillTx/>
-                <a:latin typeface="Calibri"/>
-              </a:rPr>
-              <a:t>Fourth level</a:t>
-            </a:r>
-            <a:endParaRPr b="0" lang="pt-BR" sz="2000" strike="noStrike" u="none">
-              <a:solidFill>
-                <a:srgbClr val="000000"/>
-              </a:solidFill>
-              <a:effectLst/>
-              <a:uFillTx/>
-              <a:latin typeface="Arial"/>
-            </a:endParaRPr>
-          </a:p>
-          <a:p>
-            <a:pPr lvl="4" marL="2057400" indent="-228600" defTabSz="457200">
-              <a:lnSpc>
-                <a:spcPct val="100000"/>
-              </a:lnSpc>
-              <a:spcBef>
-                <a:spcPts val="400"/>
-              </a:spcBef>
-              <a:buClr>
-                <a:srgbClr val="000000"/>
-              </a:buClr>
-              <a:buFont typeface="Arial"/>
-              <a:buChar char="»"/>
-            </a:pPr>
-            <a:r>
-              <a:rPr b="0" lang="en-US" sz="2000" strike="noStrike" u="none">
-                <a:solidFill>
-                  <a:schemeClr val="dk1"/>
-                </a:solidFill>
-                <a:effectLst/>
-                <a:uFillTx/>
-                <a:latin typeface="Calibri"/>
-              </a:rPr>
-              <a:t>Fifth level</a:t>
-            </a:r>
-            <a:endParaRPr b="0" lang="pt-BR" sz="2000" strike="noStrike" u="none">
-              <a:solidFill>
-                <a:srgbClr val="000000"/>
-              </a:solidFill>
-              <a:effectLst/>
-              <a:uFillTx/>
-              <a:latin typeface="Arial"/>
-            </a:endParaRPr>
-          </a:p>
-        </p:txBody>
-      </p:sp>
-      <p:sp>
-        <p:nvSpPr>
-          <p:cNvPr id="39" name="PlaceHolder 3"/>
-          <p:cNvSpPr>
-            <a:spLocks noGrp="1"/>
-          </p:cNvSpPr>
-          <p:nvPr>
-            <p:ph type="dt" idx="22"/>
-          </p:nvPr>
-        </p:nvSpPr>
-        <p:spPr>
-          <a:xfrm>
-            <a:off x="457200" y="6356520"/>
-            <a:ext cx="2131560" cy="362880"/>
-          </a:xfrm>
-          <a:prstGeom prst="rect">
-            <a:avLst/>
-          </a:prstGeom>
-          <a:noFill/>
-          <a:ln w="0">
-            <a:noFill/>
-          </a:ln>
-        </p:spPr>
-        <p:txBody>
-          <a:bodyPr lIns="91440" rIns="91440" tIns="45720" bIns="45720" anchor="ctr">
-            <a:noAutofit/>
-          </a:bodyPr>
-          <a:lstStyle>
-            <a:lvl1pPr indent="0" defTabSz="457200">
-              <a:lnSpc>
-                <a:spcPct val="100000"/>
-              </a:lnSpc>
-              <a:buNone/>
-              <a:tabLst>
-                <a:tab algn="l" pos="0"/>
-              </a:tabLst>
-              <a:defRPr b="0" lang="en-US" sz="1200" strike="noStrike" u="none">
-                <a:solidFill>
-                  <a:schemeClr val="dk1">
-                    <a:tint val="75000"/>
-                  </a:schemeClr>
-                </a:solidFill>
-                <a:effectLst/>
-                <a:uFillTx/>
-                <a:latin typeface="Calibri"/>
-              </a:defRPr>
-            </a:lvl1pPr>
-          </a:lstStyle>
-          <a:p>
-            <a:pPr indent="0" defTabSz="457200">
-              <a:lnSpc>
-                <a:spcPct val="100000"/>
-              </a:lnSpc>
-              <a:buNone/>
-              <a:tabLst>
-                <a:tab algn="l" pos="0"/>
-              </a:tabLst>
-            </a:pPr>
-            <a:r>
-              <a:rPr b="0" lang="en-US" sz="1200" strike="noStrike" u="none">
-                <a:solidFill>
-                  <a:schemeClr val="dk1">
-                    <a:tint val="75000"/>
-                  </a:schemeClr>
-                </a:solidFill>
-                <a:effectLst/>
-                <a:uFillTx/>
-                <a:latin typeface="Calibri"/>
-              </a:rPr>
-              <a:t>&lt;data/hora&gt;</a:t>
-            </a:r>
-            <a:endParaRPr b="0" lang="pt-BR" sz="1200" strike="noStrike" u="none">
-              <a:solidFill>
-                <a:srgbClr val="000000"/>
-              </a:solidFill>
-              <a:effectLst/>
-              <a:uFillTx/>
-              <a:latin typeface="Times New Roman"/>
-            </a:endParaRPr>
-          </a:p>
-        </p:txBody>
-      </p:sp>
-      <p:sp>
-        <p:nvSpPr>
-          <p:cNvPr id="40" name="PlaceHolder 4"/>
-          <p:cNvSpPr>
-            <a:spLocks noGrp="1"/>
-          </p:cNvSpPr>
-          <p:nvPr>
-            <p:ph type="ftr" idx="23"/>
-          </p:nvPr>
-        </p:nvSpPr>
-        <p:spPr>
-          <a:xfrm>
-            <a:off x="3124080" y="6356520"/>
-            <a:ext cx="2893320" cy="362880"/>
-          </a:xfrm>
-          <a:prstGeom prst="rect">
-            <a:avLst/>
-          </a:prstGeom>
-          <a:noFill/>
-          <a:ln w="0">
-            <a:noFill/>
-          </a:ln>
-        </p:spPr>
-        <p:txBody>
-          <a:bodyPr lIns="91440" rIns="91440" tIns="45720" bIns="45720" anchor="ctr">
-            <a:noAutofit/>
-          </a:bodyPr>
-          <a:lstStyle>
-            <a:lvl1pPr indent="0" algn="ctr">
-              <a:lnSpc>
-                <a:spcPct val="100000"/>
-              </a:lnSpc>
-              <a:buNone/>
-              <a:tabLst>
-                <a:tab algn="l" pos="0"/>
-              </a:tabLst>
-              <a:defRPr b="0" lang="pt-BR" sz="1400" strike="noStrike" u="none">
-                <a:solidFill>
-                  <a:srgbClr val="000000"/>
-                </a:solidFill>
-                <a:effectLst/>
-                <a:uFillTx/>
-                <a:latin typeface="Times New Roman"/>
-              </a:defRPr>
-            </a:lvl1pPr>
-          </a:lstStyle>
-          <a:p>
-            <a:pPr indent="0" algn="ctr">
-              <a:lnSpc>
-                <a:spcPct val="100000"/>
-              </a:lnSpc>
-              <a:buNone/>
-              <a:tabLst>
-                <a:tab algn="l" pos="0"/>
-              </a:tabLst>
-            </a:pPr>
-            <a:r>
-              <a:rPr b="0" lang="pt-BR" sz="1400" strike="noStrike" u="none">
-                <a:solidFill>
-                  <a:srgbClr val="000000"/>
-                </a:solidFill>
-                <a:effectLst/>
-                <a:uFillTx/>
-                <a:latin typeface="Times New Roman"/>
-              </a:rPr>
-              <a:t>&lt;rodapé&gt;</a:t>
-            </a:r>
-            <a:endParaRPr b="0" lang="pt-BR" sz="1400" strike="noStrike" u="none">
-              <a:solidFill>
-                <a:srgbClr val="000000"/>
-              </a:solidFill>
-              <a:effectLst/>
-              <a:uFillTx/>
-              <a:latin typeface="Times New Roman"/>
-            </a:endParaRPr>
-          </a:p>
-        </p:txBody>
-      </p:sp>
-      <p:sp>
-        <p:nvSpPr>
-          <p:cNvPr id="41" name="PlaceHolder 5"/>
-          <p:cNvSpPr>
-            <a:spLocks noGrp="1"/>
-          </p:cNvSpPr>
-          <p:nvPr>
-            <p:ph type="sldNum" idx="24"/>
-          </p:nvPr>
-        </p:nvSpPr>
-        <p:spPr>
-          <a:xfrm>
-            <a:off x="6553080" y="6356520"/>
-            <a:ext cx="2131560" cy="362880"/>
-          </a:xfrm>
-          <a:prstGeom prst="rect">
-            <a:avLst/>
-          </a:prstGeom>
-          <a:noFill/>
-          <a:ln w="0">
-            <a:noFill/>
-          </a:ln>
-        </p:spPr>
-        <p:txBody>
-          <a:bodyPr lIns="91440" rIns="91440" tIns="45720" bIns="45720" anchor="ctr">
-            <a:noAutofit/>
-          </a:bodyPr>
-          <a:lstStyle>
-            <a:lvl1pPr indent="0" algn="r" defTabSz="457200">
-              <a:lnSpc>
-                <a:spcPct val="100000"/>
-              </a:lnSpc>
-              <a:buNone/>
-              <a:tabLst>
-                <a:tab algn="l" pos="0"/>
-              </a:tabLst>
-              <a:defRPr b="0" lang="en-US" sz="1200" strike="noStrike" u="none">
-                <a:solidFill>
-                  <a:schemeClr val="dk1">
-                    <a:tint val="75000"/>
-                  </a:schemeClr>
-                </a:solidFill>
-                <a:effectLst/>
-                <a:uFillTx/>
-                <a:latin typeface="Calibri"/>
-              </a:defRPr>
-            </a:lvl1pPr>
-          </a:lstStyle>
-          <a:p>
-            <a:pPr indent="0" algn="r" defTabSz="457200">
-              <a:lnSpc>
-                <a:spcPct val="100000"/>
-              </a:lnSpc>
-              <a:buNone/>
-              <a:tabLst>
-                <a:tab algn="l" pos="0"/>
-              </a:tabLst>
-            </a:pPr>
-            <a:fld id="{D9273964-F2D4-47ED-ABD1-F64C7D212932}" type="slidenum">
-              <a:rPr b="0" lang="en-US" sz="1200" strike="noStrike" u="none">
-                <a:solidFill>
-                  <a:schemeClr val="dk1">
-                    <a:tint val="75000"/>
-                  </a:schemeClr>
-                </a:solidFill>
-                <a:effectLst/>
-                <a:uFillTx/>
-                <a:latin typeface="Calibri"/>
-              </a:rPr>
-              <a:t>&lt;número&gt;</a:t>
-            </a:fld>
-            <a:endParaRPr b="0" lang="pt-BR" sz="1200" strike="noStrike" u="none">
-              <a:solidFill>
-                <a:srgbClr val="000000"/>
-              </a:solidFill>
-              <a:effectLst/>
-              <a:uFillTx/>
-              <a:latin typeface="Times New Roman"/>
-            </a:endParaRPr>
-          </a:p>
-        </p:txBody>
-      </p:sp>
-    </p:spTree>
-  </p:cSld>
-</p:sldLayout>
-</file>
-
-<file path=ppt/slideLayouts/slideLayout9.xml><?xml version="1.0" encoding="utf-8"?>
-<p:sldLayout xmlns:a="http://schemas.openxmlformats.org/drawingml/2006/main" xmlns:p="http://schemas.openxmlformats.org/presentationml/2006/main" xmlns:r="http://schemas.openxmlformats.org/officeDocument/2006/relationships" xmlns:p14="http://schemas.microsoft.com/office/powerpoint/2010/main" xmlns:p15="http://schemas.microsoft.com/office/powerpoint/2012/main" xmlns:mc="http://schemas.openxmlformats.org/markup-compatibility/2006" type="blank" preserve="1">
-  <p:cSld name="Section Header">
-    <p:bg>
-      <p:bgPr>
-        <a:solidFill>
-          <a:srgbClr val="ffffff"/>
-        </a:solidFill>
-      </p:bgPr>
-    </p:bg>
-    <p:spTree>
-      <p:nvGrpSpPr>
-        <p:cNvPr id="1" name=""/>
-        <p:cNvGrpSpPr/>
-        <p:nvPr/>
-      </p:nvGrpSpPr>
-      <p:grpSpPr>
-        <a:xfrm>
-          <a:off x="0" y="0"/>
-          <a:ext cx="0" cy="0"/>
-          <a:chOff x="0" y="0"/>
-          <a:chExt cx="0" cy="0"/>
-        </a:xfrm>
-      </p:grpSpPr>
-      <p:sp>
-        <p:nvSpPr>
-          <p:cNvPr id="42" name="PlaceHolder 1"/>
-          <p:cNvSpPr>
-            <a:spLocks noGrp="1"/>
-          </p:cNvSpPr>
-          <p:nvPr>
-            <p:ph type="title"/>
-          </p:nvPr>
-        </p:nvSpPr>
-        <p:spPr>
-          <a:xfrm>
-            <a:off x="722160" y="4406760"/>
-            <a:ext cx="7770240" cy="1360080"/>
-          </a:xfrm>
-          <a:prstGeom prst="rect">
-            <a:avLst/>
-          </a:prstGeom>
-          <a:noFill/>
-          <a:ln w="0">
-            <a:noFill/>
-          </a:ln>
-        </p:spPr>
-        <p:txBody>
-          <a:bodyPr lIns="91440" rIns="91440" tIns="45720" bIns="45720" anchor="t">
-            <a:noAutofit/>
-          </a:bodyPr>
-          <a:p>
-            <a:pPr indent="0" defTabSz="457200">
-              <a:lnSpc>
-                <a:spcPct val="100000"/>
-              </a:lnSpc>
-              <a:buNone/>
-              <a:tabLst>
-                <a:tab algn="l" pos="0"/>
-              </a:tabLst>
-            </a:pPr>
-            <a:r>
-              <a:rPr b="1" lang="en-US" sz="4000" strike="noStrike" u="none" cap="all">
-                <a:solidFill>
-                  <a:schemeClr val="dk1"/>
-                </a:solidFill>
-                <a:effectLst/>
-                <a:uFillTx/>
-                <a:latin typeface="Calibri"/>
-              </a:rPr>
-              <a:t>Click to edit Master title style</a:t>
-            </a:r>
-            <a:endParaRPr b="0" lang="pt-BR" sz="4000" strike="noStrike" u="none">
-              <a:solidFill>
-                <a:srgbClr val="000000"/>
-              </a:solidFill>
-              <a:effectLst/>
-              <a:uFillTx/>
-              <a:latin typeface="Arial"/>
-            </a:endParaRPr>
-          </a:p>
-        </p:txBody>
-      </p:sp>
-      <p:sp>
-        <p:nvSpPr>
-          <p:cNvPr id="43" name="PlaceHolder 2"/>
-          <p:cNvSpPr>
-            <a:spLocks noGrp="1"/>
-          </p:cNvSpPr>
-          <p:nvPr>
-            <p:ph type="body"/>
-          </p:nvPr>
-        </p:nvSpPr>
-        <p:spPr>
-          <a:xfrm>
-            <a:off x="722160" y="2906640"/>
-            <a:ext cx="7770240" cy="1497960"/>
-          </a:xfrm>
-          <a:prstGeom prst="rect">
-            <a:avLst/>
-          </a:prstGeom>
-          <a:noFill/>
-          <a:ln w="0">
-            <a:noFill/>
-          </a:ln>
-        </p:spPr>
-        <p:txBody>
-          <a:bodyPr lIns="91440" rIns="91440" tIns="45720" bIns="45720" anchor="b">
-            <a:noAutofit/>
-          </a:bodyPr>
-          <a:p>
-            <a:pPr indent="0" defTabSz="457200">
-              <a:lnSpc>
-                <a:spcPct val="100000"/>
-              </a:lnSpc>
-              <a:spcBef>
-                <a:spcPts val="400"/>
-              </a:spcBef>
-              <a:buNone/>
-              <a:tabLst>
-                <a:tab algn="l" pos="0"/>
-              </a:tabLst>
-            </a:pPr>
-            <a:r>
-              <a:rPr b="0" lang="en-US" sz="2000" strike="noStrike" u="none">
-                <a:solidFill>
-                  <a:schemeClr val="dk1">
-                    <a:tint val="75000"/>
-                  </a:schemeClr>
-                </a:solidFill>
-                <a:effectLst/>
-                <a:uFillTx/>
-                <a:latin typeface="Calibri"/>
-              </a:rPr>
-              <a:t>Click to edit Master text styles</a:t>
-            </a:r>
-            <a:endParaRPr b="0" lang="pt-BR" sz="2000" strike="noStrike" u="none">
-              <a:solidFill>
-                <a:srgbClr val="000000"/>
-              </a:solidFill>
-              <a:effectLst/>
-              <a:uFillTx/>
-              <a:latin typeface="Arial"/>
-            </a:endParaRPr>
-          </a:p>
-        </p:txBody>
-      </p:sp>
-      <p:sp>
-        <p:nvSpPr>
-          <p:cNvPr id="44" name="PlaceHolder 3"/>
-          <p:cNvSpPr>
-            <a:spLocks noGrp="1"/>
-          </p:cNvSpPr>
-          <p:nvPr>
-            <p:ph type="dt" idx="25"/>
-          </p:nvPr>
-        </p:nvSpPr>
-        <p:spPr>
-          <a:xfrm>
-            <a:off x="457200" y="6356520"/>
-            <a:ext cx="2131560" cy="362880"/>
-          </a:xfrm>
-          <a:prstGeom prst="rect">
-            <a:avLst/>
-          </a:prstGeom>
-          <a:noFill/>
-          <a:ln w="0">
-            <a:noFill/>
-          </a:ln>
-        </p:spPr>
-        <p:txBody>
-          <a:bodyPr lIns="91440" rIns="91440" tIns="45720" bIns="45720" anchor="ctr">
-            <a:noAutofit/>
-          </a:bodyPr>
-          <a:lstStyle>
-            <a:lvl1pPr indent="0" defTabSz="457200">
-              <a:lnSpc>
-                <a:spcPct val="100000"/>
-              </a:lnSpc>
-              <a:buNone/>
-              <a:tabLst>
-                <a:tab algn="l" pos="0"/>
-              </a:tabLst>
-              <a:defRPr b="0" lang="en-US" sz="1200" strike="noStrike" u="none">
-                <a:solidFill>
-                  <a:schemeClr val="dk1">
-                    <a:tint val="75000"/>
-                  </a:schemeClr>
-                </a:solidFill>
-                <a:effectLst/>
-                <a:uFillTx/>
-                <a:latin typeface="Calibri"/>
-              </a:defRPr>
-            </a:lvl1pPr>
-          </a:lstStyle>
-          <a:p>
-            <a:pPr indent="0" defTabSz="457200">
-              <a:lnSpc>
-                <a:spcPct val="100000"/>
-              </a:lnSpc>
-              <a:buNone/>
-              <a:tabLst>
-                <a:tab algn="l" pos="0"/>
-              </a:tabLst>
-            </a:pPr>
-            <a:r>
-              <a:rPr b="0" lang="en-US" sz="1200" strike="noStrike" u="none">
-                <a:solidFill>
-                  <a:schemeClr val="dk1">
-                    <a:tint val="75000"/>
-                  </a:schemeClr>
-                </a:solidFill>
-                <a:effectLst/>
-                <a:uFillTx/>
-                <a:latin typeface="Calibri"/>
-              </a:rPr>
-              <a:t>&lt;data/hora&gt;</a:t>
-            </a:r>
-            <a:endParaRPr b="0" lang="pt-BR" sz="1200" strike="noStrike" u="none">
-              <a:solidFill>
-                <a:srgbClr val="000000"/>
-              </a:solidFill>
-              <a:effectLst/>
-              <a:uFillTx/>
-              <a:latin typeface="Times New Roman"/>
-            </a:endParaRPr>
-          </a:p>
-        </p:txBody>
-      </p:sp>
-      <p:sp>
-        <p:nvSpPr>
-          <p:cNvPr id="45" name="PlaceHolder 4"/>
-          <p:cNvSpPr>
-            <a:spLocks noGrp="1"/>
-          </p:cNvSpPr>
-          <p:nvPr>
-            <p:ph type="ftr" idx="26"/>
-          </p:nvPr>
-        </p:nvSpPr>
-        <p:spPr>
-          <a:xfrm>
-            <a:off x="3124080" y="6356520"/>
-            <a:ext cx="2893320" cy="362880"/>
-          </a:xfrm>
-          <a:prstGeom prst="rect">
-            <a:avLst/>
-          </a:prstGeom>
-          <a:noFill/>
-          <a:ln w="0">
-            <a:noFill/>
-          </a:ln>
-        </p:spPr>
-        <p:txBody>
-          <a:bodyPr lIns="91440" rIns="91440" tIns="45720" bIns="45720" anchor="ctr">
-            <a:noAutofit/>
-          </a:bodyPr>
-          <a:lstStyle>
-            <a:lvl1pPr indent="0" algn="ctr">
-              <a:lnSpc>
-                <a:spcPct val="100000"/>
-              </a:lnSpc>
-              <a:buNone/>
-              <a:tabLst>
-                <a:tab algn="l" pos="0"/>
-              </a:tabLst>
-              <a:defRPr b="0" lang="pt-BR" sz="1400" strike="noStrike" u="none">
-                <a:solidFill>
-                  <a:srgbClr val="000000"/>
-                </a:solidFill>
-                <a:effectLst/>
-                <a:uFillTx/>
-                <a:latin typeface="Times New Roman"/>
-              </a:defRPr>
-            </a:lvl1pPr>
-          </a:lstStyle>
-          <a:p>
-            <a:pPr indent="0" algn="ctr">
-              <a:lnSpc>
-                <a:spcPct val="100000"/>
-              </a:lnSpc>
-              <a:buNone/>
-              <a:tabLst>
-                <a:tab algn="l" pos="0"/>
-              </a:tabLst>
-            </a:pPr>
-            <a:r>
-              <a:rPr b="0" lang="pt-BR" sz="1400" strike="noStrike" u="none">
-                <a:solidFill>
-                  <a:srgbClr val="000000"/>
-                </a:solidFill>
-                <a:effectLst/>
-                <a:uFillTx/>
-                <a:latin typeface="Times New Roman"/>
-              </a:rPr>
-              <a:t>&lt;rodapé&gt;</a:t>
-            </a:r>
-            <a:endParaRPr b="0" lang="pt-BR" sz="1400" strike="noStrike" u="none">
-              <a:solidFill>
-                <a:srgbClr val="000000"/>
-              </a:solidFill>
-              <a:effectLst/>
-              <a:uFillTx/>
-              <a:latin typeface="Times New Roman"/>
-            </a:endParaRPr>
-          </a:p>
-        </p:txBody>
-      </p:sp>
-      <p:sp>
-        <p:nvSpPr>
-          <p:cNvPr id="46" name="PlaceHolder 5"/>
-          <p:cNvSpPr>
-            <a:spLocks noGrp="1"/>
-          </p:cNvSpPr>
-          <p:nvPr>
-            <p:ph type="sldNum" idx="27"/>
-          </p:nvPr>
-        </p:nvSpPr>
-        <p:spPr>
-          <a:xfrm>
-            <a:off x="6553080" y="6356520"/>
-            <a:ext cx="2131560" cy="362880"/>
-          </a:xfrm>
-          <a:prstGeom prst="rect">
-            <a:avLst/>
-          </a:prstGeom>
-          <a:noFill/>
-          <a:ln w="0">
-            <a:noFill/>
-          </a:ln>
-        </p:spPr>
-        <p:txBody>
-          <a:bodyPr lIns="91440" rIns="91440" tIns="45720" bIns="45720" anchor="ctr">
-            <a:noAutofit/>
-          </a:bodyPr>
-          <a:lstStyle>
-            <a:lvl1pPr indent="0" algn="r" defTabSz="457200">
-              <a:lnSpc>
-                <a:spcPct val="100000"/>
-              </a:lnSpc>
-              <a:buNone/>
-              <a:tabLst>
-                <a:tab algn="l" pos="0"/>
-              </a:tabLst>
-              <a:defRPr b="0" lang="en-US" sz="1200" strike="noStrike" u="none">
-                <a:solidFill>
-                  <a:schemeClr val="dk1">
-                    <a:tint val="75000"/>
-                  </a:schemeClr>
-                </a:solidFill>
-                <a:effectLst/>
-                <a:uFillTx/>
-                <a:latin typeface="Calibri"/>
-              </a:defRPr>
-            </a:lvl1pPr>
-          </a:lstStyle>
-          <a:p>
-            <a:pPr indent="0" algn="r" defTabSz="457200">
-              <a:lnSpc>
-                <a:spcPct val="100000"/>
-              </a:lnSpc>
-              <a:buNone/>
-              <a:tabLst>
-                <a:tab algn="l" pos="0"/>
-              </a:tabLst>
-            </a:pPr>
-            <a:fld id="{A3DEED83-3FF8-49AA-9915-C529D12BCCD3}" type="slidenum">
+            <a:fld id="{92E0333D-D7A9-457B-9CA0-55ED6B33DCA3}" type="slidenum">
               <a:rPr b="0" lang="en-US" sz="1200" strike="noStrike" u="none">
                 <a:solidFill>
                   <a:schemeClr val="dk1">
@@ -6730,7 +6731,7 @@
         <p:spPr>
           <a:xfrm>
             <a:off x="685800" y="2130480"/>
-            <a:ext cx="7770240" cy="1467720"/>
+            <a:ext cx="7769880" cy="1467360"/>
           </a:xfrm>
           <a:prstGeom prst="rect">
             <a:avLst/>
@@ -6789,7 +6790,7 @@
         <p:spPr>
           <a:xfrm>
             <a:off x="1371600" y="3886200"/>
-            <a:ext cx="6398640" cy="1750320"/>
+            <a:ext cx="6398280" cy="1749960"/>
           </a:xfrm>
           <a:prstGeom prst="rect">
             <a:avLst/>
@@ -6951,7 +6952,7 @@
         <p:spPr>
           <a:xfrm>
             <a:off x="457200" y="274680"/>
-            <a:ext cx="8227440" cy="1140840"/>
+            <a:ext cx="8227080" cy="1140480"/>
           </a:xfrm>
           <a:prstGeom prst="rect">
             <a:avLst/>
@@ -7010,7 +7011,7 @@
         <p:spPr>
           <a:xfrm>
             <a:off x="457200" y="1600200"/>
-            <a:ext cx="8227440" cy="4523760"/>
+            <a:ext cx="8227080" cy="4523400"/>
           </a:xfrm>
           <a:prstGeom prst="rect">
             <a:avLst/>
@@ -7051,7 +7052,7 @@
                 <a:uFillTx/>
                 <a:latin typeface="Calibri"/>
               </a:rPr>
-              <a:t> Part of the Spring Data Family</a:t>
+              <a:t> Part of the Spring Data Family.</a:t>
             </a:r>
             <a:endParaRPr b="0" lang="pt-BR" sz="3200" strike="noStrike" u="none">
               <a:solidFill>
@@ -7059,11 +7060,11 @@
               </a:solidFill>
               <a:effectLst/>
               <a:uFillTx/>
-              <a:latin typeface="Arial"/>
-            </a:endParaRPr>
-          </a:p>
-          <a:p>
-            <a:pPr marL="343080" indent="-343080" defTabSz="457200">
+              <a:latin typeface="Calibri"/>
+            </a:endParaRPr>
+          </a:p>
+          <a:p>
+            <a:pPr marL="216000" indent="-216000" defTabSz="457200">
               <a:lnSpc>
                 <a:spcPct val="100000"/>
               </a:lnSpc>
@@ -7076,22 +7077,67 @@
               <a:buClr>
                 <a:srgbClr val="000000"/>
               </a:buClr>
-              <a:buFont typeface="Arial"/>
-              <a:buChar char="•"/>
-              <a:tabLst>
-                <a:tab algn="l" pos="0"/>
-              </a:tabLst>
-            </a:pPr>
-            <a:r>
-              <a:rPr b="0" lang="en-US" sz="3200" strike="noStrike" u="none">
-                <a:solidFill>
-                  <a:schemeClr val="dk1"/>
-                </a:solidFill>
-                <a:effectLst/>
-                <a:uFillTx/>
-                <a:latin typeface="Calibri"/>
-              </a:rPr>
-              <a:t>Simplifies Redis Integration</a:t>
+              <a:buSzPct val="45000"/>
+              <a:buFont typeface="Wingdings" charset="2"/>
+              <a:buChar char=""/>
+              <a:tabLst>
+                <a:tab algn="l" pos="0"/>
+              </a:tabLst>
+            </a:pPr>
+            <a:r>
+              <a:rPr b="0" lang="pt-BR" sz="3200" strike="noStrike" u="none">
+                <a:solidFill>
+                  <a:schemeClr val="dk1"/>
+                </a:solidFill>
+                <a:effectLst/>
+                <a:uFillTx/>
+                <a:latin typeface="Calibri"/>
+              </a:rPr>
+              <a:t>Handles </a:t>
+            </a:r>
+            <a:r>
+              <a:rPr b="1" lang="pt-BR" sz="3200" strike="noStrike" u="none">
+                <a:solidFill>
+                  <a:schemeClr val="dk1"/>
+                </a:solidFill>
+                <a:effectLst/>
+                <a:uFillTx/>
+                <a:latin typeface="Calibri"/>
+              </a:rPr>
+              <a:t>connection management</a:t>
+            </a:r>
+            <a:r>
+              <a:rPr b="0" lang="pt-BR" sz="3200" strike="noStrike" u="none">
+                <a:solidFill>
+                  <a:schemeClr val="dk1"/>
+                </a:solidFill>
+                <a:effectLst/>
+                <a:uFillTx/>
+                <a:latin typeface="Calibri"/>
+              </a:rPr>
+              <a:t> and </a:t>
+            </a:r>
+            <a:r>
+              <a:rPr b="1" lang="pt-BR" sz="3200" strike="noStrike" u="none">
+                <a:solidFill>
+                  <a:schemeClr val="dk1"/>
+                </a:solidFill>
+                <a:effectLst/>
+                <a:uFillTx/>
+                <a:latin typeface="Calibri"/>
+              </a:rPr>
+              <a:t>serialization</a:t>
+            </a:r>
+            <a:r>
+              <a:rPr b="0" lang="pt-BR" sz="3200" strike="noStrike" u="none">
+                <a:solidFill>
+                  <a:schemeClr val="dk1"/>
+                </a:solidFill>
+                <a:effectLst/>
+                <a:uFillTx/>
+                <a:latin typeface="Calibri"/>
+              </a:rPr>
+              <a:t> for you.</a:t>
             </a:r>
             <a:endParaRPr b="0" lang="pt-BR" sz="3200" strike="noStrike" u="none">
               <a:solidFill>
@@ -7099,11 +7145,11 @@
               </a:solidFill>
               <a:effectLst/>
               <a:uFillTx/>
-              <a:latin typeface="Arial"/>
-            </a:endParaRPr>
-          </a:p>
-          <a:p>
-            <a:pPr marL="343080" indent="-343080" defTabSz="457200">
+              <a:latin typeface="Calibri"/>
+            </a:endParaRPr>
+          </a:p>
+          <a:p>
+            <a:pPr marL="216000" indent="-216000" defTabSz="457200">
               <a:lnSpc>
                 <a:spcPct val="100000"/>
               </a:lnSpc>
@@ -7116,44 +7162,56 @@
               <a:buClr>
                 <a:srgbClr val="000000"/>
               </a:buClr>
-              <a:buFont typeface="Arial"/>
-              <a:buChar char="•"/>
-              <a:tabLst>
-                <a:tab algn="l" pos="0"/>
-              </a:tabLst>
-            </a:pPr>
-            <a:r>
-              <a:rPr b="0" lang="en-US" sz="3200" strike="noStrike" u="none">
-                <a:solidFill>
-                  <a:schemeClr val="dk1"/>
-                </a:solidFill>
-                <a:effectLst/>
-                <a:uFillTx/>
-                <a:latin typeface="Calibri"/>
-              </a:rPr>
-              <a:t>Uses </a:t>
-            </a:r>
-            <a:r>
-              <a:rPr b="1" lang="en-US" sz="3200" strike="noStrike" u="none">
-                <a:solidFill>
-                  <a:schemeClr val="dk1"/>
-                </a:solidFill>
-                <a:effectLst/>
-                <a:uFillTx/>
-                <a:latin typeface="Calibri"/>
-              </a:rPr>
-              <a:t>Lettuce</a:t>
-            </a:r>
-            <a:r>
-              <a:rPr b="0" lang="en-US" sz="3200" strike="noStrike" u="none">
-                <a:solidFill>
-                  <a:schemeClr val="dk1"/>
-                </a:solidFill>
-                <a:effectLst/>
-                <a:uFillTx/>
-                <a:latin typeface="Calibri"/>
-              </a:rPr>
-              <a:t> as the default driver, also supports Jedis</a:t>
+              <a:buSzPct val="45000"/>
+              <a:buFont typeface="Wingdings" charset="2"/>
+              <a:buChar char=""/>
+              <a:tabLst>
+                <a:tab algn="l" pos="0"/>
+              </a:tabLst>
+            </a:pPr>
+            <a:r>
+              <a:rPr b="1" lang="pt-BR" sz="3200" strike="noStrike" u="none">
+                <a:solidFill>
+                  <a:schemeClr val="dk1"/>
+                </a:solidFill>
+                <a:effectLst/>
+                <a:uFillTx/>
+                <a:latin typeface="Calibri"/>
+              </a:rPr>
+              <a:t>Serializers</a:t>
+            </a:r>
+            <a:r>
+              <a:rPr b="0" lang="pt-BR" sz="3200" strike="noStrike" u="none">
+                <a:solidFill>
+                  <a:schemeClr val="dk1"/>
+                </a:solidFill>
+                <a:effectLst/>
+                <a:uFillTx/>
+                <a:latin typeface="Calibri"/>
+              </a:rPr>
+              <a:t> and </a:t>
+            </a:r>
+            <a:r>
+              <a:rPr b="1" lang="pt-BR" sz="3200" strike="noStrike" u="none">
+                <a:solidFill>
+                  <a:schemeClr val="dk1"/>
+                </a:solidFill>
+                <a:effectLst/>
+                <a:uFillTx/>
+                <a:latin typeface="Calibri"/>
+              </a:rPr>
+              <a:t>connection factories</a:t>
+            </a:r>
+            <a:r>
+              <a:rPr b="0" lang="pt-BR" sz="3200" strike="noStrike" u="none">
+                <a:solidFill>
+                  <a:schemeClr val="dk1"/>
+                </a:solidFill>
+                <a:effectLst/>
+                <a:uFillTx/>
+                <a:latin typeface="Calibri"/>
+              </a:rPr>
+              <a:t> can both be customized.</a:t>
             </a:r>
             <a:endParaRPr b="0" lang="pt-BR" sz="3200" strike="noStrike" u="none">
               <a:solidFill>
@@ -7161,7 +7219,7 @@
               </a:solidFill>
               <a:effectLst/>
               <a:uFillTx/>
-              <a:latin typeface="Arial"/>
+              <a:latin typeface="Calibri"/>
             </a:endParaRPr>
           </a:p>
           <a:p>
@@ -7193,7 +7251,29 @@
                 <a:uFillTx/>
                 <a:latin typeface="Calibri"/>
               </a:rPr>
-              <a:t>Supports cluster and sentinel for scalability and high availability</a:t>
+              <a:t>Uses </a:t>
+            </a:r>
+            <a:r>
+              <a:rPr b="1" lang="en-US" sz="3200" strike="noStrike" u="none">
+                <a:solidFill>
+                  <a:schemeClr val="dk1"/>
+                </a:solidFill>
+                <a:effectLst/>
+                <a:uFillTx/>
+                <a:latin typeface="Calibri"/>
+              </a:rPr>
+              <a:t>Lettuce</a:t>
+            </a:r>
+            <a:r>
+              <a:rPr b="0" lang="en-US" sz="3200" strike="noStrike" u="none">
+                <a:solidFill>
+                  <a:schemeClr val="dk1"/>
+                </a:solidFill>
+                <a:effectLst/>
+                <a:uFillTx/>
+                <a:latin typeface="Calibri"/>
+              </a:rPr>
+              <a:t> as the default driver, also supports Jedis.</a:t>
             </a:r>
             <a:endParaRPr b="0" lang="pt-BR" sz="3200" strike="noStrike" u="none">
               <a:solidFill>
@@ -7201,43 +7281,7 @@
               </a:solidFill>
               <a:effectLst/>
               <a:uFillTx/>
-              <a:latin typeface="Arial"/>
-            </a:endParaRPr>
-          </a:p>
-          <a:p>
-            <a:pPr marL="343080" indent="0" defTabSz="457200">
-              <a:lnSpc>
-                <a:spcPct val="100000"/>
-              </a:lnSpc>
-              <a:spcBef>
-                <a:spcPts val="1191"/>
-              </a:spcBef>
-              <a:spcAft>
-                <a:spcPts val="992"/>
-              </a:spcAft>
-              <a:buNone/>
-              <a:tabLst>
-                <a:tab algn="l" pos="0"/>
-              </a:tabLst>
-            </a:pPr>
-            <a:r>
-              <a:rPr b="0" lang="en-US" sz="3200" strike="noStrike" u="none">
-                <a:solidFill>
-                  <a:schemeClr val="dk1"/>
-                </a:solidFill>
-                <a:effectLst/>
-                <a:uFillTx/>
-                <a:latin typeface="Calibri"/>
-              </a:rPr>
-              <a:t> </a:t>
-            </a:r>
-            <a:endParaRPr b="0" lang="pt-BR" sz="3200" strike="noStrike" u="none">
-              <a:solidFill>
-                <a:srgbClr val="000000"/>
-              </a:solidFill>
-              <a:effectLst/>
-              <a:uFillTx/>
-              <a:latin typeface="Arial"/>
+              <a:latin typeface="Calibri"/>
             </a:endParaRPr>
           </a:p>
         </p:txBody>
@@ -7299,8 +7343,8 @@
         </p:nvSpPr>
         <p:spPr>
           <a:xfrm>
-            <a:off x="457200" y="274680"/>
-            <a:ext cx="8227440" cy="1140840"/>
+            <a:off x="1130040" y="191160"/>
+            <a:ext cx="8227080" cy="1140480"/>
           </a:xfrm>
           <a:prstGeom prst="rect">
             <a:avLst/>
@@ -7359,7 +7403,7 @@
         <p:spPr>
           <a:xfrm>
             <a:off x="457200" y="1600200"/>
-            <a:ext cx="8227440" cy="4523760"/>
+            <a:ext cx="8227080" cy="4523400"/>
           </a:xfrm>
           <a:prstGeom prst="rect">
             <a:avLst/>
@@ -7413,7 +7457,7 @@
                 <a:uFillTx/>
                 <a:latin typeface="Calibri"/>
               </a:rPr>
-              <a:t> for low-level, flexible access   </a:t>
+              <a:t> for low-level, flexible access.  </a:t>
             </a:r>
             <a:endParaRPr b="0" lang="pt-BR" sz="3200" strike="noStrike" u="none">
               <a:solidFill>
@@ -7529,17 +7573,6 @@
               </a:tabLst>
             </a:pPr>
             <a:r>
-              <a:rPr b="0" lang="en-US" sz="3200" strike="noStrike" u="none">
-                <a:solidFill>
-                  <a:schemeClr val="dk1"/>
-                </a:solidFill>
-                <a:effectLst/>
-                <a:uFillTx/>
-                <a:latin typeface="Calibri"/>
-              </a:rPr>
-              <a:t>Robust </a:t>
-            </a:r>
-            <a:r>
               <a:rPr b="1" lang="en-US" sz="3200" strike="noStrike" u="none">
                 <a:solidFill>
                   <a:schemeClr val="dk1"/>
@@ -7599,7 +7632,7 @@
                 <a:uFillTx/>
                 <a:latin typeface="Calibri"/>
               </a:rPr>
-              <a:t>Seamless integration with </a:t>
+              <a:t>Integration with </a:t>
             </a:r>
             <a:r>
               <a:rPr b="1" lang="en-US" sz="3200" strike="noStrike" u="none">
@@ -7621,7 +7654,7 @@
                 <a:uFillTx/>
                 <a:latin typeface="Calibri"/>
               </a:rPr>
-              <a:t> abstraction</a:t>
+              <a:t> abstraction.</a:t>
             </a:r>
             <a:endParaRPr b="0" lang="pt-BR" sz="3200" strike="noStrike" u="none">
               <a:solidFill>
@@ -7672,7 +7705,7 @@
                 <a:uFillTx/>
                 <a:latin typeface="Calibri"/>
               </a:rPr>
-              <a:t>redis streams</a:t>
+              <a:t>redis streams.</a:t>
             </a:r>
             <a:endParaRPr b="0" lang="pt-BR" sz="3200" strike="noStrike" u="none">
               <a:solidFill>
@@ -7742,8 +7775,8 @@
         </p:nvSpPr>
         <p:spPr>
           <a:xfrm>
-            <a:off x="457200" y="273600"/>
-            <a:ext cx="8227440" cy="1143000"/>
+            <a:off x="457200" y="274680"/>
+            <a:ext cx="8227080" cy="1140480"/>
           </a:xfrm>
           <a:prstGeom prst="rect">
             <a:avLst/>
@@ -7754,11 +7787,11 @@
           </a:ln>
         </p:spPr>
         <p:txBody>
-          <a:bodyPr lIns="0" rIns="0" tIns="0" bIns="0" anchor="ctr">
-            <a:spAutoFit/>
+          <a:bodyPr lIns="91440" rIns="91440" tIns="45720" bIns="45720" anchor="ctr">
+            <a:noAutofit/>
           </a:bodyPr>
           <a:p>
-            <a:pPr indent="0" algn="ctr">
+            <a:pPr indent="0" algn="ctr" defTabSz="457200">
               <a:lnSpc>
                 <a:spcPct val="100000"/>
               </a:lnSpc>
@@ -7768,15 +7801,15 @@
               </a:tabLst>
             </a:pPr>
             <a:r>
-              <a:rPr b="0" lang="pt-BR" sz="4400" strike="noStrike" u="none">
-                <a:solidFill>
-                  <a:srgbClr val="000000"/>
-                </a:solidFill>
-                <a:effectLst/>
-                <a:uFillTx/>
-                <a:latin typeface="Arial"/>
-              </a:rPr>
-              <a:t>Redis Template</a:t>
+              <a:rPr b="0" lang="en-US" sz="4400" strike="noStrike" u="none">
+                <a:solidFill>
+                  <a:schemeClr val="dk1"/>
+                </a:solidFill>
+                <a:effectLst/>
+                <a:uFillTx/>
+                <a:latin typeface="Calibri"/>
+              </a:rPr>
+              <a:t>Other features</a:t>
             </a:r>
             <a:endParaRPr b="0" lang="pt-BR" sz="4400" strike="noStrike" u="none">
               <a:solidFill>
@@ -7791,14 +7824,18 @@
       </p:sp>
       <p:sp>
         <p:nvSpPr>
-          <p:cNvPr id="68" name=""/>
-          <p:cNvSpPr/>
-          <p:nvPr/>
+          <p:cNvPr id="68" name="PlaceHolder 2"/>
+          <p:cNvSpPr>
+            <a:spLocks noGrp="1"/>
+          </p:cNvSpPr>
+          <p:nvPr>
+            <p:ph/>
+          </p:nvPr>
         </p:nvSpPr>
         <p:spPr>
           <a:xfrm>
-            <a:off x="360000" y="1620000"/>
-            <a:ext cx="8204400" cy="4058640"/>
+            <a:off x="457200" y="1600200"/>
+            <a:ext cx="8227080" cy="4523400"/>
           </a:xfrm>
           <a:prstGeom prst="rect">
             <a:avLst/>
@@ -7808,18 +7845,12 @@
             <a:noFill/>
           </a:ln>
         </p:spPr>
-        <p:style>
-          <a:lnRef idx="0"/>
-          <a:fillRef idx="0"/>
-          <a:effectRef idx="0"/>
-          <a:fontRef idx="minor"/>
-        </p:style>
         <p:txBody>
-          <a:bodyPr lIns="90000" rIns="90000" tIns="45000" bIns="45000" anchor="t">
-            <a:spAutoFit/>
+          <a:bodyPr lIns="91440" rIns="91440" tIns="45720" bIns="45720" anchor="t">
+            <a:noAutofit/>
           </a:bodyPr>
           <a:p>
-            <a:pPr marL="216000" indent="-216000">
+            <a:pPr marL="343080" indent="-343080" defTabSz="457200">
               <a:lnSpc>
                 <a:spcPct val="100000"/>
               </a:lnSpc>
@@ -7832,64 +7863,44 @@
               <a:buClr>
                 <a:srgbClr val="000000"/>
               </a:buClr>
-              <a:buSzPct val="45000"/>
-              <a:buFont typeface="Wingdings" charset="2"/>
-              <a:buChar char=""/>
-            </a:pPr>
-            <a:r>
-              <a:rPr b="0" lang="pt-BR" sz="3200" strike="noStrike" u="none">
-                <a:solidFill>
-                  <a:srgbClr val="000000"/>
-                </a:solidFill>
-                <a:effectLst/>
-                <a:uFillTx/>
-                <a:latin typeface="Arial"/>
-              </a:rPr>
-              <a:t>Handles </a:t>
-            </a:r>
-            <a:r>
-              <a:rPr b="1" lang="pt-BR" sz="3200" strike="noStrike" u="none">
-                <a:solidFill>
-                  <a:srgbClr val="000000"/>
-                </a:solidFill>
-                <a:effectLst/>
-                <a:uFillTx/>
-                <a:latin typeface="Arial"/>
-              </a:rPr>
-              <a:t>connection management</a:t>
-            </a:r>
-            <a:r>
-              <a:rPr b="0" lang="pt-BR" sz="3200" strike="noStrike" u="none">
-                <a:solidFill>
-                  <a:srgbClr val="000000"/>
-                </a:solidFill>
-                <a:effectLst/>
-                <a:uFillTx/>
-                <a:latin typeface="Arial"/>
-              </a:rPr>
-              <a:t> and </a:t>
-            </a:r>
-            <a:r>
-              <a:rPr b="1" lang="pt-BR" sz="3200" strike="noStrike" u="none">
-                <a:solidFill>
-                  <a:srgbClr val="000000"/>
-                </a:solidFill>
-                <a:effectLst/>
-                <a:uFillTx/>
-                <a:latin typeface="Arial"/>
-              </a:rPr>
-              <a:t>serialization</a:t>
-            </a:r>
-            <a:r>
-              <a:rPr b="0" lang="pt-BR" sz="3200" strike="noStrike" u="none">
-                <a:solidFill>
-                  <a:srgbClr val="000000"/>
-                </a:solidFill>
-                <a:effectLst/>
-                <a:uFillTx/>
-                <a:latin typeface="Arial"/>
-              </a:rPr>
-              <a:t> for you.</a:t>
+              <a:buFont typeface="Arial"/>
+              <a:buChar char="•"/>
+              <a:tabLst>
+                <a:tab algn="l" pos="0"/>
+              </a:tabLst>
+            </a:pPr>
+            <a:r>
+              <a:rPr b="0" lang="en-US" sz="3200" strike="noStrike" u="none">
+                <a:solidFill>
+                  <a:schemeClr val="dk1"/>
+                </a:solidFill>
+                <a:effectLst/>
+                <a:uFillTx/>
+                <a:latin typeface="Calibri"/>
+              </a:rPr>
+              <a:t>Can be used with </a:t>
+            </a:r>
+            <a:r>
+              <a:rPr b="1" lang="en-US" sz="3200" strike="noStrike" u="none">
+                <a:solidFill>
+                  <a:schemeClr val="dk1"/>
+                </a:solidFill>
+                <a:effectLst/>
+                <a:uFillTx/>
+                <a:latin typeface="Calibri"/>
+              </a:rPr>
+              <a:t>spring-session-data-redis</a:t>
+            </a:r>
+            <a:r>
+              <a:rPr b="0" lang="en-US" sz="3200" strike="noStrike" u="none">
+                <a:solidFill>
+                  <a:schemeClr val="dk1"/>
+                </a:solidFill>
+                <a:effectLst/>
+                <a:uFillTx/>
+                <a:latin typeface="Calibri"/>
+              </a:rPr>
+              <a:t>.</a:t>
             </a:r>
             <a:endParaRPr b="0" lang="pt-BR" sz="3200" strike="noStrike" u="none">
               <a:solidFill>
@@ -7901,7 +7912,7 @@
             </a:endParaRPr>
           </a:p>
           <a:p>
-            <a:pPr marL="216000" indent="-216000">
+            <a:pPr marL="343080" indent="-343080" defTabSz="457200">
               <a:lnSpc>
                 <a:spcPct val="100000"/>
               </a:lnSpc>
@@ -7914,53 +7925,55 @@
               <a:buClr>
                 <a:srgbClr val="000000"/>
               </a:buClr>
-              <a:buSzPct val="45000"/>
-              <a:buFont typeface="Wingdings" charset="2"/>
-              <a:buChar char=""/>
-            </a:pPr>
-            <a:r>
-              <a:rPr b="1" lang="pt-BR" sz="3200" strike="noStrike" u="none">
-                <a:solidFill>
-                  <a:srgbClr val="000000"/>
-                </a:solidFill>
-                <a:effectLst/>
-                <a:uFillTx/>
-                <a:latin typeface="Arial"/>
-              </a:rPr>
-              <a:t>Serializers</a:t>
-            </a:r>
-            <a:r>
-              <a:rPr b="0" lang="pt-BR" sz="3200" strike="noStrike" u="none">
-                <a:solidFill>
-                  <a:srgbClr val="000000"/>
-                </a:solidFill>
-                <a:effectLst/>
-                <a:uFillTx/>
-                <a:latin typeface="Arial"/>
+              <a:buFont typeface="Arial"/>
+              <a:buChar char="•"/>
+              <a:tabLst>
+                <a:tab algn="l" pos="0"/>
+              </a:tabLst>
+            </a:pPr>
+            <a:r>
+              <a:rPr b="0" lang="en-US" sz="3200" strike="noStrike" u="none">
+                <a:solidFill>
+                  <a:schemeClr val="dk1"/>
+                </a:solidFill>
+                <a:effectLst/>
+                <a:uFillTx/>
+                <a:latin typeface="Calibri"/>
+              </a:rPr>
+              <a:t>Also supports </a:t>
+            </a:r>
+            <a:r>
+              <a:rPr b="1" lang="en-US" sz="3200" strike="noStrike" u="none">
+                <a:solidFill>
+                  <a:schemeClr val="dk1"/>
+                </a:solidFill>
+                <a:effectLst/>
+                <a:uFillTx/>
+                <a:latin typeface="Calibri"/>
+              </a:rPr>
+              <a:t>transactions</a:t>
+            </a:r>
+            <a:r>
+              <a:rPr b="0" lang="en-US" sz="3200" strike="noStrike" u="none">
+                <a:solidFill>
+                  <a:schemeClr val="dk1"/>
+                </a:solidFill>
+                <a:effectLst/>
+                <a:uFillTx/>
+                <a:latin typeface="Calibri"/>
               </a:rPr>
               <a:t> and </a:t>
             </a:r>
             <a:r>
-              <a:rPr b="1" lang="pt-BR" sz="3200" strike="noStrike" u="none">
-                <a:solidFill>
-                  <a:srgbClr val="000000"/>
-                </a:solidFill>
-                <a:effectLst/>
-                <a:uFillTx/>
-                <a:latin typeface="Arial"/>
-              </a:rPr>
-              <a:t>connection factories</a:t>
-            </a:r>
-            <a:r>
-              <a:rPr b="0" lang="pt-BR" sz="3200" strike="noStrike" u="none">
-                <a:solidFill>
-                  <a:srgbClr val="000000"/>
-                </a:solidFill>
-                <a:effectLst/>
-                <a:uFillTx/>
-                <a:latin typeface="Arial"/>
-              </a:rPr>
-              <a:t> can both be customized.</a:t>
+              <a:rPr b="1" lang="en-US" sz="3200" strike="noStrike" u="none">
+                <a:solidFill>
+                  <a:schemeClr val="dk1"/>
+                </a:solidFill>
+                <a:effectLst/>
+                <a:uFillTx/>
+                <a:latin typeface="Calibri"/>
+              </a:rPr>
+              <a:t>pipelining.</a:t>
             </a:r>
             <a:endParaRPr b="0" lang="pt-BR" sz="3200" strike="noStrike" u="none">
               <a:solidFill>
@@ -7972,7 +7985,7 @@
             </a:endParaRPr>
           </a:p>
           <a:p>
-            <a:pPr marL="216000" indent="-216000">
+            <a:pPr marL="343080" indent="-343080" defTabSz="457200">
               <a:lnSpc>
                 <a:spcPct val="100000"/>
               </a:lnSpc>
@@ -7985,54 +7998,92 @@
               <a:buClr>
                 <a:srgbClr val="000000"/>
               </a:buClr>
-              <a:buSzPct val="45000"/>
-              <a:buFont typeface="Wingdings" charset="2"/>
-              <a:buChar char=""/>
-            </a:pPr>
-            <a:r>
-              <a:rPr b="1" lang="pt-BR" sz="3200" strike="noStrike" u="none">
-                <a:solidFill>
-                  <a:srgbClr val="000000"/>
-                </a:solidFill>
-                <a:effectLst/>
-                <a:uFillTx/>
-                <a:latin typeface="Arial"/>
-              </a:rPr>
-              <a:t>ReactiveRedisTemplate</a:t>
-            </a:r>
-            <a:r>
-              <a:rPr b="0" lang="pt-BR" sz="3200" strike="noStrike" u="none">
-                <a:solidFill>
-                  <a:srgbClr val="000000"/>
-                </a:solidFill>
-                <a:effectLst/>
-                <a:uFillTx/>
-                <a:latin typeface="Arial"/>
+              <a:buFont typeface="Arial"/>
+              <a:buChar char="•"/>
+              <a:tabLst>
+                <a:tab algn="l" pos="0"/>
+              </a:tabLst>
+            </a:pPr>
+            <a:r>
+              <a:rPr b="0" lang="en-US" sz="3200" strike="noStrike" u="none">
+                <a:solidFill>
+                  <a:schemeClr val="dk1"/>
+                </a:solidFill>
+                <a:effectLst/>
+                <a:uFillTx/>
+                <a:latin typeface="Calibri"/>
+              </a:rPr>
+              <a:t>Supports </a:t>
+            </a:r>
+            <a:r>
+              <a:rPr b="1" lang="en-US" sz="3200" strike="noStrike" u="none">
+                <a:solidFill>
+                  <a:schemeClr val="dk1"/>
+                </a:solidFill>
+                <a:effectLst/>
+                <a:uFillTx/>
+                <a:latin typeface="Calibri"/>
+              </a:rPr>
+              <a:t>cluster</a:t>
+            </a:r>
+            <a:r>
+              <a:rPr b="0" lang="en-US" sz="3200" strike="noStrike" u="none">
+                <a:solidFill>
+                  <a:schemeClr val="dk1"/>
+                </a:solidFill>
+                <a:effectLst/>
+                <a:uFillTx/>
+                <a:latin typeface="Calibri"/>
               </a:rPr>
               <a:t> and </a:t>
             </a:r>
             <a:r>
-              <a:rPr b="1" lang="pt-BR" sz="3200" strike="noStrike" u="none">
-                <a:solidFill>
-                  <a:srgbClr val="000000"/>
-                </a:solidFill>
-                <a:effectLst/>
-                <a:uFillTx/>
-                <a:latin typeface="Arial"/>
-              </a:rPr>
-              <a:t>ReactiveRedisOperations</a:t>
-            </a:r>
-            <a:r>
-              <a:rPr b="0" lang="pt-BR" sz="3200" strike="noStrike" u="none">
-                <a:solidFill>
-                  <a:srgbClr val="000000"/>
-                </a:solidFill>
-                <a:effectLst/>
-                <a:uFillTx/>
-                <a:latin typeface="Arial"/>
-              </a:rPr>
-              <a:t> for reactive applications.</a:t>
-            </a:r>
+              <a:rPr b="1" lang="en-US" sz="3200" strike="noStrike" u="none">
+                <a:solidFill>
+                  <a:schemeClr val="dk1"/>
+                </a:solidFill>
+                <a:effectLst/>
+                <a:uFillTx/>
+                <a:latin typeface="Calibri"/>
+              </a:rPr>
+              <a:t>sentinel</a:t>
+            </a:r>
+            <a:r>
+              <a:rPr b="0" lang="en-US" sz="3200" strike="noStrike" u="none">
+                <a:solidFill>
+                  <a:schemeClr val="dk1"/>
+                </a:solidFill>
+                <a:effectLst/>
+                <a:uFillTx/>
+                <a:latin typeface="Calibri"/>
+              </a:rPr>
+              <a:t> for scalability and high availability</a:t>
+            </a:r>
+            <a:endParaRPr b="0" lang="pt-BR" sz="3200" strike="noStrike" u="none">
+              <a:solidFill>
+                <a:srgbClr val="000000"/>
+              </a:solidFill>
+              <a:effectLst/>
+              <a:uFillTx/>
+              <a:latin typeface="Arial"/>
+            </a:endParaRPr>
+          </a:p>
+          <a:p>
+            <a:pPr marL="343080" indent="0" defTabSz="457200">
+              <a:lnSpc>
+                <a:spcPct val="100000"/>
+              </a:lnSpc>
+              <a:spcBef>
+                <a:spcPts val="1191"/>
+              </a:spcBef>
+              <a:spcAft>
+                <a:spcPts val="992"/>
+              </a:spcAft>
+              <a:buNone/>
+              <a:tabLst>
+                <a:tab algn="l" pos="0"/>
+              </a:tabLst>
+            </a:pPr>
             <a:endParaRPr b="0" lang="pt-BR" sz="3200" strike="noStrike" u="none">
               <a:solidFill>
                 <a:srgbClr val="000000"/>
@@ -8101,8 +8152,8 @@
         </p:nvSpPr>
         <p:spPr>
           <a:xfrm>
-            <a:off x="457200" y="273600"/>
-            <a:ext cx="8227440" cy="1143000"/>
+            <a:off x="498960" y="387360"/>
+            <a:ext cx="8227080" cy="1143360"/>
           </a:xfrm>
           <a:prstGeom prst="rect">
             <a:avLst/>
@@ -8133,7 +8184,7 @@
                 </a:solidFill>
                 <a:effectLst/>
                 <a:uFillTx/>
-                <a:latin typeface="Arial"/>
+                <a:latin typeface="Calibri"/>
               </a:rPr>
               <a:t>Redis Template</a:t>
             </a:r>
@@ -8143,7 +8194,7 @@
               </a:solidFill>
               <a:effectLst/>
               <a:uFillTx/>
-              <a:latin typeface="Arial"/>
+              <a:latin typeface="Calibri"/>
             </a:endParaRPr>
           </a:p>
         </p:txBody>
@@ -8157,7 +8208,7 @@
         <p:spPr>
           <a:xfrm>
             <a:off x="360000" y="1620000"/>
-            <a:ext cx="8204400" cy="425160"/>
+            <a:ext cx="8204040" cy="2318760"/>
           </a:xfrm>
           <a:prstGeom prst="rect">
             <a:avLst/>
@@ -8178,7 +8229,7 @@
             <a:spAutoFit/>
           </a:bodyPr>
           <a:p>
-            <a:pPr>
+            <a:pPr marL="216000" indent="-216000">
               <a:lnSpc>
                 <a:spcPct val="100000"/>
               </a:lnSpc>
@@ -8188,66 +8239,106 @@
               <a:spcAft>
                 <a:spcPts val="992"/>
               </a:spcAft>
-            </a:pPr>
-            <a:endParaRPr b="0" lang="pt-BR" sz="1800" strike="noStrike" u="none">
-              <a:solidFill>
-                <a:srgbClr val="000000"/>
-              </a:solidFill>
-              <a:effectLst/>
-              <a:uFillTx/>
-              <a:latin typeface="Arial"/>
+              <a:buClr>
+                <a:srgbClr val="000000"/>
+              </a:buClr>
+              <a:buSzPct val="45000"/>
+              <a:buFont typeface="Wingdings" charset="2"/>
+              <a:buChar char=""/>
+            </a:pPr>
+            <a:r>
+              <a:rPr b="0" lang="pt-BR" sz="3200" strike="noStrike" u="none">
+                <a:solidFill>
+                  <a:srgbClr val="000000"/>
+                </a:solidFill>
+                <a:effectLst/>
+                <a:uFillTx/>
+                <a:latin typeface="Calibri"/>
+              </a:rPr>
+              <a:t>Provides abstractions for redis operations</a:t>
+            </a:r>
+            <a:endParaRPr b="0" lang="pt-BR" sz="3200" strike="noStrike" u="none">
+              <a:solidFill>
+                <a:srgbClr val="000000"/>
+              </a:solidFill>
+              <a:effectLst/>
+              <a:uFillTx/>
+              <a:latin typeface="Calibri"/>
+            </a:endParaRPr>
+          </a:p>
+          <a:p>
+            <a:pPr marL="216000" indent="-216000">
+              <a:lnSpc>
+                <a:spcPct val="100000"/>
+              </a:lnSpc>
+              <a:spcBef>
+                <a:spcPts val="1191"/>
+              </a:spcBef>
+              <a:spcAft>
+                <a:spcPts val="992"/>
+              </a:spcAft>
+              <a:buClr>
+                <a:srgbClr val="000000"/>
+              </a:buClr>
+              <a:buSzPct val="45000"/>
+              <a:buFont typeface="Wingdings" charset="2"/>
+              <a:buChar char=""/>
+            </a:pPr>
+            <a:r>
+              <a:rPr b="1" lang="pt-BR" sz="3200" strike="noStrike" u="none">
+                <a:solidFill>
+                  <a:srgbClr val="000000"/>
+                </a:solidFill>
+                <a:effectLst/>
+                <a:uFillTx/>
+                <a:latin typeface="Calibri"/>
+              </a:rPr>
+              <a:t>ReactiveRedisTemplate</a:t>
+            </a:r>
+            <a:r>
+              <a:rPr b="0" lang="pt-BR" sz="3200" strike="noStrike" u="none">
+                <a:solidFill>
+                  <a:srgbClr val="000000"/>
+                </a:solidFill>
+                <a:effectLst/>
+                <a:uFillTx/>
+                <a:latin typeface="Calibri"/>
+              </a:rPr>
+              <a:t> and </a:t>
+            </a:r>
+            <a:r>
+              <a:rPr b="1" lang="pt-BR" sz="3200" strike="noStrike" u="none">
+                <a:solidFill>
+                  <a:srgbClr val="000000"/>
+                </a:solidFill>
+                <a:effectLst/>
+                <a:uFillTx/>
+                <a:latin typeface="Calibri"/>
+              </a:rPr>
+              <a:t>ReactiveRedisOperations</a:t>
+            </a:r>
+            <a:r>
+              <a:rPr b="0" lang="pt-BR" sz="3200" strike="noStrike" u="none">
+                <a:solidFill>
+                  <a:srgbClr val="000000"/>
+                </a:solidFill>
+                <a:effectLst/>
+                <a:uFillTx/>
+                <a:latin typeface="Calibri"/>
+              </a:rPr>
+              <a:t> for reactive applications.</a:t>
+            </a:r>
+            <a:endParaRPr b="0" lang="pt-BR" sz="3200" strike="noStrike" u="none">
+              <a:solidFill>
+                <a:srgbClr val="000000"/>
+              </a:solidFill>
+              <a:effectLst/>
+              <a:uFillTx/>
+              <a:latin typeface="Calibri"/>
             </a:endParaRPr>
           </a:p>
         </p:txBody>
       </p:sp>
-      <p:pic>
-        <p:nvPicPr>
-          <p:cNvPr id="71" name="" descr=""/>
-          <p:cNvPicPr/>
-          <p:nvPr/>
-        </p:nvPicPr>
-        <p:blipFill>
-          <a:blip r:embed="rId1"/>
-          <a:stretch/>
-        </p:blipFill>
-        <p:spPr>
-          <a:xfrm>
-            <a:off x="1862280" y="3374280"/>
-            <a:ext cx="5200200" cy="2961720"/>
-          </a:xfrm>
-          <a:prstGeom prst="rect">
-            <a:avLst/>
-          </a:prstGeom>
-          <a:noFill/>
-          <a:ln w="0">
-            <a:noFill/>
-          </a:ln>
-        </p:spPr>
-      </p:pic>
-      <p:pic>
-        <p:nvPicPr>
-          <p:cNvPr id="72" name="" descr=""/>
-          <p:cNvPicPr/>
-          <p:nvPr/>
-        </p:nvPicPr>
-        <p:blipFill>
-          <a:blip r:embed="rId2"/>
-          <a:stretch/>
-        </p:blipFill>
-        <p:spPr>
-          <a:xfrm>
-            <a:off x="360" y="1412280"/>
-            <a:ext cx="9143280" cy="1209240"/>
-          </a:xfrm>
-          <a:prstGeom prst="rect">
-            <a:avLst/>
-          </a:prstGeom>
-          <a:noFill/>
-          <a:ln w="0">
-            <a:noFill/>
-          </a:ln>
-        </p:spPr>
-      </p:pic>
     </p:spTree>
   </p:cSld>
   <mc:AlternateContent>
@@ -8295,7 +8386,7 @@
       </p:grpSpPr>
       <p:sp>
         <p:nvSpPr>
-          <p:cNvPr id="73" name="PlaceHolder 1"/>
+          <p:cNvPr id="71" name="PlaceHolder 1"/>
           <p:cNvSpPr>
             <a:spLocks noGrp="1"/>
           </p:cNvSpPr>
@@ -8305,8 +8396,8 @@
         </p:nvSpPr>
         <p:spPr>
           <a:xfrm>
-            <a:off x="457200" y="273600"/>
-            <a:ext cx="8227440" cy="1143000"/>
+            <a:off x="457200" y="273240"/>
+            <a:ext cx="8227080" cy="1143360"/>
           </a:xfrm>
           <a:prstGeom prst="rect">
             <a:avLst/>
@@ -8337,9 +8428,9 @@
                 </a:solidFill>
                 <a:effectLst/>
                 <a:uFillTx/>
-                <a:latin typeface="Arial"/>
-              </a:rPr>
-              <a:t>Repositories</a:t>
+                <a:latin typeface="Calibri"/>
+              </a:rPr>
+              <a:t>Redis Template</a:t>
             </a:r>
             <a:endParaRPr b="0" lang="pt-BR" sz="4400" strike="noStrike" u="none">
               <a:solidFill>
@@ -8347,21 +8438,21 @@
               </a:solidFill>
               <a:effectLst/>
               <a:uFillTx/>
-              <a:latin typeface="Arial"/>
+              <a:latin typeface="Calibri"/>
             </a:endParaRPr>
           </a:p>
         </p:txBody>
       </p:sp>
       <p:sp>
         <p:nvSpPr>
-          <p:cNvPr id="74" name=""/>
+          <p:cNvPr id="72" name=""/>
           <p:cNvSpPr/>
           <p:nvPr/>
         </p:nvSpPr>
         <p:spPr>
           <a:xfrm>
-            <a:off x="-7200" y="1620000"/>
-            <a:ext cx="9186120" cy="1984320"/>
+            <a:off x="360000" y="1620000"/>
+            <a:ext cx="8204040" cy="424800"/>
           </a:xfrm>
           <a:prstGeom prst="rect">
             <a:avLst/>
@@ -8382,7 +8473,7 @@
             <a:spAutoFit/>
           </a:bodyPr>
           <a:p>
-            <a:pPr marL="216000" indent="-216000">
+            <a:pPr>
               <a:lnSpc>
                 <a:spcPct val="100000"/>
               </a:lnSpc>
@@ -8392,84 +8483,8 @@
               <a:spcAft>
                 <a:spcPts val="992"/>
               </a:spcAft>
-              <a:buClr>
-                <a:srgbClr val="000000"/>
-              </a:buClr>
-              <a:buSzPct val="45000"/>
-              <a:buFont typeface="Wingdings" charset="2"/>
-              <a:buChar char=""/>
-            </a:pPr>
-            <a:r>
-              <a:rPr b="0" lang="pt-BR" sz="2200" strike="noStrike" u="none">
-                <a:solidFill>
-                  <a:srgbClr val="000000"/>
-                </a:solidFill>
-                <a:effectLst/>
-                <a:uFillTx/>
-                <a:latin typeface="Arial"/>
-              </a:rPr>
-              <a:t>Spring Data Redis allows you to use the familiar Repository pattern you may know from JPA.</a:t>
-            </a:r>
-            <a:endParaRPr b="0" lang="pt-BR" sz="2200" strike="noStrike" u="none">
-              <a:solidFill>
-                <a:srgbClr val="000000"/>
-              </a:solidFill>
-              <a:effectLst/>
-              <a:uFillTx/>
-              <a:latin typeface="Arial"/>
-            </a:endParaRPr>
-          </a:p>
-          <a:p>
-            <a:pPr marL="216000" indent="-216000">
-              <a:lnSpc>
-                <a:spcPct val="100000"/>
-              </a:lnSpc>
-              <a:spcBef>
-                <a:spcPts val="1191"/>
-              </a:spcBef>
-              <a:spcAft>
-                <a:spcPts val="992"/>
-              </a:spcAft>
-              <a:buClr>
-                <a:srgbClr val="000000"/>
-              </a:buClr>
-              <a:buSzPct val="45000"/>
-              <a:buFont typeface="Wingdings" charset="2"/>
-              <a:buChar char=""/>
-            </a:pPr>
-            <a:r>
-              <a:rPr b="0" lang="pt-BR" sz="2200" strike="noStrike" u="none">
-                <a:solidFill>
-                  <a:srgbClr val="000000"/>
-                </a:solidFill>
-                <a:effectLst/>
-                <a:uFillTx/>
-                <a:latin typeface="Arial"/>
-              </a:rPr>
-              <a:t> It maps your Java objects directly to Redis Hashes.</a:t>
-            </a:r>
-            <a:endParaRPr b="0" lang="pt-BR" sz="2200" strike="noStrike" u="none">
-              <a:solidFill>
-                <a:srgbClr val="000000"/>
-              </a:solidFill>
-              <a:effectLst/>
-              <a:uFillTx/>
-              <a:latin typeface="Arial"/>
-            </a:endParaRPr>
-          </a:p>
-          <a:p>
-            <a:pPr>
-              <a:lnSpc>
-                <a:spcPct val="100000"/>
-              </a:lnSpc>
-              <a:spcBef>
-                <a:spcPts val="1191"/>
-              </a:spcBef>
-              <a:spcAft>
-                <a:spcPts val="992"/>
-              </a:spcAft>
-            </a:pPr>
-            <a:endParaRPr b="0" lang="pt-BR" sz="2200" strike="noStrike" u="none">
+            </a:pPr>
+            <a:endParaRPr b="0" lang="pt-BR" sz="1800" strike="noStrike" u="none">
               <a:solidFill>
                 <a:srgbClr val="000000"/>
               </a:solidFill>
@@ -8480,6 +8495,54 @@
           </a:p>
         </p:txBody>
       </p:sp>
+      <p:pic>
+        <p:nvPicPr>
+          <p:cNvPr id="73" name="" descr=""/>
+          <p:cNvPicPr/>
+          <p:nvPr/>
+        </p:nvPicPr>
+        <p:blipFill>
+          <a:blip r:embed="rId1"/>
+          <a:stretch/>
+        </p:blipFill>
+        <p:spPr>
+          <a:xfrm>
+            <a:off x="1862280" y="3374280"/>
+            <a:ext cx="5199840" cy="2961360"/>
+          </a:xfrm>
+          <a:prstGeom prst="rect">
+            <a:avLst/>
+          </a:prstGeom>
+          <a:noFill/>
+          <a:ln w="0">
+            <a:noFill/>
+          </a:ln>
+        </p:spPr>
+      </p:pic>
+      <p:pic>
+        <p:nvPicPr>
+          <p:cNvPr id="74" name="" descr=""/>
+          <p:cNvPicPr/>
+          <p:nvPr/>
+        </p:nvPicPr>
+        <p:blipFill>
+          <a:blip r:embed="rId2"/>
+          <a:stretch/>
+        </p:blipFill>
+        <p:spPr>
+          <a:xfrm>
+            <a:off x="360" y="1412280"/>
+            <a:ext cx="9142920" cy="1208880"/>
+          </a:xfrm>
+          <a:prstGeom prst="rect">
+            <a:avLst/>
+          </a:prstGeom>
+          <a:noFill/>
+          <a:ln w="0">
+            <a:noFill/>
+          </a:ln>
+        </p:spPr>
+      </p:pic>
     </p:spTree>
   </p:cSld>
   <mc:AlternateContent>
@@ -8537,8 +8600,8 @@
         </p:nvSpPr>
         <p:spPr>
           <a:xfrm>
-            <a:off x="457200" y="273600"/>
-            <a:ext cx="8227440" cy="1143000"/>
+            <a:off x="457200" y="273240"/>
+            <a:ext cx="8227080" cy="1143360"/>
           </a:xfrm>
           <a:prstGeom prst="rect">
             <a:avLst/>
@@ -8569,7 +8632,7 @@
                 </a:solidFill>
                 <a:effectLst/>
                 <a:uFillTx/>
-                <a:latin typeface="Arial"/>
+                <a:latin typeface="Calibri"/>
               </a:rPr>
               <a:t>Spring Data Rest with Redis</a:t>
             </a:r>
@@ -8579,7 +8642,7 @@
               </a:solidFill>
               <a:effectLst/>
               <a:uFillTx/>
-              <a:latin typeface="Arial"/>
+              <a:latin typeface="Calibri"/>
             </a:endParaRPr>
           </a:p>
         </p:txBody>
@@ -8593,7 +8656,7 @@
         <p:spPr>
           <a:xfrm>
             <a:off x="0" y="1800000"/>
-            <a:ext cx="9150120" cy="4600080"/>
+            <a:ext cx="9149760" cy="2932920"/>
           </a:xfrm>
           <a:prstGeom prst="rect">
             <a:avLst/>
@@ -8678,36 +8741,7 @@
                 <a:uFillTx/>
                 <a:latin typeface="Arial"/>
               </a:rPr>
-              <a:t>It's excellent for simple, key-value based CRUD operations.</a:t>
-            </a:r>
-            <a:endParaRPr b="0" lang="pt-BR" sz="2200" strike="noStrike" u="none">
-              <a:solidFill>
-                <a:srgbClr val="000000"/>
-              </a:solidFill>
-              <a:effectLst/>
-              <a:uFillTx/>
-              <a:latin typeface="Arial"/>
-            </a:endParaRPr>
-          </a:p>
-          <a:p>
-            <a:pPr>
-              <a:lnSpc>
-                <a:spcPct val="100000"/>
-              </a:lnSpc>
-            </a:pPr>
-            <a:br>
-              <a:rPr sz="2200"/>
-            </a:br>
-            <a:r>
-              <a:rPr b="0" lang="pt-BR" sz="2200" strike="noStrike" u="none">
-                <a:solidFill>
-                  <a:srgbClr val="000000"/>
-                </a:solidFill>
-                <a:effectLst/>
-                <a:uFillTx/>
-                <a:latin typeface="Arial"/>
-              </a:rPr>
-              <a:t>   Limitations: </a:t>
+              <a:t>Limitations: </a:t>
             </a:r>
             <a:endParaRPr b="0" lang="pt-BR" sz="2200" strike="noStrike" u="none">
               <a:solidFill>
@@ -8784,44 +8818,6 @@
                 <a:latin typeface="Arial"/>
               </a:rPr>
               <a:t>Spring Data REST cannot automatically generate complex query methods for Redis repositories (e.g., `findByNameContaining`)</a:t>
-            </a:r>
-            <a:endParaRPr b="0" lang="pt-BR" sz="2200" strike="noStrike" u="none">
-              <a:solidFill>
-                <a:srgbClr val="000000"/>
-              </a:solidFill>
-              <a:effectLst/>
-              <a:uFillTx/>
-              <a:latin typeface="Arial"/>
-            </a:endParaRPr>
-          </a:p>
-          <a:p>
-            <a:pPr marL="216000" indent="-216000">
-              <a:lnSpc>
-                <a:spcPct val="100000"/>
-              </a:lnSpc>
-              <a:spcBef>
-                <a:spcPts val="1191"/>
-              </a:spcBef>
-              <a:spcAft>
-                <a:spcPts val="992"/>
-              </a:spcAft>
-              <a:buClr>
-                <a:srgbClr val="000000"/>
-              </a:buClr>
-              <a:buSzPct val="45000"/>
-              <a:buFont typeface="Wingdings" charset="2"/>
-              <a:buChar char=""/>
-            </a:pPr>
-            <a:r>
-              <a:rPr b="0" lang="pt-BR" sz="2200" strike="noStrike" u="none">
-                <a:solidFill>
-                  <a:srgbClr val="000000"/>
-                </a:solidFill>
-                <a:effectLst/>
-                <a:uFillTx/>
-                <a:latin typeface="Arial"/>
-              </a:rPr>
-              <a:t>Complex queries on nested data in Redis would often require fetching entire objects and then filtering them in memory </a:t>
             </a:r>
             <a:endParaRPr b="0" lang="pt-BR" sz="2200" strike="noStrike" u="none">
               <a:solidFill>
@@ -8891,8 +8887,8 @@
         </p:nvSpPr>
         <p:spPr>
           <a:xfrm>
-            <a:off x="457200" y="297000"/>
-            <a:ext cx="8227440" cy="1143000"/>
+            <a:off x="457200" y="273240"/>
+            <a:ext cx="8227080" cy="1143360"/>
           </a:xfrm>
           <a:prstGeom prst="rect">
             <a:avLst/>
@@ -8923,9 +8919,9 @@
                 </a:solidFill>
                 <a:effectLst/>
                 <a:uFillTx/>
-                <a:latin typeface="Arial"/>
-              </a:rPr>
-              <a:t>Pros and cons</a:t>
+                <a:latin typeface="Calibri"/>
+              </a:rPr>
+              <a:t>@Reference</a:t>
             </a:r>
             <a:endParaRPr b="0" lang="pt-BR" sz="4400" strike="noStrike" u="none">
               <a:solidFill>
@@ -8933,7 +8929,7 @@
               </a:solidFill>
               <a:effectLst/>
               <a:uFillTx/>
-              <a:latin typeface="Arial"/>
+              <a:latin typeface="Calibri"/>
             </a:endParaRPr>
           </a:p>
         </p:txBody>
@@ -8946,8 +8942,8 @@
         </p:nvSpPr>
         <p:spPr>
           <a:xfrm>
-            <a:off x="0" y="1620000"/>
-            <a:ext cx="3418920" cy="2019240"/>
+            <a:off x="0" y="1800000"/>
+            <a:ext cx="9149760" cy="425520"/>
           </a:xfrm>
           <a:prstGeom prst="rect">
             <a:avLst/>
@@ -8986,7 +8982,7 @@
               <a:buChar char=""/>
             </a:pPr>
             <a:r>
-              <a:rPr b="1" lang="pt-BR" sz="1800" strike="noStrike" u="none">
+              <a:rPr b="0" lang="pt-BR" sz="2200" strike="noStrike" u="none">
                 <a:solidFill>
                   <a:srgbClr val="000000"/>
                 </a:solidFill>
@@ -8994,17 +8990,211 @@
                 <a:uFillTx/>
                 <a:latin typeface="Arial"/>
               </a:rPr>
-              <a:t>Pros</a:t>
-            </a:r>
-            <a:endParaRPr b="0" lang="pt-BR" sz="1800" strike="noStrike" u="none">
-              <a:solidFill>
-                <a:srgbClr val="000000"/>
-              </a:solidFill>
-              <a:effectLst/>
-              <a:uFillTx/>
-              <a:latin typeface="Arial"/>
-            </a:endParaRPr>
-          </a:p>
+              <a:t>For </a:t>
+            </a:r>
+            <a:r>
+              <a:rPr b="1" lang="pt-BR" sz="2200" strike="noStrike" u="none">
+                <a:solidFill>
+                  <a:srgbClr val="000000"/>
+                </a:solidFill>
+                <a:effectLst/>
+                <a:uFillTx/>
+                <a:latin typeface="Arial"/>
+              </a:rPr>
+              <a:t>relationships between objects</a:t>
+            </a:r>
+            <a:endParaRPr b="0" lang="pt-BR" sz="2200" strike="noStrike" u="none">
+              <a:solidFill>
+                <a:srgbClr val="000000"/>
+              </a:solidFill>
+              <a:effectLst/>
+              <a:uFillTx/>
+              <a:latin typeface="Arial"/>
+            </a:endParaRPr>
+          </a:p>
+        </p:txBody>
+      </p:sp>
+      <p:pic>
+        <p:nvPicPr>
+          <p:cNvPr id="79" name="" descr=""/>
+          <p:cNvPicPr/>
+          <p:nvPr/>
+        </p:nvPicPr>
+        <p:blipFill>
+          <a:blip r:embed="rId1"/>
+          <a:stretch/>
+        </p:blipFill>
+        <p:spPr>
+          <a:xfrm>
+            <a:off x="153000" y="2909160"/>
+            <a:ext cx="4255200" cy="2496240"/>
+          </a:xfrm>
+          <a:prstGeom prst="rect">
+            <a:avLst/>
+          </a:prstGeom>
+          <a:noFill/>
+          <a:ln w="0">
+            <a:noFill/>
+          </a:ln>
+        </p:spPr>
+      </p:pic>
+      <p:pic>
+        <p:nvPicPr>
+          <p:cNvPr id="80" name="" descr=""/>
+          <p:cNvPicPr/>
+          <p:nvPr/>
+        </p:nvPicPr>
+        <p:blipFill>
+          <a:blip r:embed="rId2"/>
+          <a:stretch/>
+        </p:blipFill>
+        <p:spPr>
+          <a:xfrm>
+            <a:off x="4817520" y="2914200"/>
+            <a:ext cx="3471840" cy="2644200"/>
+          </a:xfrm>
+          <a:prstGeom prst="rect">
+            <a:avLst/>
+          </a:prstGeom>
+          <a:noFill/>
+          <a:ln w="0">
+            <a:noFill/>
+          </a:ln>
+        </p:spPr>
+      </p:pic>
+    </p:spTree>
+  </p:cSld>
+  <mc:AlternateContent>
+    <mc:Choice Requires="p14">
+      <p:transition spd="slow" p14:dur="2000"/>
+    </mc:Choice>
+    <mc:Fallback>
+      <p:transition spd="slow"/>
+    </mc:Fallback>
+  </mc:AlternateContent>
+</p:sld>
+</file>
+
+<file path=ppt/slides/slide9.xml><?xml version="1.0" encoding="utf-8"?>
+<p:sld xmlns:a="http://schemas.openxmlformats.org/drawingml/2006/main" xmlns:p="http://schemas.openxmlformats.org/presentationml/2006/main" xmlns:r="http://schemas.openxmlformats.org/officeDocument/2006/relationships" xmlns:p14="http://schemas.microsoft.com/office/powerpoint/2010/main" xmlns:p15="http://schemas.microsoft.com/office/powerpoint/2012/main" xmlns:mc="http://schemas.openxmlformats.org/markup-compatibility/2006">
+  <p:cSld>
+    <p:bg>
+      <p:bgPr>
+        <a:gradFill rotWithShape="0">
+          <a:gsLst>
+            <a:gs pos="0">
+              <a:srgbClr val="b4c7dc"/>
+            </a:gs>
+            <a:gs pos="100000">
+              <a:srgbClr val="dee6ef"/>
+            </a:gs>
+          </a:gsLst>
+          <a:lin ang="5340000"/>
+        </a:gradFill>
+      </p:bgPr>
+    </p:bg>
+    <p:spTree>
+      <p:nvGrpSpPr>
+        <p:cNvPr id="1" name=""/>
+        <p:cNvGrpSpPr/>
+        <p:nvPr/>
+      </p:nvGrpSpPr>
+      <p:grpSpPr>
+        <a:xfrm>
+          <a:off x="0" y="0"/>
+          <a:ext cx="0" cy="0"/>
+          <a:chOff x="0" y="0"/>
+          <a:chExt cx="0" cy="0"/>
+        </a:xfrm>
+      </p:grpSpPr>
+      <p:sp>
+        <p:nvSpPr>
+          <p:cNvPr id="81" name="PlaceHolder 1"/>
+          <p:cNvSpPr>
+            <a:spLocks noGrp="1"/>
+          </p:cNvSpPr>
+          <p:nvPr>
+            <p:ph type="title"/>
+          </p:nvPr>
+        </p:nvSpPr>
+        <p:spPr>
+          <a:xfrm>
+            <a:off x="457200" y="296640"/>
+            <a:ext cx="8227080" cy="1143360"/>
+          </a:xfrm>
+          <a:prstGeom prst="rect">
+            <a:avLst/>
+          </a:prstGeom>
+          <a:noFill/>
+          <a:ln w="0">
+            <a:noFill/>
+          </a:ln>
+        </p:spPr>
+        <p:txBody>
+          <a:bodyPr lIns="0" rIns="0" tIns="0" bIns="0" anchor="ctr">
+            <a:spAutoFit/>
+          </a:bodyPr>
+          <a:p>
+            <a:pPr indent="0" algn="ctr">
+              <a:lnSpc>
+                <a:spcPct val="100000"/>
+              </a:lnSpc>
+              <a:buNone/>
+              <a:tabLst>
+                <a:tab algn="l" pos="0"/>
+              </a:tabLst>
+            </a:pPr>
+            <a:r>
+              <a:rPr b="0" lang="pt-BR" sz="4400" strike="noStrike" u="none">
+                <a:solidFill>
+                  <a:srgbClr val="000000"/>
+                </a:solidFill>
+                <a:effectLst/>
+                <a:uFillTx/>
+                <a:latin typeface="Calibri"/>
+              </a:rPr>
+              <a:t>Pros and cons</a:t>
+            </a:r>
+            <a:endParaRPr b="0" lang="pt-BR" sz="4400" strike="noStrike" u="none">
+              <a:solidFill>
+                <a:srgbClr val="000000"/>
+              </a:solidFill>
+              <a:effectLst/>
+              <a:uFillTx/>
+              <a:latin typeface="Calibri"/>
+            </a:endParaRPr>
+          </a:p>
+        </p:txBody>
+      </p:sp>
+      <p:sp>
+        <p:nvSpPr>
+          <p:cNvPr id="82" name=""/>
+          <p:cNvSpPr/>
+          <p:nvPr/>
+        </p:nvSpPr>
+        <p:spPr>
+          <a:xfrm>
+            <a:off x="0" y="1620000"/>
+            <a:ext cx="3418560" cy="2018520"/>
+          </a:xfrm>
+          <a:prstGeom prst="rect">
+            <a:avLst/>
+          </a:prstGeom>
+          <a:noFill/>
+          <a:ln w="0">
+            <a:noFill/>
+          </a:ln>
+        </p:spPr>
+        <p:style>
+          <a:lnRef idx="0"/>
+          <a:fillRef idx="0"/>
+          <a:effectRef idx="0"/>
+          <a:fontRef idx="minor"/>
+        </p:style>
+        <p:txBody>
+          <a:bodyPr lIns="90000" rIns="90000" tIns="45000" bIns="45000" anchor="t">
+            <a:spAutoFit/>
+          </a:bodyPr>
           <a:p>
             <a:pPr marL="216000" indent="-216000">
               <a:lnSpc>
@@ -9032,7 +9222,7 @@
                 <a:uFillTx/>
                 <a:latin typeface="Arial"/>
               </a:rPr>
-              <a:t>Productivity Boost</a:t>
+              <a:t>Pros</a:t>
             </a:r>
             <a:endParaRPr b="0" lang="pt-BR" sz="1800" strike="noStrike" u="none">
               <a:solidFill>
@@ -9070,7 +9260,7 @@
                 <a:uFillTx/>
                 <a:latin typeface="Arial"/>
               </a:rPr>
-              <a:t>Driver Management</a:t>
+              <a:t>Productivity Boost</a:t>
             </a:r>
             <a:endParaRPr b="0" lang="pt-BR" sz="1800" strike="noStrike" u="none">
               <a:solidFill>
@@ -9108,6 +9298,44 @@
                 <a:uFillTx/>
                 <a:latin typeface="Arial"/>
               </a:rPr>
+              <a:t>Driver Management</a:t>
+            </a:r>
+            <a:endParaRPr b="0" lang="pt-BR" sz="1800" strike="noStrike" u="none">
+              <a:solidFill>
+                <a:srgbClr val="000000"/>
+              </a:solidFill>
+              <a:effectLst/>
+              <a:uFillTx/>
+              <a:latin typeface="Arial"/>
+            </a:endParaRPr>
+          </a:p>
+          <a:p>
+            <a:pPr marL="216000" indent="-216000">
+              <a:lnSpc>
+                <a:spcPct val="100000"/>
+              </a:lnSpc>
+              <a:spcBef>
+                <a:spcPts val="1191"/>
+              </a:spcBef>
+              <a:spcAft>
+                <a:spcPts val="992"/>
+              </a:spcAft>
+              <a:buClr>
+                <a:srgbClr val="000000"/>
+              </a:buClr>
+              <a:buSzPct val="45000"/>
+              <a:buFont typeface="Wingdings" charset="2"/>
+              <a:buChar char=""/>
+            </a:pPr>
+            <a:r>
+              <a:rPr b="1" lang="pt-BR" sz="1800" strike="noStrike" u="none">
+                <a:solidFill>
+                  <a:srgbClr val="000000"/>
+                </a:solidFill>
+                <a:effectLst/>
+                <a:uFillTx/>
+                <a:latin typeface="Arial"/>
+              </a:rPr>
               <a:t>Automatic Serialization</a:t>
             </a:r>
             <a:endParaRPr b="0" lang="pt-BR" sz="1800" strike="noStrike" u="none">
@@ -9123,14 +9351,14 @@
       </p:sp>
       <p:sp>
         <p:nvSpPr>
-          <p:cNvPr id="79" name=""/>
+          <p:cNvPr id="83" name=""/>
           <p:cNvSpPr/>
           <p:nvPr/>
         </p:nvSpPr>
         <p:spPr>
           <a:xfrm>
             <a:off x="3960000" y="1620000"/>
-            <a:ext cx="3058920" cy="916200"/>
+            <a:ext cx="3058560" cy="915480"/>
           </a:xfrm>
           <a:prstGeom prst="rect">
             <a:avLst/>
